--- a/RPGGame_Docs/AegisNetwork_RPGServer.pptx
+++ b/RPGGame_Docs/AegisNetwork_RPGServer.pptx
@@ -5,10 +5,10 @@
     <p:sldMasterId id="2147483648" r:id="rId1"/>
   </p:sldMasterIdLst>
   <p:notesMasterIdLst>
-    <p:notesMasterId r:id="rId19"/>
+    <p:notesMasterId r:id="rId20"/>
   </p:notesMasterIdLst>
   <p:handoutMasterIdLst>
-    <p:handoutMasterId r:id="rId20"/>
+    <p:handoutMasterId r:id="rId21"/>
   </p:handoutMasterIdLst>
   <p:sldIdLst>
     <p:sldId id="565" r:id="rId2"/>
@@ -20,14 +20,15 @@
     <p:sldId id="1504" r:id="rId8"/>
     <p:sldId id="1521" r:id="rId9"/>
     <p:sldId id="1514" r:id="rId10"/>
-    <p:sldId id="1515" r:id="rId11"/>
-    <p:sldId id="1516" r:id="rId12"/>
-    <p:sldId id="1522" r:id="rId13"/>
-    <p:sldId id="1523" r:id="rId14"/>
-    <p:sldId id="1524" r:id="rId15"/>
-    <p:sldId id="1525" r:id="rId16"/>
-    <p:sldId id="1526" r:id="rId17"/>
-    <p:sldId id="1527" r:id="rId18"/>
+    <p:sldId id="1529" r:id="rId11"/>
+    <p:sldId id="1515" r:id="rId12"/>
+    <p:sldId id="1516" r:id="rId13"/>
+    <p:sldId id="1522" r:id="rId14"/>
+    <p:sldId id="1523" r:id="rId15"/>
+    <p:sldId id="1524" r:id="rId16"/>
+    <p:sldId id="1525" r:id="rId17"/>
+    <p:sldId id="1526" r:id="rId18"/>
+    <p:sldId id="1527" r:id="rId19"/>
   </p:sldIdLst>
   <p:sldSz cx="9144000" cy="5143500" type="screen16x9"/>
   <p:notesSz cx="6805613" cy="9939338"/>
@@ -170,6 +171,7 @@
             <p14:sldId id="1504"/>
             <p14:sldId id="1521"/>
             <p14:sldId id="1514"/>
+            <p14:sldId id="1529"/>
             <p14:sldId id="1515"/>
             <p14:sldId id="1516"/>
             <p14:sldId id="1522"/>
@@ -1910,7 +1912,7 @@
                 <a:ea typeface="맑은 고딕" panose="020B0503020000020004" pitchFamily="50" charset="-127"/>
               </a:rPr>
               <a:pPr eaLnBrk="1" hangingPunct="1"/>
-              <a:t>12</a:t>
+              <a:t>13</a:t>
             </a:fld>
             <a:endParaRPr lang="en-US" altLang="ko-KR" dirty="0" smtClean="0">
               <a:ea typeface="맑은 고딕" panose="020B0503020000020004" pitchFamily="50" charset="-127"/>
@@ -3551,14 +3553,7 @@
                 <a:latin typeface="맑은 고딕" pitchFamily="50" charset="-127"/>
                 <a:ea typeface="맑은 고딕" pitchFamily="50" charset="-127"/>
               </a:rPr>
-              <a:t>을 </a:t>
-            </a:r>
-            <a:r>
-              <a:rPr lang="ko-KR" altLang="en-US" sz="1800" b="1" dirty="0" smtClean="0">
-                <a:latin typeface="맑은 고딕" pitchFamily="50" charset="-127"/>
-                <a:ea typeface="맑은 고딕" pitchFamily="50" charset="-127"/>
-              </a:rPr>
-              <a:t>활용한</a:t>
+              <a:t>을 활용한</a:t>
             </a:r>
             <a:endParaRPr lang="en-US" altLang="ko-KR" sz="1800" b="1" dirty="0" smtClean="0">
               <a:latin typeface="맑은 고딕" pitchFamily="50" charset="-127"/>
@@ -3577,14 +3572,7 @@
                 <a:latin typeface="맑은 고딕" pitchFamily="50" charset="-127"/>
                 <a:ea typeface="맑은 고딕" pitchFamily="50" charset="-127"/>
               </a:rPr>
-              <a:t>Mobile RPG</a:t>
-            </a:r>
-            <a:r>
-              <a:rPr lang="en-US" altLang="ko-KR" sz="3100" b="1" dirty="0" smtClean="0">
-                <a:latin typeface="맑은 고딕" pitchFamily="50" charset="-127"/>
-                <a:ea typeface="맑은 고딕" pitchFamily="50" charset="-127"/>
-              </a:rPr>
-              <a:t> Server </a:t>
+              <a:t>Mobile RPG Server </a:t>
             </a:r>
             <a:r>
               <a:rPr lang="ko-KR" altLang="en-US" sz="3100" b="1" dirty="0" smtClean="0">
@@ -3732,14 +3720,28 @@
                 <a:latin typeface="맑은 고딕" panose="020B0503020000020004" pitchFamily="50" charset="-127"/>
                 <a:ea typeface="맑은 고딕" panose="020B0503020000020004" pitchFamily="50" charset="-127"/>
               </a:rPr>
-              <a:t>2. </a:t>
+              <a:t>1.1. </a:t>
+            </a:r>
+            <a:r>
+              <a:rPr lang="en-US" altLang="ko-KR" sz="2000" b="1" dirty="0" err="1" smtClean="0">
+                <a:latin typeface="맑은 고딕" panose="020B0503020000020004" pitchFamily="50" charset="-127"/>
+                <a:ea typeface="맑은 고딕" panose="020B0503020000020004" pitchFamily="50" charset="-127"/>
+              </a:rPr>
+              <a:t>NetworkAPI</a:t>
+            </a:r>
+            <a:r>
+              <a:rPr lang="en-US" altLang="ko-KR" sz="2000" b="1" dirty="0" smtClean="0">
+                <a:latin typeface="맑은 고딕" panose="020B0503020000020004" pitchFamily="50" charset="-127"/>
+                <a:ea typeface="맑은 고딕" panose="020B0503020000020004" pitchFamily="50" charset="-127"/>
+              </a:rPr>
+              <a:t> </a:t>
             </a:r>
             <a:r>
               <a:rPr lang="ko-KR" altLang="en-US" sz="2000" b="1" dirty="0" smtClean="0">
                 <a:latin typeface="맑은 고딕" panose="020B0503020000020004" pitchFamily="50" charset="-127"/>
                 <a:ea typeface="맑은 고딕" panose="020B0503020000020004" pitchFamily="50" charset="-127"/>
               </a:rPr>
-              <a:t>프로토콜 정의</a:t>
+              <a:t>사용 예</a:t>
             </a:r>
             <a:endParaRPr lang="ko-KR" altLang="en-US" sz="2000" b="1" dirty="0" smtClean="0">
               <a:latin typeface="맑은 고딕" panose="020B0503020000020004" pitchFamily="50" charset="-127"/>
@@ -3748,10 +3750,1100 @@
           </a:p>
         </p:txBody>
       </p:sp>
+      <p:sp>
+        <p:nvSpPr>
+          <p:cNvPr id="13" name="직사각형 12"/>
+          <p:cNvSpPr/>
+          <p:nvPr/>
+        </p:nvSpPr>
+        <p:spPr>
+          <a:xfrm>
+            <a:off x="2861772" y="3111822"/>
+            <a:ext cx="3060408" cy="1754326"/>
+          </a:xfrm>
+          <a:prstGeom prst="rect">
+            <a:avLst/>
+          </a:prstGeom>
+        </p:spPr>
+        <p:txBody>
+          <a:bodyPr wrap="square">
+            <a:spAutoFit/>
+          </a:bodyPr>
+          <a:lstStyle/>
+          <a:p>
+            <a:pPr algn="l"/>
+            <a:r>
+              <a:rPr lang="en-US" altLang="ko-KR" sz="900" dirty="0">
+                <a:solidFill>
+                  <a:srgbClr val="008000"/>
+                </a:solidFill>
+                <a:highlight>
+                  <a:srgbClr val="FFFFFF"/>
+                </a:highlight>
+                <a:latin typeface="Consolas" panose="020B0609020204030204" pitchFamily="49" charset="0"/>
+              </a:rPr>
+              <a:t>//  </a:t>
+            </a:r>
+            <a:r>
+              <a:rPr lang="ko-KR" altLang="en-US" sz="900" dirty="0">
+                <a:solidFill>
+                  <a:srgbClr val="008000"/>
+                </a:solidFill>
+                <a:highlight>
+                  <a:srgbClr val="FFFFFF"/>
+                </a:highlight>
+                <a:latin typeface="Consolas" panose="020B0609020204030204" pitchFamily="49" charset="0"/>
+              </a:rPr>
+              <a:t>접속 가능한 </a:t>
+            </a:r>
+            <a:r>
+              <a:rPr lang="en-US" altLang="ko-KR" sz="900" dirty="0">
+                <a:solidFill>
+                  <a:srgbClr val="008000"/>
+                </a:solidFill>
+                <a:highlight>
+                  <a:srgbClr val="FFFFFF"/>
+                </a:highlight>
+                <a:latin typeface="Consolas" panose="020B0609020204030204" pitchFamily="49" charset="0"/>
+              </a:rPr>
+              <a:t>World </a:t>
+            </a:r>
+            <a:r>
+              <a:rPr lang="ko-KR" altLang="en-US" sz="900" dirty="0">
+                <a:solidFill>
+                  <a:srgbClr val="008000"/>
+                </a:solidFill>
+                <a:highlight>
+                  <a:srgbClr val="FFFFFF"/>
+                </a:highlight>
+                <a:latin typeface="Consolas" panose="020B0609020204030204" pitchFamily="49" charset="0"/>
+              </a:rPr>
+              <a:t>목록 요청</a:t>
+            </a:r>
+            <a:endParaRPr lang="ko-KR" altLang="en-US" sz="900" dirty="0"/>
+          </a:p>
+          <a:p>
+            <a:pPr algn="l"/>
+            <a:r>
+              <a:rPr lang="en-US" altLang="ko-KR" sz="900" dirty="0" err="1" smtClean="0">
+                <a:solidFill>
+                  <a:srgbClr val="2B91AF"/>
+                </a:solidFill>
+                <a:highlight>
+                  <a:srgbClr val="FFFFFF"/>
+                </a:highlight>
+                <a:latin typeface="Consolas" panose="020B0609020204030204" pitchFamily="49" charset="0"/>
+              </a:rPr>
+              <a:t>Requester</a:t>
+            </a:r>
+            <a:r>
+              <a:rPr lang="en-US" altLang="ko-KR" sz="900" dirty="0" err="1" smtClean="0">
+                <a:solidFill>
+                  <a:srgbClr val="000000"/>
+                </a:solidFill>
+                <a:highlight>
+                  <a:srgbClr val="FFFFFF"/>
+                </a:highlight>
+                <a:latin typeface="Consolas" panose="020B0609020204030204" pitchFamily="49" charset="0"/>
+              </a:rPr>
+              <a:t>.Auth_WorldList</a:t>
+            </a:r>
+            <a:r>
+              <a:rPr lang="en-US" altLang="ko-KR" sz="900" dirty="0">
+                <a:solidFill>
+                  <a:srgbClr val="000000"/>
+                </a:solidFill>
+                <a:highlight>
+                  <a:srgbClr val="FFFFFF"/>
+                </a:highlight>
+                <a:latin typeface="Consolas" panose="020B0609020204030204" pitchFamily="49" charset="0"/>
+              </a:rPr>
+              <a:t>((response) =&gt;</a:t>
+            </a:r>
+          </a:p>
+          <a:p>
+            <a:pPr algn="l"/>
+            <a:r>
+              <a:rPr lang="en-US" altLang="ko-KR" sz="900" dirty="0">
+                <a:solidFill>
+                  <a:srgbClr val="000000"/>
+                </a:solidFill>
+                <a:highlight>
+                  <a:srgbClr val="FFFFFF"/>
+                </a:highlight>
+                <a:latin typeface="Consolas" panose="020B0609020204030204" pitchFamily="49" charset="0"/>
+              </a:rPr>
+              <a:t>{</a:t>
+            </a:r>
+          </a:p>
+          <a:p>
+            <a:pPr algn="l"/>
+            <a:r>
+              <a:rPr lang="en-US" altLang="ko-KR" sz="900" dirty="0">
+                <a:solidFill>
+                  <a:srgbClr val="000000"/>
+                </a:solidFill>
+                <a:highlight>
+                  <a:srgbClr val="FFFFFF"/>
+                </a:highlight>
+                <a:latin typeface="Consolas" panose="020B0609020204030204" pitchFamily="49" charset="0"/>
+              </a:rPr>
+              <a:t>    </a:t>
+            </a:r>
+            <a:r>
+              <a:rPr lang="en-US" altLang="ko-KR" sz="900" dirty="0" err="1">
+                <a:solidFill>
+                  <a:srgbClr val="0000FF"/>
+                </a:solidFill>
+                <a:highlight>
+                  <a:srgbClr val="FFFFFF"/>
+                </a:highlight>
+                <a:latin typeface="Consolas" panose="020B0609020204030204" pitchFamily="49" charset="0"/>
+              </a:rPr>
+              <a:t>foreach</a:t>
+            </a:r>
+            <a:r>
+              <a:rPr lang="en-US" altLang="ko-KR" sz="900" dirty="0">
+                <a:solidFill>
+                  <a:srgbClr val="000000"/>
+                </a:solidFill>
+                <a:highlight>
+                  <a:srgbClr val="FFFFFF"/>
+                </a:highlight>
+                <a:latin typeface="Consolas" panose="020B0609020204030204" pitchFamily="49" charset="0"/>
+              </a:rPr>
+              <a:t> (</a:t>
+            </a:r>
+            <a:r>
+              <a:rPr lang="en-US" altLang="ko-KR" sz="900" dirty="0" err="1">
+                <a:solidFill>
+                  <a:srgbClr val="0000FF"/>
+                </a:solidFill>
+                <a:highlight>
+                  <a:srgbClr val="FFFFFF"/>
+                </a:highlight>
+                <a:latin typeface="Consolas" panose="020B0609020204030204" pitchFamily="49" charset="0"/>
+              </a:rPr>
+              <a:t>var</a:t>
+            </a:r>
+            <a:r>
+              <a:rPr lang="en-US" altLang="ko-KR" sz="900" dirty="0">
+                <a:solidFill>
+                  <a:srgbClr val="000000"/>
+                </a:solidFill>
+                <a:highlight>
+                  <a:srgbClr val="FFFFFF"/>
+                </a:highlight>
+                <a:latin typeface="Consolas" panose="020B0609020204030204" pitchFamily="49" charset="0"/>
+              </a:rPr>
+              <a:t> info </a:t>
+            </a:r>
+            <a:r>
+              <a:rPr lang="en-US" altLang="ko-KR" sz="900" dirty="0">
+                <a:solidFill>
+                  <a:srgbClr val="0000FF"/>
+                </a:solidFill>
+                <a:highlight>
+                  <a:srgbClr val="FFFFFF"/>
+                </a:highlight>
+                <a:latin typeface="Consolas" panose="020B0609020204030204" pitchFamily="49" charset="0"/>
+              </a:rPr>
+              <a:t>in</a:t>
+            </a:r>
+            <a:r>
+              <a:rPr lang="en-US" altLang="ko-KR" sz="900" dirty="0">
+                <a:solidFill>
+                  <a:srgbClr val="000000"/>
+                </a:solidFill>
+                <a:highlight>
+                  <a:srgbClr val="FFFFFF"/>
+                </a:highlight>
+                <a:latin typeface="Consolas" panose="020B0609020204030204" pitchFamily="49" charset="0"/>
+              </a:rPr>
+              <a:t> </a:t>
+            </a:r>
+            <a:r>
+              <a:rPr lang="en-US" altLang="ko-KR" sz="900" dirty="0" err="1">
+                <a:solidFill>
+                  <a:srgbClr val="000000"/>
+                </a:solidFill>
+                <a:highlight>
+                  <a:srgbClr val="FFFFFF"/>
+                </a:highlight>
+                <a:latin typeface="Consolas" panose="020B0609020204030204" pitchFamily="49" charset="0"/>
+              </a:rPr>
+              <a:t>response.Items</a:t>
+            </a:r>
+            <a:r>
+              <a:rPr lang="en-US" altLang="ko-KR" sz="900" dirty="0">
+                <a:solidFill>
+                  <a:srgbClr val="000000"/>
+                </a:solidFill>
+                <a:highlight>
+                  <a:srgbClr val="FFFFFF"/>
+                </a:highlight>
+                <a:latin typeface="Consolas" panose="020B0609020204030204" pitchFamily="49" charset="0"/>
+              </a:rPr>
+              <a:t>)</a:t>
+            </a:r>
+          </a:p>
+          <a:p>
+            <a:pPr algn="l"/>
+            <a:r>
+              <a:rPr lang="ko-KR" altLang="en-US" sz="900" dirty="0">
+                <a:solidFill>
+                  <a:srgbClr val="000000"/>
+                </a:solidFill>
+                <a:highlight>
+                  <a:srgbClr val="FFFFFF"/>
+                </a:highlight>
+                <a:latin typeface="Consolas" panose="020B0609020204030204" pitchFamily="49" charset="0"/>
+              </a:rPr>
+              <a:t>    </a:t>
+            </a:r>
+            <a:r>
+              <a:rPr lang="en-US" altLang="ko-KR" sz="900" dirty="0">
+                <a:solidFill>
+                  <a:srgbClr val="000000"/>
+                </a:solidFill>
+                <a:highlight>
+                  <a:srgbClr val="FFFFFF"/>
+                </a:highlight>
+                <a:latin typeface="Consolas" panose="020B0609020204030204" pitchFamily="49" charset="0"/>
+              </a:rPr>
+              <a:t>{</a:t>
+            </a:r>
+          </a:p>
+          <a:p>
+            <a:pPr algn="l"/>
+            <a:r>
+              <a:rPr lang="en-US" altLang="ko-KR" sz="900" dirty="0">
+                <a:solidFill>
+                  <a:srgbClr val="000000"/>
+                </a:solidFill>
+                <a:highlight>
+                  <a:srgbClr val="FFFFFF"/>
+                </a:highlight>
+                <a:latin typeface="Consolas" panose="020B0609020204030204" pitchFamily="49" charset="0"/>
+              </a:rPr>
+              <a:t>        </a:t>
+            </a:r>
+            <a:r>
+              <a:rPr lang="en-US" altLang="ko-KR" sz="900" dirty="0" err="1">
+                <a:solidFill>
+                  <a:srgbClr val="2B91AF"/>
+                </a:solidFill>
+                <a:highlight>
+                  <a:srgbClr val="FFFFFF"/>
+                </a:highlight>
+                <a:latin typeface="Consolas" panose="020B0609020204030204" pitchFamily="49" charset="0"/>
+              </a:rPr>
+              <a:t>ListViewItem</a:t>
+            </a:r>
+            <a:r>
+              <a:rPr lang="en-US" altLang="ko-KR" sz="900" dirty="0">
+                <a:solidFill>
+                  <a:srgbClr val="000000"/>
+                </a:solidFill>
+                <a:highlight>
+                  <a:srgbClr val="FFFFFF"/>
+                </a:highlight>
+                <a:latin typeface="Consolas" panose="020B0609020204030204" pitchFamily="49" charset="0"/>
+              </a:rPr>
+              <a:t> lvi = </a:t>
+            </a:r>
+            <a:r>
+              <a:rPr lang="en-US" altLang="ko-KR" sz="900" dirty="0">
+                <a:solidFill>
+                  <a:srgbClr val="0000FF"/>
+                </a:solidFill>
+                <a:highlight>
+                  <a:srgbClr val="FFFFFF"/>
+                </a:highlight>
+                <a:latin typeface="Consolas" panose="020B0609020204030204" pitchFamily="49" charset="0"/>
+              </a:rPr>
+              <a:t>new</a:t>
+            </a:r>
+            <a:r>
+              <a:rPr lang="en-US" altLang="ko-KR" sz="900" dirty="0">
+                <a:solidFill>
+                  <a:srgbClr val="000000"/>
+                </a:solidFill>
+                <a:highlight>
+                  <a:srgbClr val="FFFFFF"/>
+                </a:highlight>
+                <a:latin typeface="Consolas" panose="020B0609020204030204" pitchFamily="49" charset="0"/>
+              </a:rPr>
+              <a:t> </a:t>
+            </a:r>
+            <a:r>
+              <a:rPr lang="en-US" altLang="ko-KR" sz="900" dirty="0" err="1">
+                <a:solidFill>
+                  <a:srgbClr val="2B91AF"/>
+                </a:solidFill>
+                <a:highlight>
+                  <a:srgbClr val="FFFFFF"/>
+                </a:highlight>
+                <a:latin typeface="Consolas" panose="020B0609020204030204" pitchFamily="49" charset="0"/>
+              </a:rPr>
+              <a:t>ListViewItem</a:t>
+            </a:r>
+            <a:r>
+              <a:rPr lang="en-US" altLang="ko-KR" sz="900" dirty="0">
+                <a:solidFill>
+                  <a:srgbClr val="000000"/>
+                </a:solidFill>
+                <a:highlight>
+                  <a:srgbClr val="FFFFFF"/>
+                </a:highlight>
+                <a:latin typeface="Consolas" panose="020B0609020204030204" pitchFamily="49" charset="0"/>
+              </a:rPr>
+              <a:t>();</a:t>
+            </a:r>
+          </a:p>
+          <a:p>
+            <a:pPr algn="l"/>
+            <a:r>
+              <a:rPr lang="en-US" altLang="ko-KR" sz="900" dirty="0">
+                <a:solidFill>
+                  <a:srgbClr val="000000"/>
+                </a:solidFill>
+                <a:highlight>
+                  <a:srgbClr val="FFFFFF"/>
+                </a:highlight>
+                <a:latin typeface="Consolas" panose="020B0609020204030204" pitchFamily="49" charset="0"/>
+              </a:rPr>
+              <a:t>        </a:t>
+            </a:r>
+            <a:r>
+              <a:rPr lang="en-US" altLang="ko-KR" sz="900" dirty="0" err="1">
+                <a:solidFill>
+                  <a:srgbClr val="000000"/>
+                </a:solidFill>
+                <a:highlight>
+                  <a:srgbClr val="FFFFFF"/>
+                </a:highlight>
+                <a:latin typeface="Consolas" panose="020B0609020204030204" pitchFamily="49" charset="0"/>
+              </a:rPr>
+              <a:t>lvi.Text</a:t>
+            </a:r>
+            <a:r>
+              <a:rPr lang="en-US" altLang="ko-KR" sz="900" dirty="0">
+                <a:solidFill>
+                  <a:srgbClr val="000000"/>
+                </a:solidFill>
+                <a:highlight>
+                  <a:srgbClr val="FFFFFF"/>
+                </a:highlight>
+                <a:latin typeface="Consolas" panose="020B0609020204030204" pitchFamily="49" charset="0"/>
+              </a:rPr>
+              <a:t> = </a:t>
+            </a:r>
+            <a:r>
+              <a:rPr lang="en-US" altLang="ko-KR" sz="900" dirty="0" err="1">
+                <a:solidFill>
+                  <a:srgbClr val="000000"/>
+                </a:solidFill>
+                <a:highlight>
+                  <a:srgbClr val="FFFFFF"/>
+                </a:highlight>
+                <a:latin typeface="Consolas" panose="020B0609020204030204" pitchFamily="49" charset="0"/>
+              </a:rPr>
+              <a:t>info.WorldId.ToString</a:t>
+            </a:r>
+            <a:r>
+              <a:rPr lang="en-US" altLang="ko-KR" sz="900" dirty="0">
+                <a:solidFill>
+                  <a:srgbClr val="000000"/>
+                </a:solidFill>
+                <a:highlight>
+                  <a:srgbClr val="FFFFFF"/>
+                </a:highlight>
+                <a:latin typeface="Consolas" panose="020B0609020204030204" pitchFamily="49" charset="0"/>
+              </a:rPr>
+              <a:t>();</a:t>
+            </a:r>
+          </a:p>
+          <a:p>
+            <a:pPr algn="l"/>
+            <a:r>
+              <a:rPr lang="en-US" altLang="ko-KR" sz="900" dirty="0">
+                <a:solidFill>
+                  <a:srgbClr val="000000"/>
+                </a:solidFill>
+                <a:highlight>
+                  <a:srgbClr val="FFFFFF"/>
+                </a:highlight>
+                <a:latin typeface="Consolas" panose="020B0609020204030204" pitchFamily="49" charset="0"/>
+              </a:rPr>
+              <a:t>        </a:t>
+            </a:r>
+            <a:r>
+              <a:rPr lang="en-US" altLang="ko-KR" sz="900" dirty="0" err="1">
+                <a:solidFill>
+                  <a:srgbClr val="000000"/>
+                </a:solidFill>
+                <a:highlight>
+                  <a:srgbClr val="FFFFFF"/>
+                </a:highlight>
+                <a:latin typeface="Consolas" panose="020B0609020204030204" pitchFamily="49" charset="0"/>
+              </a:rPr>
+              <a:t>lvi.SubItems.Add</a:t>
+            </a:r>
+            <a:r>
+              <a:rPr lang="en-US" altLang="ko-KR" sz="900" dirty="0">
+                <a:solidFill>
+                  <a:srgbClr val="000000"/>
+                </a:solidFill>
+                <a:highlight>
+                  <a:srgbClr val="FFFFFF"/>
+                </a:highlight>
+                <a:latin typeface="Consolas" panose="020B0609020204030204" pitchFamily="49" charset="0"/>
+              </a:rPr>
+              <a:t>(</a:t>
+            </a:r>
+            <a:r>
+              <a:rPr lang="en-US" altLang="ko-KR" sz="900" dirty="0" err="1">
+                <a:solidFill>
+                  <a:srgbClr val="000000"/>
+                </a:solidFill>
+                <a:highlight>
+                  <a:srgbClr val="FFFFFF"/>
+                </a:highlight>
+                <a:latin typeface="Consolas" panose="020B0609020204030204" pitchFamily="49" charset="0"/>
+              </a:rPr>
+              <a:t>info.WorldName</a:t>
+            </a:r>
+            <a:r>
+              <a:rPr lang="en-US" altLang="ko-KR" sz="900" dirty="0">
+                <a:solidFill>
+                  <a:srgbClr val="000000"/>
+                </a:solidFill>
+                <a:highlight>
+                  <a:srgbClr val="FFFFFF"/>
+                </a:highlight>
+                <a:latin typeface="Consolas" panose="020B0609020204030204" pitchFamily="49" charset="0"/>
+              </a:rPr>
+              <a:t>);</a:t>
+            </a:r>
+          </a:p>
+          <a:p>
+            <a:pPr algn="l"/>
+            <a:endParaRPr lang="ko-KR" altLang="en-US" sz="900" dirty="0">
+              <a:solidFill>
+                <a:srgbClr val="000000"/>
+              </a:solidFill>
+              <a:highlight>
+                <a:srgbClr val="FFFFFF"/>
+              </a:highlight>
+              <a:latin typeface="Consolas" panose="020B0609020204030204" pitchFamily="49" charset="0"/>
+            </a:endParaRPr>
+          </a:p>
+          <a:p>
+            <a:pPr algn="l"/>
+            <a:r>
+              <a:rPr lang="en-US" altLang="ko-KR" sz="900" dirty="0">
+                <a:solidFill>
+                  <a:srgbClr val="000000"/>
+                </a:solidFill>
+                <a:highlight>
+                  <a:srgbClr val="FFFFFF"/>
+                </a:highlight>
+                <a:latin typeface="Consolas" panose="020B0609020204030204" pitchFamily="49" charset="0"/>
+              </a:rPr>
+              <a:t>        _</a:t>
+            </a:r>
+            <a:r>
+              <a:rPr lang="en-US" altLang="ko-KR" sz="900" dirty="0" err="1">
+                <a:solidFill>
+                  <a:srgbClr val="000000"/>
+                </a:solidFill>
+                <a:highlight>
+                  <a:srgbClr val="FFFFFF"/>
+                </a:highlight>
+                <a:latin typeface="Consolas" panose="020B0609020204030204" pitchFamily="49" charset="0"/>
+              </a:rPr>
+              <a:t>lvWorld.Items.Add</a:t>
+            </a:r>
+            <a:r>
+              <a:rPr lang="en-US" altLang="ko-KR" sz="900" dirty="0">
+                <a:solidFill>
+                  <a:srgbClr val="000000"/>
+                </a:solidFill>
+                <a:highlight>
+                  <a:srgbClr val="FFFFFF"/>
+                </a:highlight>
+                <a:latin typeface="Consolas" panose="020B0609020204030204" pitchFamily="49" charset="0"/>
+              </a:rPr>
+              <a:t>(lvi);</a:t>
+            </a:r>
+          </a:p>
+          <a:p>
+            <a:pPr algn="l"/>
+            <a:r>
+              <a:rPr lang="ko-KR" altLang="en-US" sz="900" dirty="0">
+                <a:solidFill>
+                  <a:srgbClr val="000000"/>
+                </a:solidFill>
+                <a:highlight>
+                  <a:srgbClr val="FFFFFF"/>
+                </a:highlight>
+                <a:latin typeface="Consolas" panose="020B0609020204030204" pitchFamily="49" charset="0"/>
+              </a:rPr>
+              <a:t>    </a:t>
+            </a:r>
+            <a:r>
+              <a:rPr lang="en-US" altLang="ko-KR" sz="900" dirty="0">
+                <a:solidFill>
+                  <a:srgbClr val="000000"/>
+                </a:solidFill>
+                <a:highlight>
+                  <a:srgbClr val="FFFFFF"/>
+                </a:highlight>
+                <a:latin typeface="Consolas" panose="020B0609020204030204" pitchFamily="49" charset="0"/>
+              </a:rPr>
+              <a:t>}</a:t>
+            </a:r>
+          </a:p>
+          <a:p>
+            <a:pPr algn="l"/>
+            <a:r>
+              <a:rPr lang="en-US" altLang="ko-KR" sz="900" dirty="0">
+                <a:solidFill>
+                  <a:srgbClr val="000000"/>
+                </a:solidFill>
+                <a:highlight>
+                  <a:srgbClr val="FFFFFF"/>
+                </a:highlight>
+                <a:latin typeface="Consolas" panose="020B0609020204030204" pitchFamily="49" charset="0"/>
+              </a:rPr>
+              <a:t>});</a:t>
+            </a:r>
+            <a:endParaRPr lang="ko-KR" altLang="en-US" sz="900" dirty="0"/>
+          </a:p>
+        </p:txBody>
+      </p:sp>
+      <p:sp>
+        <p:nvSpPr>
+          <p:cNvPr id="15" name="모서리가 둥근 직사각형 14"/>
+          <p:cNvSpPr/>
+          <p:nvPr/>
+        </p:nvSpPr>
+        <p:spPr bwMode="auto">
+          <a:xfrm>
+            <a:off x="1691616" y="1882848"/>
+            <a:ext cx="4860648" cy="990132"/>
+          </a:xfrm>
+          <a:prstGeom prst="roundRect">
+            <a:avLst>
+              <a:gd name="adj" fmla="val 6085"/>
+            </a:avLst>
+          </a:prstGeom>
+          <a:ln>
+            <a:headEnd type="none" w="med" len="med"/>
+            <a:tailEnd type="none" w="med" len="med"/>
+          </a:ln>
+        </p:spPr>
+        <p:style>
+          <a:lnRef idx="1">
+            <a:schemeClr val="accent3"/>
+          </a:lnRef>
+          <a:fillRef idx="2">
+            <a:schemeClr val="accent3"/>
+          </a:fillRef>
+          <a:effectRef idx="1">
+            <a:schemeClr val="accent3"/>
+          </a:effectRef>
+          <a:fontRef idx="minor">
+            <a:schemeClr val="dk1"/>
+          </a:fontRef>
+        </p:style>
+        <p:txBody>
+          <a:bodyPr vert="horz" wrap="none" lIns="77925" tIns="38963" rIns="77925" bIns="38963" numCol="1" rtlCol="0" anchor="ctr" anchorCtr="0" compatLnSpc="1">
+            <a:prstTxWarp prst="textNoShape">
+              <a:avLst/>
+            </a:prstTxWarp>
+          </a:bodyPr>
+          <a:lstStyle/>
+          <a:p>
+            <a:pPr algn="ctr"/>
+            <a:endParaRPr lang="en-US" altLang="ko-KR" sz="1600" b="1" dirty="0">
+              <a:latin typeface="맑은 고딕" panose="020B0503020000020004" pitchFamily="50" charset="-127"/>
+              <a:ea typeface="맑은 고딕" panose="020B0503020000020004" pitchFamily="50" charset="-127"/>
+            </a:endParaRPr>
+          </a:p>
+        </p:txBody>
+      </p:sp>
+      <p:sp>
+        <p:nvSpPr>
+          <p:cNvPr id="16" name="모서리가 둥근 직사각형 15"/>
+          <p:cNvSpPr/>
+          <p:nvPr/>
+        </p:nvSpPr>
+        <p:spPr bwMode="auto">
+          <a:xfrm>
+            <a:off x="1844016" y="2035248"/>
+            <a:ext cx="4528224" cy="297660"/>
+          </a:xfrm>
+          <a:prstGeom prst="roundRect">
+            <a:avLst>
+              <a:gd name="adj" fmla="val 6085"/>
+            </a:avLst>
+          </a:prstGeom>
+          <a:ln>
+            <a:headEnd type="none" w="med" len="med"/>
+            <a:tailEnd type="none" w="med" len="med"/>
+          </a:ln>
+        </p:spPr>
+        <p:style>
+          <a:lnRef idx="1">
+            <a:schemeClr val="accent3"/>
+          </a:lnRef>
+          <a:fillRef idx="2">
+            <a:schemeClr val="accent3"/>
+          </a:fillRef>
+          <a:effectRef idx="1">
+            <a:schemeClr val="accent3"/>
+          </a:effectRef>
+          <a:fontRef idx="minor">
+            <a:schemeClr val="dk1"/>
+          </a:fontRef>
+        </p:style>
+        <p:txBody>
+          <a:bodyPr vert="horz" wrap="none" lIns="77925" tIns="38963" rIns="77925" bIns="38963" numCol="1" rtlCol="0" anchor="ctr" anchorCtr="0" compatLnSpc="1">
+            <a:prstTxWarp prst="textNoShape">
+              <a:avLst/>
+            </a:prstTxWarp>
+          </a:bodyPr>
+          <a:lstStyle/>
+          <a:p>
+            <a:pPr algn="ctr"/>
+            <a:r>
+              <a:rPr lang="en-US" altLang="ko-KR" sz="1200" b="1" dirty="0" smtClean="0">
+                <a:latin typeface="맑은 고딕" panose="020B0503020000020004" pitchFamily="50" charset="-127"/>
+                <a:ea typeface="맑은 고딕" panose="020B0503020000020004" pitchFamily="50" charset="-127"/>
+              </a:rPr>
+              <a:t>Aegis.Client.dll</a:t>
+            </a:r>
+            <a:endParaRPr lang="en-US" altLang="ko-KR" sz="1200" b="1" dirty="0">
+              <a:latin typeface="맑은 고딕" panose="020B0503020000020004" pitchFamily="50" charset="-127"/>
+              <a:ea typeface="맑은 고딕" panose="020B0503020000020004" pitchFamily="50" charset="-127"/>
+            </a:endParaRPr>
+          </a:p>
+        </p:txBody>
+      </p:sp>
+      <p:sp>
+        <p:nvSpPr>
+          <p:cNvPr id="17" name="모서리가 둥근 직사각형 16"/>
+          <p:cNvSpPr/>
+          <p:nvPr/>
+        </p:nvSpPr>
+        <p:spPr bwMode="auto">
+          <a:xfrm>
+            <a:off x="1844016" y="2454114"/>
+            <a:ext cx="2187912" cy="297660"/>
+          </a:xfrm>
+          <a:prstGeom prst="roundRect">
+            <a:avLst>
+              <a:gd name="adj" fmla="val 6085"/>
+            </a:avLst>
+          </a:prstGeom>
+          <a:ln>
+            <a:headEnd type="none" w="med" len="med"/>
+            <a:tailEnd type="none" w="med" len="med"/>
+          </a:ln>
+        </p:spPr>
+        <p:style>
+          <a:lnRef idx="1">
+            <a:schemeClr val="accent3"/>
+          </a:lnRef>
+          <a:fillRef idx="2">
+            <a:schemeClr val="accent3"/>
+          </a:fillRef>
+          <a:effectRef idx="1">
+            <a:schemeClr val="accent3"/>
+          </a:effectRef>
+          <a:fontRef idx="minor">
+            <a:schemeClr val="dk1"/>
+          </a:fontRef>
+        </p:style>
+        <p:txBody>
+          <a:bodyPr vert="horz" wrap="none" lIns="77925" tIns="38963" rIns="77925" bIns="38963" numCol="1" rtlCol="0" anchor="ctr" anchorCtr="0" compatLnSpc="1">
+            <a:prstTxWarp prst="textNoShape">
+              <a:avLst/>
+            </a:prstTxWarp>
+          </a:bodyPr>
+          <a:lstStyle/>
+          <a:p>
+            <a:pPr algn="ctr"/>
+            <a:r>
+              <a:rPr lang="en-US" altLang="ko-KR" sz="1200" b="1" dirty="0" smtClean="0">
+                <a:latin typeface="맑은 고딕" panose="020B0503020000020004" pitchFamily="50" charset="-127"/>
+                <a:ea typeface="맑은 고딕" panose="020B0503020000020004" pitchFamily="50" charset="-127"/>
+              </a:rPr>
+              <a:t>Requester</a:t>
+            </a:r>
+            <a:endParaRPr lang="en-US" altLang="ko-KR" sz="1200" b="1" dirty="0">
+              <a:latin typeface="맑은 고딕" panose="020B0503020000020004" pitchFamily="50" charset="-127"/>
+              <a:ea typeface="맑은 고딕" panose="020B0503020000020004" pitchFamily="50" charset="-127"/>
+            </a:endParaRPr>
+          </a:p>
+        </p:txBody>
+      </p:sp>
+      <p:sp>
+        <p:nvSpPr>
+          <p:cNvPr id="19" name="모서리가 둥근 직사각형 18"/>
+          <p:cNvSpPr/>
+          <p:nvPr/>
+        </p:nvSpPr>
+        <p:spPr bwMode="auto">
+          <a:xfrm>
+            <a:off x="4184328" y="2454114"/>
+            <a:ext cx="2187912" cy="297660"/>
+          </a:xfrm>
+          <a:prstGeom prst="roundRect">
+            <a:avLst>
+              <a:gd name="adj" fmla="val 6085"/>
+            </a:avLst>
+          </a:prstGeom>
+          <a:ln>
+            <a:headEnd type="none" w="med" len="med"/>
+            <a:tailEnd type="none" w="med" len="med"/>
+          </a:ln>
+        </p:spPr>
+        <p:style>
+          <a:lnRef idx="1">
+            <a:schemeClr val="accent3"/>
+          </a:lnRef>
+          <a:fillRef idx="2">
+            <a:schemeClr val="accent3"/>
+          </a:fillRef>
+          <a:effectRef idx="1">
+            <a:schemeClr val="accent3"/>
+          </a:effectRef>
+          <a:fontRef idx="minor">
+            <a:schemeClr val="dk1"/>
+          </a:fontRef>
+        </p:style>
+        <p:txBody>
+          <a:bodyPr vert="horz" wrap="none" lIns="77925" tIns="38963" rIns="77925" bIns="38963" numCol="1" rtlCol="0" anchor="ctr" anchorCtr="0" compatLnSpc="1">
+            <a:prstTxWarp prst="textNoShape">
+              <a:avLst/>
+            </a:prstTxWarp>
+          </a:bodyPr>
+          <a:lstStyle/>
+          <a:p>
+            <a:pPr algn="ctr"/>
+            <a:r>
+              <a:rPr lang="en-US" altLang="ko-KR" sz="1200" b="1" dirty="0" smtClean="0">
+                <a:latin typeface="맑은 고딕" panose="020B0503020000020004" pitchFamily="50" charset="-127"/>
+                <a:ea typeface="맑은 고딕" panose="020B0503020000020004" pitchFamily="50" charset="-127"/>
+              </a:rPr>
+              <a:t>Response(s)</a:t>
+            </a:r>
+            <a:endParaRPr lang="en-US" altLang="ko-KR" sz="1200" b="1" dirty="0">
+              <a:latin typeface="맑은 고딕" panose="020B0503020000020004" pitchFamily="50" charset="-127"/>
+              <a:ea typeface="맑은 고딕" panose="020B0503020000020004" pitchFamily="50" charset="-127"/>
+            </a:endParaRPr>
+          </a:p>
+        </p:txBody>
+      </p:sp>
+      <p:sp>
+        <p:nvSpPr>
+          <p:cNvPr id="20" name="모서리가 둥근 직사각형 19"/>
+          <p:cNvSpPr/>
+          <p:nvPr/>
+        </p:nvSpPr>
+        <p:spPr bwMode="auto">
+          <a:xfrm>
+            <a:off x="1691616" y="861634"/>
+            <a:ext cx="4860648" cy="481141"/>
+          </a:xfrm>
+          <a:prstGeom prst="roundRect">
+            <a:avLst>
+              <a:gd name="adj" fmla="val 6085"/>
+            </a:avLst>
+          </a:prstGeom>
+          <a:ln>
+            <a:headEnd type="none" w="med" len="med"/>
+            <a:tailEnd type="none" w="med" len="med"/>
+          </a:ln>
+        </p:spPr>
+        <p:style>
+          <a:lnRef idx="1">
+            <a:schemeClr val="accent3"/>
+          </a:lnRef>
+          <a:fillRef idx="2">
+            <a:schemeClr val="accent3"/>
+          </a:fillRef>
+          <a:effectRef idx="1">
+            <a:schemeClr val="accent3"/>
+          </a:effectRef>
+          <a:fontRef idx="minor">
+            <a:schemeClr val="dk1"/>
+          </a:fontRef>
+        </p:style>
+        <p:txBody>
+          <a:bodyPr vert="horz" wrap="none" lIns="77925" tIns="38963" rIns="77925" bIns="38963" numCol="1" rtlCol="0" anchor="ctr" anchorCtr="0" compatLnSpc="1">
+            <a:prstTxWarp prst="textNoShape">
+              <a:avLst/>
+            </a:prstTxWarp>
+          </a:bodyPr>
+          <a:lstStyle/>
+          <a:p>
+            <a:pPr algn="ctr"/>
+            <a:r>
+              <a:rPr lang="en-US" altLang="ko-KR" sz="1600" b="1" dirty="0" smtClean="0">
+                <a:latin typeface="맑은 고딕" panose="020B0503020000020004" pitchFamily="50" charset="-127"/>
+                <a:ea typeface="맑은 고딕" panose="020B0503020000020004" pitchFamily="50" charset="-127"/>
+              </a:rPr>
+              <a:t>Server</a:t>
+            </a:r>
+            <a:endParaRPr lang="en-US" altLang="ko-KR" sz="1600" b="1" dirty="0">
+              <a:latin typeface="맑은 고딕" panose="020B0503020000020004" pitchFamily="50" charset="-127"/>
+              <a:ea typeface="맑은 고딕" panose="020B0503020000020004" pitchFamily="50" charset="-127"/>
+            </a:endParaRPr>
+          </a:p>
+        </p:txBody>
+      </p:sp>
+      <p:sp>
+        <p:nvSpPr>
+          <p:cNvPr id="22" name="위쪽 화살표 21"/>
+          <p:cNvSpPr/>
+          <p:nvPr/>
+        </p:nvSpPr>
+        <p:spPr bwMode="auto">
+          <a:xfrm>
+            <a:off x="2634477" y="1401708"/>
+            <a:ext cx="606990" cy="422208"/>
+          </a:xfrm>
+          <a:prstGeom prst="upArrow">
+            <a:avLst/>
+          </a:prstGeom>
+          <a:solidFill>
+            <a:schemeClr val="bg1"/>
+          </a:solidFill>
+          <a:ln w="12700" cap="flat" cmpd="sng" algn="ctr">
+            <a:solidFill>
+              <a:schemeClr val="tx1"/>
+            </a:solidFill>
+            <a:prstDash val="solid"/>
+            <a:round/>
+            <a:headEnd type="none" w="med" len="med"/>
+            <a:tailEnd type="none" w="med" len="med"/>
+          </a:ln>
+          <a:effectLst/>
+        </p:spPr>
+        <p:txBody>
+          <a:bodyPr vert="horz" wrap="none" lIns="77925" tIns="38963" rIns="77925" bIns="38963" numCol="1" rtlCol="0" anchor="ctr" anchorCtr="0" compatLnSpc="1">
+            <a:prstTxWarp prst="textNoShape">
+              <a:avLst/>
+            </a:prstTxWarp>
+          </a:bodyPr>
+          <a:lstStyle/>
+          <a:p>
+            <a:pPr algn="ctr"/>
+            <a:endParaRPr lang="ko-KR" altLang="en-US" sz="700" b="1" dirty="0" smtClean="0">
+              <a:latin typeface="맑은 고딕" panose="020B0503020000020004" pitchFamily="50" charset="-127"/>
+              <a:ea typeface="맑은 고딕" panose="020B0503020000020004" pitchFamily="50" charset="-127"/>
+            </a:endParaRPr>
+          </a:p>
+        </p:txBody>
+      </p:sp>
+      <p:sp>
+        <p:nvSpPr>
+          <p:cNvPr id="23" name="위쪽 화살표 22"/>
+          <p:cNvSpPr/>
+          <p:nvPr/>
+        </p:nvSpPr>
+        <p:spPr bwMode="auto">
+          <a:xfrm rot="10800000">
+            <a:off x="4974789" y="1401708"/>
+            <a:ext cx="606990" cy="422208"/>
+          </a:xfrm>
+          <a:prstGeom prst="upArrow">
+            <a:avLst/>
+          </a:prstGeom>
+          <a:solidFill>
+            <a:schemeClr val="bg1"/>
+          </a:solidFill>
+          <a:ln w="12700" cap="flat" cmpd="sng" algn="ctr">
+            <a:solidFill>
+              <a:schemeClr val="tx1"/>
+            </a:solidFill>
+            <a:prstDash val="solid"/>
+            <a:round/>
+            <a:headEnd type="none" w="med" len="med"/>
+            <a:tailEnd type="none" w="med" len="med"/>
+          </a:ln>
+          <a:effectLst/>
+        </p:spPr>
+        <p:txBody>
+          <a:bodyPr vert="horz" wrap="none" lIns="77925" tIns="38963" rIns="77925" bIns="38963" numCol="1" rtlCol="0" anchor="ctr" anchorCtr="0" compatLnSpc="1">
+            <a:prstTxWarp prst="textNoShape">
+              <a:avLst/>
+            </a:prstTxWarp>
+          </a:bodyPr>
+          <a:lstStyle/>
+          <a:p>
+            <a:pPr algn="ctr"/>
+            <a:endParaRPr lang="ko-KR" altLang="en-US" sz="700" b="1" dirty="0" smtClean="0">
+              <a:latin typeface="맑은 고딕" panose="020B0503020000020004" pitchFamily="50" charset="-127"/>
+              <a:ea typeface="맑은 고딕" panose="020B0503020000020004" pitchFamily="50" charset="-127"/>
+            </a:endParaRPr>
+          </a:p>
+        </p:txBody>
+      </p:sp>
+      <p:sp>
+        <p:nvSpPr>
+          <p:cNvPr id="24" name="직사각형 23"/>
+          <p:cNvSpPr/>
+          <p:nvPr/>
+        </p:nvSpPr>
+        <p:spPr bwMode="auto">
+          <a:xfrm>
+            <a:off x="2904332" y="3291847"/>
+            <a:ext cx="1577656" cy="180024"/>
+          </a:xfrm>
+          <a:prstGeom prst="rect">
+            <a:avLst/>
+          </a:prstGeom>
+          <a:noFill/>
+          <a:ln w="19050" cap="flat" cmpd="sng" algn="ctr">
+            <a:solidFill>
+              <a:srgbClr val="FF0000"/>
+            </a:solidFill>
+            <a:prstDash val="dash"/>
+            <a:round/>
+            <a:headEnd type="none" w="med" len="med"/>
+            <a:tailEnd type="none" w="med" len="med"/>
+          </a:ln>
+          <a:effectLst/>
+        </p:spPr>
+        <p:txBody>
+          <a:bodyPr vert="horz" wrap="none" lIns="77925" tIns="38963" rIns="77925" bIns="38963" numCol="1" rtlCol="0" anchor="ctr" anchorCtr="0" compatLnSpc="1">
+            <a:prstTxWarp prst="textNoShape">
+              <a:avLst/>
+            </a:prstTxWarp>
+          </a:bodyPr>
+          <a:lstStyle/>
+          <a:p>
+            <a:pPr algn="ctr"/>
+            <a:endParaRPr lang="ko-KR" altLang="en-US" sz="700" b="1" dirty="0" smtClean="0">
+              <a:latin typeface="맑은 고딕" panose="020B0503020000020004" pitchFamily="50" charset="-127"/>
+              <a:ea typeface="맑은 고딕" panose="020B0503020000020004" pitchFamily="50" charset="-127"/>
+            </a:endParaRPr>
+          </a:p>
+        </p:txBody>
+      </p:sp>
+      <p:sp>
+        <p:nvSpPr>
+          <p:cNvPr id="25" name="직사각형 24"/>
+          <p:cNvSpPr/>
+          <p:nvPr/>
+        </p:nvSpPr>
+        <p:spPr bwMode="auto">
+          <a:xfrm>
+            <a:off x="3131808" y="3561884"/>
+            <a:ext cx="2790372" cy="1170154"/>
+          </a:xfrm>
+          <a:prstGeom prst="rect">
+            <a:avLst/>
+          </a:prstGeom>
+          <a:noFill/>
+          <a:ln w="19050" cap="flat" cmpd="sng" algn="ctr">
+            <a:solidFill>
+              <a:srgbClr val="FF0000"/>
+            </a:solidFill>
+            <a:prstDash val="dash"/>
+            <a:round/>
+            <a:headEnd type="none" w="med" len="med"/>
+            <a:tailEnd type="none" w="med" len="med"/>
+          </a:ln>
+          <a:effectLst/>
+        </p:spPr>
+        <p:txBody>
+          <a:bodyPr vert="horz" wrap="none" lIns="77925" tIns="38963" rIns="77925" bIns="38963" numCol="1" rtlCol="0" anchor="ctr" anchorCtr="0" compatLnSpc="1">
+            <a:prstTxWarp prst="textNoShape">
+              <a:avLst/>
+            </a:prstTxWarp>
+          </a:bodyPr>
+          <a:lstStyle/>
+          <a:p>
+            <a:pPr algn="ctr"/>
+            <a:endParaRPr lang="ko-KR" altLang="en-US" sz="700" b="1" dirty="0" smtClean="0">
+              <a:latin typeface="맑은 고딕" panose="020B0503020000020004" pitchFamily="50" charset="-127"/>
+              <a:ea typeface="맑은 고딕" panose="020B0503020000020004" pitchFamily="50" charset="-127"/>
+            </a:endParaRPr>
+          </a:p>
+        </p:txBody>
+      </p:sp>
+      <p:cxnSp>
+        <p:nvCxnSpPr>
+          <p:cNvPr id="27" name="직선 화살표 연결선 26"/>
+          <p:cNvCxnSpPr>
+            <a:endCxn id="17" idx="2"/>
+          </p:cNvCxnSpPr>
+          <p:nvPr/>
+        </p:nvCxnSpPr>
+        <p:spPr bwMode="auto">
+          <a:xfrm flipH="1" flipV="1">
+            <a:off x="2937972" y="2751774"/>
+            <a:ext cx="13812" cy="540073"/>
+          </a:xfrm>
+          <a:prstGeom prst="straightConnector1">
+            <a:avLst/>
+          </a:prstGeom>
+          <a:solidFill>
+            <a:srgbClr val="FFFFFF"/>
+          </a:solidFill>
+          <a:ln w="9525" cap="flat" cmpd="sng" algn="ctr">
+            <a:solidFill>
+              <a:srgbClr val="FF0000"/>
+            </a:solidFill>
+            <a:prstDash val="solid"/>
+            <a:round/>
+            <a:headEnd type="none" w="med" len="med"/>
+            <a:tailEnd type="triangle"/>
+          </a:ln>
+          <a:effectLst/>
+        </p:spPr>
+      </p:cxnSp>
+      <p:cxnSp>
+        <p:nvCxnSpPr>
+          <p:cNvPr id="28" name="직선 화살표 연결선 27"/>
+          <p:cNvCxnSpPr>
+            <a:stCxn id="19" idx="2"/>
+          </p:cNvCxnSpPr>
+          <p:nvPr/>
+        </p:nvCxnSpPr>
+        <p:spPr bwMode="auto">
+          <a:xfrm>
+            <a:off x="5278284" y="2751774"/>
+            <a:ext cx="0" cy="810110"/>
+          </a:xfrm>
+          <a:prstGeom prst="straightConnector1">
+            <a:avLst/>
+          </a:prstGeom>
+          <a:solidFill>
+            <a:srgbClr val="FFFFFF"/>
+          </a:solidFill>
+          <a:ln w="9525" cap="flat" cmpd="sng" algn="ctr">
+            <a:solidFill>
+              <a:srgbClr val="FF0000"/>
+            </a:solidFill>
+            <a:prstDash val="solid"/>
+            <a:round/>
+            <a:headEnd type="none" w="med" len="med"/>
+            <a:tailEnd type="triangle"/>
+          </a:ln>
+          <a:effectLst/>
+        </p:spPr>
+      </p:cxnSp>
     </p:spTree>
     <p:extLst>
       <p:ext uri="{BB962C8B-B14F-4D97-AF65-F5344CB8AC3E}">
-        <p14:creationId xmlns:p14="http://schemas.microsoft.com/office/powerpoint/2010/main" val="4190474119"/>
+        <p14:creationId xmlns:p14="http://schemas.microsoft.com/office/powerpoint/2010/main" val="3169883270"/>
       </p:ext>
     </p:extLst>
   </p:cSld>
@@ -3813,6 +4905,83 @@
                 <a:latin typeface="맑은 고딕" panose="020B0503020000020004" pitchFamily="50" charset="-127"/>
                 <a:ea typeface="맑은 고딕" panose="020B0503020000020004" pitchFamily="50" charset="-127"/>
               </a:rPr>
+              <a:t>2. </a:t>
+            </a:r>
+            <a:r>
+              <a:rPr lang="ko-KR" altLang="en-US" sz="2000" b="1" dirty="0" smtClean="0">
+                <a:latin typeface="맑은 고딕" panose="020B0503020000020004" pitchFamily="50" charset="-127"/>
+                <a:ea typeface="맑은 고딕" panose="020B0503020000020004" pitchFamily="50" charset="-127"/>
+              </a:rPr>
+              <a:t>프로토콜 정의</a:t>
+            </a:r>
+          </a:p>
+        </p:txBody>
+      </p:sp>
+    </p:spTree>
+    <p:extLst>
+      <p:ext uri="{BB962C8B-B14F-4D97-AF65-F5344CB8AC3E}">
+        <p14:creationId xmlns:p14="http://schemas.microsoft.com/office/powerpoint/2010/main" val="4190474119"/>
+      </p:ext>
+    </p:extLst>
+  </p:cSld>
+  <p:clrMapOvr>
+    <a:masterClrMapping/>
+  </p:clrMapOvr>
+  <p:timing>
+    <p:tnLst>
+      <p:par>
+        <p:cTn id="1" dur="indefinite" restart="never" nodeType="tmRoot"/>
+      </p:par>
+    </p:tnLst>
+  </p:timing>
+</p:sld>
+</file>
+
+<file path=ppt/slides/slide12.xml><?xml version="1.0" encoding="utf-8"?>
+<p:sld xmlns:a="http://schemas.openxmlformats.org/drawingml/2006/main" xmlns:r="http://schemas.openxmlformats.org/officeDocument/2006/relationships" xmlns:p="http://schemas.openxmlformats.org/presentationml/2006/main">
+  <p:cSld>
+    <p:spTree>
+      <p:nvGrpSpPr>
+        <p:cNvPr id="1" name=""/>
+        <p:cNvGrpSpPr/>
+        <p:nvPr/>
+      </p:nvGrpSpPr>
+      <p:grpSpPr>
+        <a:xfrm>
+          <a:off x="0" y="0"/>
+          <a:ext cx="0" cy="0"/>
+          <a:chOff x="0" y="0"/>
+          <a:chExt cx="0" cy="0"/>
+        </a:xfrm>
+      </p:grpSpPr>
+      <p:sp>
+        <p:nvSpPr>
+          <p:cNvPr id="2" name="TextBox 1"/>
+          <p:cNvSpPr txBox="1"/>
+          <p:nvPr/>
+        </p:nvSpPr>
+        <p:spPr>
+          <a:xfrm>
+            <a:off x="431448" y="191376"/>
+            <a:ext cx="8191092" cy="400110"/>
+          </a:xfrm>
+          <a:prstGeom prst="rect">
+            <a:avLst/>
+          </a:prstGeom>
+          <a:noFill/>
+        </p:spPr>
+        <p:txBody>
+          <a:bodyPr wrap="square" rtlCol="0">
+            <a:spAutoFit/>
+          </a:bodyPr>
+          <a:lstStyle/>
+          <a:p>
+            <a:pPr algn="l"/>
+            <a:r>
+              <a:rPr lang="en-US" altLang="ko-KR" sz="2000" b="1" dirty="0" smtClean="0">
+                <a:latin typeface="맑은 고딕" panose="020B0503020000020004" pitchFamily="50" charset="-127"/>
+                <a:ea typeface="맑은 고딕" panose="020B0503020000020004" pitchFamily="50" charset="-127"/>
+              </a:rPr>
               <a:t>3. </a:t>
             </a:r>
             <a:r>
@@ -3849,7 +5018,7 @@
 </p:sld>
 </file>
 
-<file path=ppt/slides/slide12.xml><?xml version="1.0" encoding="utf-8"?>
+<file path=ppt/slides/slide13.xml><?xml version="1.0" encoding="utf-8"?>
 <p:sld xmlns:a="http://schemas.openxmlformats.org/drawingml/2006/main" xmlns:r="http://schemas.openxmlformats.org/officeDocument/2006/relationships" xmlns:p="http://schemas.openxmlformats.org/presentationml/2006/main">
   <p:cSld>
     <p:spTree>
@@ -4429,87 +5598,6 @@
 </p:sld>
 </file>
 
-<file path=ppt/slides/slide13.xml><?xml version="1.0" encoding="utf-8"?>
-<p:sld xmlns:a="http://schemas.openxmlformats.org/drawingml/2006/main" xmlns:r="http://schemas.openxmlformats.org/officeDocument/2006/relationships" xmlns:p="http://schemas.openxmlformats.org/presentationml/2006/main">
-  <p:cSld>
-    <p:spTree>
-      <p:nvGrpSpPr>
-        <p:cNvPr id="1" name=""/>
-        <p:cNvGrpSpPr/>
-        <p:nvPr/>
-      </p:nvGrpSpPr>
-      <p:grpSpPr>
-        <a:xfrm>
-          <a:off x="0" y="0"/>
-          <a:ext cx="0" cy="0"/>
-          <a:chOff x="0" y="0"/>
-          <a:chExt cx="0" cy="0"/>
-        </a:xfrm>
-      </p:grpSpPr>
-      <p:sp>
-        <p:nvSpPr>
-          <p:cNvPr id="2" name="TextBox 1"/>
-          <p:cNvSpPr txBox="1"/>
-          <p:nvPr/>
-        </p:nvSpPr>
-        <p:spPr>
-          <a:xfrm>
-            <a:off x="431448" y="191376"/>
-            <a:ext cx="8191092" cy="400110"/>
-          </a:xfrm>
-          <a:prstGeom prst="rect">
-            <a:avLst/>
-          </a:prstGeom>
-          <a:noFill/>
-        </p:spPr>
-        <p:txBody>
-          <a:bodyPr wrap="square" rtlCol="0">
-            <a:spAutoFit/>
-          </a:bodyPr>
-          <a:lstStyle/>
-          <a:p>
-            <a:pPr algn="l"/>
-            <a:r>
-              <a:rPr lang="en-US" altLang="ko-KR" sz="2000" b="1" dirty="0" smtClean="0">
-                <a:latin typeface="맑은 고딕" panose="020B0503020000020004" pitchFamily="50" charset="-127"/>
-                <a:ea typeface="맑은 고딕" panose="020B0503020000020004" pitchFamily="50" charset="-127"/>
-              </a:rPr>
-              <a:t>1. </a:t>
-            </a:r>
-            <a:r>
-              <a:rPr lang="ko-KR" altLang="en-US" sz="2000" b="1" dirty="0" smtClean="0">
-                <a:latin typeface="맑은 고딕" panose="020B0503020000020004" pitchFamily="50" charset="-127"/>
-                <a:ea typeface="맑은 고딕" panose="020B0503020000020004" pitchFamily="50" charset="-127"/>
-              </a:rPr>
-              <a:t>다운로드</a:t>
-            </a:r>
-            <a:endParaRPr lang="ko-KR" altLang="en-US" sz="2000" b="1" dirty="0" smtClean="0">
-              <a:latin typeface="맑은 고딕" panose="020B0503020000020004" pitchFamily="50" charset="-127"/>
-              <a:ea typeface="맑은 고딕" panose="020B0503020000020004" pitchFamily="50" charset="-127"/>
-            </a:endParaRPr>
-          </a:p>
-        </p:txBody>
-      </p:sp>
-    </p:spTree>
-    <p:extLst>
-      <p:ext uri="{BB962C8B-B14F-4D97-AF65-F5344CB8AC3E}">
-        <p14:creationId xmlns:p14="http://schemas.microsoft.com/office/powerpoint/2010/main" val="3155257402"/>
-      </p:ext>
-    </p:extLst>
-  </p:cSld>
-  <p:clrMapOvr>
-    <a:masterClrMapping/>
-  </p:clrMapOvr>
-  <p:timing>
-    <p:tnLst>
-      <p:par>
-        <p:cTn id="1" dur="indefinite" restart="never" nodeType="tmRoot"/>
-      </p:par>
-    </p:tnLst>
-  </p:timing>
-</p:sld>
-</file>
-
 <file path=ppt/slides/slide14.xml><?xml version="1.0" encoding="utf-8"?>
 <p:sld xmlns:a="http://schemas.openxmlformats.org/drawingml/2006/main" xmlns:r="http://schemas.openxmlformats.org/officeDocument/2006/relationships" xmlns:p="http://schemas.openxmlformats.org/presentationml/2006/main">
   <p:cSld>
@@ -4555,47 +5643,22 @@
                 <a:latin typeface="맑은 고딕" panose="020B0503020000020004" pitchFamily="50" charset="-127"/>
                 <a:ea typeface="맑은 고딕" panose="020B0503020000020004" pitchFamily="50" charset="-127"/>
               </a:rPr>
-              <a:t>2. </a:t>
+              <a:t>1. </a:t>
             </a:r>
             <a:r>
               <a:rPr lang="ko-KR" altLang="en-US" sz="2000" b="1" dirty="0" smtClean="0">
                 <a:latin typeface="맑은 고딕" panose="020B0503020000020004" pitchFamily="50" charset="-127"/>
                 <a:ea typeface="맑은 고딕" panose="020B0503020000020004" pitchFamily="50" charset="-127"/>
               </a:rPr>
-              <a:t>인증 서버</a:t>
-            </a:r>
-            <a:r>
-              <a:rPr lang="en-US" altLang="ko-KR" sz="2000" b="1" dirty="0" smtClean="0">
-                <a:latin typeface="맑은 고딕" panose="020B0503020000020004" pitchFamily="50" charset="-127"/>
-                <a:ea typeface="맑은 고딕" panose="020B0503020000020004" pitchFamily="50" charset="-127"/>
-              </a:rPr>
-              <a:t>(</a:t>
-            </a:r>
-            <a:r>
-              <a:rPr lang="en-US" altLang="ko-KR" sz="2000" b="1" dirty="0" err="1" smtClean="0">
-                <a:latin typeface="맑은 고딕" panose="020B0503020000020004" pitchFamily="50" charset="-127"/>
-                <a:ea typeface="맑은 고딕" panose="020B0503020000020004" pitchFamily="50" charset="-127"/>
-              </a:rPr>
-              <a:t>AuthServer</a:t>
-            </a:r>
-            <a:r>
-              <a:rPr lang="en-US" altLang="ko-KR" sz="2000" b="1" dirty="0" smtClean="0">
-                <a:latin typeface="맑은 고딕" panose="020B0503020000020004" pitchFamily="50" charset="-127"/>
-                <a:ea typeface="맑은 고딕" panose="020B0503020000020004" pitchFamily="50" charset="-127"/>
-              </a:rPr>
-              <a:t>)</a:t>
-            </a:r>
-            <a:endParaRPr lang="ko-KR" altLang="en-US" sz="2000" b="1" dirty="0" smtClean="0">
-              <a:latin typeface="맑은 고딕" panose="020B0503020000020004" pitchFamily="50" charset="-127"/>
-              <a:ea typeface="맑은 고딕" panose="020B0503020000020004" pitchFamily="50" charset="-127"/>
-            </a:endParaRPr>
+              <a:t>다운로드</a:t>
+            </a:r>
           </a:p>
         </p:txBody>
       </p:sp>
     </p:spTree>
     <p:extLst>
       <p:ext uri="{BB962C8B-B14F-4D97-AF65-F5344CB8AC3E}">
-        <p14:creationId xmlns:p14="http://schemas.microsoft.com/office/powerpoint/2010/main" val="2636235773"/>
+        <p14:creationId xmlns:p14="http://schemas.microsoft.com/office/powerpoint/2010/main" val="3155257402"/>
       </p:ext>
     </p:extLst>
   </p:cSld>
@@ -4657,14 +5720,14 @@
                 <a:latin typeface="맑은 고딕" panose="020B0503020000020004" pitchFamily="50" charset="-127"/>
                 <a:ea typeface="맑은 고딕" panose="020B0503020000020004" pitchFamily="50" charset="-127"/>
               </a:rPr>
-              <a:t>3. </a:t>
+              <a:t>2. </a:t>
             </a:r>
             <a:r>
               <a:rPr lang="ko-KR" altLang="en-US" sz="2000" b="1" dirty="0" smtClean="0">
                 <a:latin typeface="맑은 고딕" panose="020B0503020000020004" pitchFamily="50" charset="-127"/>
                 <a:ea typeface="맑은 고딕" panose="020B0503020000020004" pitchFamily="50" charset="-127"/>
               </a:rPr>
-              <a:t>게임 서버</a:t>
+              <a:t>인증 서버</a:t>
             </a:r>
             <a:r>
               <a:rPr lang="en-US" altLang="ko-KR" sz="2000" b="1" dirty="0" smtClean="0">
@@ -4678,7 +5741,7 @@
                 <a:latin typeface="맑은 고딕" panose="020B0503020000020004" pitchFamily="50" charset="-127"/>
                 <a:ea typeface="맑은 고딕" panose="020B0503020000020004" pitchFamily="50" charset="-127"/>
               </a:rPr>
-              <a:t>GameServer</a:t>
+              <a:t>AuthServer</a:t>
             </a:r>
             <a:r>
               <a:rPr lang="en-US" altLang="ko-KR" sz="2000" b="1" dirty="0" smtClean="0">
@@ -4697,7 +5760,7 @@
     </p:spTree>
     <p:extLst>
       <p:ext uri="{BB962C8B-B14F-4D97-AF65-F5344CB8AC3E}">
-        <p14:creationId xmlns:p14="http://schemas.microsoft.com/office/powerpoint/2010/main" val="2695299849"/>
+        <p14:creationId xmlns:p14="http://schemas.microsoft.com/office/powerpoint/2010/main" val="2636235773"/>
       </p:ext>
     </p:extLst>
   </p:cSld>
@@ -4759,6 +5822,108 @@
                 <a:latin typeface="맑은 고딕" panose="020B0503020000020004" pitchFamily="50" charset="-127"/>
                 <a:ea typeface="맑은 고딕" panose="020B0503020000020004" pitchFamily="50" charset="-127"/>
               </a:rPr>
+              <a:t>3. </a:t>
+            </a:r>
+            <a:r>
+              <a:rPr lang="ko-KR" altLang="en-US" sz="2000" b="1" dirty="0" smtClean="0">
+                <a:latin typeface="맑은 고딕" panose="020B0503020000020004" pitchFamily="50" charset="-127"/>
+                <a:ea typeface="맑은 고딕" panose="020B0503020000020004" pitchFamily="50" charset="-127"/>
+              </a:rPr>
+              <a:t>게임 서버</a:t>
+            </a:r>
+            <a:r>
+              <a:rPr lang="en-US" altLang="ko-KR" sz="2000" b="1" dirty="0" smtClean="0">
+                <a:latin typeface="맑은 고딕" panose="020B0503020000020004" pitchFamily="50" charset="-127"/>
+                <a:ea typeface="맑은 고딕" panose="020B0503020000020004" pitchFamily="50" charset="-127"/>
+              </a:rPr>
+              <a:t>(</a:t>
+            </a:r>
+            <a:r>
+              <a:rPr lang="en-US" altLang="ko-KR" sz="2000" b="1" dirty="0" err="1" smtClean="0">
+                <a:latin typeface="맑은 고딕" panose="020B0503020000020004" pitchFamily="50" charset="-127"/>
+                <a:ea typeface="맑은 고딕" panose="020B0503020000020004" pitchFamily="50" charset="-127"/>
+              </a:rPr>
+              <a:t>GameServer</a:t>
+            </a:r>
+            <a:r>
+              <a:rPr lang="en-US" altLang="ko-KR" sz="2000" b="1" dirty="0" smtClean="0">
+                <a:latin typeface="맑은 고딕" panose="020B0503020000020004" pitchFamily="50" charset="-127"/>
+                <a:ea typeface="맑은 고딕" panose="020B0503020000020004" pitchFamily="50" charset="-127"/>
+              </a:rPr>
+              <a:t>)</a:t>
+            </a:r>
+            <a:endParaRPr lang="ko-KR" altLang="en-US" sz="2000" b="1" dirty="0" smtClean="0">
+              <a:latin typeface="맑은 고딕" panose="020B0503020000020004" pitchFamily="50" charset="-127"/>
+              <a:ea typeface="맑은 고딕" panose="020B0503020000020004" pitchFamily="50" charset="-127"/>
+            </a:endParaRPr>
+          </a:p>
+        </p:txBody>
+      </p:sp>
+    </p:spTree>
+    <p:extLst>
+      <p:ext uri="{BB962C8B-B14F-4D97-AF65-F5344CB8AC3E}">
+        <p14:creationId xmlns:p14="http://schemas.microsoft.com/office/powerpoint/2010/main" val="2695299849"/>
+      </p:ext>
+    </p:extLst>
+  </p:cSld>
+  <p:clrMapOvr>
+    <a:masterClrMapping/>
+  </p:clrMapOvr>
+  <p:timing>
+    <p:tnLst>
+      <p:par>
+        <p:cTn id="1" dur="indefinite" restart="never" nodeType="tmRoot"/>
+      </p:par>
+    </p:tnLst>
+  </p:timing>
+</p:sld>
+</file>
+
+<file path=ppt/slides/slide17.xml><?xml version="1.0" encoding="utf-8"?>
+<p:sld xmlns:a="http://schemas.openxmlformats.org/drawingml/2006/main" xmlns:r="http://schemas.openxmlformats.org/officeDocument/2006/relationships" xmlns:p="http://schemas.openxmlformats.org/presentationml/2006/main">
+  <p:cSld>
+    <p:spTree>
+      <p:nvGrpSpPr>
+        <p:cNvPr id="1" name=""/>
+        <p:cNvGrpSpPr/>
+        <p:nvPr/>
+      </p:nvGrpSpPr>
+      <p:grpSpPr>
+        <a:xfrm>
+          <a:off x="0" y="0"/>
+          <a:ext cx="0" cy="0"/>
+          <a:chOff x="0" y="0"/>
+          <a:chExt cx="0" cy="0"/>
+        </a:xfrm>
+      </p:grpSpPr>
+      <p:sp>
+        <p:nvSpPr>
+          <p:cNvPr id="2" name="TextBox 1"/>
+          <p:cNvSpPr txBox="1"/>
+          <p:nvPr/>
+        </p:nvSpPr>
+        <p:spPr>
+          <a:xfrm>
+            <a:off x="431448" y="191376"/>
+            <a:ext cx="8191092" cy="400110"/>
+          </a:xfrm>
+          <a:prstGeom prst="rect">
+            <a:avLst/>
+          </a:prstGeom>
+          <a:noFill/>
+        </p:spPr>
+        <p:txBody>
+          <a:bodyPr wrap="square" rtlCol="0">
+            <a:spAutoFit/>
+          </a:bodyPr>
+          <a:lstStyle/>
+          <a:p>
+            <a:pPr algn="l"/>
+            <a:r>
+              <a:rPr lang="en-US" altLang="ko-KR" sz="2000" b="1" dirty="0" smtClean="0">
+                <a:latin typeface="맑은 고딕" panose="020B0503020000020004" pitchFamily="50" charset="-127"/>
+                <a:ea typeface="맑은 고딕" panose="020B0503020000020004" pitchFamily="50" charset="-127"/>
+              </a:rPr>
               <a:t>4. </a:t>
             </a:r>
             <a:r>
@@ -4795,7 +5960,7 @@
 </p:sld>
 </file>
 
-<file path=ppt/slides/slide17.xml><?xml version="1.0" encoding="utf-8"?>
+<file path=ppt/slides/slide18.xml><?xml version="1.0" encoding="utf-8"?>
 <p:sld xmlns:a="http://schemas.openxmlformats.org/drawingml/2006/main" xmlns:r="http://schemas.openxmlformats.org/officeDocument/2006/relationships" xmlns:p="http://schemas.openxmlformats.org/presentationml/2006/main">
   <p:cSld>
     <p:spTree>
@@ -5533,10 +6698,6 @@
               </a:rPr>
               <a:t>다운로드</a:t>
             </a:r>
-            <a:endParaRPr lang="ko-KR" altLang="en-US" sz="2000" b="1" dirty="0" smtClean="0">
-              <a:latin typeface="맑은 고딕" panose="020B0503020000020004" pitchFamily="50" charset="-127"/>
-              <a:ea typeface="맑은 고딕" panose="020B0503020000020004" pitchFamily="50" charset="-127"/>
-            </a:endParaRPr>
           </a:p>
         </p:txBody>
       </p:sp>
@@ -5614,10 +6775,6 @@
               </a:rPr>
               <a:t>시스템구성</a:t>
             </a:r>
-            <a:endParaRPr lang="ko-KR" altLang="en-US" sz="2000" b="1" dirty="0" smtClean="0">
-              <a:latin typeface="맑은 고딕" panose="020B0503020000020004" pitchFamily="50" charset="-127"/>
-              <a:ea typeface="맑은 고딕" panose="020B0503020000020004" pitchFamily="50" charset="-127"/>
-            </a:endParaRPr>
           </a:p>
         </p:txBody>
       </p:sp>
@@ -6316,10 +7473,6 @@
               </a:rPr>
               <a:t>구동</a:t>
             </a:r>
-            <a:endParaRPr lang="ko-KR" altLang="en-US" sz="2000" b="1" dirty="0" smtClean="0">
-              <a:latin typeface="맑은 고딕" panose="020B0503020000020004" pitchFamily="50" charset="-127"/>
-              <a:ea typeface="맑은 고딕" panose="020B0503020000020004" pitchFamily="50" charset="-127"/>
-            </a:endParaRPr>
           </a:p>
         </p:txBody>
       </p:sp>
@@ -6397,10 +7550,6 @@
               </a:rPr>
               <a:t>서버 구동</a:t>
             </a:r>
-            <a:endParaRPr lang="ko-KR" altLang="en-US" sz="2000" b="1" dirty="0" smtClean="0">
-              <a:latin typeface="맑은 고딕" panose="020B0503020000020004" pitchFamily="50" charset="-127"/>
-              <a:ea typeface="맑은 고딕" panose="020B0503020000020004" pitchFamily="50" charset="-127"/>
-            </a:endParaRPr>
           </a:p>
         </p:txBody>
       </p:sp>
@@ -7538,8 +8687,8 @@
         </p:nvSpPr>
         <p:spPr>
           <a:xfrm>
-            <a:off x="521460" y="1761642"/>
-            <a:ext cx="2141933" cy="400110"/>
+            <a:off x="506807" y="1771701"/>
+            <a:ext cx="2985049" cy="861774"/>
           </a:xfrm>
           <a:prstGeom prst="rect">
             <a:avLst/>
@@ -7547,43 +8696,63 @@
           <a:noFill/>
         </p:spPr>
         <p:txBody>
-          <a:bodyPr wrap="none" rtlCol="0">
+          <a:bodyPr wrap="square" rtlCol="0">
             <a:spAutoFit/>
           </a:bodyPr>
           <a:lstStyle/>
           <a:p>
-            <a:pPr marL="171450" indent="-171450" algn="l">
-              <a:buFontTx/>
-              <a:buChar char="-"/>
-            </a:pPr>
+            <a:pPr algn="l"/>
+            <a:r>
+              <a:rPr lang="ko-KR" altLang="en-US" dirty="0" smtClean="0"/>
+              <a:t>네트워킹</a:t>
+            </a:r>
             <a:r>
               <a:rPr lang="en-US" altLang="ko-KR" dirty="0" smtClean="0"/>
-              <a:t>Unity</a:t>
+              <a:t>, </a:t>
             </a:r>
             <a:r>
               <a:rPr lang="ko-KR" altLang="en-US" dirty="0" smtClean="0"/>
-              <a:t>와 </a:t>
-            </a:r>
-            <a:r>
-              <a:rPr lang="en-US" altLang="ko-KR" dirty="0" err="1" smtClean="0"/>
-              <a:t>WinForm</a:t>
+              <a:t>프로토콜을 전혀 신경 </a:t>
+            </a:r>
+            <a:r>
+              <a:rPr lang="ko-KR" altLang="en-US" dirty="0" smtClean="0"/>
+              <a:t>쓰지 않음</a:t>
             </a:r>
             <a:r>
               <a:rPr lang="en-US" altLang="ko-KR" dirty="0" smtClean="0"/>
-              <a:t> </a:t>
-            </a:r>
-            <a:r>
-              <a:rPr lang="ko-KR" altLang="en-US" dirty="0" smtClean="0"/>
-              <a:t>모두 적용가능</a:t>
-            </a:r>
-            <a:endParaRPr lang="en-US" altLang="ko-KR" smtClean="0"/>
+              <a:t>.</a:t>
+            </a:r>
+            <a:endParaRPr lang="en-US" altLang="ko-KR" dirty="0" smtClean="0"/>
           </a:p>
           <a:p>
-            <a:pPr marL="171450" indent="-171450" algn="l">
-              <a:buFontTx/>
-              <a:buChar char="-"/>
-            </a:pPr>
-            <a:endParaRPr lang="ko-KR" altLang="en-US" dirty="0" smtClean="0"/>
+            <a:pPr algn="l"/>
+            <a:endParaRPr lang="en-US" altLang="ko-KR" dirty="0" smtClean="0"/>
+          </a:p>
+          <a:p>
+            <a:pPr algn="l"/>
+            <a:r>
+              <a:rPr lang="ko-KR" altLang="en-US" dirty="0" smtClean="0"/>
+              <a:t>각 기능을 한번의 함수 호출만으로 손쉽게 사용</a:t>
+            </a:r>
+            <a:r>
+              <a:rPr lang="en-US" altLang="ko-KR" dirty="0" smtClean="0"/>
+              <a:t>.</a:t>
+            </a:r>
+          </a:p>
+          <a:p>
+            <a:pPr algn="l"/>
+            <a:endParaRPr lang="en-US" altLang="ko-KR" dirty="0"/>
+          </a:p>
+          <a:p>
+            <a:pPr algn="l"/>
+            <a:r>
+              <a:rPr lang="ko-KR" altLang="en-US" dirty="0" smtClean="0"/>
+              <a:t>서버와의 연결 끊김에 대한 자동적 연결복구</a:t>
+            </a:r>
+            <a:r>
+              <a:rPr lang="en-US" altLang="ko-KR" dirty="0" smtClean="0"/>
+              <a:t>.</a:t>
+            </a:r>
           </a:p>
         </p:txBody>
       </p:sp>

--- a/RPGGame_Docs/AegisNetwork_RPGServer.pptx
+++ b/RPGGame_Docs/AegisNetwork_RPGServer.pptx
@@ -5,30 +5,33 @@
     <p:sldMasterId id="2147483648" r:id="rId1"/>
   </p:sldMasterIdLst>
   <p:notesMasterIdLst>
-    <p:notesMasterId r:id="rId20"/>
+    <p:notesMasterId r:id="rId23"/>
   </p:notesMasterIdLst>
   <p:handoutMasterIdLst>
-    <p:handoutMasterId r:id="rId21"/>
+    <p:handoutMasterId r:id="rId24"/>
   </p:handoutMasterIdLst>
   <p:sldIdLst>
     <p:sldId id="565" r:id="rId2"/>
     <p:sldId id="1519" r:id="rId3"/>
     <p:sldId id="1518" r:id="rId4"/>
     <p:sldId id="1520" r:id="rId5"/>
-    <p:sldId id="1528" r:id="rId6"/>
-    <p:sldId id="1517" r:id="rId7"/>
-    <p:sldId id="1504" r:id="rId8"/>
-    <p:sldId id="1521" r:id="rId9"/>
-    <p:sldId id="1514" r:id="rId10"/>
-    <p:sldId id="1529" r:id="rId11"/>
-    <p:sldId id="1515" r:id="rId12"/>
-    <p:sldId id="1516" r:id="rId13"/>
-    <p:sldId id="1522" r:id="rId14"/>
-    <p:sldId id="1523" r:id="rId15"/>
-    <p:sldId id="1524" r:id="rId16"/>
-    <p:sldId id="1525" r:id="rId17"/>
-    <p:sldId id="1526" r:id="rId18"/>
-    <p:sldId id="1527" r:id="rId19"/>
+    <p:sldId id="1530" r:id="rId6"/>
+    <p:sldId id="1528" r:id="rId7"/>
+    <p:sldId id="1531" r:id="rId8"/>
+    <p:sldId id="1517" r:id="rId9"/>
+    <p:sldId id="1504" r:id="rId10"/>
+    <p:sldId id="1532" r:id="rId11"/>
+    <p:sldId id="1521" r:id="rId12"/>
+    <p:sldId id="1514" r:id="rId13"/>
+    <p:sldId id="1529" r:id="rId14"/>
+    <p:sldId id="1515" r:id="rId15"/>
+    <p:sldId id="1516" r:id="rId16"/>
+    <p:sldId id="1522" r:id="rId17"/>
+    <p:sldId id="1523" r:id="rId18"/>
+    <p:sldId id="1524" r:id="rId19"/>
+    <p:sldId id="1525" r:id="rId20"/>
+    <p:sldId id="1526" r:id="rId21"/>
+    <p:sldId id="1527" r:id="rId22"/>
   </p:sldIdLst>
   <p:sldSz cx="9144000" cy="5143500" type="screen16x9"/>
   <p:notesSz cx="6805613" cy="9939338"/>
@@ -166,9 +169,12 @@
             <p14:sldId id="1519"/>
             <p14:sldId id="1518"/>
             <p14:sldId id="1520"/>
+            <p14:sldId id="1530"/>
             <p14:sldId id="1528"/>
+            <p14:sldId id="1531"/>
             <p14:sldId id="1517"/>
             <p14:sldId id="1504"/>
+            <p14:sldId id="1532"/>
             <p14:sldId id="1521"/>
             <p14:sldId id="1514"/>
             <p14:sldId id="1529"/>
@@ -244,6 +250,3853 @@
     </p:ext>
   </p:extLst>
 </p:presentation>
+</file>
+
+<file path=ppt/diagrams/colors1.xml><?xml version="1.0" encoding="utf-8"?>
+<dgm:colorsDef xmlns:dgm="http://schemas.openxmlformats.org/drawingml/2006/diagram" xmlns:a="http://schemas.openxmlformats.org/drawingml/2006/main" uniqueId="urn:microsoft.com/office/officeart/2005/8/colors/accent1_2">
+  <dgm:title val=""/>
+  <dgm:desc val=""/>
+  <dgm:catLst>
+    <dgm:cat type="accent1" pri="11200"/>
+  </dgm:catLst>
+  <dgm:styleLbl name="node0">
+    <dgm:fillClrLst meth="repeat">
+      <a:schemeClr val="accent1"/>
+    </dgm:fillClrLst>
+    <dgm:linClrLst meth="repeat">
+      <a:schemeClr val="lt1"/>
+    </dgm:linClrLst>
+    <dgm:effectClrLst/>
+    <dgm:txLinClrLst/>
+    <dgm:txFillClrLst/>
+    <dgm:txEffectClrLst/>
+  </dgm:styleLbl>
+  <dgm:styleLbl name="alignNode1">
+    <dgm:fillClrLst meth="repeat">
+      <a:schemeClr val="accent1"/>
+    </dgm:fillClrLst>
+    <dgm:linClrLst meth="repeat">
+      <a:schemeClr val="accent1"/>
+    </dgm:linClrLst>
+    <dgm:effectClrLst/>
+    <dgm:txLinClrLst/>
+    <dgm:txFillClrLst/>
+    <dgm:txEffectClrLst/>
+  </dgm:styleLbl>
+  <dgm:styleLbl name="node1">
+    <dgm:fillClrLst meth="repeat">
+      <a:schemeClr val="accent1"/>
+    </dgm:fillClrLst>
+    <dgm:linClrLst meth="repeat">
+      <a:schemeClr val="lt1"/>
+    </dgm:linClrLst>
+    <dgm:effectClrLst/>
+    <dgm:txLinClrLst/>
+    <dgm:txFillClrLst/>
+    <dgm:txEffectClrLst/>
+  </dgm:styleLbl>
+  <dgm:styleLbl name="lnNode1">
+    <dgm:fillClrLst meth="repeat">
+      <a:schemeClr val="accent1"/>
+    </dgm:fillClrLst>
+    <dgm:linClrLst meth="repeat">
+      <a:schemeClr val="lt1"/>
+    </dgm:linClrLst>
+    <dgm:effectClrLst/>
+    <dgm:txLinClrLst/>
+    <dgm:txFillClrLst/>
+    <dgm:txEffectClrLst/>
+  </dgm:styleLbl>
+  <dgm:styleLbl name="vennNode1">
+    <dgm:fillClrLst meth="repeat">
+      <a:schemeClr val="accent1">
+        <a:alpha val="50000"/>
+      </a:schemeClr>
+    </dgm:fillClrLst>
+    <dgm:linClrLst meth="repeat">
+      <a:schemeClr val="lt1"/>
+    </dgm:linClrLst>
+    <dgm:effectClrLst/>
+    <dgm:txLinClrLst/>
+    <dgm:txFillClrLst/>
+    <dgm:txEffectClrLst/>
+  </dgm:styleLbl>
+  <dgm:styleLbl name="node2">
+    <dgm:fillClrLst meth="repeat">
+      <a:schemeClr val="accent1"/>
+    </dgm:fillClrLst>
+    <dgm:linClrLst meth="repeat">
+      <a:schemeClr val="lt1"/>
+    </dgm:linClrLst>
+    <dgm:effectClrLst/>
+    <dgm:txLinClrLst/>
+    <dgm:txFillClrLst/>
+    <dgm:txEffectClrLst/>
+  </dgm:styleLbl>
+  <dgm:styleLbl name="node3">
+    <dgm:fillClrLst meth="repeat">
+      <a:schemeClr val="accent1"/>
+    </dgm:fillClrLst>
+    <dgm:linClrLst meth="repeat">
+      <a:schemeClr val="lt1"/>
+    </dgm:linClrLst>
+    <dgm:effectClrLst/>
+    <dgm:txLinClrLst/>
+    <dgm:txFillClrLst/>
+    <dgm:txEffectClrLst/>
+  </dgm:styleLbl>
+  <dgm:styleLbl name="node4">
+    <dgm:fillClrLst meth="repeat">
+      <a:schemeClr val="accent1"/>
+    </dgm:fillClrLst>
+    <dgm:linClrLst meth="repeat">
+      <a:schemeClr val="lt1"/>
+    </dgm:linClrLst>
+    <dgm:effectClrLst/>
+    <dgm:txLinClrLst/>
+    <dgm:txFillClrLst/>
+    <dgm:txEffectClrLst/>
+  </dgm:styleLbl>
+  <dgm:styleLbl name="fgImgPlace1">
+    <dgm:fillClrLst meth="repeat">
+      <a:schemeClr val="accent1">
+        <a:tint val="50000"/>
+      </a:schemeClr>
+    </dgm:fillClrLst>
+    <dgm:linClrLst meth="repeat">
+      <a:schemeClr val="lt1"/>
+    </dgm:linClrLst>
+    <dgm:effectClrLst/>
+    <dgm:txLinClrLst/>
+    <dgm:txFillClrLst meth="repeat">
+      <a:schemeClr val="lt1"/>
+    </dgm:txFillClrLst>
+    <dgm:txEffectClrLst/>
+  </dgm:styleLbl>
+  <dgm:styleLbl name="alignImgPlace1">
+    <dgm:fillClrLst meth="repeat">
+      <a:schemeClr val="accent1">
+        <a:tint val="50000"/>
+      </a:schemeClr>
+    </dgm:fillClrLst>
+    <dgm:linClrLst meth="repeat">
+      <a:schemeClr val="lt1"/>
+    </dgm:linClrLst>
+    <dgm:effectClrLst/>
+    <dgm:txLinClrLst/>
+    <dgm:txFillClrLst meth="repeat">
+      <a:schemeClr val="lt1"/>
+    </dgm:txFillClrLst>
+    <dgm:txEffectClrLst/>
+  </dgm:styleLbl>
+  <dgm:styleLbl name="bgImgPlace1">
+    <dgm:fillClrLst meth="repeat">
+      <a:schemeClr val="accent1">
+        <a:tint val="50000"/>
+      </a:schemeClr>
+    </dgm:fillClrLst>
+    <dgm:linClrLst meth="repeat">
+      <a:schemeClr val="lt1"/>
+    </dgm:linClrLst>
+    <dgm:effectClrLst/>
+    <dgm:txLinClrLst/>
+    <dgm:txFillClrLst meth="repeat">
+      <a:schemeClr val="lt1"/>
+    </dgm:txFillClrLst>
+    <dgm:txEffectClrLst/>
+  </dgm:styleLbl>
+  <dgm:styleLbl name="sibTrans2D1">
+    <dgm:fillClrLst meth="repeat">
+      <a:schemeClr val="accent1">
+        <a:tint val="60000"/>
+      </a:schemeClr>
+    </dgm:fillClrLst>
+    <dgm:linClrLst meth="repeat">
+      <a:schemeClr val="accent1">
+        <a:tint val="60000"/>
+      </a:schemeClr>
+    </dgm:linClrLst>
+    <dgm:effectClrLst/>
+    <dgm:txLinClrLst/>
+    <dgm:txFillClrLst/>
+    <dgm:txEffectClrLst/>
+  </dgm:styleLbl>
+  <dgm:styleLbl name="fgSibTrans2D1">
+    <dgm:fillClrLst meth="repeat">
+      <a:schemeClr val="accent1">
+        <a:tint val="60000"/>
+      </a:schemeClr>
+    </dgm:fillClrLst>
+    <dgm:linClrLst meth="repeat">
+      <a:schemeClr val="accent1">
+        <a:tint val="60000"/>
+      </a:schemeClr>
+    </dgm:linClrLst>
+    <dgm:effectClrLst/>
+    <dgm:txLinClrLst/>
+    <dgm:txFillClrLst/>
+    <dgm:txEffectClrLst/>
+  </dgm:styleLbl>
+  <dgm:styleLbl name="bgSibTrans2D1">
+    <dgm:fillClrLst meth="repeat">
+      <a:schemeClr val="accent1">
+        <a:tint val="60000"/>
+      </a:schemeClr>
+    </dgm:fillClrLst>
+    <dgm:linClrLst meth="repeat">
+      <a:schemeClr val="accent1">
+        <a:tint val="60000"/>
+      </a:schemeClr>
+    </dgm:linClrLst>
+    <dgm:effectClrLst/>
+    <dgm:txLinClrLst/>
+    <dgm:txFillClrLst/>
+    <dgm:txEffectClrLst/>
+  </dgm:styleLbl>
+  <dgm:styleLbl name="sibTrans1D1">
+    <dgm:fillClrLst meth="repeat">
+      <a:schemeClr val="accent1"/>
+    </dgm:fillClrLst>
+    <dgm:linClrLst meth="repeat">
+      <a:schemeClr val="accent1"/>
+    </dgm:linClrLst>
+    <dgm:effectClrLst/>
+    <dgm:txLinClrLst/>
+    <dgm:txFillClrLst meth="repeat">
+      <a:schemeClr val="tx1"/>
+    </dgm:txFillClrLst>
+    <dgm:txEffectClrLst/>
+  </dgm:styleLbl>
+  <dgm:styleLbl name="callout">
+    <dgm:fillClrLst meth="repeat">
+      <a:schemeClr val="accent1"/>
+    </dgm:fillClrLst>
+    <dgm:linClrLst meth="repeat">
+      <a:schemeClr val="accent1">
+        <a:tint val="50000"/>
+      </a:schemeClr>
+    </dgm:linClrLst>
+    <dgm:effectClrLst/>
+    <dgm:txLinClrLst/>
+    <dgm:txFillClrLst meth="repeat">
+      <a:schemeClr val="tx1"/>
+    </dgm:txFillClrLst>
+    <dgm:txEffectClrLst/>
+  </dgm:styleLbl>
+  <dgm:styleLbl name="asst0">
+    <dgm:fillClrLst meth="repeat">
+      <a:schemeClr val="accent1"/>
+    </dgm:fillClrLst>
+    <dgm:linClrLst meth="repeat">
+      <a:schemeClr val="lt1"/>
+    </dgm:linClrLst>
+    <dgm:effectClrLst/>
+    <dgm:txLinClrLst/>
+    <dgm:txFillClrLst/>
+    <dgm:txEffectClrLst/>
+  </dgm:styleLbl>
+  <dgm:styleLbl name="asst1">
+    <dgm:fillClrLst meth="repeat">
+      <a:schemeClr val="accent1"/>
+    </dgm:fillClrLst>
+    <dgm:linClrLst meth="repeat">
+      <a:schemeClr val="lt1"/>
+    </dgm:linClrLst>
+    <dgm:effectClrLst/>
+    <dgm:txLinClrLst/>
+    <dgm:txFillClrLst/>
+    <dgm:txEffectClrLst/>
+  </dgm:styleLbl>
+  <dgm:styleLbl name="asst2">
+    <dgm:fillClrLst meth="repeat">
+      <a:schemeClr val="accent1"/>
+    </dgm:fillClrLst>
+    <dgm:linClrLst meth="repeat">
+      <a:schemeClr val="lt1"/>
+    </dgm:linClrLst>
+    <dgm:effectClrLst/>
+    <dgm:txLinClrLst/>
+    <dgm:txFillClrLst/>
+    <dgm:txEffectClrLst/>
+  </dgm:styleLbl>
+  <dgm:styleLbl name="asst3">
+    <dgm:fillClrLst meth="repeat">
+      <a:schemeClr val="accent1"/>
+    </dgm:fillClrLst>
+    <dgm:linClrLst meth="repeat">
+      <a:schemeClr val="lt1"/>
+    </dgm:linClrLst>
+    <dgm:effectClrLst/>
+    <dgm:txLinClrLst/>
+    <dgm:txFillClrLst/>
+    <dgm:txEffectClrLst/>
+  </dgm:styleLbl>
+  <dgm:styleLbl name="asst4">
+    <dgm:fillClrLst meth="repeat">
+      <a:schemeClr val="accent1"/>
+    </dgm:fillClrLst>
+    <dgm:linClrLst meth="repeat">
+      <a:schemeClr val="lt1"/>
+    </dgm:linClrLst>
+    <dgm:effectClrLst/>
+    <dgm:txLinClrLst/>
+    <dgm:txFillClrLst/>
+    <dgm:txEffectClrLst/>
+  </dgm:styleLbl>
+  <dgm:styleLbl name="parChTrans2D1">
+    <dgm:fillClrLst meth="repeat">
+      <a:schemeClr val="accent1">
+        <a:tint val="60000"/>
+      </a:schemeClr>
+    </dgm:fillClrLst>
+    <dgm:linClrLst meth="repeat">
+      <a:schemeClr val="accent1">
+        <a:tint val="60000"/>
+      </a:schemeClr>
+    </dgm:linClrLst>
+    <dgm:effectClrLst/>
+    <dgm:txLinClrLst/>
+    <dgm:txFillClrLst meth="repeat">
+      <a:schemeClr val="lt1"/>
+    </dgm:txFillClrLst>
+    <dgm:txEffectClrLst/>
+  </dgm:styleLbl>
+  <dgm:styleLbl name="parChTrans2D2">
+    <dgm:fillClrLst meth="repeat">
+      <a:schemeClr val="accent1"/>
+    </dgm:fillClrLst>
+    <dgm:linClrLst meth="repeat">
+      <a:schemeClr val="accent1"/>
+    </dgm:linClrLst>
+    <dgm:effectClrLst/>
+    <dgm:txLinClrLst/>
+    <dgm:txFillClrLst meth="repeat">
+      <a:schemeClr val="lt1"/>
+    </dgm:txFillClrLst>
+    <dgm:txEffectClrLst/>
+  </dgm:styleLbl>
+  <dgm:styleLbl name="parChTrans2D3">
+    <dgm:fillClrLst meth="repeat">
+      <a:schemeClr val="accent1"/>
+    </dgm:fillClrLst>
+    <dgm:linClrLst meth="repeat">
+      <a:schemeClr val="accent1"/>
+    </dgm:linClrLst>
+    <dgm:effectClrLst/>
+    <dgm:txLinClrLst/>
+    <dgm:txFillClrLst meth="repeat">
+      <a:schemeClr val="lt1"/>
+    </dgm:txFillClrLst>
+    <dgm:txEffectClrLst/>
+  </dgm:styleLbl>
+  <dgm:styleLbl name="parChTrans2D4">
+    <dgm:fillClrLst meth="repeat">
+      <a:schemeClr val="accent1"/>
+    </dgm:fillClrLst>
+    <dgm:linClrLst meth="repeat">
+      <a:schemeClr val="accent1"/>
+    </dgm:linClrLst>
+    <dgm:effectClrLst/>
+    <dgm:txLinClrLst/>
+    <dgm:txFillClrLst meth="repeat">
+      <a:schemeClr val="lt1"/>
+    </dgm:txFillClrLst>
+    <dgm:txEffectClrLst/>
+  </dgm:styleLbl>
+  <dgm:styleLbl name="parChTrans1D1">
+    <dgm:fillClrLst meth="repeat">
+      <a:schemeClr val="accent1"/>
+    </dgm:fillClrLst>
+    <dgm:linClrLst meth="repeat">
+      <a:schemeClr val="accent1">
+        <a:shade val="60000"/>
+      </a:schemeClr>
+    </dgm:linClrLst>
+    <dgm:effectClrLst/>
+    <dgm:txLinClrLst/>
+    <dgm:txFillClrLst meth="repeat">
+      <a:schemeClr val="tx1"/>
+    </dgm:txFillClrLst>
+    <dgm:txEffectClrLst/>
+  </dgm:styleLbl>
+  <dgm:styleLbl name="parChTrans1D2">
+    <dgm:fillClrLst meth="repeat">
+      <a:schemeClr val="accent1"/>
+    </dgm:fillClrLst>
+    <dgm:linClrLst meth="repeat">
+      <a:schemeClr val="accent1">
+        <a:shade val="60000"/>
+      </a:schemeClr>
+    </dgm:linClrLst>
+    <dgm:effectClrLst/>
+    <dgm:txLinClrLst/>
+    <dgm:txFillClrLst meth="repeat">
+      <a:schemeClr val="tx1"/>
+    </dgm:txFillClrLst>
+    <dgm:txEffectClrLst/>
+  </dgm:styleLbl>
+  <dgm:styleLbl name="parChTrans1D3">
+    <dgm:fillClrLst meth="repeat">
+      <a:schemeClr val="accent1"/>
+    </dgm:fillClrLst>
+    <dgm:linClrLst meth="repeat">
+      <a:schemeClr val="accent1">
+        <a:shade val="80000"/>
+      </a:schemeClr>
+    </dgm:linClrLst>
+    <dgm:effectClrLst/>
+    <dgm:txLinClrLst/>
+    <dgm:txFillClrLst meth="repeat">
+      <a:schemeClr val="tx1"/>
+    </dgm:txFillClrLst>
+    <dgm:txEffectClrLst/>
+  </dgm:styleLbl>
+  <dgm:styleLbl name="parChTrans1D4">
+    <dgm:fillClrLst meth="repeat">
+      <a:schemeClr val="accent1"/>
+    </dgm:fillClrLst>
+    <dgm:linClrLst meth="repeat">
+      <a:schemeClr val="accent1">
+        <a:shade val="80000"/>
+      </a:schemeClr>
+    </dgm:linClrLst>
+    <dgm:effectClrLst/>
+    <dgm:txLinClrLst/>
+    <dgm:txFillClrLst meth="repeat">
+      <a:schemeClr val="tx1"/>
+    </dgm:txFillClrLst>
+    <dgm:txEffectClrLst/>
+  </dgm:styleLbl>
+  <dgm:styleLbl name="fgAcc1">
+    <dgm:fillClrLst meth="repeat">
+      <a:schemeClr val="lt1">
+        <a:alpha val="90000"/>
+      </a:schemeClr>
+    </dgm:fillClrLst>
+    <dgm:linClrLst meth="repeat">
+      <a:schemeClr val="accent1"/>
+    </dgm:linClrLst>
+    <dgm:effectClrLst/>
+    <dgm:txLinClrLst/>
+    <dgm:txFillClrLst meth="repeat">
+      <a:schemeClr val="dk1"/>
+    </dgm:txFillClrLst>
+    <dgm:txEffectClrLst/>
+  </dgm:styleLbl>
+  <dgm:styleLbl name="conFgAcc1">
+    <dgm:fillClrLst meth="repeat">
+      <a:schemeClr val="lt1">
+        <a:alpha val="90000"/>
+      </a:schemeClr>
+    </dgm:fillClrLst>
+    <dgm:linClrLst meth="repeat">
+      <a:schemeClr val="accent1"/>
+    </dgm:linClrLst>
+    <dgm:effectClrLst/>
+    <dgm:txLinClrLst/>
+    <dgm:txFillClrLst meth="repeat">
+      <a:schemeClr val="dk1"/>
+    </dgm:txFillClrLst>
+    <dgm:txEffectClrLst/>
+  </dgm:styleLbl>
+  <dgm:styleLbl name="alignAcc1">
+    <dgm:fillClrLst meth="repeat">
+      <a:schemeClr val="lt1">
+        <a:alpha val="90000"/>
+      </a:schemeClr>
+    </dgm:fillClrLst>
+    <dgm:linClrLst meth="repeat">
+      <a:schemeClr val="accent1"/>
+    </dgm:linClrLst>
+    <dgm:effectClrLst/>
+    <dgm:txLinClrLst/>
+    <dgm:txFillClrLst meth="repeat">
+      <a:schemeClr val="dk1"/>
+    </dgm:txFillClrLst>
+    <dgm:txEffectClrLst/>
+  </dgm:styleLbl>
+  <dgm:styleLbl name="trAlignAcc1">
+    <dgm:fillClrLst meth="repeat">
+      <a:schemeClr val="lt1">
+        <a:alpha val="40000"/>
+      </a:schemeClr>
+    </dgm:fillClrLst>
+    <dgm:linClrLst meth="repeat">
+      <a:schemeClr val="accent1"/>
+    </dgm:linClrLst>
+    <dgm:effectClrLst/>
+    <dgm:txLinClrLst/>
+    <dgm:txFillClrLst meth="repeat">
+      <a:schemeClr val="dk1"/>
+    </dgm:txFillClrLst>
+    <dgm:txEffectClrLst/>
+  </dgm:styleLbl>
+  <dgm:styleLbl name="bgAcc1">
+    <dgm:fillClrLst meth="repeat">
+      <a:schemeClr val="lt1">
+        <a:alpha val="90000"/>
+      </a:schemeClr>
+    </dgm:fillClrLst>
+    <dgm:linClrLst meth="repeat">
+      <a:schemeClr val="accent1"/>
+    </dgm:linClrLst>
+    <dgm:effectClrLst/>
+    <dgm:txLinClrLst/>
+    <dgm:txFillClrLst meth="repeat">
+      <a:schemeClr val="dk1"/>
+    </dgm:txFillClrLst>
+    <dgm:txEffectClrLst/>
+  </dgm:styleLbl>
+  <dgm:styleLbl name="solidFgAcc1">
+    <dgm:fillClrLst meth="repeat">
+      <a:schemeClr val="lt1"/>
+    </dgm:fillClrLst>
+    <dgm:linClrLst meth="repeat">
+      <a:schemeClr val="accent1"/>
+    </dgm:linClrLst>
+    <dgm:effectClrLst/>
+    <dgm:txLinClrLst/>
+    <dgm:txFillClrLst meth="repeat">
+      <a:schemeClr val="dk1"/>
+    </dgm:txFillClrLst>
+    <dgm:txEffectClrLst/>
+  </dgm:styleLbl>
+  <dgm:styleLbl name="solidAlignAcc1">
+    <dgm:fillClrLst meth="repeat">
+      <a:schemeClr val="lt1"/>
+    </dgm:fillClrLst>
+    <dgm:linClrLst meth="repeat">
+      <a:schemeClr val="accent1"/>
+    </dgm:linClrLst>
+    <dgm:effectClrLst/>
+    <dgm:txLinClrLst/>
+    <dgm:txFillClrLst meth="repeat">
+      <a:schemeClr val="dk1"/>
+    </dgm:txFillClrLst>
+    <dgm:txEffectClrLst/>
+  </dgm:styleLbl>
+  <dgm:styleLbl name="solidBgAcc1">
+    <dgm:fillClrLst meth="repeat">
+      <a:schemeClr val="lt1"/>
+    </dgm:fillClrLst>
+    <dgm:linClrLst meth="repeat">
+      <a:schemeClr val="accent1"/>
+    </dgm:linClrLst>
+    <dgm:effectClrLst/>
+    <dgm:txLinClrLst/>
+    <dgm:txFillClrLst meth="repeat">
+      <a:schemeClr val="dk1"/>
+    </dgm:txFillClrLst>
+    <dgm:txEffectClrLst/>
+  </dgm:styleLbl>
+  <dgm:styleLbl name="fgAccFollowNode1">
+    <dgm:fillClrLst meth="repeat">
+      <a:schemeClr val="accent1">
+        <a:alpha val="90000"/>
+        <a:tint val="40000"/>
+      </a:schemeClr>
+    </dgm:fillClrLst>
+    <dgm:linClrLst meth="repeat">
+      <a:schemeClr val="accent1">
+        <a:alpha val="90000"/>
+        <a:tint val="40000"/>
+      </a:schemeClr>
+    </dgm:linClrLst>
+    <dgm:effectClrLst/>
+    <dgm:txLinClrLst/>
+    <dgm:txFillClrLst meth="repeat">
+      <a:schemeClr val="dk1"/>
+    </dgm:txFillClrLst>
+    <dgm:txEffectClrLst/>
+  </dgm:styleLbl>
+  <dgm:styleLbl name="alignAccFollowNode1">
+    <dgm:fillClrLst meth="repeat">
+      <a:schemeClr val="accent1">
+        <a:alpha val="90000"/>
+        <a:tint val="40000"/>
+      </a:schemeClr>
+    </dgm:fillClrLst>
+    <dgm:linClrLst meth="repeat">
+      <a:schemeClr val="accent1">
+        <a:alpha val="90000"/>
+        <a:tint val="40000"/>
+      </a:schemeClr>
+    </dgm:linClrLst>
+    <dgm:effectClrLst/>
+    <dgm:txLinClrLst/>
+    <dgm:txFillClrLst meth="repeat">
+      <a:schemeClr val="dk1"/>
+    </dgm:txFillClrLst>
+    <dgm:txEffectClrLst/>
+  </dgm:styleLbl>
+  <dgm:styleLbl name="bgAccFollowNode1">
+    <dgm:fillClrLst meth="repeat">
+      <a:schemeClr val="accent1">
+        <a:alpha val="90000"/>
+        <a:tint val="40000"/>
+      </a:schemeClr>
+    </dgm:fillClrLst>
+    <dgm:linClrLst meth="repeat">
+      <a:schemeClr val="accent1">
+        <a:alpha val="90000"/>
+        <a:tint val="40000"/>
+      </a:schemeClr>
+    </dgm:linClrLst>
+    <dgm:effectClrLst/>
+    <dgm:txLinClrLst/>
+    <dgm:txFillClrLst meth="repeat">
+      <a:schemeClr val="dk1"/>
+    </dgm:txFillClrLst>
+    <dgm:txEffectClrLst/>
+  </dgm:styleLbl>
+  <dgm:styleLbl name="fgAcc0">
+    <dgm:fillClrLst meth="repeat">
+      <a:schemeClr val="lt1">
+        <a:alpha val="90000"/>
+      </a:schemeClr>
+    </dgm:fillClrLst>
+    <dgm:linClrLst meth="repeat">
+      <a:schemeClr val="accent1"/>
+    </dgm:linClrLst>
+    <dgm:effectClrLst/>
+    <dgm:txLinClrLst/>
+    <dgm:txFillClrLst meth="repeat">
+      <a:schemeClr val="dk1"/>
+    </dgm:txFillClrLst>
+    <dgm:txEffectClrLst/>
+  </dgm:styleLbl>
+  <dgm:styleLbl name="fgAcc2">
+    <dgm:fillClrLst meth="repeat">
+      <a:schemeClr val="lt1">
+        <a:alpha val="90000"/>
+      </a:schemeClr>
+    </dgm:fillClrLst>
+    <dgm:linClrLst meth="repeat">
+      <a:schemeClr val="accent1"/>
+    </dgm:linClrLst>
+    <dgm:effectClrLst/>
+    <dgm:txLinClrLst/>
+    <dgm:txFillClrLst meth="repeat">
+      <a:schemeClr val="dk1"/>
+    </dgm:txFillClrLst>
+    <dgm:txEffectClrLst/>
+  </dgm:styleLbl>
+  <dgm:styleLbl name="fgAcc3">
+    <dgm:fillClrLst meth="repeat">
+      <a:schemeClr val="lt1">
+        <a:alpha val="90000"/>
+      </a:schemeClr>
+    </dgm:fillClrLst>
+    <dgm:linClrLst meth="repeat">
+      <a:schemeClr val="accent1"/>
+    </dgm:linClrLst>
+    <dgm:effectClrLst/>
+    <dgm:txLinClrLst/>
+    <dgm:txFillClrLst meth="repeat">
+      <a:schemeClr val="dk1"/>
+    </dgm:txFillClrLst>
+    <dgm:txEffectClrLst/>
+  </dgm:styleLbl>
+  <dgm:styleLbl name="fgAcc4">
+    <dgm:fillClrLst meth="repeat">
+      <a:schemeClr val="lt1">
+        <a:alpha val="90000"/>
+      </a:schemeClr>
+    </dgm:fillClrLst>
+    <dgm:linClrLst meth="repeat">
+      <a:schemeClr val="accent1"/>
+    </dgm:linClrLst>
+    <dgm:effectClrLst/>
+    <dgm:txLinClrLst/>
+    <dgm:txFillClrLst meth="repeat">
+      <a:schemeClr val="dk1"/>
+    </dgm:txFillClrLst>
+    <dgm:txEffectClrLst/>
+  </dgm:styleLbl>
+  <dgm:styleLbl name="bgShp">
+    <dgm:fillClrLst meth="repeat">
+      <a:schemeClr val="accent1">
+        <a:tint val="40000"/>
+      </a:schemeClr>
+    </dgm:fillClrLst>
+    <dgm:linClrLst meth="repeat">
+      <a:schemeClr val="accent1"/>
+    </dgm:linClrLst>
+    <dgm:effectClrLst/>
+    <dgm:txLinClrLst/>
+    <dgm:txFillClrLst meth="repeat">
+      <a:schemeClr val="dk1"/>
+    </dgm:txFillClrLst>
+    <dgm:txEffectClrLst/>
+  </dgm:styleLbl>
+  <dgm:styleLbl name="dkBgShp">
+    <dgm:fillClrLst meth="repeat">
+      <a:schemeClr val="accent1">
+        <a:shade val="80000"/>
+      </a:schemeClr>
+    </dgm:fillClrLst>
+    <dgm:linClrLst meth="repeat">
+      <a:schemeClr val="accent1"/>
+    </dgm:linClrLst>
+    <dgm:effectClrLst/>
+    <dgm:txLinClrLst/>
+    <dgm:txFillClrLst meth="repeat">
+      <a:schemeClr val="lt1"/>
+    </dgm:txFillClrLst>
+    <dgm:txEffectClrLst/>
+  </dgm:styleLbl>
+  <dgm:styleLbl name="trBgShp">
+    <dgm:fillClrLst meth="repeat">
+      <a:schemeClr val="accent1">
+        <a:tint val="50000"/>
+        <a:alpha val="40000"/>
+      </a:schemeClr>
+    </dgm:fillClrLst>
+    <dgm:linClrLst meth="repeat">
+      <a:schemeClr val="accent1"/>
+    </dgm:linClrLst>
+    <dgm:effectClrLst/>
+    <dgm:txLinClrLst/>
+    <dgm:txFillClrLst meth="repeat">
+      <a:schemeClr val="lt1"/>
+    </dgm:txFillClrLst>
+    <dgm:txEffectClrLst/>
+  </dgm:styleLbl>
+  <dgm:styleLbl name="fgShp">
+    <dgm:fillClrLst meth="repeat">
+      <a:schemeClr val="accent1">
+        <a:tint val="60000"/>
+      </a:schemeClr>
+    </dgm:fillClrLst>
+    <dgm:linClrLst meth="repeat">
+      <a:schemeClr val="lt1"/>
+    </dgm:linClrLst>
+    <dgm:effectClrLst/>
+    <dgm:txLinClrLst/>
+    <dgm:txFillClrLst meth="repeat">
+      <a:schemeClr val="dk1"/>
+    </dgm:txFillClrLst>
+    <dgm:txEffectClrLst/>
+  </dgm:styleLbl>
+  <dgm:styleLbl name="revTx">
+    <dgm:fillClrLst meth="repeat">
+      <a:schemeClr val="lt1">
+        <a:alpha val="0"/>
+      </a:schemeClr>
+    </dgm:fillClrLst>
+    <dgm:linClrLst meth="repeat">
+      <a:schemeClr val="dk1">
+        <a:alpha val="0"/>
+      </a:schemeClr>
+    </dgm:linClrLst>
+    <dgm:effectClrLst/>
+    <dgm:txLinClrLst/>
+    <dgm:txFillClrLst meth="repeat">
+      <a:schemeClr val="tx1"/>
+    </dgm:txFillClrLst>
+    <dgm:txEffectClrLst/>
+  </dgm:styleLbl>
+</dgm:colorsDef>
+</file>
+
+<file path=ppt/diagrams/data1.xml><?xml version="1.0" encoding="utf-8"?>
+<dgm:dataModel xmlns:dgm="http://schemas.openxmlformats.org/drawingml/2006/diagram" xmlns:a="http://schemas.openxmlformats.org/drawingml/2006/main">
+  <dgm:ptLst>
+    <dgm:pt modelId="{D304D034-0BBC-4A2D-9F8F-E19BC5D1E6A2}" type="doc">
+      <dgm:prSet loTypeId="urn:microsoft.com/office/officeart/2005/8/layout/vProcess5" loCatId="process" qsTypeId="urn:microsoft.com/office/officeart/2005/8/quickstyle/simple3" qsCatId="simple" csTypeId="urn:microsoft.com/office/officeart/2005/8/colors/accent1_2" csCatId="accent1" phldr="1"/>
+      <dgm:spPr/>
+      <dgm:t>
+        <a:bodyPr/>
+        <a:lstStyle/>
+        <a:p>
+          <a:pPr latinLnBrk="1"/>
+          <a:endParaRPr lang="ko-KR" altLang="en-US"/>
+        </a:p>
+      </dgm:t>
+    </dgm:pt>
+    <dgm:pt modelId="{7D2D1ACF-098F-4880-BD71-486834B2F4DB}">
+      <dgm:prSet phldrT="[텍스트]"/>
+      <dgm:spPr/>
+      <dgm:t>
+        <a:bodyPr/>
+        <a:lstStyle/>
+        <a:p>
+          <a:pPr algn="ctr" latinLnBrk="1"/>
+          <a:r>
+            <a:rPr lang="en-US" altLang="ko-KR" dirty="0" err="1" smtClean="0"/>
+            <a:t>MySql</a:t>
+          </a:r>
+          <a:r>
+            <a:rPr lang="en-US" altLang="ko-KR" dirty="0" smtClean="0"/>
+            <a:t> </a:t>
+          </a:r>
+          <a:r>
+            <a:rPr lang="ko-KR" altLang="en-US" dirty="0" smtClean="0"/>
+            <a:t>실행</a:t>
+          </a:r>
+          <a:endParaRPr lang="ko-KR" altLang="en-US" dirty="0"/>
+        </a:p>
+      </dgm:t>
+    </dgm:pt>
+    <dgm:pt modelId="{842B0012-B798-400C-8B3E-812CFE85FE29}" type="parTrans" cxnId="{1C8CD76E-838C-4706-AE85-B88A058D101F}">
+      <dgm:prSet/>
+      <dgm:spPr/>
+      <dgm:t>
+        <a:bodyPr/>
+        <a:lstStyle/>
+        <a:p>
+          <a:pPr algn="ctr" latinLnBrk="1"/>
+          <a:endParaRPr lang="ko-KR" altLang="en-US"/>
+        </a:p>
+      </dgm:t>
+    </dgm:pt>
+    <dgm:pt modelId="{972A0CC7-2D7E-408C-AFC1-F35CB58B4926}" type="sibTrans" cxnId="{1C8CD76E-838C-4706-AE85-B88A058D101F}">
+      <dgm:prSet/>
+      <dgm:spPr/>
+      <dgm:t>
+        <a:bodyPr/>
+        <a:lstStyle/>
+        <a:p>
+          <a:pPr algn="ctr" latinLnBrk="1"/>
+          <a:endParaRPr lang="ko-KR" altLang="en-US"/>
+        </a:p>
+      </dgm:t>
+    </dgm:pt>
+    <dgm:pt modelId="{1C44C970-E53D-4B04-9214-669A00DCD7A7}">
+      <dgm:prSet phldrT="[텍스트]"/>
+      <dgm:spPr/>
+      <dgm:t>
+        <a:bodyPr/>
+        <a:lstStyle/>
+        <a:p>
+          <a:pPr algn="ctr" latinLnBrk="1"/>
+          <a:r>
+            <a:rPr lang="en-US" altLang="ko-KR" dirty="0" err="1" smtClean="0"/>
+            <a:t>AuthServer</a:t>
+          </a:r>
+          <a:r>
+            <a:rPr lang="en-US" altLang="ko-KR" dirty="0" smtClean="0"/>
+            <a:t> </a:t>
+          </a:r>
+          <a:r>
+            <a:rPr lang="ko-KR" altLang="en-US" dirty="0" smtClean="0"/>
+            <a:t>실행</a:t>
+          </a:r>
+          <a:endParaRPr lang="ko-KR" altLang="en-US" dirty="0"/>
+        </a:p>
+      </dgm:t>
+    </dgm:pt>
+    <dgm:pt modelId="{270D77F0-CB28-4C84-BC94-78732869DE60}" type="parTrans" cxnId="{30762192-845D-4112-A1B3-4A0F00FDB346}">
+      <dgm:prSet/>
+      <dgm:spPr/>
+      <dgm:t>
+        <a:bodyPr/>
+        <a:lstStyle/>
+        <a:p>
+          <a:pPr algn="ctr" latinLnBrk="1"/>
+          <a:endParaRPr lang="ko-KR" altLang="en-US"/>
+        </a:p>
+      </dgm:t>
+    </dgm:pt>
+    <dgm:pt modelId="{CCE802F8-4ABD-4FD3-900E-84E5111AEE21}" type="sibTrans" cxnId="{30762192-845D-4112-A1B3-4A0F00FDB346}">
+      <dgm:prSet/>
+      <dgm:spPr/>
+      <dgm:t>
+        <a:bodyPr/>
+        <a:lstStyle/>
+        <a:p>
+          <a:pPr algn="ctr" latinLnBrk="1"/>
+          <a:endParaRPr lang="ko-KR" altLang="en-US"/>
+        </a:p>
+      </dgm:t>
+    </dgm:pt>
+    <dgm:pt modelId="{DF610E7B-8EFB-412A-AE4C-FFE3DC3A8470}">
+      <dgm:prSet phldrT="[텍스트]"/>
+      <dgm:spPr/>
+      <dgm:t>
+        <a:bodyPr/>
+        <a:lstStyle/>
+        <a:p>
+          <a:pPr algn="ctr" latinLnBrk="1"/>
+          <a:r>
+            <a:rPr lang="en-US" altLang="ko-KR" dirty="0" err="1" smtClean="0"/>
+            <a:t>GameServer</a:t>
+          </a:r>
+          <a:r>
+            <a:rPr lang="en-US" altLang="ko-KR" dirty="0" smtClean="0"/>
+            <a:t> </a:t>
+          </a:r>
+          <a:r>
+            <a:rPr lang="ko-KR" altLang="en-US" dirty="0" smtClean="0"/>
+            <a:t>실행</a:t>
+          </a:r>
+          <a:endParaRPr lang="ko-KR" altLang="en-US" dirty="0"/>
+        </a:p>
+      </dgm:t>
+    </dgm:pt>
+    <dgm:pt modelId="{F5D88A8B-0FF5-46D6-9AFC-004842BDB484}" type="parTrans" cxnId="{CA29AD61-6767-4D65-B157-3775C031F166}">
+      <dgm:prSet/>
+      <dgm:spPr/>
+      <dgm:t>
+        <a:bodyPr/>
+        <a:lstStyle/>
+        <a:p>
+          <a:pPr algn="ctr" latinLnBrk="1"/>
+          <a:endParaRPr lang="ko-KR" altLang="en-US"/>
+        </a:p>
+      </dgm:t>
+    </dgm:pt>
+    <dgm:pt modelId="{D42E8BFD-3430-422D-B510-51EEF06DDCD9}" type="sibTrans" cxnId="{CA29AD61-6767-4D65-B157-3775C031F166}">
+      <dgm:prSet/>
+      <dgm:spPr/>
+      <dgm:t>
+        <a:bodyPr/>
+        <a:lstStyle/>
+        <a:p>
+          <a:pPr algn="ctr" latinLnBrk="1"/>
+          <a:endParaRPr lang="ko-KR" altLang="en-US"/>
+        </a:p>
+      </dgm:t>
+    </dgm:pt>
+    <dgm:pt modelId="{8462CAB8-F5BF-4752-A78C-16C7B4B06C69}" type="pres">
+      <dgm:prSet presAssocID="{D304D034-0BBC-4A2D-9F8F-E19BC5D1E6A2}" presName="outerComposite" presStyleCnt="0">
+        <dgm:presLayoutVars>
+          <dgm:chMax val="5"/>
+          <dgm:dir/>
+          <dgm:resizeHandles val="exact"/>
+        </dgm:presLayoutVars>
+      </dgm:prSet>
+      <dgm:spPr/>
+    </dgm:pt>
+    <dgm:pt modelId="{7A03AA10-D726-4767-A6E0-3E41FEDBAADD}" type="pres">
+      <dgm:prSet presAssocID="{D304D034-0BBC-4A2D-9F8F-E19BC5D1E6A2}" presName="dummyMaxCanvas" presStyleCnt="0">
+        <dgm:presLayoutVars/>
+      </dgm:prSet>
+      <dgm:spPr/>
+    </dgm:pt>
+    <dgm:pt modelId="{515793D3-CCDB-4A94-9C22-BD95A18B1ADD}" type="pres">
+      <dgm:prSet presAssocID="{D304D034-0BBC-4A2D-9F8F-E19BC5D1E6A2}" presName="ThreeNodes_1" presStyleLbl="node1" presStyleIdx="0" presStyleCnt="3">
+        <dgm:presLayoutVars>
+          <dgm:bulletEnabled val="1"/>
+        </dgm:presLayoutVars>
+      </dgm:prSet>
+      <dgm:spPr/>
+      <dgm:t>
+        <a:bodyPr/>
+        <a:lstStyle/>
+        <a:p>
+          <a:pPr latinLnBrk="1"/>
+          <a:endParaRPr lang="ko-KR" altLang="en-US"/>
+        </a:p>
+      </dgm:t>
+    </dgm:pt>
+    <dgm:pt modelId="{8D9A43CA-2035-4FC4-A6C1-0CFD55BD6F16}" type="pres">
+      <dgm:prSet presAssocID="{D304D034-0BBC-4A2D-9F8F-E19BC5D1E6A2}" presName="ThreeNodes_2" presStyleLbl="node1" presStyleIdx="1" presStyleCnt="3">
+        <dgm:presLayoutVars>
+          <dgm:bulletEnabled val="1"/>
+        </dgm:presLayoutVars>
+      </dgm:prSet>
+      <dgm:spPr/>
+    </dgm:pt>
+    <dgm:pt modelId="{CC2334A3-339E-4E0B-A216-449C03D7CB66}" type="pres">
+      <dgm:prSet presAssocID="{D304D034-0BBC-4A2D-9F8F-E19BC5D1E6A2}" presName="ThreeNodes_3" presStyleLbl="node1" presStyleIdx="2" presStyleCnt="3">
+        <dgm:presLayoutVars>
+          <dgm:bulletEnabled val="1"/>
+        </dgm:presLayoutVars>
+      </dgm:prSet>
+      <dgm:spPr/>
+    </dgm:pt>
+    <dgm:pt modelId="{4DC3E367-48DD-4C45-949D-ACEE8763A11E}" type="pres">
+      <dgm:prSet presAssocID="{D304D034-0BBC-4A2D-9F8F-E19BC5D1E6A2}" presName="ThreeConn_1-2" presStyleLbl="fgAccFollowNode1" presStyleIdx="0" presStyleCnt="2">
+        <dgm:presLayoutVars>
+          <dgm:bulletEnabled val="1"/>
+        </dgm:presLayoutVars>
+      </dgm:prSet>
+      <dgm:spPr/>
+    </dgm:pt>
+    <dgm:pt modelId="{128667F9-EF43-4EB4-8988-BEAFB215594E}" type="pres">
+      <dgm:prSet presAssocID="{D304D034-0BBC-4A2D-9F8F-E19BC5D1E6A2}" presName="ThreeConn_2-3" presStyleLbl="fgAccFollowNode1" presStyleIdx="1" presStyleCnt="2">
+        <dgm:presLayoutVars>
+          <dgm:bulletEnabled val="1"/>
+        </dgm:presLayoutVars>
+      </dgm:prSet>
+      <dgm:spPr/>
+    </dgm:pt>
+    <dgm:pt modelId="{90EA958F-2AC1-41EA-B177-E3B78E95EE13}" type="pres">
+      <dgm:prSet presAssocID="{D304D034-0BBC-4A2D-9F8F-E19BC5D1E6A2}" presName="ThreeNodes_1_text" presStyleLbl="node1" presStyleIdx="2" presStyleCnt="3">
+        <dgm:presLayoutVars>
+          <dgm:bulletEnabled val="1"/>
+        </dgm:presLayoutVars>
+      </dgm:prSet>
+      <dgm:spPr/>
+      <dgm:t>
+        <a:bodyPr/>
+        <a:lstStyle/>
+        <a:p>
+          <a:pPr latinLnBrk="1"/>
+          <a:endParaRPr lang="ko-KR" altLang="en-US"/>
+        </a:p>
+      </dgm:t>
+    </dgm:pt>
+    <dgm:pt modelId="{8F0A5B0F-E46A-4C3B-952D-B9FBF47AE7F8}" type="pres">
+      <dgm:prSet presAssocID="{D304D034-0BBC-4A2D-9F8F-E19BC5D1E6A2}" presName="ThreeNodes_2_text" presStyleLbl="node1" presStyleIdx="2" presStyleCnt="3">
+        <dgm:presLayoutVars>
+          <dgm:bulletEnabled val="1"/>
+        </dgm:presLayoutVars>
+      </dgm:prSet>
+      <dgm:spPr/>
+    </dgm:pt>
+    <dgm:pt modelId="{8AEE8565-0A3B-4DD3-BF98-D95BB5E91FD5}" type="pres">
+      <dgm:prSet presAssocID="{D304D034-0BBC-4A2D-9F8F-E19BC5D1E6A2}" presName="ThreeNodes_3_text" presStyleLbl="node1" presStyleIdx="2" presStyleCnt="3">
+        <dgm:presLayoutVars>
+          <dgm:bulletEnabled val="1"/>
+        </dgm:presLayoutVars>
+      </dgm:prSet>
+      <dgm:spPr/>
+    </dgm:pt>
+  </dgm:ptLst>
+  <dgm:cxnLst>
+    <dgm:cxn modelId="{44E63A59-089A-4307-8C88-E8B91A94ACB2}" type="presOf" srcId="{7D2D1ACF-098F-4880-BD71-486834B2F4DB}" destId="{515793D3-CCDB-4A94-9C22-BD95A18B1ADD}" srcOrd="0" destOrd="0" presId="urn:microsoft.com/office/officeart/2005/8/layout/vProcess5"/>
+    <dgm:cxn modelId="{8D6F18E0-760B-4377-B01A-79C919A4FFE2}" type="presOf" srcId="{DF610E7B-8EFB-412A-AE4C-FFE3DC3A8470}" destId="{CC2334A3-339E-4E0B-A216-449C03D7CB66}" srcOrd="0" destOrd="0" presId="urn:microsoft.com/office/officeart/2005/8/layout/vProcess5"/>
+    <dgm:cxn modelId="{DFAA799A-ADA3-4508-A618-C3362E65CACA}" type="presOf" srcId="{1C44C970-E53D-4B04-9214-669A00DCD7A7}" destId="{8D9A43CA-2035-4FC4-A6C1-0CFD55BD6F16}" srcOrd="0" destOrd="0" presId="urn:microsoft.com/office/officeart/2005/8/layout/vProcess5"/>
+    <dgm:cxn modelId="{1C8CD76E-838C-4706-AE85-B88A058D101F}" srcId="{D304D034-0BBC-4A2D-9F8F-E19BC5D1E6A2}" destId="{7D2D1ACF-098F-4880-BD71-486834B2F4DB}" srcOrd="0" destOrd="0" parTransId="{842B0012-B798-400C-8B3E-812CFE85FE29}" sibTransId="{972A0CC7-2D7E-408C-AFC1-F35CB58B4926}"/>
+    <dgm:cxn modelId="{CA29AD61-6767-4D65-B157-3775C031F166}" srcId="{D304D034-0BBC-4A2D-9F8F-E19BC5D1E6A2}" destId="{DF610E7B-8EFB-412A-AE4C-FFE3DC3A8470}" srcOrd="2" destOrd="0" parTransId="{F5D88A8B-0FF5-46D6-9AFC-004842BDB484}" sibTransId="{D42E8BFD-3430-422D-B510-51EEF06DDCD9}"/>
+    <dgm:cxn modelId="{A949333F-03B9-4586-A489-7E67DBA26BE8}" type="presOf" srcId="{DF610E7B-8EFB-412A-AE4C-FFE3DC3A8470}" destId="{8AEE8565-0A3B-4DD3-BF98-D95BB5E91FD5}" srcOrd="1" destOrd="0" presId="urn:microsoft.com/office/officeart/2005/8/layout/vProcess5"/>
+    <dgm:cxn modelId="{6A019962-FA69-4B3F-8555-7438EB7EB44C}" type="presOf" srcId="{CCE802F8-4ABD-4FD3-900E-84E5111AEE21}" destId="{128667F9-EF43-4EB4-8988-BEAFB215594E}" srcOrd="0" destOrd="0" presId="urn:microsoft.com/office/officeart/2005/8/layout/vProcess5"/>
+    <dgm:cxn modelId="{33963876-E409-41BC-B932-56CBA85DD0C5}" type="presOf" srcId="{972A0CC7-2D7E-408C-AFC1-F35CB58B4926}" destId="{4DC3E367-48DD-4C45-949D-ACEE8763A11E}" srcOrd="0" destOrd="0" presId="urn:microsoft.com/office/officeart/2005/8/layout/vProcess5"/>
+    <dgm:cxn modelId="{B058B4C8-DE0B-4064-BFEE-91F921E535A5}" type="presOf" srcId="{D304D034-0BBC-4A2D-9F8F-E19BC5D1E6A2}" destId="{8462CAB8-F5BF-4752-A78C-16C7B4B06C69}" srcOrd="0" destOrd="0" presId="urn:microsoft.com/office/officeart/2005/8/layout/vProcess5"/>
+    <dgm:cxn modelId="{32F61A3B-90C3-4B88-8BF4-D3D64AA4E857}" type="presOf" srcId="{7D2D1ACF-098F-4880-BD71-486834B2F4DB}" destId="{90EA958F-2AC1-41EA-B177-E3B78E95EE13}" srcOrd="1" destOrd="0" presId="urn:microsoft.com/office/officeart/2005/8/layout/vProcess5"/>
+    <dgm:cxn modelId="{EC2F8D4F-2742-4E92-8745-48002D113045}" type="presOf" srcId="{1C44C970-E53D-4B04-9214-669A00DCD7A7}" destId="{8F0A5B0F-E46A-4C3B-952D-B9FBF47AE7F8}" srcOrd="1" destOrd="0" presId="urn:microsoft.com/office/officeart/2005/8/layout/vProcess5"/>
+    <dgm:cxn modelId="{30762192-845D-4112-A1B3-4A0F00FDB346}" srcId="{D304D034-0BBC-4A2D-9F8F-E19BC5D1E6A2}" destId="{1C44C970-E53D-4B04-9214-669A00DCD7A7}" srcOrd="1" destOrd="0" parTransId="{270D77F0-CB28-4C84-BC94-78732869DE60}" sibTransId="{CCE802F8-4ABD-4FD3-900E-84E5111AEE21}"/>
+    <dgm:cxn modelId="{2837014E-CE44-4749-BD75-19311BA1AA57}" type="presParOf" srcId="{8462CAB8-F5BF-4752-A78C-16C7B4B06C69}" destId="{7A03AA10-D726-4767-A6E0-3E41FEDBAADD}" srcOrd="0" destOrd="0" presId="urn:microsoft.com/office/officeart/2005/8/layout/vProcess5"/>
+    <dgm:cxn modelId="{700988BE-B29F-47C9-83E2-24F38C3A5400}" type="presParOf" srcId="{8462CAB8-F5BF-4752-A78C-16C7B4B06C69}" destId="{515793D3-CCDB-4A94-9C22-BD95A18B1ADD}" srcOrd="1" destOrd="0" presId="urn:microsoft.com/office/officeart/2005/8/layout/vProcess5"/>
+    <dgm:cxn modelId="{A6A8B6B0-8CC4-4A4A-8BAE-EC7AAA1CDD9E}" type="presParOf" srcId="{8462CAB8-F5BF-4752-A78C-16C7B4B06C69}" destId="{8D9A43CA-2035-4FC4-A6C1-0CFD55BD6F16}" srcOrd="2" destOrd="0" presId="urn:microsoft.com/office/officeart/2005/8/layout/vProcess5"/>
+    <dgm:cxn modelId="{D81AD732-03FF-4AF5-8AA2-ED363B1D7172}" type="presParOf" srcId="{8462CAB8-F5BF-4752-A78C-16C7B4B06C69}" destId="{CC2334A3-339E-4E0B-A216-449C03D7CB66}" srcOrd="3" destOrd="0" presId="urn:microsoft.com/office/officeart/2005/8/layout/vProcess5"/>
+    <dgm:cxn modelId="{8B7C80B0-E23E-4171-B1B6-74ACCCB8D661}" type="presParOf" srcId="{8462CAB8-F5BF-4752-A78C-16C7B4B06C69}" destId="{4DC3E367-48DD-4C45-949D-ACEE8763A11E}" srcOrd="4" destOrd="0" presId="urn:microsoft.com/office/officeart/2005/8/layout/vProcess5"/>
+    <dgm:cxn modelId="{FBA330A1-EA66-4D3E-B079-767544C7F5B1}" type="presParOf" srcId="{8462CAB8-F5BF-4752-A78C-16C7B4B06C69}" destId="{128667F9-EF43-4EB4-8988-BEAFB215594E}" srcOrd="5" destOrd="0" presId="urn:microsoft.com/office/officeart/2005/8/layout/vProcess5"/>
+    <dgm:cxn modelId="{ABFF72CF-974F-4A0E-B355-4470AD85F1E3}" type="presParOf" srcId="{8462CAB8-F5BF-4752-A78C-16C7B4B06C69}" destId="{90EA958F-2AC1-41EA-B177-E3B78E95EE13}" srcOrd="6" destOrd="0" presId="urn:microsoft.com/office/officeart/2005/8/layout/vProcess5"/>
+    <dgm:cxn modelId="{C8AD43C2-D05F-4032-90B3-7B1DDA29A64D}" type="presParOf" srcId="{8462CAB8-F5BF-4752-A78C-16C7B4B06C69}" destId="{8F0A5B0F-E46A-4C3B-952D-B9FBF47AE7F8}" srcOrd="7" destOrd="0" presId="urn:microsoft.com/office/officeart/2005/8/layout/vProcess5"/>
+    <dgm:cxn modelId="{3A4C3DB3-7404-4D36-8DF1-A0D7DC4CFC90}" type="presParOf" srcId="{8462CAB8-F5BF-4752-A78C-16C7B4B06C69}" destId="{8AEE8565-0A3B-4DD3-BF98-D95BB5E91FD5}" srcOrd="8" destOrd="0" presId="urn:microsoft.com/office/officeart/2005/8/layout/vProcess5"/>
+  </dgm:cxnLst>
+  <dgm:bg/>
+  <dgm:whole/>
+  <dgm:extLst>
+    <a:ext uri="http://schemas.microsoft.com/office/drawing/2008/diagram">
+      <dsp:dataModelExt xmlns:dsp="http://schemas.microsoft.com/office/drawing/2008/diagram" relId="rId6" minVer="http://schemas.openxmlformats.org/drawingml/2006/diagram"/>
+    </a:ext>
+  </dgm:extLst>
+</dgm:dataModel>
+</file>
+
+<file path=ppt/diagrams/drawing1.xml><?xml version="1.0" encoding="utf-8"?>
+<dsp:drawing xmlns:dgm="http://schemas.openxmlformats.org/drawingml/2006/diagram" xmlns:dsp="http://schemas.microsoft.com/office/drawing/2008/diagram" xmlns:a="http://schemas.openxmlformats.org/drawingml/2006/main">
+  <dsp:spTree>
+    <dsp:nvGrpSpPr>
+      <dsp:cNvPr id="0" name=""/>
+      <dsp:cNvGrpSpPr/>
+    </dsp:nvGrpSpPr>
+    <dsp:grpSpPr/>
+    <dsp:sp modelId="{515793D3-CCDB-4A94-9C22-BD95A18B1ADD}">
+      <dsp:nvSpPr>
+        <dsp:cNvPr id="0" name=""/>
+        <dsp:cNvSpPr/>
+      </dsp:nvSpPr>
+      <dsp:spPr>
+        <a:xfrm>
+          <a:off x="0" y="0"/>
+          <a:ext cx="4055040" cy="729097"/>
+        </a:xfrm>
+        <a:prstGeom prst="roundRect">
+          <a:avLst>
+            <a:gd name="adj" fmla="val 10000"/>
+          </a:avLst>
+        </a:prstGeom>
+        <a:gradFill rotWithShape="0">
+          <a:gsLst>
+            <a:gs pos="0">
+              <a:schemeClr val="accent1">
+                <a:hueOff val="0"/>
+                <a:satOff val="0"/>
+                <a:lumOff val="0"/>
+                <a:alphaOff val="0"/>
+                <a:tint val="50000"/>
+                <a:satMod val="300000"/>
+              </a:schemeClr>
+            </a:gs>
+            <a:gs pos="35000">
+              <a:schemeClr val="accent1">
+                <a:hueOff val="0"/>
+                <a:satOff val="0"/>
+                <a:lumOff val="0"/>
+                <a:alphaOff val="0"/>
+                <a:tint val="37000"/>
+                <a:satMod val="300000"/>
+              </a:schemeClr>
+            </a:gs>
+            <a:gs pos="100000">
+              <a:schemeClr val="accent1">
+                <a:hueOff val="0"/>
+                <a:satOff val="0"/>
+                <a:lumOff val="0"/>
+                <a:alphaOff val="0"/>
+                <a:tint val="15000"/>
+                <a:satMod val="350000"/>
+              </a:schemeClr>
+            </a:gs>
+          </a:gsLst>
+          <a:lin ang="16200000" scaled="1"/>
+        </a:gradFill>
+        <a:ln>
+          <a:noFill/>
+        </a:ln>
+        <a:effectLst>
+          <a:outerShdw blurRad="40000" dist="20000" dir="5400000" rotWithShape="0">
+            <a:srgbClr val="000000">
+              <a:alpha val="38000"/>
+            </a:srgbClr>
+          </a:outerShdw>
+        </a:effectLst>
+        <a:scene3d>
+          <a:camera prst="orthographicFront"/>
+          <a:lightRig rig="flat" dir="t"/>
+        </a:scene3d>
+        <a:sp3d prstMaterial="dkEdge">
+          <a:bevelT w="8200" h="38100"/>
+        </a:sp3d>
+      </dsp:spPr>
+      <dsp:style>
+        <a:lnRef idx="0">
+          <a:scrgbClr r="0" g="0" b="0"/>
+        </a:lnRef>
+        <a:fillRef idx="2">
+          <a:scrgbClr r="0" g="0" b="0"/>
+        </a:fillRef>
+        <a:effectRef idx="1">
+          <a:scrgbClr r="0" g="0" b="0"/>
+        </a:effectRef>
+        <a:fontRef idx="minor">
+          <a:schemeClr val="dk1"/>
+        </a:fontRef>
+      </dsp:style>
+      <dsp:txBody>
+        <a:bodyPr spcFirstLastPara="0" vert="horz" wrap="square" lIns="114300" tIns="114300" rIns="114300" bIns="114300" numCol="1" spcCol="1270" anchor="ctr" anchorCtr="0">
+          <a:noAutofit/>
+        </a:bodyPr>
+        <a:lstStyle/>
+        <a:p>
+          <a:pPr lvl="0" algn="ctr" defTabSz="1333500" latinLnBrk="1">
+            <a:lnSpc>
+              <a:spcPct val="90000"/>
+            </a:lnSpc>
+            <a:spcBef>
+              <a:spcPct val="0"/>
+            </a:spcBef>
+            <a:spcAft>
+              <a:spcPct val="35000"/>
+            </a:spcAft>
+          </a:pPr>
+          <a:r>
+            <a:rPr lang="en-US" altLang="ko-KR" sz="3000" kern="1200" dirty="0" err="1" smtClean="0"/>
+            <a:t>MySql</a:t>
+          </a:r>
+          <a:r>
+            <a:rPr lang="en-US" altLang="ko-KR" sz="3000" kern="1200" dirty="0" smtClean="0"/>
+            <a:t> </a:t>
+          </a:r>
+          <a:r>
+            <a:rPr lang="ko-KR" altLang="en-US" sz="3000" kern="1200" dirty="0" smtClean="0"/>
+            <a:t>실행</a:t>
+          </a:r>
+          <a:endParaRPr lang="ko-KR" altLang="en-US" sz="3000" kern="1200" dirty="0"/>
+        </a:p>
+      </dsp:txBody>
+      <dsp:txXfrm>
+        <a:off x="21355" y="21355"/>
+        <a:ext cx="3268286" cy="686387"/>
+      </dsp:txXfrm>
+    </dsp:sp>
+    <dsp:sp modelId="{8D9A43CA-2035-4FC4-A6C1-0CFD55BD6F16}">
+      <dsp:nvSpPr>
+        <dsp:cNvPr id="0" name=""/>
+        <dsp:cNvSpPr/>
+      </dsp:nvSpPr>
+      <dsp:spPr>
+        <a:xfrm>
+          <a:off x="357797" y="850613"/>
+          <a:ext cx="4055040" cy="729097"/>
+        </a:xfrm>
+        <a:prstGeom prst="roundRect">
+          <a:avLst>
+            <a:gd name="adj" fmla="val 10000"/>
+          </a:avLst>
+        </a:prstGeom>
+        <a:gradFill rotWithShape="0">
+          <a:gsLst>
+            <a:gs pos="0">
+              <a:schemeClr val="accent1">
+                <a:hueOff val="0"/>
+                <a:satOff val="0"/>
+                <a:lumOff val="0"/>
+                <a:alphaOff val="0"/>
+                <a:tint val="50000"/>
+                <a:satMod val="300000"/>
+              </a:schemeClr>
+            </a:gs>
+            <a:gs pos="35000">
+              <a:schemeClr val="accent1">
+                <a:hueOff val="0"/>
+                <a:satOff val="0"/>
+                <a:lumOff val="0"/>
+                <a:alphaOff val="0"/>
+                <a:tint val="37000"/>
+                <a:satMod val="300000"/>
+              </a:schemeClr>
+            </a:gs>
+            <a:gs pos="100000">
+              <a:schemeClr val="accent1">
+                <a:hueOff val="0"/>
+                <a:satOff val="0"/>
+                <a:lumOff val="0"/>
+                <a:alphaOff val="0"/>
+                <a:tint val="15000"/>
+                <a:satMod val="350000"/>
+              </a:schemeClr>
+            </a:gs>
+          </a:gsLst>
+          <a:lin ang="16200000" scaled="1"/>
+        </a:gradFill>
+        <a:ln>
+          <a:noFill/>
+        </a:ln>
+        <a:effectLst>
+          <a:outerShdw blurRad="40000" dist="20000" dir="5400000" rotWithShape="0">
+            <a:srgbClr val="000000">
+              <a:alpha val="38000"/>
+            </a:srgbClr>
+          </a:outerShdw>
+        </a:effectLst>
+        <a:scene3d>
+          <a:camera prst="orthographicFront"/>
+          <a:lightRig rig="flat" dir="t"/>
+        </a:scene3d>
+        <a:sp3d prstMaterial="dkEdge">
+          <a:bevelT w="8200" h="38100"/>
+        </a:sp3d>
+      </dsp:spPr>
+      <dsp:style>
+        <a:lnRef idx="0">
+          <a:scrgbClr r="0" g="0" b="0"/>
+        </a:lnRef>
+        <a:fillRef idx="2">
+          <a:scrgbClr r="0" g="0" b="0"/>
+        </a:fillRef>
+        <a:effectRef idx="1">
+          <a:scrgbClr r="0" g="0" b="0"/>
+        </a:effectRef>
+        <a:fontRef idx="minor">
+          <a:schemeClr val="dk1"/>
+        </a:fontRef>
+      </dsp:style>
+      <dsp:txBody>
+        <a:bodyPr spcFirstLastPara="0" vert="horz" wrap="square" lIns="114300" tIns="114300" rIns="114300" bIns="114300" numCol="1" spcCol="1270" anchor="ctr" anchorCtr="0">
+          <a:noAutofit/>
+        </a:bodyPr>
+        <a:lstStyle/>
+        <a:p>
+          <a:pPr lvl="0" algn="ctr" defTabSz="1333500" latinLnBrk="1">
+            <a:lnSpc>
+              <a:spcPct val="90000"/>
+            </a:lnSpc>
+            <a:spcBef>
+              <a:spcPct val="0"/>
+            </a:spcBef>
+            <a:spcAft>
+              <a:spcPct val="35000"/>
+            </a:spcAft>
+          </a:pPr>
+          <a:r>
+            <a:rPr lang="en-US" altLang="ko-KR" sz="3000" kern="1200" dirty="0" err="1" smtClean="0"/>
+            <a:t>AuthServer</a:t>
+          </a:r>
+          <a:r>
+            <a:rPr lang="en-US" altLang="ko-KR" sz="3000" kern="1200" dirty="0" smtClean="0"/>
+            <a:t> </a:t>
+          </a:r>
+          <a:r>
+            <a:rPr lang="ko-KR" altLang="en-US" sz="3000" kern="1200" dirty="0" smtClean="0"/>
+            <a:t>실행</a:t>
+          </a:r>
+          <a:endParaRPr lang="ko-KR" altLang="en-US" sz="3000" kern="1200" dirty="0"/>
+        </a:p>
+      </dsp:txBody>
+      <dsp:txXfrm>
+        <a:off x="379152" y="871968"/>
+        <a:ext cx="3180619" cy="686387"/>
+      </dsp:txXfrm>
+    </dsp:sp>
+    <dsp:sp modelId="{CC2334A3-339E-4E0B-A216-449C03D7CB66}">
+      <dsp:nvSpPr>
+        <dsp:cNvPr id="0" name=""/>
+        <dsp:cNvSpPr/>
+      </dsp:nvSpPr>
+      <dsp:spPr>
+        <a:xfrm>
+          <a:off x="715595" y="1701226"/>
+          <a:ext cx="4055040" cy="729097"/>
+        </a:xfrm>
+        <a:prstGeom prst="roundRect">
+          <a:avLst>
+            <a:gd name="adj" fmla="val 10000"/>
+          </a:avLst>
+        </a:prstGeom>
+        <a:gradFill rotWithShape="0">
+          <a:gsLst>
+            <a:gs pos="0">
+              <a:schemeClr val="accent1">
+                <a:hueOff val="0"/>
+                <a:satOff val="0"/>
+                <a:lumOff val="0"/>
+                <a:alphaOff val="0"/>
+                <a:tint val="50000"/>
+                <a:satMod val="300000"/>
+              </a:schemeClr>
+            </a:gs>
+            <a:gs pos="35000">
+              <a:schemeClr val="accent1">
+                <a:hueOff val="0"/>
+                <a:satOff val="0"/>
+                <a:lumOff val="0"/>
+                <a:alphaOff val="0"/>
+                <a:tint val="37000"/>
+                <a:satMod val="300000"/>
+              </a:schemeClr>
+            </a:gs>
+            <a:gs pos="100000">
+              <a:schemeClr val="accent1">
+                <a:hueOff val="0"/>
+                <a:satOff val="0"/>
+                <a:lumOff val="0"/>
+                <a:alphaOff val="0"/>
+                <a:tint val="15000"/>
+                <a:satMod val="350000"/>
+              </a:schemeClr>
+            </a:gs>
+          </a:gsLst>
+          <a:lin ang="16200000" scaled="1"/>
+        </a:gradFill>
+        <a:ln>
+          <a:noFill/>
+        </a:ln>
+        <a:effectLst>
+          <a:outerShdw blurRad="40000" dist="20000" dir="5400000" rotWithShape="0">
+            <a:srgbClr val="000000">
+              <a:alpha val="38000"/>
+            </a:srgbClr>
+          </a:outerShdw>
+        </a:effectLst>
+        <a:scene3d>
+          <a:camera prst="orthographicFront"/>
+          <a:lightRig rig="flat" dir="t"/>
+        </a:scene3d>
+        <a:sp3d prstMaterial="dkEdge">
+          <a:bevelT w="8200" h="38100"/>
+        </a:sp3d>
+      </dsp:spPr>
+      <dsp:style>
+        <a:lnRef idx="0">
+          <a:scrgbClr r="0" g="0" b="0"/>
+        </a:lnRef>
+        <a:fillRef idx="2">
+          <a:scrgbClr r="0" g="0" b="0"/>
+        </a:fillRef>
+        <a:effectRef idx="1">
+          <a:scrgbClr r="0" g="0" b="0"/>
+        </a:effectRef>
+        <a:fontRef idx="minor">
+          <a:schemeClr val="dk1"/>
+        </a:fontRef>
+      </dsp:style>
+      <dsp:txBody>
+        <a:bodyPr spcFirstLastPara="0" vert="horz" wrap="square" lIns="114300" tIns="114300" rIns="114300" bIns="114300" numCol="1" spcCol="1270" anchor="ctr" anchorCtr="0">
+          <a:noAutofit/>
+        </a:bodyPr>
+        <a:lstStyle/>
+        <a:p>
+          <a:pPr lvl="0" algn="ctr" defTabSz="1333500" latinLnBrk="1">
+            <a:lnSpc>
+              <a:spcPct val="90000"/>
+            </a:lnSpc>
+            <a:spcBef>
+              <a:spcPct val="0"/>
+            </a:spcBef>
+            <a:spcAft>
+              <a:spcPct val="35000"/>
+            </a:spcAft>
+          </a:pPr>
+          <a:r>
+            <a:rPr lang="en-US" altLang="ko-KR" sz="3000" kern="1200" dirty="0" err="1" smtClean="0"/>
+            <a:t>GameServer</a:t>
+          </a:r>
+          <a:r>
+            <a:rPr lang="en-US" altLang="ko-KR" sz="3000" kern="1200" dirty="0" smtClean="0"/>
+            <a:t> </a:t>
+          </a:r>
+          <a:r>
+            <a:rPr lang="ko-KR" altLang="en-US" sz="3000" kern="1200" dirty="0" smtClean="0"/>
+            <a:t>실행</a:t>
+          </a:r>
+          <a:endParaRPr lang="ko-KR" altLang="en-US" sz="3000" kern="1200" dirty="0"/>
+        </a:p>
+      </dsp:txBody>
+      <dsp:txXfrm>
+        <a:off x="736950" y="1722581"/>
+        <a:ext cx="3180619" cy="686387"/>
+      </dsp:txXfrm>
+    </dsp:sp>
+    <dsp:sp modelId="{4DC3E367-48DD-4C45-949D-ACEE8763A11E}">
+      <dsp:nvSpPr>
+        <dsp:cNvPr id="0" name=""/>
+        <dsp:cNvSpPr/>
+      </dsp:nvSpPr>
+      <dsp:spPr>
+        <a:xfrm>
+          <a:off x="3581127" y="552898"/>
+          <a:ext cx="473913" cy="473913"/>
+        </a:xfrm>
+        <a:prstGeom prst="downArrow">
+          <a:avLst>
+            <a:gd name="adj1" fmla="val 55000"/>
+            <a:gd name="adj2" fmla="val 45000"/>
+          </a:avLst>
+        </a:prstGeom>
+        <a:solidFill>
+          <a:schemeClr val="accent1">
+            <a:alpha val="90000"/>
+            <a:tint val="40000"/>
+            <a:hueOff val="0"/>
+            <a:satOff val="0"/>
+            <a:lumOff val="0"/>
+            <a:alphaOff val="0"/>
+          </a:schemeClr>
+        </a:solidFill>
+        <a:ln w="9525" cap="flat" cmpd="sng" algn="ctr">
+          <a:solidFill>
+            <a:schemeClr val="accent1">
+              <a:alpha val="90000"/>
+              <a:tint val="40000"/>
+              <a:hueOff val="0"/>
+              <a:satOff val="0"/>
+              <a:lumOff val="0"/>
+              <a:alphaOff val="0"/>
+            </a:schemeClr>
+          </a:solidFill>
+          <a:prstDash val="solid"/>
+        </a:ln>
+        <a:effectLst/>
+      </dsp:spPr>
+      <dsp:style>
+        <a:lnRef idx="1">
+          <a:scrgbClr r="0" g="0" b="0"/>
+        </a:lnRef>
+        <a:fillRef idx="1">
+          <a:scrgbClr r="0" g="0" b="0"/>
+        </a:fillRef>
+        <a:effectRef idx="0">
+          <a:scrgbClr r="0" g="0" b="0"/>
+        </a:effectRef>
+        <a:fontRef idx="minor"/>
+      </dsp:style>
+      <dsp:txBody>
+        <a:bodyPr spcFirstLastPara="0" vert="horz" wrap="square" lIns="27940" tIns="27940" rIns="27940" bIns="27940" numCol="1" spcCol="1270" anchor="ctr" anchorCtr="0">
+          <a:noAutofit/>
+        </a:bodyPr>
+        <a:lstStyle/>
+        <a:p>
+          <a:pPr lvl="0" algn="ctr" defTabSz="977900" latinLnBrk="1">
+            <a:lnSpc>
+              <a:spcPct val="90000"/>
+            </a:lnSpc>
+            <a:spcBef>
+              <a:spcPct val="0"/>
+            </a:spcBef>
+            <a:spcAft>
+              <a:spcPct val="35000"/>
+            </a:spcAft>
+          </a:pPr>
+          <a:endParaRPr lang="ko-KR" altLang="en-US" sz="2200" kern="1200"/>
+        </a:p>
+      </dsp:txBody>
+      <dsp:txXfrm>
+        <a:off x="3687757" y="552898"/>
+        <a:ext cx="260653" cy="356620"/>
+      </dsp:txXfrm>
+    </dsp:sp>
+    <dsp:sp modelId="{128667F9-EF43-4EB4-8988-BEAFB215594E}">
+      <dsp:nvSpPr>
+        <dsp:cNvPr id="0" name=""/>
+        <dsp:cNvSpPr/>
+      </dsp:nvSpPr>
+      <dsp:spPr>
+        <a:xfrm>
+          <a:off x="3938925" y="1398651"/>
+          <a:ext cx="473913" cy="473913"/>
+        </a:xfrm>
+        <a:prstGeom prst="downArrow">
+          <a:avLst>
+            <a:gd name="adj1" fmla="val 55000"/>
+            <a:gd name="adj2" fmla="val 45000"/>
+          </a:avLst>
+        </a:prstGeom>
+        <a:solidFill>
+          <a:schemeClr val="accent1">
+            <a:alpha val="90000"/>
+            <a:tint val="40000"/>
+            <a:hueOff val="0"/>
+            <a:satOff val="0"/>
+            <a:lumOff val="0"/>
+            <a:alphaOff val="0"/>
+          </a:schemeClr>
+        </a:solidFill>
+        <a:ln w="9525" cap="flat" cmpd="sng" algn="ctr">
+          <a:solidFill>
+            <a:schemeClr val="accent1">
+              <a:alpha val="90000"/>
+              <a:tint val="40000"/>
+              <a:hueOff val="0"/>
+              <a:satOff val="0"/>
+              <a:lumOff val="0"/>
+              <a:alphaOff val="0"/>
+            </a:schemeClr>
+          </a:solidFill>
+          <a:prstDash val="solid"/>
+        </a:ln>
+        <a:effectLst/>
+      </dsp:spPr>
+      <dsp:style>
+        <a:lnRef idx="1">
+          <a:scrgbClr r="0" g="0" b="0"/>
+        </a:lnRef>
+        <a:fillRef idx="1">
+          <a:scrgbClr r="0" g="0" b="0"/>
+        </a:fillRef>
+        <a:effectRef idx="0">
+          <a:scrgbClr r="0" g="0" b="0"/>
+        </a:effectRef>
+        <a:fontRef idx="minor"/>
+      </dsp:style>
+      <dsp:txBody>
+        <a:bodyPr spcFirstLastPara="0" vert="horz" wrap="square" lIns="27940" tIns="27940" rIns="27940" bIns="27940" numCol="1" spcCol="1270" anchor="ctr" anchorCtr="0">
+          <a:noAutofit/>
+        </a:bodyPr>
+        <a:lstStyle/>
+        <a:p>
+          <a:pPr lvl="0" algn="ctr" defTabSz="977900" latinLnBrk="1">
+            <a:lnSpc>
+              <a:spcPct val="90000"/>
+            </a:lnSpc>
+            <a:spcBef>
+              <a:spcPct val="0"/>
+            </a:spcBef>
+            <a:spcAft>
+              <a:spcPct val="35000"/>
+            </a:spcAft>
+          </a:pPr>
+          <a:endParaRPr lang="ko-KR" altLang="en-US" sz="2200" kern="1200"/>
+        </a:p>
+      </dsp:txBody>
+      <dsp:txXfrm>
+        <a:off x="4045555" y="1398651"/>
+        <a:ext cx="260653" cy="356620"/>
+      </dsp:txXfrm>
+    </dsp:sp>
+  </dsp:spTree>
+</dsp:drawing>
+</file>
+
+<file path=ppt/diagrams/layout1.xml><?xml version="1.0" encoding="utf-8"?>
+<dgm:layoutDef xmlns:dgm="http://schemas.openxmlformats.org/drawingml/2006/diagram" xmlns:a="http://schemas.openxmlformats.org/drawingml/2006/main" uniqueId="urn:microsoft.com/office/officeart/2005/8/layout/vProcess5">
+  <dgm:title val=""/>
+  <dgm:desc val=""/>
+  <dgm:catLst>
+    <dgm:cat type="process" pri="14000"/>
+  </dgm:catLst>
+  <dgm:sampData>
+    <dgm:dataModel>
+      <dgm:ptLst>
+        <dgm:pt modelId="0" type="doc"/>
+        <dgm:pt modelId="1">
+          <dgm:prSet phldr="1"/>
+        </dgm:pt>
+        <dgm:pt modelId="2">
+          <dgm:prSet phldr="1"/>
+        </dgm:pt>
+        <dgm:pt modelId="3">
+          <dgm:prSet phldr="1"/>
+        </dgm:pt>
+      </dgm:ptLst>
+      <dgm:cxnLst>
+        <dgm:cxn modelId="5" srcId="0" destId="1" srcOrd="0" destOrd="0"/>
+        <dgm:cxn modelId="6" srcId="0" destId="2" srcOrd="1" destOrd="0"/>
+        <dgm:cxn modelId="7" srcId="0" destId="3" srcOrd="2" destOrd="0"/>
+      </dgm:cxnLst>
+      <dgm:bg/>
+      <dgm:whole/>
+    </dgm:dataModel>
+  </dgm:sampData>
+  <dgm:styleData>
+    <dgm:dataModel>
+      <dgm:ptLst>
+        <dgm:pt modelId="0" type="doc"/>
+        <dgm:pt modelId="1"/>
+        <dgm:pt modelId="2"/>
+      </dgm:ptLst>
+      <dgm:cxnLst>
+        <dgm:cxn modelId="3" srcId="0" destId="1" srcOrd="0" destOrd="0"/>
+        <dgm:cxn modelId="4" srcId="0" destId="2" srcOrd="1" destOrd="0"/>
+      </dgm:cxnLst>
+      <dgm:bg/>
+      <dgm:whole/>
+    </dgm:dataModel>
+  </dgm:styleData>
+  <dgm:clrData>
+    <dgm:dataModel>
+      <dgm:ptLst>
+        <dgm:pt modelId="0" type="doc"/>
+        <dgm:pt modelId="1"/>
+        <dgm:pt modelId="2"/>
+        <dgm:pt modelId="3"/>
+        <dgm:pt modelId="4"/>
+      </dgm:ptLst>
+      <dgm:cxnLst>
+        <dgm:cxn modelId="6" srcId="0" destId="1" srcOrd="0" destOrd="0"/>
+        <dgm:cxn modelId="7" srcId="0" destId="2" srcOrd="1" destOrd="0"/>
+        <dgm:cxn modelId="8" srcId="0" destId="3" srcOrd="2" destOrd="0"/>
+        <dgm:cxn modelId="9" srcId="0" destId="4" srcOrd="3" destOrd="0"/>
+      </dgm:cxnLst>
+      <dgm:bg/>
+      <dgm:whole/>
+    </dgm:dataModel>
+  </dgm:clrData>
+  <dgm:layoutNode name="outerComposite">
+    <dgm:varLst>
+      <dgm:chMax val="5"/>
+      <dgm:dir/>
+      <dgm:resizeHandles val="exact"/>
+    </dgm:varLst>
+    <dgm:alg type="composite"/>
+    <dgm:shape xmlns:r="http://schemas.openxmlformats.org/officeDocument/2006/relationships" r:blip="">
+      <dgm:adjLst/>
+    </dgm:shape>
+    <dgm:presOf/>
+    <dgm:choose name="Name0">
+      <dgm:if name="Name1" func="var" arg="dir" op="equ" val="norm">
+        <dgm:constrLst>
+          <dgm:constr type="primFontSz" for="ch" ptType="node" op="equ" val="65"/>
+          <dgm:constr type="w" for="ch" forName="dummyMaxCanvas" refType="w"/>
+          <dgm:constr type="h" for="ch" forName="dummyMaxCanvas" refType="h"/>
+          <dgm:constr type="w" for="ch" forName="OneNode_1" refType="w"/>
+          <dgm:constr type="h" for="ch" forName="OneNode_1" refType="h" fact="0.5"/>
+          <dgm:constr type="ctrY" for="ch" forName="OneNode_1" refType="h" fact="0.5"/>
+          <dgm:constr type="w" for="ch" forName="TwoNodes_1" refType="w" fact="0.85"/>
+          <dgm:constr type="h" for="ch" forName="TwoNodes_1" refType="h" fact="0.45"/>
+          <dgm:constr type="t" for="ch" forName="TwoNodes_1"/>
+          <dgm:constr type="l" for="ch" forName="TwoNodes_1"/>
+          <dgm:constr type="w" for="ch" forName="TwoNodes_2" refType="w" fact="0.85"/>
+          <dgm:constr type="h" for="ch" forName="TwoNodes_2" refType="h" fact="0.45"/>
+          <dgm:constr type="b" for="ch" forName="TwoNodes_2" refType="h"/>
+          <dgm:constr type="r" for="ch" forName="TwoNodes_2" refType="w"/>
+          <dgm:constr type="w" for="ch" forName="TwoConn_1-2" refType="h" refFor="ch" refForName="TwoNodes_1" fact="0.65"/>
+          <dgm:constr type="h" for="ch" forName="TwoConn_1-2" refType="h" refFor="ch" refForName="TwoNodes_1" fact="0.65"/>
+          <dgm:constr type="ctrY" for="ch" forName="TwoConn_1-2" refType="h" fact="0.5"/>
+          <dgm:constr type="r" for="ch" forName="TwoConn_1-2" refType="r" refFor="ch" refForName="TwoNodes_1"/>
+          <dgm:constr type="r" for="ch" forName="TwoNodes_1_text" refType="l" refFor="ch" refForName="TwoConn_1-2"/>
+          <dgm:constr type="rOff" for="ch" forName="TwoNodes_1_text" refType="w" refFor="ch" refForName="TwoConn_1-2" fact="-0.5"/>
+          <dgm:constr type="t" for="ch" forName="TwoNodes_1_text" refType="t" refFor="ch" refForName="TwoNodes_1"/>
+          <dgm:constr type="b" for="ch" forName="TwoNodes_1_text" refType="b" refFor="ch" refForName="TwoNodes_1"/>
+          <dgm:constr type="l" for="ch" forName="TwoNodes_1_text" refType="l" refFor="ch" refForName="TwoNodes_1"/>
+          <dgm:constr type="r" for="ch" forName="TwoNodes_2_text" refType="l" refFor="ch" refForName="TwoConn_1-2"/>
+          <dgm:constr type="t" for="ch" forName="TwoNodes_2_text" refType="t" refFor="ch" refForName="TwoNodes_2"/>
+          <dgm:constr type="b" for="ch" forName="TwoNodes_2_text" refType="b" refFor="ch" refForName="TwoNodes_2"/>
+          <dgm:constr type="l" for="ch" forName="TwoNodes_2_text" refType="l" refFor="ch" refForName="TwoNodes_2"/>
+          <dgm:constr type="w" for="ch" forName="ThreeNodes_1" refType="w" fact="0.85"/>
+          <dgm:constr type="h" for="ch" forName="ThreeNodes_1" refType="h" fact="0.3"/>
+          <dgm:constr type="t" for="ch" forName="ThreeNodes_1"/>
+          <dgm:constr type="l" for="ch" forName="ThreeNodes_1"/>
+          <dgm:constr type="w" for="ch" forName="ThreeNodes_2" refType="w" fact="0.85"/>
+          <dgm:constr type="h" for="ch" forName="ThreeNodes_2" refType="h" fact="0.3"/>
+          <dgm:constr type="ctrY" for="ch" forName="ThreeNodes_2" refType="h" fact="0.5"/>
+          <dgm:constr type="ctrX" for="ch" forName="ThreeNodes_2" refType="w" fact="0.5"/>
+          <dgm:constr type="w" for="ch" forName="ThreeNodes_3" refType="w" fact="0.85"/>
+          <dgm:constr type="h" for="ch" forName="ThreeNodes_3" refType="h" fact="0.3"/>
+          <dgm:constr type="b" for="ch" forName="ThreeNodes_3" refType="h"/>
+          <dgm:constr type="r" for="ch" forName="ThreeNodes_3" refType="w"/>
+          <dgm:constr type="w" for="ch" forName="ThreeConn_1-2" refType="h" refFor="ch" refForName="ThreeNodes_1" fact="0.65"/>
+          <dgm:constr type="h" for="ch" forName="ThreeConn_1-2" refType="h" refFor="ch" refForName="ThreeNodes_1" fact="0.65"/>
+          <dgm:constr type="ctrY" for="ch" forName="ThreeConn_1-2" refType="h" fact="0.325"/>
+          <dgm:constr type="r" for="ch" forName="ThreeConn_1-2" refType="r" refFor="ch" refForName="ThreeNodes_1"/>
+          <dgm:constr type="w" for="ch" forName="ThreeConn_2-3" refType="h" refFor="ch" refForName="ThreeNodes_2" fact="0.65"/>
+          <dgm:constr type="h" for="ch" forName="ThreeConn_2-3" refType="h" refFor="ch" refForName="ThreeNodes_2" fact="0.65"/>
+          <dgm:constr type="ctrY" for="ch" forName="ThreeConn_2-3" refType="h" fact="0.673"/>
+          <dgm:constr type="r" for="ch" forName="ThreeConn_2-3" refType="r" refFor="ch" refForName="ThreeNodes_2"/>
+          <dgm:constr type="r" for="ch" forName="ThreeNodes_1_text" refType="l" refFor="ch" refForName="ThreeConn_1-2"/>
+          <dgm:constr type="rOff" for="ch" forName="ThreeNodes_1_text" refType="w" refFor="ch" refForName="ThreeConn_1-2" fact="-0.57"/>
+          <dgm:constr type="t" for="ch" forName="ThreeNodes_1_text" refType="t" refFor="ch" refForName="ThreeNodes_1"/>
+          <dgm:constr type="b" for="ch" forName="ThreeNodes_1_text" refType="b" refFor="ch" refForName="ThreeNodes_1"/>
+          <dgm:constr type="l" for="ch" forName="ThreeNodes_1_text" refType="l" refFor="ch" refForName="ThreeNodes_1"/>
+          <dgm:constr type="r" for="ch" forName="ThreeNodes_2_text" refType="l" refFor="ch" refForName="ThreeConn_1-2"/>
+          <dgm:constr type="t" for="ch" forName="ThreeNodes_2_text" refType="t" refFor="ch" refForName="ThreeNodes_2"/>
+          <dgm:constr type="b" for="ch" forName="ThreeNodes_2_text" refType="b" refFor="ch" refForName="ThreeNodes_2"/>
+          <dgm:constr type="l" for="ch" forName="ThreeNodes_2_text" refType="l" refFor="ch" refForName="ThreeNodes_2"/>
+          <dgm:constr type="r" for="ch" forName="ThreeNodes_3_text" refType="l" refFor="ch" refForName="ThreeConn_2-3"/>
+          <dgm:constr type="t" for="ch" forName="ThreeNodes_3_text" refType="t" refFor="ch" refForName="ThreeNodes_3"/>
+          <dgm:constr type="b" for="ch" forName="ThreeNodes_3_text" refType="b" refFor="ch" refForName="ThreeNodes_3"/>
+          <dgm:constr type="l" for="ch" forName="ThreeNodes_3_text" refType="l" refFor="ch" refForName="ThreeNodes_3"/>
+          <dgm:constr type="w" for="ch" forName="FourNodes_1" refType="w" fact="0.8"/>
+          <dgm:constr type="h" for="ch" forName="FourNodes_1" refType="h" fact="0.22"/>
+          <dgm:constr type="t" for="ch" forName="FourNodes_1"/>
+          <dgm:constr type="l" for="ch" forName="FourNodes_1"/>
+          <dgm:constr type="w" for="ch" forName="FourNodes_2" refType="w" fact="0.8"/>
+          <dgm:constr type="h" for="ch" forName="FourNodes_2" refType="h" fact="0.22"/>
+          <dgm:constr type="ctrY" for="ch" forName="FourNodes_2" refType="h" fact="0.37"/>
+          <dgm:constr type="ctrX" for="ch" forName="FourNodes_2" refType="w" fact="0.467"/>
+          <dgm:constr type="w" for="ch" forName="FourNodes_3" refType="w" fact="0.8"/>
+          <dgm:constr type="h" for="ch" forName="FourNodes_3" refType="h" fact="0.22"/>
+          <dgm:constr type="ctrY" for="ch" forName="FourNodes_3" refType="h" fact="0.63"/>
+          <dgm:constr type="ctrX" for="ch" forName="FourNodes_3" refType="w" fact="0.533"/>
+          <dgm:constr type="w" for="ch" forName="FourNodes_4" refType="w" fact="0.8"/>
+          <dgm:constr type="h" for="ch" forName="FourNodes_4" refType="h" fact="0.22"/>
+          <dgm:constr type="b" for="ch" forName="FourNodes_4" refType="h"/>
+          <dgm:constr type="r" for="ch" forName="FourNodes_4" refType="w"/>
+          <dgm:constr type="w" for="ch" forName="FourConn_1-2" refType="h" refFor="ch" refForName="FourNodes_1" fact="0.65"/>
+          <dgm:constr type="h" for="ch" forName="FourConn_1-2" refType="h" refFor="ch" refForName="FourNodes_1" fact="0.65"/>
+          <dgm:constr type="ctrY" for="ch" forName="FourConn_1-2" refType="h" fact="0.24"/>
+          <dgm:constr type="r" for="ch" forName="FourConn_1-2" refType="r" refFor="ch" refForName="FourNodes_1"/>
+          <dgm:constr type="w" for="ch" forName="FourConn_2-3" refType="h" refFor="ch" refForName="FourNodes_2" fact="0.65"/>
+          <dgm:constr type="h" for="ch" forName="FourConn_2-3" refType="h" refFor="ch" refForName="FourNodes_2" fact="0.65"/>
+          <dgm:constr type="ctrY" for="ch" forName="FourConn_2-3" refType="h" fact="0.5"/>
+          <dgm:constr type="r" for="ch" forName="FourConn_2-3" refType="r" refFor="ch" refForName="FourNodes_2"/>
+          <dgm:constr type="w" for="ch" forName="FourConn_3-4" refType="h" refFor="ch" refForName="FourNodes_3" fact="0.65"/>
+          <dgm:constr type="h" for="ch" forName="FourConn_3-4" refType="h" refFor="ch" refForName="FourNodes_3" fact="0.65"/>
+          <dgm:constr type="ctrY" for="ch" forName="FourConn_3-4" refType="h" fact="0.76"/>
+          <dgm:constr type="r" for="ch" forName="FourConn_3-4" refType="r" refFor="ch" refForName="FourNodes_3"/>
+          <dgm:constr type="r" for="ch" forName="FourNodes_1_text" refType="l" refFor="ch" refForName="FourConn_1-2"/>
+          <dgm:constr type="rOff" for="ch" forName="FourNodes_1_text" refType="w" refFor="ch" refForName="FourConn_1-2" fact="-0.7"/>
+          <dgm:constr type="t" for="ch" forName="FourNodes_1_text" refType="t" refFor="ch" refForName="FourNodes_1"/>
+          <dgm:constr type="b" for="ch" forName="FourNodes_1_text" refType="b" refFor="ch" refForName="FourNodes_1"/>
+          <dgm:constr type="l" for="ch" forName="FourNodes_1_text" refType="l" refFor="ch" refForName="FourNodes_1"/>
+          <dgm:constr type="r" for="ch" forName="FourNodes_2_text" refType="l" refFor="ch" refForName="FourConn_1-2"/>
+          <dgm:constr type="t" for="ch" forName="FourNodes_2_text" refType="t" refFor="ch" refForName="FourNodes_2"/>
+          <dgm:constr type="b" for="ch" forName="FourNodes_2_text" refType="b" refFor="ch" refForName="FourNodes_2"/>
+          <dgm:constr type="l" for="ch" forName="FourNodes_2_text" refType="l" refFor="ch" refForName="FourNodes_2"/>
+          <dgm:constr type="r" for="ch" forName="FourNodes_3_text" refType="l" refFor="ch" refForName="FourConn_2-3"/>
+          <dgm:constr type="t" for="ch" forName="FourNodes_3_text" refType="t" refFor="ch" refForName="FourNodes_3"/>
+          <dgm:constr type="b" for="ch" forName="FourNodes_3_text" refType="b" refFor="ch" refForName="FourNodes_3"/>
+          <dgm:constr type="l" for="ch" forName="FourNodes_3_text" refType="l" refFor="ch" refForName="FourNodes_3"/>
+          <dgm:constr type="r" for="ch" forName="FourNodes_4_text" refType="l" refFor="ch" refForName="FourConn_3-4"/>
+          <dgm:constr type="t" for="ch" forName="FourNodes_4_text" refType="t" refFor="ch" refForName="FourNodes_4"/>
+          <dgm:constr type="b" for="ch" forName="FourNodes_4_text" refType="b" refFor="ch" refForName="FourNodes_4"/>
+          <dgm:constr type="l" for="ch" forName="FourNodes_4_text" refType="l" refFor="ch" refForName="FourNodes_4"/>
+          <dgm:constr type="w" for="ch" forName="FiveNodes_1" refType="w" fact="0.77"/>
+          <dgm:constr type="h" for="ch" forName="FiveNodes_1" refType="h" fact="0.18"/>
+          <dgm:constr type="t" for="ch" forName="FiveNodes_1"/>
+          <dgm:constr type="l" for="ch" forName="FiveNodes_1"/>
+          <dgm:constr type="w" for="ch" forName="FiveNodes_2" refType="w" fact="0.77"/>
+          <dgm:constr type="h" for="ch" forName="FiveNodes_2" refType="h" fact="0.18"/>
+          <dgm:constr type="ctrY" for="ch" forName="FiveNodes_2" refType="h" fact="0.295"/>
+          <dgm:constr type="ctrX" for="ch" forName="FiveNodes_2" refType="w" fact="0.4425"/>
+          <dgm:constr type="w" for="ch" forName="FiveNodes_3" refType="w" fact="0.77"/>
+          <dgm:constr type="h" for="ch" forName="FiveNodes_3" refType="h" fact="0.18"/>
+          <dgm:constr type="ctrY" for="ch" forName="FiveNodes_3" refType="h" fact="0.5"/>
+          <dgm:constr type="ctrX" for="ch" forName="FiveNodes_3" refType="w" fact="0.5"/>
+          <dgm:constr type="w" for="ch" forName="FiveNodes_4" refType="w" fact="0.77"/>
+          <dgm:constr type="h" for="ch" forName="FiveNodes_4" refType="h" fact="0.18"/>
+          <dgm:constr type="ctrY" for="ch" forName="FiveNodes_4" refType="h" fact="0.705"/>
+          <dgm:constr type="ctrX" for="ch" forName="FiveNodes_4" refType="w" fact="0.5575"/>
+          <dgm:constr type="w" for="ch" forName="FiveNodes_5" refType="w" fact="0.77"/>
+          <dgm:constr type="h" for="ch" forName="FiveNodes_5" refType="h" fact="0.18"/>
+          <dgm:constr type="b" for="ch" forName="FiveNodes_5" refType="h"/>
+          <dgm:constr type="r" for="ch" forName="FiveNodes_5" refType="w"/>
+          <dgm:constr type="w" for="ch" forName="FiveConn_1-2" refType="h" refFor="ch" refForName="FiveNodes_1" fact="0.65"/>
+          <dgm:constr type="h" for="ch" forName="FiveConn_1-2" refType="h" refFor="ch" refForName="FiveNodes_1" fact="0.65"/>
+          <dgm:constr type="ctrY" for="ch" forName="FiveConn_1-2" refType="h" fact="0.19"/>
+          <dgm:constr type="r" for="ch" forName="FiveConn_1-2" refType="r" refFor="ch" refForName="FiveNodes_1"/>
+          <dgm:constr type="w" for="ch" forName="FiveConn_2-3" refType="h" refFor="ch" refForName="FiveNodes_2" fact="0.65"/>
+          <dgm:constr type="h" for="ch" forName="FiveConn_2-3" refType="h" refFor="ch" refForName="FiveNodes_2" fact="0.65"/>
+          <dgm:constr type="ctrY" for="ch" forName="FiveConn_2-3" refType="h" fact="0.395"/>
+          <dgm:constr type="r" for="ch" forName="FiveConn_2-3" refType="r" refFor="ch" refForName="FiveNodes_2"/>
+          <dgm:constr type="w" for="ch" forName="FiveConn_3-4" refType="h" refFor="ch" refForName="FiveNodes_3" fact="0.65"/>
+          <dgm:constr type="h" for="ch" forName="FiveConn_3-4" refType="h" refFor="ch" refForName="FiveNodes_3" fact="0.65"/>
+          <dgm:constr type="ctrY" for="ch" forName="FiveConn_3-4" refType="h" fact="0.597"/>
+          <dgm:constr type="r" for="ch" forName="FiveConn_3-4" refType="r" refFor="ch" refForName="FiveNodes_3"/>
+          <dgm:constr type="w" for="ch" forName="FiveConn_4-5" refType="h" refFor="ch" refForName="FiveNodes_4" fact="0.65"/>
+          <dgm:constr type="h" for="ch" forName="FiveConn_4-5" refType="h" refFor="ch" refForName="FiveNodes_4" fact="0.65"/>
+          <dgm:constr type="ctrY" for="ch" forName="FiveConn_4-5" refType="h" fact="0.804"/>
+          <dgm:constr type="r" for="ch" forName="FiveConn_4-5" refType="r" refFor="ch" refForName="FiveNodes_4"/>
+          <dgm:constr type="r" for="ch" forName="FiveNodes_1_text" refType="l" refFor="ch" refForName="FiveConn_1-2"/>
+          <dgm:constr type="rOff" for="ch" forName="FiveNodes_1_text" refType="w" refFor="ch" refForName="FiveConn_1-2" fact="-0.75"/>
+          <dgm:constr type="t" for="ch" forName="FiveNodes_1_text" refType="t" refFor="ch" refForName="FiveNodes_1"/>
+          <dgm:constr type="b" for="ch" forName="FiveNodes_1_text" refType="b" refFor="ch" refForName="FiveNodes_1"/>
+          <dgm:constr type="l" for="ch" forName="FiveNodes_1_text" refType="l" refFor="ch" refForName="FiveNodes_1"/>
+          <dgm:constr type="r" for="ch" forName="FiveNodes_2_text" refType="l" refFor="ch" refForName="FiveConn_1-2"/>
+          <dgm:constr type="t" for="ch" forName="FiveNodes_2_text" refType="t" refFor="ch" refForName="FiveNodes_2"/>
+          <dgm:constr type="b" for="ch" forName="FiveNodes_2_text" refType="b" refFor="ch" refForName="FiveNodes_2"/>
+          <dgm:constr type="l" for="ch" forName="FiveNodes_2_text" refType="l" refFor="ch" refForName="FiveNodes_2"/>
+          <dgm:constr type="r" for="ch" forName="FiveNodes_3_text" refType="l" refFor="ch" refForName="FiveConn_2-3"/>
+          <dgm:constr type="t" for="ch" forName="FiveNodes_3_text" refType="t" refFor="ch" refForName="FiveNodes_3"/>
+          <dgm:constr type="b" for="ch" forName="FiveNodes_3_text" refType="b" refFor="ch" refForName="FiveNodes_3"/>
+          <dgm:constr type="l" for="ch" forName="FiveNodes_3_text" refType="l" refFor="ch" refForName="FiveNodes_3"/>
+          <dgm:constr type="r" for="ch" forName="FiveNodes_4_text" refType="l" refFor="ch" refForName="FiveConn_3-4"/>
+          <dgm:constr type="t" for="ch" forName="FiveNodes_4_text" refType="t" refFor="ch" refForName="FiveNodes_4"/>
+          <dgm:constr type="b" for="ch" forName="FiveNodes_4_text" refType="b" refFor="ch" refForName="FiveNodes_4"/>
+          <dgm:constr type="l" for="ch" forName="FiveNodes_4_text" refType="l" refFor="ch" refForName="FiveNodes_4"/>
+          <dgm:constr type="r" for="ch" forName="FiveNodes_5_text" refType="l" refFor="ch" refForName="FiveConn_4-5"/>
+          <dgm:constr type="t" for="ch" forName="FiveNodes_5_text" refType="t" refFor="ch" refForName="FiveNodes_5"/>
+          <dgm:constr type="b" for="ch" forName="FiveNodes_5_text" refType="b" refFor="ch" refForName="FiveNodes_5"/>
+          <dgm:constr type="l" for="ch" forName="FiveNodes_5_text" refType="l" refFor="ch" refForName="FiveNodes_5"/>
+        </dgm:constrLst>
+      </dgm:if>
+      <dgm:else name="Name2">
+        <dgm:constrLst>
+          <dgm:constr type="primFontSz" for="ch" ptType="node" op="equ" val="65"/>
+          <dgm:constr type="w" for="ch" forName="dummyMaxCanvas" refType="w"/>
+          <dgm:constr type="h" for="ch" forName="dummyMaxCanvas" refType="h"/>
+          <dgm:constr type="w" for="ch" forName="OneNode_1" refType="w"/>
+          <dgm:constr type="h" for="ch" forName="OneNode_1" refType="h" fact="0.5"/>
+          <dgm:constr type="ctrY" for="ch" forName="OneNode_1" refType="h" fact="0.5"/>
+          <dgm:constr type="w" for="ch" forName="TwoNodes_1" refType="w" fact="0.85"/>
+          <dgm:constr type="h" for="ch" forName="TwoNodes_1" refType="h" fact="0.45"/>
+          <dgm:constr type="t" for="ch" forName="TwoNodes_1"/>
+          <dgm:constr type="r" for="ch" forName="TwoNodes_1" refType="w"/>
+          <dgm:constr type="w" for="ch" forName="TwoNodes_2" refType="w" fact="0.85"/>
+          <dgm:constr type="h" for="ch" forName="TwoNodes_2" refType="h" fact="0.45"/>
+          <dgm:constr type="b" for="ch" forName="TwoNodes_2" refType="h"/>
+          <dgm:constr type="l" for="ch" forName="TwoNodes_2"/>
+          <dgm:constr type="w" for="ch" forName="TwoConn_1-2" refType="h" refFor="ch" refForName="TwoNodes_1" fact="0.65"/>
+          <dgm:constr type="h" for="ch" forName="TwoConn_1-2" refType="h" refFor="ch" refForName="TwoNodes_1" fact="0.65"/>
+          <dgm:constr type="ctrY" for="ch" forName="TwoConn_1-2" refType="h" fact="0.5"/>
+          <dgm:constr type="l" for="ch" forName="TwoConn_1-2" refType="l" refFor="ch" refForName="TwoNodes_1"/>
+          <dgm:constr type="l" for="ch" forName="TwoNodes_1_text" refType="r" refFor="ch" refForName="TwoConn_1-2"/>
+          <dgm:constr type="lOff" for="ch" forName="TwoNodes_1_text" refType="w" refFor="ch" refForName="TwoConn_1-2" fact="0.5"/>
+          <dgm:constr type="t" for="ch" forName="TwoNodes_1_text" refType="t" refFor="ch" refForName="TwoNodes_1"/>
+          <dgm:constr type="b" for="ch" forName="TwoNodes_1_text" refType="b" refFor="ch" refForName="TwoNodes_1"/>
+          <dgm:constr type="r" for="ch" forName="TwoNodes_1_text" refType="r" refFor="ch" refForName="TwoNodes_1"/>
+          <dgm:constr type="l" for="ch" forName="TwoNodes_2_text" refType="r" refFor="ch" refForName="TwoConn_1-2"/>
+          <dgm:constr type="t" for="ch" forName="TwoNodes_2_text" refType="t" refFor="ch" refForName="TwoNodes_2"/>
+          <dgm:constr type="b" for="ch" forName="TwoNodes_2_text" refType="b" refFor="ch" refForName="TwoNodes_2"/>
+          <dgm:constr type="r" for="ch" forName="TwoNodes_2_text" refType="r" refFor="ch" refForName="TwoNodes_2"/>
+          <dgm:constr type="w" for="ch" forName="ThreeNodes_1" refType="w" fact="0.85"/>
+          <dgm:constr type="h" for="ch" forName="ThreeNodes_1" refType="h" fact="0.3"/>
+          <dgm:constr type="t" for="ch" forName="ThreeNodes_1"/>
+          <dgm:constr type="r" for="ch" forName="ThreeNodes_1" refType="w"/>
+          <dgm:constr type="w" for="ch" forName="ThreeNodes_2" refType="w" fact="0.85"/>
+          <dgm:constr type="h" for="ch" forName="ThreeNodes_2" refType="h" fact="0.3"/>
+          <dgm:constr type="ctrY" for="ch" forName="ThreeNodes_2" refType="h" fact="0.5"/>
+          <dgm:constr type="ctrX" for="ch" forName="ThreeNodes_2" refType="w" fact="0.5"/>
+          <dgm:constr type="w" for="ch" forName="ThreeNodes_3" refType="w" fact="0.85"/>
+          <dgm:constr type="h" for="ch" forName="ThreeNodes_3" refType="h" fact="0.3"/>
+          <dgm:constr type="b" for="ch" forName="ThreeNodes_3" refType="h"/>
+          <dgm:constr type="l" for="ch" forName="ThreeNodes_3"/>
+          <dgm:constr type="w" for="ch" forName="ThreeConn_1-2" refType="h" refFor="ch" refForName="ThreeNodes_1" fact="0.65"/>
+          <dgm:constr type="h" for="ch" forName="ThreeConn_1-2" refType="h" refFor="ch" refForName="ThreeNodes_1" fact="0.65"/>
+          <dgm:constr type="ctrY" for="ch" forName="ThreeConn_1-2" refType="h" fact="0.325"/>
+          <dgm:constr type="l" for="ch" forName="ThreeConn_1-2" refType="l" refFor="ch" refForName="ThreeNodes_1"/>
+          <dgm:constr type="w" for="ch" forName="ThreeConn_2-3" refType="h" refFor="ch" refForName="ThreeNodes_2" fact="0.65"/>
+          <dgm:constr type="h" for="ch" forName="ThreeConn_2-3" refType="h" refFor="ch" refForName="ThreeNodes_2" fact="0.65"/>
+          <dgm:constr type="ctrY" for="ch" forName="ThreeConn_2-3" refType="h" fact="0.673"/>
+          <dgm:constr type="l" for="ch" forName="ThreeConn_2-3" refType="l" refFor="ch" refForName="ThreeNodes_2"/>
+          <dgm:constr type="l" for="ch" forName="ThreeNodes_1_text" refType="r" refFor="ch" refForName="ThreeConn_1-2"/>
+          <dgm:constr type="lOff" for="ch" forName="ThreeNodes_1_text" refType="w" refFor="ch" refForName="ThreeConn_1-2" fact="0.55"/>
+          <dgm:constr type="t" for="ch" forName="ThreeNodes_1_text" refType="t" refFor="ch" refForName="ThreeNodes_1"/>
+          <dgm:constr type="b" for="ch" forName="ThreeNodes_1_text" refType="b" refFor="ch" refForName="ThreeNodes_1"/>
+          <dgm:constr type="r" for="ch" forName="ThreeNodes_1_text" refType="r" refFor="ch" refForName="ThreeNodes_1"/>
+          <dgm:constr type="l" for="ch" forName="ThreeNodes_2_text" refType="r" refFor="ch" refForName="ThreeConn_1-2"/>
+          <dgm:constr type="t" for="ch" forName="ThreeNodes_2_text" refType="t" refFor="ch" refForName="ThreeNodes_2"/>
+          <dgm:constr type="b" for="ch" forName="ThreeNodes_2_text" refType="b" refFor="ch" refForName="ThreeNodes_2"/>
+          <dgm:constr type="r" for="ch" forName="ThreeNodes_2_text" refType="r" refFor="ch" refForName="ThreeNodes_2"/>
+          <dgm:constr type="l" for="ch" forName="ThreeNodes_3_text" refType="r" refFor="ch" refForName="ThreeConn_2-3"/>
+          <dgm:constr type="t" for="ch" forName="ThreeNodes_3_text" refType="t" refFor="ch" refForName="ThreeNodes_3"/>
+          <dgm:constr type="b" for="ch" forName="ThreeNodes_3_text" refType="b" refFor="ch" refForName="ThreeNodes_3"/>
+          <dgm:constr type="r" for="ch" forName="ThreeNodes_3_text" refType="r" refFor="ch" refForName="ThreeNodes_3"/>
+          <dgm:constr type="w" for="ch" forName="FourNodes_1" refType="w" fact="0.8"/>
+          <dgm:constr type="h" for="ch" forName="FourNodes_1" refType="h" fact="0.22"/>
+          <dgm:constr type="t" for="ch" forName="FourNodes_1"/>
+          <dgm:constr type="r" for="ch" forName="FourNodes_1" refType="w"/>
+          <dgm:constr type="w" for="ch" forName="FourNodes_2" refType="w" fact="0.8"/>
+          <dgm:constr type="h" for="ch" forName="FourNodes_2" refType="h" fact="0.22"/>
+          <dgm:constr type="ctrY" for="ch" forName="FourNodes_2" refType="h" fact="0.37"/>
+          <dgm:constr type="ctrX" for="ch" forName="FourNodes_2" refType="w" fact="0.533"/>
+          <dgm:constr type="w" for="ch" forName="FourNodes_3" refType="w" fact="0.8"/>
+          <dgm:constr type="h" for="ch" forName="FourNodes_3" refType="h" fact="0.22"/>
+          <dgm:constr type="ctrY" for="ch" forName="FourNodes_3" refType="h" fact="0.63"/>
+          <dgm:constr type="ctrX" for="ch" forName="FourNodes_3" refType="w" fact="0.467"/>
+          <dgm:constr type="w" for="ch" forName="FourNodes_4" refType="w" fact="0.8"/>
+          <dgm:constr type="h" for="ch" forName="FourNodes_4" refType="h" fact="0.22"/>
+          <dgm:constr type="b" for="ch" forName="FourNodes_4" refType="h"/>
+          <dgm:constr type="l" for="ch" forName="FourNodes_4"/>
+          <dgm:constr type="w" for="ch" forName="FourConn_1-2" refType="h" refFor="ch" refForName="FourNodes_1" fact="0.65"/>
+          <dgm:constr type="h" for="ch" forName="FourConn_1-2" refType="h" refFor="ch" refForName="FourNodes_1" fact="0.65"/>
+          <dgm:constr type="ctrY" for="ch" forName="FourConn_1-2" refType="h" fact="0.24"/>
+          <dgm:constr type="l" for="ch" forName="FourConn_1-2" refType="l" refFor="ch" refForName="FourNodes_1"/>
+          <dgm:constr type="w" for="ch" forName="FourConn_2-3" refType="h" refFor="ch" refForName="FourNodes_2" fact="0.65"/>
+          <dgm:constr type="h" for="ch" forName="FourConn_2-3" refType="h" refFor="ch" refForName="FourNodes_2" fact="0.65"/>
+          <dgm:constr type="ctrY" for="ch" forName="FourConn_2-3" refType="h" fact="0.5"/>
+          <dgm:constr type="l" for="ch" forName="FourConn_2-3" refType="l" refFor="ch" refForName="FourNodes_2"/>
+          <dgm:constr type="w" for="ch" forName="FourConn_3-4" refType="h" refFor="ch" refForName="FourNodes_3" fact="0.65"/>
+          <dgm:constr type="h" for="ch" forName="FourConn_3-4" refType="h" refFor="ch" refForName="FourNodes_3" fact="0.65"/>
+          <dgm:constr type="ctrY" for="ch" forName="FourConn_3-4" refType="h" fact="0.76"/>
+          <dgm:constr type="l" for="ch" forName="FourConn_3-4" refType="l" refFor="ch" refForName="FourNodes_3"/>
+          <dgm:constr type="l" for="ch" forName="FourNodes_1_text" refType="r" refFor="ch" refForName="FourConn_1-2"/>
+          <dgm:constr type="lOff" for="ch" forName="FourNodes_1_text" refType="w" refFor="ch" refForName="FourConn_1-2" fact="0.69"/>
+          <dgm:constr type="t" for="ch" forName="FourNodes_1_text" refType="t" refFor="ch" refForName="FourNodes_1"/>
+          <dgm:constr type="b" for="ch" forName="FourNodes_1_text" refType="b" refFor="ch" refForName="FourNodes_1"/>
+          <dgm:constr type="r" for="ch" forName="FourNodes_1_text" refType="r" refFor="ch" refForName="FourNodes_1"/>
+          <dgm:constr type="l" for="ch" forName="FourNodes_2_text" refType="r" refFor="ch" refForName="FourConn_1-2"/>
+          <dgm:constr type="t" for="ch" forName="FourNodes_2_text" refType="t" refFor="ch" refForName="FourNodes_2"/>
+          <dgm:constr type="b" for="ch" forName="FourNodes_2_text" refType="b" refFor="ch" refForName="FourNodes_2"/>
+          <dgm:constr type="r" for="ch" forName="FourNodes_2_text" refType="r" refFor="ch" refForName="FourNodes_2"/>
+          <dgm:constr type="l" for="ch" forName="FourNodes_3_text" refType="r" refFor="ch" refForName="FourConn_2-3"/>
+          <dgm:constr type="t" for="ch" forName="FourNodes_3_text" refType="t" refFor="ch" refForName="FourNodes_3"/>
+          <dgm:constr type="b" for="ch" forName="FourNodes_3_text" refType="b" refFor="ch" refForName="FourNodes_3"/>
+          <dgm:constr type="r" for="ch" forName="FourNodes_3_text" refType="r" refFor="ch" refForName="FourNodes_3"/>
+          <dgm:constr type="l" for="ch" forName="FourNodes_4_text" refType="r" refFor="ch" refForName="FourConn_3-4"/>
+          <dgm:constr type="t" for="ch" forName="FourNodes_4_text" refType="t" refFor="ch" refForName="FourNodes_4"/>
+          <dgm:constr type="b" for="ch" forName="FourNodes_4_text" refType="b" refFor="ch" refForName="FourNodes_4"/>
+          <dgm:constr type="r" for="ch" forName="FourNodes_4_text" refType="r" refFor="ch" refForName="FourNodes_4"/>
+          <dgm:constr type="w" for="ch" forName="FiveNodes_1" refType="w" fact="0.77"/>
+          <dgm:constr type="h" for="ch" forName="FiveNodes_1" refType="h" fact="0.18"/>
+          <dgm:constr type="t" for="ch" forName="FiveNodes_1"/>
+          <dgm:constr type="r" for="ch" forName="FiveNodes_1" refType="w"/>
+          <dgm:constr type="w" for="ch" forName="FiveNodes_2" refType="w" fact="0.77"/>
+          <dgm:constr type="h" for="ch" forName="FiveNodes_2" refType="h" fact="0.18"/>
+          <dgm:constr type="ctrY" for="ch" forName="FiveNodes_2" refType="h" fact="0.295"/>
+          <dgm:constr type="ctrX" for="ch" forName="FiveNodes_2" refType="w" fact="0.5575"/>
+          <dgm:constr type="w" for="ch" forName="FiveNodes_3" refType="w" fact="0.77"/>
+          <dgm:constr type="h" for="ch" forName="FiveNodes_3" refType="h" fact="0.18"/>
+          <dgm:constr type="ctrY" for="ch" forName="FiveNodes_3" refType="h" fact="0.5"/>
+          <dgm:constr type="ctrX" for="ch" forName="FiveNodes_3" refType="w" fact="0.5"/>
+          <dgm:constr type="w" for="ch" forName="FiveNodes_4" refType="w" fact="0.77"/>
+          <dgm:constr type="h" for="ch" forName="FiveNodes_4" refType="h" fact="0.18"/>
+          <dgm:constr type="ctrY" for="ch" forName="FiveNodes_4" refType="h" fact="0.705"/>
+          <dgm:constr type="ctrX" for="ch" forName="FiveNodes_4" refType="w" fact="0.4425"/>
+          <dgm:constr type="w" for="ch" forName="FiveNodes_5" refType="w" fact="0.77"/>
+          <dgm:constr type="h" for="ch" forName="FiveNodes_5" refType="h" fact="0.18"/>
+          <dgm:constr type="b" for="ch" forName="FiveNodes_5" refType="h"/>
+          <dgm:constr type="l" for="ch" forName="FiveNodes_5"/>
+          <dgm:constr type="w" for="ch" forName="FiveConn_1-2" refType="h" refFor="ch" refForName="FiveNodes_1" fact="0.65"/>
+          <dgm:constr type="h" for="ch" forName="FiveConn_1-2" refType="h" refFor="ch" refForName="FiveNodes_1" fact="0.65"/>
+          <dgm:constr type="ctrY" for="ch" forName="FiveConn_1-2" refType="h" fact="0.19"/>
+          <dgm:constr type="l" for="ch" forName="FiveConn_1-2" refType="l" refFor="ch" refForName="FiveNodes_1"/>
+          <dgm:constr type="w" for="ch" forName="FiveConn_2-3" refType="h" refFor="ch" refForName="FiveNodes_2" fact="0.65"/>
+          <dgm:constr type="h" for="ch" forName="FiveConn_2-3" refType="h" refFor="ch" refForName="FiveNodes_2" fact="0.65"/>
+          <dgm:constr type="ctrY" for="ch" forName="FiveConn_2-3" refType="h" fact="0.395"/>
+          <dgm:constr type="l" for="ch" forName="FiveConn_2-3" refType="l" refFor="ch" refForName="FiveNodes_2"/>
+          <dgm:constr type="w" for="ch" forName="FiveConn_3-4" refType="h" refFor="ch" refForName="FiveNodes_3" fact="0.65"/>
+          <dgm:constr type="h" for="ch" forName="FiveConn_3-4" refType="h" refFor="ch" refForName="FiveNodes_3" fact="0.65"/>
+          <dgm:constr type="ctrY" for="ch" forName="FiveConn_3-4" refType="h" fact="0.597"/>
+          <dgm:constr type="l" for="ch" forName="FiveConn_3-4" refType="l" refFor="ch" refForName="FiveNodes_3"/>
+          <dgm:constr type="w" for="ch" forName="FiveConn_4-5" refType="h" refFor="ch" refForName="FiveNodes_4" fact="0.65"/>
+          <dgm:constr type="h" for="ch" forName="FiveConn_4-5" refType="h" refFor="ch" refForName="FiveNodes_4" fact="0.65"/>
+          <dgm:constr type="ctrY" for="ch" forName="FiveConn_4-5" refType="h" fact="0.804"/>
+          <dgm:constr type="l" for="ch" forName="FiveConn_4-5" refType="l" refFor="ch" refForName="FiveNodes_4"/>
+          <dgm:constr type="l" for="ch" forName="FiveNodes_1_text" refType="r" refFor="ch" refForName="FiveConn_1-2"/>
+          <dgm:constr type="lOff" for="ch" forName="FiveNodes_1_text" refType="w" refFor="ch" refForName="FiveConn_1-2" fact="0.73"/>
+          <dgm:constr type="t" for="ch" forName="FiveNodes_1_text" refType="t" refFor="ch" refForName="FiveNodes_1"/>
+          <dgm:constr type="b" for="ch" forName="FiveNodes_1_text" refType="b" refFor="ch" refForName="FiveNodes_1"/>
+          <dgm:constr type="r" for="ch" forName="FiveNodes_1_text" refType="r" refFor="ch" refForName="FiveNodes_1"/>
+          <dgm:constr type="l" for="ch" forName="FiveNodes_2_text" refType="r" refFor="ch" refForName="FiveConn_1-2"/>
+          <dgm:constr type="t" for="ch" forName="FiveNodes_2_text" refType="t" refFor="ch" refForName="FiveNodes_2"/>
+          <dgm:constr type="b" for="ch" forName="FiveNodes_2_text" refType="b" refFor="ch" refForName="FiveNodes_2"/>
+          <dgm:constr type="r" for="ch" forName="FiveNodes_2_text" refType="r" refFor="ch" refForName="FiveNodes_2"/>
+          <dgm:constr type="l" for="ch" forName="FiveNodes_3_text" refType="r" refFor="ch" refForName="FiveConn_2-3"/>
+          <dgm:constr type="t" for="ch" forName="FiveNodes_3_text" refType="t" refFor="ch" refForName="FiveNodes_3"/>
+          <dgm:constr type="b" for="ch" forName="FiveNodes_3_text" refType="b" refFor="ch" refForName="FiveNodes_3"/>
+          <dgm:constr type="r" for="ch" forName="FiveNodes_3_text" refType="r" refFor="ch" refForName="FiveNodes_3"/>
+          <dgm:constr type="l" for="ch" forName="FiveNodes_4_text" refType="r" refFor="ch" refForName="FiveConn_3-4"/>
+          <dgm:constr type="t" for="ch" forName="FiveNodes_4_text" refType="t" refFor="ch" refForName="FiveNodes_4"/>
+          <dgm:constr type="b" for="ch" forName="FiveNodes_4_text" refType="b" refFor="ch" refForName="FiveNodes_4"/>
+          <dgm:constr type="r" for="ch" forName="FiveNodes_4_text" refType="r" refFor="ch" refForName="FiveNodes_4"/>
+          <dgm:constr type="l" for="ch" forName="FiveNodes_5_text" refType="r" refFor="ch" refForName="FiveConn_4-5"/>
+          <dgm:constr type="t" for="ch" forName="FiveNodes_5_text" refType="t" refFor="ch" refForName="FiveNodes_5"/>
+          <dgm:constr type="b" for="ch" forName="FiveNodes_5_text" refType="b" refFor="ch" refForName="FiveNodes_5"/>
+          <dgm:constr type="r" for="ch" forName="FiveNodes_5_text" refType="r" refFor="ch" refForName="FiveNodes_5"/>
+        </dgm:constrLst>
+      </dgm:else>
+    </dgm:choose>
+    <dgm:ruleLst/>
+    <dgm:layoutNode name="dummyMaxCanvas">
+      <dgm:varLst/>
+      <dgm:alg type="sp"/>
+      <dgm:shape xmlns:r="http://schemas.openxmlformats.org/officeDocument/2006/relationships" r:blip="">
+        <dgm:adjLst/>
+      </dgm:shape>
+      <dgm:presOf/>
+      <dgm:constrLst/>
+      <dgm:ruleLst/>
+    </dgm:layoutNode>
+    <dgm:choose name="Name3">
+      <dgm:if name="Name4" axis="ch" ptType="node" func="cnt" op="equ" val="1">
+        <dgm:layoutNode name="OneNode_1">
+          <dgm:varLst>
+            <dgm:bulletEnabled val="1"/>
+          </dgm:varLst>
+          <dgm:alg type="tx"/>
+          <dgm:shape xmlns:r="http://schemas.openxmlformats.org/officeDocument/2006/relationships" type="roundRect" r:blip="">
+            <dgm:adjLst>
+              <dgm:adj idx="1" val="0.1"/>
+            </dgm:adjLst>
+          </dgm:shape>
+          <dgm:presOf axis="ch desOrSelf" ptType="node node" st="1 1" cnt="1 0"/>
+          <dgm:constrLst>
+            <dgm:constr type="lMarg" refType="primFontSz" fact="0.3"/>
+            <dgm:constr type="rMarg" refType="primFontSz" fact="0.3"/>
+            <dgm:constr type="tMarg" refType="primFontSz" fact="0.3"/>
+            <dgm:constr type="bMarg" refType="primFontSz" fact="0.3"/>
+          </dgm:constrLst>
+          <dgm:ruleLst>
+            <dgm:rule type="primFontSz" val="5" fact="NaN" max="NaN"/>
+          </dgm:ruleLst>
+        </dgm:layoutNode>
+      </dgm:if>
+      <dgm:else name="Name5">
+        <dgm:choose name="Name6">
+          <dgm:if name="Name7" axis="ch" ptType="node" func="cnt" op="equ" val="2">
+            <dgm:layoutNode name="TwoNodes_1">
+              <dgm:varLst>
+                <dgm:bulletEnabled val="1"/>
+              </dgm:varLst>
+              <dgm:alg type="sp"/>
+              <dgm:shape xmlns:r="http://schemas.openxmlformats.org/officeDocument/2006/relationships" type="roundRect" r:blip="">
+                <dgm:adjLst>
+                  <dgm:adj idx="1" val="0.1"/>
+                </dgm:adjLst>
+              </dgm:shape>
+              <dgm:presOf axis="ch desOrSelf" ptType="node node" st="1 1" cnt="1 0"/>
+              <dgm:constrLst/>
+              <dgm:ruleLst/>
+            </dgm:layoutNode>
+            <dgm:layoutNode name="TwoNodes_2">
+              <dgm:varLst>
+                <dgm:bulletEnabled val="1"/>
+              </dgm:varLst>
+              <dgm:alg type="sp"/>
+              <dgm:shape xmlns:r="http://schemas.openxmlformats.org/officeDocument/2006/relationships" type="roundRect" r:blip="">
+                <dgm:adjLst>
+                  <dgm:adj idx="1" val="0.1"/>
+                </dgm:adjLst>
+              </dgm:shape>
+              <dgm:presOf axis="ch desOrSelf" ptType="node node" st="2 1" cnt="1 0"/>
+              <dgm:constrLst/>
+              <dgm:ruleLst/>
+            </dgm:layoutNode>
+            <dgm:layoutNode name="TwoConn_1-2" styleLbl="fgAccFollowNode1">
+              <dgm:varLst>
+                <dgm:bulletEnabled val="1"/>
+              </dgm:varLst>
+              <dgm:alg type="tx"/>
+              <dgm:shape xmlns:r="http://schemas.openxmlformats.org/officeDocument/2006/relationships" type="downArrow" r:blip="">
+                <dgm:adjLst>
+                  <dgm:adj idx="1" val="0.55"/>
+                  <dgm:adj idx="2" val="0.45"/>
+                </dgm:adjLst>
+              </dgm:shape>
+              <dgm:presOf axis="ch" ptType="sibTrans" cnt="1"/>
+              <dgm:constrLst>
+                <dgm:constr type="lMarg" refType="primFontSz" fact="0.1"/>
+                <dgm:constr type="rMarg" refType="primFontSz" fact="0.1"/>
+                <dgm:constr type="tMarg" refType="primFontSz" fact="0.1"/>
+                <dgm:constr type="bMarg" refType="primFontSz" fact="0.1"/>
+              </dgm:constrLst>
+              <dgm:ruleLst>
+                <dgm:rule type="primFontSz" val="5" fact="NaN" max="NaN"/>
+              </dgm:ruleLst>
+            </dgm:layoutNode>
+            <dgm:layoutNode name="TwoNodes_1_text">
+              <dgm:varLst>
+                <dgm:bulletEnabled val="1"/>
+              </dgm:varLst>
+              <dgm:alg type="tx">
+                <dgm:param type="parTxLTRAlign" val="l"/>
+                <dgm:param type="txAnchorVertCh" val="mid"/>
+              </dgm:alg>
+              <dgm:shape xmlns:r="http://schemas.openxmlformats.org/officeDocument/2006/relationships" type="roundRect" r:blip="" hideGeom="1">
+                <dgm:adjLst>
+                  <dgm:adj idx="1" val="0.1"/>
+                </dgm:adjLst>
+              </dgm:shape>
+              <dgm:presOf axis="ch desOrSelf" ptType="node node" st="1 1" cnt="1 0"/>
+              <dgm:constrLst>
+                <dgm:constr type="lMarg" refType="primFontSz" fact="0.3"/>
+                <dgm:constr type="rMarg" refType="primFontSz" fact="0.3"/>
+                <dgm:constr type="tMarg" refType="primFontSz" fact="0.3"/>
+                <dgm:constr type="bMarg" refType="primFontSz" fact="0.3"/>
+              </dgm:constrLst>
+              <dgm:ruleLst>
+                <dgm:rule type="primFontSz" val="5" fact="NaN" max="NaN"/>
+              </dgm:ruleLst>
+            </dgm:layoutNode>
+            <dgm:layoutNode name="TwoNodes_2_text">
+              <dgm:varLst>
+                <dgm:bulletEnabled val="1"/>
+              </dgm:varLst>
+              <dgm:alg type="tx">
+                <dgm:param type="parTxLTRAlign" val="l"/>
+                <dgm:param type="txAnchorVertCh" val="mid"/>
+              </dgm:alg>
+              <dgm:shape xmlns:r="http://schemas.openxmlformats.org/officeDocument/2006/relationships" type="roundRect" r:blip="" hideGeom="1">
+                <dgm:adjLst>
+                  <dgm:adj idx="1" val="0.1"/>
+                </dgm:adjLst>
+              </dgm:shape>
+              <dgm:presOf axis="ch desOrSelf" ptType="node node" st="2 1" cnt="1 0"/>
+              <dgm:constrLst>
+                <dgm:constr type="lMarg" refType="primFontSz" fact="0.3"/>
+                <dgm:constr type="rMarg" refType="primFontSz" fact="0.3"/>
+                <dgm:constr type="tMarg" refType="primFontSz" fact="0.3"/>
+                <dgm:constr type="bMarg" refType="primFontSz" fact="0.3"/>
+              </dgm:constrLst>
+              <dgm:ruleLst>
+                <dgm:rule type="primFontSz" val="5" fact="NaN" max="NaN"/>
+              </dgm:ruleLst>
+            </dgm:layoutNode>
+          </dgm:if>
+          <dgm:else name="Name8">
+            <dgm:choose name="Name9">
+              <dgm:if name="Name10" axis="ch" ptType="node" func="cnt" op="equ" val="3">
+                <dgm:layoutNode name="ThreeNodes_1">
+                  <dgm:varLst>
+                    <dgm:bulletEnabled val="1"/>
+                  </dgm:varLst>
+                  <dgm:alg type="sp"/>
+                  <dgm:shape xmlns:r="http://schemas.openxmlformats.org/officeDocument/2006/relationships" type="roundRect" r:blip="">
+                    <dgm:adjLst>
+                      <dgm:adj idx="1" val="0.1"/>
+                    </dgm:adjLst>
+                  </dgm:shape>
+                  <dgm:presOf axis="ch desOrSelf" ptType="node node" st="1 1" cnt="1 0"/>
+                  <dgm:constrLst/>
+                  <dgm:ruleLst/>
+                </dgm:layoutNode>
+                <dgm:layoutNode name="ThreeNodes_2">
+                  <dgm:varLst>
+                    <dgm:bulletEnabled val="1"/>
+                  </dgm:varLst>
+                  <dgm:alg type="sp"/>
+                  <dgm:shape xmlns:r="http://schemas.openxmlformats.org/officeDocument/2006/relationships" type="roundRect" r:blip="">
+                    <dgm:adjLst>
+                      <dgm:adj idx="1" val="0.1"/>
+                    </dgm:adjLst>
+                  </dgm:shape>
+                  <dgm:presOf axis="ch desOrSelf" ptType="node node" st="2 1" cnt="1 0"/>
+                  <dgm:constrLst/>
+                  <dgm:ruleLst/>
+                </dgm:layoutNode>
+                <dgm:layoutNode name="ThreeNodes_3">
+                  <dgm:varLst>
+                    <dgm:bulletEnabled val="1"/>
+                  </dgm:varLst>
+                  <dgm:alg type="sp"/>
+                  <dgm:shape xmlns:r="http://schemas.openxmlformats.org/officeDocument/2006/relationships" type="roundRect" r:blip="">
+                    <dgm:adjLst>
+                      <dgm:adj idx="1" val="0.1"/>
+                    </dgm:adjLst>
+                  </dgm:shape>
+                  <dgm:presOf axis="ch desOrSelf" ptType="node node" st="3 1" cnt="1 0"/>
+                  <dgm:constrLst/>
+                  <dgm:ruleLst/>
+                </dgm:layoutNode>
+                <dgm:layoutNode name="ThreeConn_1-2" styleLbl="fgAccFollowNode1">
+                  <dgm:varLst>
+                    <dgm:bulletEnabled val="1"/>
+                  </dgm:varLst>
+                  <dgm:alg type="tx"/>
+                  <dgm:shape xmlns:r="http://schemas.openxmlformats.org/officeDocument/2006/relationships" type="downArrow" r:blip="">
+                    <dgm:adjLst>
+                      <dgm:adj idx="1" val="0.55"/>
+                      <dgm:adj idx="2" val="0.45"/>
+                    </dgm:adjLst>
+                  </dgm:shape>
+                  <dgm:presOf axis="ch" ptType="sibTrans" cnt="1"/>
+                  <dgm:constrLst>
+                    <dgm:constr type="lMarg" refType="primFontSz" fact="0.1"/>
+                    <dgm:constr type="rMarg" refType="primFontSz" fact="0.1"/>
+                    <dgm:constr type="tMarg" refType="primFontSz" fact="0.1"/>
+                    <dgm:constr type="bMarg" refType="primFontSz" fact="0.1"/>
+                  </dgm:constrLst>
+                  <dgm:ruleLst>
+                    <dgm:rule type="primFontSz" val="5" fact="NaN" max="NaN"/>
+                  </dgm:ruleLst>
+                </dgm:layoutNode>
+                <dgm:layoutNode name="ThreeConn_2-3" styleLbl="fgAccFollowNode1">
+                  <dgm:varLst>
+                    <dgm:bulletEnabled val="1"/>
+                  </dgm:varLst>
+                  <dgm:alg type="tx"/>
+                  <dgm:shape xmlns:r="http://schemas.openxmlformats.org/officeDocument/2006/relationships" type="downArrow" r:blip="">
+                    <dgm:adjLst>
+                      <dgm:adj idx="1" val="0.55"/>
+                      <dgm:adj idx="2" val="0.45"/>
+                    </dgm:adjLst>
+                  </dgm:shape>
+                  <dgm:presOf axis="ch" ptType="sibTrans" st="2" cnt="1"/>
+                  <dgm:constrLst>
+                    <dgm:constr type="lMarg" refType="primFontSz" fact="0.1"/>
+                    <dgm:constr type="rMarg" refType="primFontSz" fact="0.1"/>
+                    <dgm:constr type="tMarg" refType="primFontSz" fact="0.1"/>
+                    <dgm:constr type="bMarg" refType="primFontSz" fact="0.1"/>
+                  </dgm:constrLst>
+                  <dgm:ruleLst>
+                    <dgm:rule type="primFontSz" val="5" fact="NaN" max="NaN"/>
+                  </dgm:ruleLst>
+                </dgm:layoutNode>
+                <dgm:layoutNode name="ThreeNodes_1_text">
+                  <dgm:varLst>
+                    <dgm:bulletEnabled val="1"/>
+                  </dgm:varLst>
+                  <dgm:alg type="tx">
+                    <dgm:param type="parTxLTRAlign" val="l"/>
+                    <dgm:param type="txAnchorVertCh" val="mid"/>
+                  </dgm:alg>
+                  <dgm:shape xmlns:r="http://schemas.openxmlformats.org/officeDocument/2006/relationships" type="roundRect" r:blip="" hideGeom="1">
+                    <dgm:adjLst>
+                      <dgm:adj idx="1" val="0.1"/>
+                    </dgm:adjLst>
+                  </dgm:shape>
+                  <dgm:presOf axis="ch desOrSelf" ptType="node node" st="1 1" cnt="1 0"/>
+                  <dgm:constrLst>
+                    <dgm:constr type="lMarg" refType="primFontSz" fact="0.3"/>
+                    <dgm:constr type="rMarg" refType="primFontSz" fact="0.3"/>
+                    <dgm:constr type="tMarg" refType="primFontSz" fact="0.3"/>
+                    <dgm:constr type="bMarg" refType="primFontSz" fact="0.3"/>
+                  </dgm:constrLst>
+                  <dgm:ruleLst>
+                    <dgm:rule type="primFontSz" val="5" fact="NaN" max="NaN"/>
+                  </dgm:ruleLst>
+                </dgm:layoutNode>
+                <dgm:layoutNode name="ThreeNodes_2_text">
+                  <dgm:varLst>
+                    <dgm:bulletEnabled val="1"/>
+                  </dgm:varLst>
+                  <dgm:alg type="tx">
+                    <dgm:param type="parTxLTRAlign" val="l"/>
+                    <dgm:param type="txAnchorVertCh" val="mid"/>
+                  </dgm:alg>
+                  <dgm:shape xmlns:r="http://schemas.openxmlformats.org/officeDocument/2006/relationships" type="roundRect" r:blip="" hideGeom="1">
+                    <dgm:adjLst>
+                      <dgm:adj idx="1" val="0.1"/>
+                    </dgm:adjLst>
+                  </dgm:shape>
+                  <dgm:presOf axis="ch desOrSelf" ptType="node node" st="2 1" cnt="1 0"/>
+                  <dgm:constrLst>
+                    <dgm:constr type="lMarg" refType="primFontSz" fact="0.3"/>
+                    <dgm:constr type="rMarg" refType="primFontSz" fact="0.3"/>
+                    <dgm:constr type="tMarg" refType="primFontSz" fact="0.3"/>
+                    <dgm:constr type="bMarg" refType="primFontSz" fact="0.3"/>
+                  </dgm:constrLst>
+                  <dgm:ruleLst>
+                    <dgm:rule type="primFontSz" val="5" fact="NaN" max="NaN"/>
+                  </dgm:ruleLst>
+                </dgm:layoutNode>
+                <dgm:layoutNode name="ThreeNodes_3_text">
+                  <dgm:varLst>
+                    <dgm:bulletEnabled val="1"/>
+                  </dgm:varLst>
+                  <dgm:alg type="tx">
+                    <dgm:param type="parTxLTRAlign" val="l"/>
+                    <dgm:param type="txAnchorVertCh" val="mid"/>
+                  </dgm:alg>
+                  <dgm:shape xmlns:r="http://schemas.openxmlformats.org/officeDocument/2006/relationships" type="roundRect" r:blip="" hideGeom="1">
+                    <dgm:adjLst>
+                      <dgm:adj idx="1" val="0.1"/>
+                    </dgm:adjLst>
+                  </dgm:shape>
+                  <dgm:presOf axis="ch desOrSelf" ptType="node node" st="3 1" cnt="1 0"/>
+                  <dgm:constrLst>
+                    <dgm:constr type="lMarg" refType="primFontSz" fact="0.3"/>
+                    <dgm:constr type="rMarg" refType="primFontSz" fact="0.3"/>
+                    <dgm:constr type="tMarg" refType="primFontSz" fact="0.3"/>
+                    <dgm:constr type="bMarg" refType="primFontSz" fact="0.3"/>
+                  </dgm:constrLst>
+                  <dgm:ruleLst>
+                    <dgm:rule type="primFontSz" val="5" fact="NaN" max="NaN"/>
+                  </dgm:ruleLst>
+                </dgm:layoutNode>
+              </dgm:if>
+              <dgm:else name="Name11">
+                <dgm:choose name="Name12">
+                  <dgm:if name="Name13" axis="ch" ptType="node" func="cnt" op="equ" val="4">
+                    <dgm:layoutNode name="FourNodes_1">
+                      <dgm:varLst>
+                        <dgm:bulletEnabled val="1"/>
+                      </dgm:varLst>
+                      <dgm:alg type="sp"/>
+                      <dgm:shape xmlns:r="http://schemas.openxmlformats.org/officeDocument/2006/relationships" type="roundRect" r:blip="">
+                        <dgm:adjLst>
+                          <dgm:adj idx="1" val="0.1"/>
+                        </dgm:adjLst>
+                      </dgm:shape>
+                      <dgm:presOf axis="ch desOrSelf" ptType="node node" st="1 1" cnt="1 0"/>
+                      <dgm:constrLst/>
+                      <dgm:ruleLst/>
+                    </dgm:layoutNode>
+                    <dgm:layoutNode name="FourNodes_2">
+                      <dgm:varLst>
+                        <dgm:bulletEnabled val="1"/>
+                      </dgm:varLst>
+                      <dgm:alg type="sp"/>
+                      <dgm:shape xmlns:r="http://schemas.openxmlformats.org/officeDocument/2006/relationships" type="roundRect" r:blip="">
+                        <dgm:adjLst>
+                          <dgm:adj idx="1" val="0.1"/>
+                        </dgm:adjLst>
+                      </dgm:shape>
+                      <dgm:presOf axis="ch desOrSelf" ptType="node node" st="2 1" cnt="1 0"/>
+                      <dgm:constrLst/>
+                      <dgm:ruleLst/>
+                    </dgm:layoutNode>
+                    <dgm:layoutNode name="FourNodes_3">
+                      <dgm:varLst>
+                        <dgm:bulletEnabled val="1"/>
+                      </dgm:varLst>
+                      <dgm:alg type="sp"/>
+                      <dgm:shape xmlns:r="http://schemas.openxmlformats.org/officeDocument/2006/relationships" type="roundRect" r:blip="">
+                        <dgm:adjLst>
+                          <dgm:adj idx="1" val="0.1"/>
+                        </dgm:adjLst>
+                      </dgm:shape>
+                      <dgm:presOf axis="ch desOrSelf" ptType="node node" st="3 1" cnt="1 0"/>
+                      <dgm:constrLst/>
+                      <dgm:ruleLst/>
+                    </dgm:layoutNode>
+                    <dgm:layoutNode name="FourNodes_4">
+                      <dgm:varLst>
+                        <dgm:bulletEnabled val="1"/>
+                      </dgm:varLst>
+                      <dgm:alg type="sp"/>
+                      <dgm:shape xmlns:r="http://schemas.openxmlformats.org/officeDocument/2006/relationships" type="roundRect" r:blip="">
+                        <dgm:adjLst>
+                          <dgm:adj idx="1" val="0.1"/>
+                        </dgm:adjLst>
+                      </dgm:shape>
+                      <dgm:presOf axis="ch desOrSelf" ptType="node node" st="4 1" cnt="1 0"/>
+                      <dgm:constrLst/>
+                      <dgm:ruleLst/>
+                    </dgm:layoutNode>
+                    <dgm:layoutNode name="FourConn_1-2" styleLbl="fgAccFollowNode1">
+                      <dgm:varLst>
+                        <dgm:bulletEnabled val="1"/>
+                      </dgm:varLst>
+                      <dgm:alg type="tx"/>
+                      <dgm:shape xmlns:r="http://schemas.openxmlformats.org/officeDocument/2006/relationships" type="downArrow" r:blip="">
+                        <dgm:adjLst>
+                          <dgm:adj idx="1" val="0.55"/>
+                          <dgm:adj idx="2" val="0.45"/>
+                        </dgm:adjLst>
+                      </dgm:shape>
+                      <dgm:presOf axis="ch" ptType="sibTrans" cnt="1"/>
+                      <dgm:constrLst>
+                        <dgm:constr type="lMarg" refType="primFontSz" fact="0.1"/>
+                        <dgm:constr type="rMarg" refType="primFontSz" fact="0.1"/>
+                        <dgm:constr type="tMarg" refType="primFontSz" fact="0.1"/>
+                        <dgm:constr type="bMarg" refType="primFontSz" fact="0.1"/>
+                      </dgm:constrLst>
+                      <dgm:ruleLst>
+                        <dgm:rule type="primFontSz" val="5" fact="NaN" max="NaN"/>
+                      </dgm:ruleLst>
+                    </dgm:layoutNode>
+                    <dgm:layoutNode name="FourConn_2-3" styleLbl="fgAccFollowNode1">
+                      <dgm:varLst>
+                        <dgm:bulletEnabled val="1"/>
+                      </dgm:varLst>
+                      <dgm:alg type="tx"/>
+                      <dgm:shape xmlns:r="http://schemas.openxmlformats.org/officeDocument/2006/relationships" type="downArrow" r:blip="">
+                        <dgm:adjLst>
+                          <dgm:adj idx="1" val="0.55"/>
+                          <dgm:adj idx="2" val="0.45"/>
+                        </dgm:adjLst>
+                      </dgm:shape>
+                      <dgm:presOf axis="ch" ptType="sibTrans" st="2" cnt="1"/>
+                      <dgm:constrLst>
+                        <dgm:constr type="lMarg" refType="primFontSz" fact="0.1"/>
+                        <dgm:constr type="rMarg" refType="primFontSz" fact="0.1"/>
+                        <dgm:constr type="tMarg" refType="primFontSz" fact="0.1"/>
+                        <dgm:constr type="bMarg" refType="primFontSz" fact="0.1"/>
+                      </dgm:constrLst>
+                      <dgm:ruleLst>
+                        <dgm:rule type="primFontSz" val="5" fact="NaN" max="NaN"/>
+                      </dgm:ruleLst>
+                    </dgm:layoutNode>
+                    <dgm:layoutNode name="FourConn_3-4" styleLbl="fgAccFollowNode1">
+                      <dgm:varLst>
+                        <dgm:bulletEnabled val="1"/>
+                      </dgm:varLst>
+                      <dgm:alg type="tx"/>
+                      <dgm:shape xmlns:r="http://schemas.openxmlformats.org/officeDocument/2006/relationships" type="downArrow" r:blip="">
+                        <dgm:adjLst>
+                          <dgm:adj idx="1" val="0.55"/>
+                          <dgm:adj idx="2" val="0.45"/>
+                        </dgm:adjLst>
+                      </dgm:shape>
+                      <dgm:presOf axis="ch" ptType="sibTrans" st="3" cnt="1"/>
+                      <dgm:constrLst>
+                        <dgm:constr type="lMarg" refType="primFontSz" fact="0.1"/>
+                        <dgm:constr type="rMarg" refType="primFontSz" fact="0.1"/>
+                        <dgm:constr type="tMarg" refType="primFontSz" fact="0.1"/>
+                        <dgm:constr type="bMarg" refType="primFontSz" fact="0.1"/>
+                      </dgm:constrLst>
+                      <dgm:ruleLst>
+                        <dgm:rule type="primFontSz" val="5" fact="NaN" max="NaN"/>
+                      </dgm:ruleLst>
+                    </dgm:layoutNode>
+                    <dgm:layoutNode name="FourNodes_1_text">
+                      <dgm:varLst>
+                        <dgm:bulletEnabled val="1"/>
+                      </dgm:varLst>
+                      <dgm:alg type="tx">
+                        <dgm:param type="parTxLTRAlign" val="l"/>
+                        <dgm:param type="txAnchorVertCh" val="mid"/>
+                      </dgm:alg>
+                      <dgm:shape xmlns:r="http://schemas.openxmlformats.org/officeDocument/2006/relationships" type="roundRect" r:blip="" hideGeom="1">
+                        <dgm:adjLst>
+                          <dgm:adj idx="1" val="0.1"/>
+                        </dgm:adjLst>
+                      </dgm:shape>
+                      <dgm:presOf axis="ch desOrSelf" ptType="node node" st="1 1" cnt="1 0"/>
+                      <dgm:constrLst>
+                        <dgm:constr type="lMarg" refType="primFontSz" fact="0.3"/>
+                        <dgm:constr type="rMarg" refType="primFontSz" fact="0.3"/>
+                        <dgm:constr type="tMarg" refType="primFontSz" fact="0.3"/>
+                        <dgm:constr type="bMarg" refType="primFontSz" fact="0.3"/>
+                      </dgm:constrLst>
+                      <dgm:ruleLst>
+                        <dgm:rule type="primFontSz" val="5" fact="NaN" max="NaN"/>
+                      </dgm:ruleLst>
+                    </dgm:layoutNode>
+                    <dgm:layoutNode name="FourNodes_2_text">
+                      <dgm:varLst>
+                        <dgm:bulletEnabled val="1"/>
+                      </dgm:varLst>
+                      <dgm:alg type="tx">
+                        <dgm:param type="parTxLTRAlign" val="l"/>
+                        <dgm:param type="txAnchorVertCh" val="mid"/>
+                      </dgm:alg>
+                      <dgm:shape xmlns:r="http://schemas.openxmlformats.org/officeDocument/2006/relationships" type="roundRect" r:blip="" hideGeom="1">
+                        <dgm:adjLst>
+                          <dgm:adj idx="1" val="0.1"/>
+                        </dgm:adjLst>
+                      </dgm:shape>
+                      <dgm:presOf axis="ch desOrSelf" ptType="node node" st="2 1" cnt="1 0"/>
+                      <dgm:constrLst>
+                        <dgm:constr type="lMarg" refType="primFontSz" fact="0.3"/>
+                        <dgm:constr type="rMarg" refType="primFontSz" fact="0.3"/>
+                        <dgm:constr type="tMarg" refType="primFontSz" fact="0.3"/>
+                        <dgm:constr type="bMarg" refType="primFontSz" fact="0.3"/>
+                      </dgm:constrLst>
+                      <dgm:ruleLst>
+                        <dgm:rule type="primFontSz" val="5" fact="NaN" max="NaN"/>
+                      </dgm:ruleLst>
+                    </dgm:layoutNode>
+                    <dgm:layoutNode name="FourNodes_3_text">
+                      <dgm:varLst>
+                        <dgm:bulletEnabled val="1"/>
+                      </dgm:varLst>
+                      <dgm:alg type="tx">
+                        <dgm:param type="parTxLTRAlign" val="l"/>
+                        <dgm:param type="txAnchorVertCh" val="mid"/>
+                      </dgm:alg>
+                      <dgm:shape xmlns:r="http://schemas.openxmlformats.org/officeDocument/2006/relationships" type="roundRect" r:blip="" hideGeom="1">
+                        <dgm:adjLst>
+                          <dgm:adj idx="1" val="0.1"/>
+                        </dgm:adjLst>
+                      </dgm:shape>
+                      <dgm:presOf axis="ch desOrSelf" ptType="node node" st="3 1" cnt="1 0"/>
+                      <dgm:constrLst>
+                        <dgm:constr type="lMarg" refType="primFontSz" fact="0.3"/>
+                        <dgm:constr type="rMarg" refType="primFontSz" fact="0.3"/>
+                        <dgm:constr type="tMarg" refType="primFontSz" fact="0.3"/>
+                        <dgm:constr type="bMarg" refType="primFontSz" fact="0.3"/>
+                      </dgm:constrLst>
+                      <dgm:ruleLst>
+                        <dgm:rule type="primFontSz" val="5" fact="NaN" max="NaN"/>
+                      </dgm:ruleLst>
+                    </dgm:layoutNode>
+                    <dgm:layoutNode name="FourNodes_4_text">
+                      <dgm:varLst>
+                        <dgm:bulletEnabled val="1"/>
+                      </dgm:varLst>
+                      <dgm:alg type="tx">
+                        <dgm:param type="parTxLTRAlign" val="l"/>
+                        <dgm:param type="txAnchorVertCh" val="mid"/>
+                      </dgm:alg>
+                      <dgm:shape xmlns:r="http://schemas.openxmlformats.org/officeDocument/2006/relationships" type="roundRect" r:blip="" hideGeom="1">
+                        <dgm:adjLst>
+                          <dgm:adj idx="1" val="0.1"/>
+                        </dgm:adjLst>
+                      </dgm:shape>
+                      <dgm:presOf axis="ch desOrSelf" ptType="node node" st="4 1" cnt="1 0"/>
+                      <dgm:constrLst>
+                        <dgm:constr type="lMarg" refType="primFontSz" fact="0.3"/>
+                        <dgm:constr type="rMarg" refType="primFontSz" fact="0.3"/>
+                        <dgm:constr type="tMarg" refType="primFontSz" fact="0.3"/>
+                        <dgm:constr type="bMarg" refType="primFontSz" fact="0.3"/>
+                      </dgm:constrLst>
+                      <dgm:ruleLst>
+                        <dgm:rule type="primFontSz" val="5" fact="NaN" max="NaN"/>
+                      </dgm:ruleLst>
+                    </dgm:layoutNode>
+                  </dgm:if>
+                  <dgm:else name="Name14">
+                    <dgm:choose name="Name15">
+                      <dgm:if name="Name16" axis="ch" ptType="node" func="cnt" op="gte" val="5">
+                        <dgm:layoutNode name="FiveNodes_1">
+                          <dgm:varLst>
+                            <dgm:bulletEnabled val="1"/>
+                          </dgm:varLst>
+                          <dgm:alg type="sp"/>
+                          <dgm:shape xmlns:r="http://schemas.openxmlformats.org/officeDocument/2006/relationships" type="roundRect" r:blip="">
+                            <dgm:adjLst>
+                              <dgm:adj idx="1" val="0.1"/>
+                            </dgm:adjLst>
+                          </dgm:shape>
+                          <dgm:presOf axis="ch desOrSelf" ptType="node node" st="1 1" cnt="1 0"/>
+                          <dgm:constrLst/>
+                          <dgm:ruleLst/>
+                        </dgm:layoutNode>
+                        <dgm:layoutNode name="FiveNodes_2">
+                          <dgm:varLst>
+                            <dgm:bulletEnabled val="1"/>
+                          </dgm:varLst>
+                          <dgm:alg type="sp"/>
+                          <dgm:shape xmlns:r="http://schemas.openxmlformats.org/officeDocument/2006/relationships" type="roundRect" r:blip="">
+                            <dgm:adjLst>
+                              <dgm:adj idx="1" val="0.1"/>
+                            </dgm:adjLst>
+                          </dgm:shape>
+                          <dgm:presOf axis="ch desOrSelf" ptType="node node" st="2 1" cnt="1 0"/>
+                          <dgm:constrLst/>
+                          <dgm:ruleLst/>
+                        </dgm:layoutNode>
+                        <dgm:layoutNode name="FiveNodes_3">
+                          <dgm:varLst>
+                            <dgm:bulletEnabled val="1"/>
+                          </dgm:varLst>
+                          <dgm:alg type="sp"/>
+                          <dgm:shape xmlns:r="http://schemas.openxmlformats.org/officeDocument/2006/relationships" type="roundRect" r:blip="">
+                            <dgm:adjLst>
+                              <dgm:adj idx="1" val="0.1"/>
+                            </dgm:adjLst>
+                          </dgm:shape>
+                          <dgm:presOf axis="ch desOrSelf" ptType="node node" st="3 1" cnt="1 0"/>
+                          <dgm:constrLst/>
+                          <dgm:ruleLst/>
+                        </dgm:layoutNode>
+                        <dgm:layoutNode name="FiveNodes_4">
+                          <dgm:varLst>
+                            <dgm:bulletEnabled val="1"/>
+                          </dgm:varLst>
+                          <dgm:alg type="sp"/>
+                          <dgm:shape xmlns:r="http://schemas.openxmlformats.org/officeDocument/2006/relationships" type="roundRect" r:blip="">
+                            <dgm:adjLst>
+                              <dgm:adj idx="1" val="0.1"/>
+                            </dgm:adjLst>
+                          </dgm:shape>
+                          <dgm:presOf axis="ch desOrSelf" ptType="node node" st="4 1" cnt="1 0"/>
+                          <dgm:constrLst/>
+                          <dgm:ruleLst/>
+                        </dgm:layoutNode>
+                        <dgm:layoutNode name="FiveNodes_5">
+                          <dgm:varLst>
+                            <dgm:bulletEnabled val="1"/>
+                          </dgm:varLst>
+                          <dgm:alg type="sp"/>
+                          <dgm:shape xmlns:r="http://schemas.openxmlformats.org/officeDocument/2006/relationships" type="roundRect" r:blip="">
+                            <dgm:adjLst>
+                              <dgm:adj idx="1" val="0.1"/>
+                            </dgm:adjLst>
+                          </dgm:shape>
+                          <dgm:presOf axis="ch desOrSelf" ptType="node node" st="5 1" cnt="1 0"/>
+                          <dgm:constrLst/>
+                          <dgm:ruleLst/>
+                        </dgm:layoutNode>
+                        <dgm:layoutNode name="FiveConn_1-2" styleLbl="fgAccFollowNode1">
+                          <dgm:varLst>
+                            <dgm:bulletEnabled val="1"/>
+                          </dgm:varLst>
+                          <dgm:alg type="tx"/>
+                          <dgm:shape xmlns:r="http://schemas.openxmlformats.org/officeDocument/2006/relationships" type="downArrow" r:blip="">
+                            <dgm:adjLst>
+                              <dgm:adj idx="1" val="0.55"/>
+                              <dgm:adj idx="2" val="0.45"/>
+                            </dgm:adjLst>
+                          </dgm:shape>
+                          <dgm:presOf axis="ch" ptType="sibTrans" cnt="1"/>
+                          <dgm:constrLst>
+                            <dgm:constr type="lMarg" refType="primFontSz" fact="0.1"/>
+                            <dgm:constr type="rMarg" refType="primFontSz" fact="0.1"/>
+                            <dgm:constr type="tMarg" refType="primFontSz" fact="0.1"/>
+                            <dgm:constr type="bMarg" refType="primFontSz" fact="0.1"/>
+                          </dgm:constrLst>
+                          <dgm:ruleLst>
+                            <dgm:rule type="primFontSz" val="5" fact="NaN" max="NaN"/>
+                          </dgm:ruleLst>
+                        </dgm:layoutNode>
+                        <dgm:layoutNode name="FiveConn_2-3" styleLbl="fgAccFollowNode1">
+                          <dgm:varLst>
+                            <dgm:bulletEnabled val="1"/>
+                          </dgm:varLst>
+                          <dgm:alg type="tx"/>
+                          <dgm:shape xmlns:r="http://schemas.openxmlformats.org/officeDocument/2006/relationships" type="downArrow" r:blip="">
+                            <dgm:adjLst>
+                              <dgm:adj idx="1" val="0.55"/>
+                              <dgm:adj idx="2" val="0.45"/>
+                            </dgm:adjLst>
+                          </dgm:shape>
+                          <dgm:presOf axis="ch" ptType="sibTrans" st="2" cnt="1"/>
+                          <dgm:constrLst>
+                            <dgm:constr type="lMarg" refType="primFontSz" fact="0.1"/>
+                            <dgm:constr type="rMarg" refType="primFontSz" fact="0.1"/>
+                            <dgm:constr type="tMarg" refType="primFontSz" fact="0.1"/>
+                            <dgm:constr type="bMarg" refType="primFontSz" fact="0.1"/>
+                          </dgm:constrLst>
+                          <dgm:ruleLst>
+                            <dgm:rule type="primFontSz" val="5" fact="NaN" max="NaN"/>
+                          </dgm:ruleLst>
+                        </dgm:layoutNode>
+                        <dgm:layoutNode name="FiveConn_3-4" styleLbl="fgAccFollowNode1">
+                          <dgm:varLst>
+                            <dgm:bulletEnabled val="1"/>
+                          </dgm:varLst>
+                          <dgm:alg type="tx"/>
+                          <dgm:shape xmlns:r="http://schemas.openxmlformats.org/officeDocument/2006/relationships" type="downArrow" r:blip="">
+                            <dgm:adjLst>
+                              <dgm:adj idx="1" val="0.55"/>
+                              <dgm:adj idx="2" val="0.45"/>
+                            </dgm:adjLst>
+                          </dgm:shape>
+                          <dgm:presOf axis="ch" ptType="sibTrans" st="3" cnt="1"/>
+                          <dgm:constrLst>
+                            <dgm:constr type="lMarg" refType="primFontSz" fact="0.1"/>
+                            <dgm:constr type="rMarg" refType="primFontSz" fact="0.1"/>
+                            <dgm:constr type="tMarg" refType="primFontSz" fact="0.1"/>
+                            <dgm:constr type="bMarg" refType="primFontSz" fact="0.1"/>
+                          </dgm:constrLst>
+                          <dgm:ruleLst>
+                            <dgm:rule type="primFontSz" val="5" fact="NaN" max="NaN"/>
+                          </dgm:ruleLst>
+                        </dgm:layoutNode>
+                        <dgm:layoutNode name="FiveConn_4-5" styleLbl="fgAccFollowNode1">
+                          <dgm:varLst>
+                            <dgm:bulletEnabled val="1"/>
+                          </dgm:varLst>
+                          <dgm:alg type="tx"/>
+                          <dgm:shape xmlns:r="http://schemas.openxmlformats.org/officeDocument/2006/relationships" type="downArrow" r:blip="">
+                            <dgm:adjLst>
+                              <dgm:adj idx="1" val="0.55"/>
+                              <dgm:adj idx="2" val="0.45"/>
+                            </dgm:adjLst>
+                          </dgm:shape>
+                          <dgm:presOf axis="ch" ptType="sibTrans" st="4" cnt="1"/>
+                          <dgm:constrLst>
+                            <dgm:constr type="lMarg" refType="primFontSz" fact="0.1"/>
+                            <dgm:constr type="rMarg" refType="primFontSz" fact="0.1"/>
+                            <dgm:constr type="tMarg" refType="primFontSz" fact="0.1"/>
+                            <dgm:constr type="bMarg" refType="primFontSz" fact="0.1"/>
+                          </dgm:constrLst>
+                          <dgm:ruleLst>
+                            <dgm:rule type="primFontSz" val="5" fact="NaN" max="NaN"/>
+                          </dgm:ruleLst>
+                        </dgm:layoutNode>
+                        <dgm:layoutNode name="FiveNodes_1_text">
+                          <dgm:varLst>
+                            <dgm:bulletEnabled val="1"/>
+                          </dgm:varLst>
+                          <dgm:alg type="tx">
+                            <dgm:param type="parTxLTRAlign" val="l"/>
+                            <dgm:param type="txAnchorVertCh" val="mid"/>
+                          </dgm:alg>
+                          <dgm:shape xmlns:r="http://schemas.openxmlformats.org/officeDocument/2006/relationships" type="roundRect" r:blip="" hideGeom="1">
+                            <dgm:adjLst>
+                              <dgm:adj idx="1" val="0.1"/>
+                            </dgm:adjLst>
+                          </dgm:shape>
+                          <dgm:presOf axis="ch desOrSelf" ptType="node node" st="1 1" cnt="1 0"/>
+                          <dgm:constrLst>
+                            <dgm:constr type="lMarg" refType="primFontSz" fact="0.3"/>
+                            <dgm:constr type="rMarg" refType="primFontSz" fact="0.3"/>
+                            <dgm:constr type="tMarg" refType="primFontSz" fact="0.3"/>
+                            <dgm:constr type="bMarg" refType="primFontSz" fact="0.3"/>
+                          </dgm:constrLst>
+                          <dgm:ruleLst>
+                            <dgm:rule type="primFontSz" val="5" fact="NaN" max="NaN"/>
+                          </dgm:ruleLst>
+                        </dgm:layoutNode>
+                        <dgm:layoutNode name="FiveNodes_2_text">
+                          <dgm:varLst>
+                            <dgm:bulletEnabled val="1"/>
+                          </dgm:varLst>
+                          <dgm:alg type="tx">
+                            <dgm:param type="parTxLTRAlign" val="l"/>
+                            <dgm:param type="txAnchorVertCh" val="mid"/>
+                          </dgm:alg>
+                          <dgm:shape xmlns:r="http://schemas.openxmlformats.org/officeDocument/2006/relationships" type="roundRect" r:blip="" hideGeom="1">
+                            <dgm:adjLst>
+                              <dgm:adj idx="1" val="0.1"/>
+                            </dgm:adjLst>
+                          </dgm:shape>
+                          <dgm:presOf axis="ch desOrSelf" ptType="node node" st="2 1" cnt="1 0"/>
+                          <dgm:constrLst>
+                            <dgm:constr type="lMarg" refType="primFontSz" fact="0.3"/>
+                            <dgm:constr type="rMarg" refType="primFontSz" fact="0.3"/>
+                            <dgm:constr type="tMarg" refType="primFontSz" fact="0.3"/>
+                            <dgm:constr type="bMarg" refType="primFontSz" fact="0.3"/>
+                          </dgm:constrLst>
+                          <dgm:ruleLst>
+                            <dgm:rule type="primFontSz" val="5" fact="NaN" max="NaN"/>
+                          </dgm:ruleLst>
+                        </dgm:layoutNode>
+                        <dgm:layoutNode name="FiveNodes_3_text">
+                          <dgm:varLst>
+                            <dgm:bulletEnabled val="1"/>
+                          </dgm:varLst>
+                          <dgm:alg type="tx">
+                            <dgm:param type="parTxLTRAlign" val="l"/>
+                            <dgm:param type="txAnchorVertCh" val="mid"/>
+                          </dgm:alg>
+                          <dgm:shape xmlns:r="http://schemas.openxmlformats.org/officeDocument/2006/relationships" type="roundRect" r:blip="" hideGeom="1">
+                            <dgm:adjLst>
+                              <dgm:adj idx="1" val="0.1"/>
+                            </dgm:adjLst>
+                          </dgm:shape>
+                          <dgm:presOf axis="ch desOrSelf" ptType="node node" st="3 1" cnt="1 0"/>
+                          <dgm:constrLst>
+                            <dgm:constr type="lMarg" refType="primFontSz" fact="0.3"/>
+                            <dgm:constr type="rMarg" refType="primFontSz" fact="0.3"/>
+                            <dgm:constr type="tMarg" refType="primFontSz" fact="0.3"/>
+                            <dgm:constr type="bMarg" refType="primFontSz" fact="0.3"/>
+                          </dgm:constrLst>
+                          <dgm:ruleLst>
+                            <dgm:rule type="primFontSz" val="5" fact="NaN" max="NaN"/>
+                          </dgm:ruleLst>
+                        </dgm:layoutNode>
+                        <dgm:layoutNode name="FiveNodes_4_text">
+                          <dgm:varLst>
+                            <dgm:bulletEnabled val="1"/>
+                          </dgm:varLst>
+                          <dgm:alg type="tx">
+                            <dgm:param type="parTxLTRAlign" val="l"/>
+                            <dgm:param type="txAnchorVertCh" val="mid"/>
+                          </dgm:alg>
+                          <dgm:shape xmlns:r="http://schemas.openxmlformats.org/officeDocument/2006/relationships" type="roundRect" r:blip="" hideGeom="1">
+                            <dgm:adjLst>
+                              <dgm:adj idx="1" val="0.1"/>
+                            </dgm:adjLst>
+                          </dgm:shape>
+                          <dgm:presOf axis="ch desOrSelf" ptType="node node" st="4 1" cnt="1 0"/>
+                          <dgm:constrLst>
+                            <dgm:constr type="lMarg" refType="primFontSz" fact="0.3"/>
+                            <dgm:constr type="rMarg" refType="primFontSz" fact="0.3"/>
+                            <dgm:constr type="tMarg" refType="primFontSz" fact="0.3"/>
+                            <dgm:constr type="bMarg" refType="primFontSz" fact="0.3"/>
+                          </dgm:constrLst>
+                          <dgm:ruleLst>
+                            <dgm:rule type="primFontSz" val="5" fact="NaN" max="NaN"/>
+                          </dgm:ruleLst>
+                        </dgm:layoutNode>
+                        <dgm:layoutNode name="FiveNodes_5_text">
+                          <dgm:varLst>
+                            <dgm:bulletEnabled val="1"/>
+                          </dgm:varLst>
+                          <dgm:alg type="tx">
+                            <dgm:param type="parTxLTRAlign" val="l"/>
+                            <dgm:param type="txAnchorVertCh" val="mid"/>
+                          </dgm:alg>
+                          <dgm:shape xmlns:r="http://schemas.openxmlformats.org/officeDocument/2006/relationships" type="roundRect" r:blip="" hideGeom="1">
+                            <dgm:adjLst>
+                              <dgm:adj idx="1" val="0.1"/>
+                            </dgm:adjLst>
+                          </dgm:shape>
+                          <dgm:presOf axis="ch desOrSelf" ptType="node node" st="5 1" cnt="1 0"/>
+                          <dgm:constrLst>
+                            <dgm:constr type="lMarg" refType="primFontSz" fact="0.3"/>
+                            <dgm:constr type="rMarg" refType="primFontSz" fact="0.3"/>
+                            <dgm:constr type="tMarg" refType="primFontSz" fact="0.3"/>
+                            <dgm:constr type="bMarg" refType="primFontSz" fact="0.3"/>
+                          </dgm:constrLst>
+                          <dgm:ruleLst>
+                            <dgm:rule type="primFontSz" val="5" fact="NaN" max="NaN"/>
+                          </dgm:ruleLst>
+                        </dgm:layoutNode>
+                      </dgm:if>
+                      <dgm:else name="Name17"/>
+                    </dgm:choose>
+                  </dgm:else>
+                </dgm:choose>
+              </dgm:else>
+            </dgm:choose>
+          </dgm:else>
+        </dgm:choose>
+      </dgm:else>
+    </dgm:choose>
+  </dgm:layoutNode>
+</dgm:layoutDef>
+</file>
+
+<file path=ppt/diagrams/quickStyle1.xml><?xml version="1.0" encoding="utf-8"?>
+<dgm:styleDef xmlns:dgm="http://schemas.openxmlformats.org/drawingml/2006/diagram" xmlns:a="http://schemas.openxmlformats.org/drawingml/2006/main" uniqueId="urn:microsoft.com/office/officeart/2005/8/quickstyle/simple3">
+  <dgm:title val=""/>
+  <dgm:desc val=""/>
+  <dgm:catLst>
+    <dgm:cat type="simple" pri="10300"/>
+  </dgm:catLst>
+  <dgm:scene3d>
+    <a:camera prst="orthographicFront"/>
+    <a:lightRig rig="threePt" dir="t"/>
+  </dgm:scene3d>
+  <dgm:styleLbl name="node0">
+    <dgm:scene3d>
+      <a:camera prst="orthographicFront"/>
+      <a:lightRig rig="flat" dir="t"/>
+    </dgm:scene3d>
+    <dgm:sp3d prstMaterial="dkEdge">
+      <a:bevelT w="8200" h="38100"/>
+    </dgm:sp3d>
+    <dgm:txPr/>
+    <dgm:style>
+      <a:lnRef idx="0">
+        <a:scrgbClr r="0" g="0" b="0"/>
+      </a:lnRef>
+      <a:fillRef idx="2">
+        <a:scrgbClr r="0" g="0" b="0"/>
+      </a:fillRef>
+      <a:effectRef idx="1">
+        <a:scrgbClr r="0" g="0" b="0"/>
+      </a:effectRef>
+      <a:fontRef idx="minor">
+        <a:schemeClr val="dk1"/>
+      </a:fontRef>
+    </dgm:style>
+  </dgm:styleLbl>
+  <dgm:styleLbl name="lnNode1">
+    <dgm:scene3d>
+      <a:camera prst="orthographicFront"/>
+      <a:lightRig rig="flat" dir="t"/>
+    </dgm:scene3d>
+    <dgm:sp3d prstMaterial="dkEdge">
+      <a:bevelT w="8200" h="38100"/>
+    </dgm:sp3d>
+    <dgm:txPr/>
+    <dgm:style>
+      <a:lnRef idx="1">
+        <a:scrgbClr r="0" g="0" b="0"/>
+      </a:lnRef>
+      <a:fillRef idx="2">
+        <a:scrgbClr r="0" g="0" b="0"/>
+      </a:fillRef>
+      <a:effectRef idx="0">
+        <a:scrgbClr r="0" g="0" b="0"/>
+      </a:effectRef>
+      <a:fontRef idx="minor">
+        <a:schemeClr val="dk1"/>
+      </a:fontRef>
+    </dgm:style>
+  </dgm:styleLbl>
+  <dgm:styleLbl name="vennNode1">
+    <dgm:scene3d>
+      <a:camera prst="orthographicFront"/>
+      <a:lightRig rig="flat" dir="t"/>
+    </dgm:scene3d>
+    <dgm:sp3d prstMaterial="dkEdge">
+      <a:bevelT w="8200" h="38100"/>
+    </dgm:sp3d>
+    <dgm:txPr/>
+    <dgm:style>
+      <a:lnRef idx="0">
+        <a:scrgbClr r="0" g="0" b="0"/>
+      </a:lnRef>
+      <a:fillRef idx="2">
+        <a:scrgbClr r="0" g="0" b="0"/>
+      </a:fillRef>
+      <a:effectRef idx="0">
+        <a:scrgbClr r="0" g="0" b="0"/>
+      </a:effectRef>
+      <a:fontRef idx="minor">
+        <a:schemeClr val="tx1"/>
+      </a:fontRef>
+    </dgm:style>
+  </dgm:styleLbl>
+  <dgm:styleLbl name="alignNode1">
+    <dgm:scene3d>
+      <a:camera prst="orthographicFront"/>
+      <a:lightRig rig="threePt" dir="t"/>
+    </dgm:scene3d>
+    <dgm:sp3d/>
+    <dgm:txPr/>
+    <dgm:style>
+      <a:lnRef idx="1">
+        <a:scrgbClr r="0" g="0" b="0"/>
+      </a:lnRef>
+      <a:fillRef idx="2">
+        <a:scrgbClr r="0" g="0" b="0"/>
+      </a:fillRef>
+      <a:effectRef idx="1">
+        <a:scrgbClr r="0" g="0" b="0"/>
+      </a:effectRef>
+      <a:fontRef idx="minor">
+        <a:schemeClr val="dk1"/>
+      </a:fontRef>
+    </dgm:style>
+  </dgm:styleLbl>
+  <dgm:styleLbl name="node1">
+    <dgm:scene3d>
+      <a:camera prst="orthographicFront"/>
+      <a:lightRig rig="flat" dir="t"/>
+    </dgm:scene3d>
+    <dgm:sp3d prstMaterial="dkEdge">
+      <a:bevelT w="8200" h="38100"/>
+    </dgm:sp3d>
+    <dgm:txPr/>
+    <dgm:style>
+      <a:lnRef idx="0">
+        <a:scrgbClr r="0" g="0" b="0"/>
+      </a:lnRef>
+      <a:fillRef idx="2">
+        <a:scrgbClr r="0" g="0" b="0"/>
+      </a:fillRef>
+      <a:effectRef idx="1">
+        <a:scrgbClr r="0" g="0" b="0"/>
+      </a:effectRef>
+      <a:fontRef idx="minor">
+        <a:schemeClr val="dk1"/>
+      </a:fontRef>
+    </dgm:style>
+  </dgm:styleLbl>
+  <dgm:styleLbl name="node2">
+    <dgm:scene3d>
+      <a:camera prst="orthographicFront"/>
+      <a:lightRig rig="flat" dir="t"/>
+    </dgm:scene3d>
+    <dgm:sp3d prstMaterial="dkEdge">
+      <a:bevelT w="8200" h="38100"/>
+    </dgm:sp3d>
+    <dgm:txPr/>
+    <dgm:style>
+      <a:lnRef idx="0">
+        <a:scrgbClr r="0" g="0" b="0"/>
+      </a:lnRef>
+      <a:fillRef idx="2">
+        <a:scrgbClr r="0" g="0" b="0"/>
+      </a:fillRef>
+      <a:effectRef idx="1">
+        <a:scrgbClr r="0" g="0" b="0"/>
+      </a:effectRef>
+      <a:fontRef idx="minor">
+        <a:schemeClr val="dk1"/>
+      </a:fontRef>
+    </dgm:style>
+  </dgm:styleLbl>
+  <dgm:styleLbl name="node3">
+    <dgm:scene3d>
+      <a:camera prst="orthographicFront"/>
+      <a:lightRig rig="flat" dir="t"/>
+    </dgm:scene3d>
+    <dgm:sp3d prstMaterial="dkEdge">
+      <a:bevelT w="8200" h="38100"/>
+    </dgm:sp3d>
+    <dgm:txPr/>
+    <dgm:style>
+      <a:lnRef idx="0">
+        <a:scrgbClr r="0" g="0" b="0"/>
+      </a:lnRef>
+      <a:fillRef idx="2">
+        <a:scrgbClr r="0" g="0" b="0"/>
+      </a:fillRef>
+      <a:effectRef idx="1">
+        <a:scrgbClr r="0" g="0" b="0"/>
+      </a:effectRef>
+      <a:fontRef idx="minor">
+        <a:schemeClr val="dk1"/>
+      </a:fontRef>
+    </dgm:style>
+  </dgm:styleLbl>
+  <dgm:styleLbl name="node4">
+    <dgm:scene3d>
+      <a:camera prst="orthographicFront"/>
+      <a:lightRig rig="flat" dir="t"/>
+    </dgm:scene3d>
+    <dgm:sp3d prstMaterial="dkEdge">
+      <a:bevelT w="8200" h="38100"/>
+    </dgm:sp3d>
+    <dgm:txPr/>
+    <dgm:style>
+      <a:lnRef idx="0">
+        <a:scrgbClr r="0" g="0" b="0"/>
+      </a:lnRef>
+      <a:fillRef idx="2">
+        <a:scrgbClr r="0" g="0" b="0"/>
+      </a:fillRef>
+      <a:effectRef idx="1">
+        <a:scrgbClr r="0" g="0" b="0"/>
+      </a:effectRef>
+      <a:fontRef idx="minor">
+        <a:schemeClr val="dk1"/>
+      </a:fontRef>
+    </dgm:style>
+  </dgm:styleLbl>
+  <dgm:styleLbl name="fgImgPlace1">
+    <dgm:scene3d>
+      <a:camera prst="orthographicFront"/>
+      <a:lightRig rig="threePt" dir="t"/>
+    </dgm:scene3d>
+    <dgm:sp3d/>
+    <dgm:txPr/>
+    <dgm:style>
+      <a:lnRef idx="1">
+        <a:scrgbClr r="0" g="0" b="0"/>
+      </a:lnRef>
+      <a:fillRef idx="1">
+        <a:scrgbClr r="0" g="0" b="0"/>
+      </a:fillRef>
+      <a:effectRef idx="1">
+        <a:scrgbClr r="0" g="0" b="0"/>
+      </a:effectRef>
+      <a:fontRef idx="minor"/>
+    </dgm:style>
+  </dgm:styleLbl>
+  <dgm:styleLbl name="alignImgPlace1">
+    <dgm:scene3d>
+      <a:camera prst="orthographicFront"/>
+      <a:lightRig rig="threePt" dir="t"/>
+    </dgm:scene3d>
+    <dgm:sp3d/>
+    <dgm:txPr/>
+    <dgm:style>
+      <a:lnRef idx="1">
+        <a:scrgbClr r="0" g="0" b="0"/>
+      </a:lnRef>
+      <a:fillRef idx="1">
+        <a:scrgbClr r="0" g="0" b="0"/>
+      </a:fillRef>
+      <a:effectRef idx="1">
+        <a:scrgbClr r="0" g="0" b="0"/>
+      </a:effectRef>
+      <a:fontRef idx="minor"/>
+    </dgm:style>
+  </dgm:styleLbl>
+  <dgm:styleLbl name="bgImgPlace1">
+    <dgm:scene3d>
+      <a:camera prst="orthographicFront"/>
+      <a:lightRig rig="threePt" dir="t"/>
+    </dgm:scene3d>
+    <dgm:sp3d/>
+    <dgm:txPr/>
+    <dgm:style>
+      <a:lnRef idx="1">
+        <a:scrgbClr r="0" g="0" b="0"/>
+      </a:lnRef>
+      <a:fillRef idx="1">
+        <a:scrgbClr r="0" g="0" b="0"/>
+      </a:fillRef>
+      <a:effectRef idx="1">
+        <a:scrgbClr r="0" g="0" b="0"/>
+      </a:effectRef>
+      <a:fontRef idx="minor"/>
+    </dgm:style>
+  </dgm:styleLbl>
+  <dgm:styleLbl name="sibTrans2D1">
+    <dgm:scene3d>
+      <a:camera prst="orthographicFront"/>
+      <a:lightRig rig="threePt" dir="t"/>
+    </dgm:scene3d>
+    <dgm:sp3d/>
+    <dgm:txPr/>
+    <dgm:style>
+      <a:lnRef idx="0">
+        <a:scrgbClr r="0" g="0" b="0"/>
+      </a:lnRef>
+      <a:fillRef idx="2">
+        <a:scrgbClr r="0" g="0" b="0"/>
+      </a:fillRef>
+      <a:effectRef idx="1">
+        <a:scrgbClr r="0" g="0" b="0"/>
+      </a:effectRef>
+      <a:fontRef idx="minor">
+        <a:schemeClr val="dk1"/>
+      </a:fontRef>
+    </dgm:style>
+  </dgm:styleLbl>
+  <dgm:styleLbl name="fgSibTrans2D1">
+    <dgm:scene3d>
+      <a:camera prst="orthographicFront"/>
+      <a:lightRig rig="threePt" dir="t"/>
+    </dgm:scene3d>
+    <dgm:sp3d/>
+    <dgm:txPr/>
+    <dgm:style>
+      <a:lnRef idx="0">
+        <a:scrgbClr r="0" g="0" b="0"/>
+      </a:lnRef>
+      <a:fillRef idx="2">
+        <a:scrgbClr r="0" g="0" b="0"/>
+      </a:fillRef>
+      <a:effectRef idx="1">
+        <a:scrgbClr r="0" g="0" b="0"/>
+      </a:effectRef>
+      <a:fontRef idx="minor">
+        <a:schemeClr val="dk1"/>
+      </a:fontRef>
+    </dgm:style>
+  </dgm:styleLbl>
+  <dgm:styleLbl name="bgSibTrans2D1">
+    <dgm:scene3d>
+      <a:camera prst="orthographicFront"/>
+      <a:lightRig rig="threePt" dir="t"/>
+    </dgm:scene3d>
+    <dgm:sp3d/>
+    <dgm:txPr/>
+    <dgm:style>
+      <a:lnRef idx="0">
+        <a:scrgbClr r="0" g="0" b="0"/>
+      </a:lnRef>
+      <a:fillRef idx="2">
+        <a:scrgbClr r="0" g="0" b="0"/>
+      </a:fillRef>
+      <a:effectRef idx="1">
+        <a:scrgbClr r="0" g="0" b="0"/>
+      </a:effectRef>
+      <a:fontRef idx="minor">
+        <a:schemeClr val="dk1"/>
+      </a:fontRef>
+    </dgm:style>
+  </dgm:styleLbl>
+  <dgm:styleLbl name="sibTrans1D1">
+    <dgm:scene3d>
+      <a:camera prst="orthographicFront"/>
+      <a:lightRig rig="threePt" dir="t"/>
+    </dgm:scene3d>
+    <dgm:sp3d/>
+    <dgm:txPr/>
+    <dgm:style>
+      <a:lnRef idx="1">
+        <a:scrgbClr r="0" g="0" b="0"/>
+      </a:lnRef>
+      <a:fillRef idx="0">
+        <a:scrgbClr r="0" g="0" b="0"/>
+      </a:fillRef>
+      <a:effectRef idx="0">
+        <a:scrgbClr r="0" g="0" b="0"/>
+      </a:effectRef>
+      <a:fontRef idx="minor"/>
+    </dgm:style>
+  </dgm:styleLbl>
+  <dgm:styleLbl name="callout">
+    <dgm:scene3d>
+      <a:camera prst="orthographicFront"/>
+      <a:lightRig rig="threePt" dir="t"/>
+    </dgm:scene3d>
+    <dgm:sp3d/>
+    <dgm:txPr/>
+    <dgm:style>
+      <a:lnRef idx="1">
+        <a:scrgbClr r="0" g="0" b="0"/>
+      </a:lnRef>
+      <a:fillRef idx="2">
+        <a:scrgbClr r="0" g="0" b="0"/>
+      </a:fillRef>
+      <a:effectRef idx="1">
+        <a:scrgbClr r="0" g="0" b="0"/>
+      </a:effectRef>
+      <a:fontRef idx="minor"/>
+    </dgm:style>
+  </dgm:styleLbl>
+  <dgm:styleLbl name="asst0">
+    <dgm:scene3d>
+      <a:camera prst="orthographicFront"/>
+      <a:lightRig rig="flat" dir="t"/>
+    </dgm:scene3d>
+    <dgm:sp3d prstMaterial="dkEdge">
+      <a:bevelT w="8200" h="38100"/>
+    </dgm:sp3d>
+    <dgm:txPr/>
+    <dgm:style>
+      <a:lnRef idx="0">
+        <a:scrgbClr r="0" g="0" b="0"/>
+      </a:lnRef>
+      <a:fillRef idx="2">
+        <a:scrgbClr r="0" g="0" b="0"/>
+      </a:fillRef>
+      <a:effectRef idx="1">
+        <a:scrgbClr r="0" g="0" b="0"/>
+      </a:effectRef>
+      <a:fontRef idx="minor">
+        <a:schemeClr val="dk1"/>
+      </a:fontRef>
+    </dgm:style>
+  </dgm:styleLbl>
+  <dgm:styleLbl name="asst1">
+    <dgm:scene3d>
+      <a:camera prst="orthographicFront"/>
+      <a:lightRig rig="flat" dir="t"/>
+    </dgm:scene3d>
+    <dgm:sp3d prstMaterial="dkEdge">
+      <a:bevelT w="8200" h="38100"/>
+    </dgm:sp3d>
+    <dgm:txPr/>
+    <dgm:style>
+      <a:lnRef idx="0">
+        <a:scrgbClr r="0" g="0" b="0"/>
+      </a:lnRef>
+      <a:fillRef idx="2">
+        <a:scrgbClr r="0" g="0" b="0"/>
+      </a:fillRef>
+      <a:effectRef idx="1">
+        <a:scrgbClr r="0" g="0" b="0"/>
+      </a:effectRef>
+      <a:fontRef idx="minor">
+        <a:schemeClr val="dk1"/>
+      </a:fontRef>
+    </dgm:style>
+  </dgm:styleLbl>
+  <dgm:styleLbl name="asst2">
+    <dgm:scene3d>
+      <a:camera prst="orthographicFront"/>
+      <a:lightRig rig="flat" dir="t"/>
+    </dgm:scene3d>
+    <dgm:sp3d prstMaterial="dkEdge">
+      <a:bevelT w="8200" h="38100"/>
+    </dgm:sp3d>
+    <dgm:txPr/>
+    <dgm:style>
+      <a:lnRef idx="0">
+        <a:scrgbClr r="0" g="0" b="0"/>
+      </a:lnRef>
+      <a:fillRef idx="2">
+        <a:scrgbClr r="0" g="0" b="0"/>
+      </a:fillRef>
+      <a:effectRef idx="1">
+        <a:scrgbClr r="0" g="0" b="0"/>
+      </a:effectRef>
+      <a:fontRef idx="minor">
+        <a:schemeClr val="dk1"/>
+      </a:fontRef>
+    </dgm:style>
+  </dgm:styleLbl>
+  <dgm:styleLbl name="asst3">
+    <dgm:scene3d>
+      <a:camera prst="orthographicFront"/>
+      <a:lightRig rig="flat" dir="t"/>
+    </dgm:scene3d>
+    <dgm:sp3d prstMaterial="dkEdge">
+      <a:bevelT w="8200" h="38100"/>
+    </dgm:sp3d>
+    <dgm:txPr/>
+    <dgm:style>
+      <a:lnRef idx="0">
+        <a:scrgbClr r="0" g="0" b="0"/>
+      </a:lnRef>
+      <a:fillRef idx="2">
+        <a:scrgbClr r="0" g="0" b="0"/>
+      </a:fillRef>
+      <a:effectRef idx="1">
+        <a:scrgbClr r="0" g="0" b="0"/>
+      </a:effectRef>
+      <a:fontRef idx="minor">
+        <a:schemeClr val="dk1"/>
+      </a:fontRef>
+    </dgm:style>
+  </dgm:styleLbl>
+  <dgm:styleLbl name="asst4">
+    <dgm:scene3d>
+      <a:camera prst="orthographicFront"/>
+      <a:lightRig rig="flat" dir="t"/>
+    </dgm:scene3d>
+    <dgm:sp3d prstMaterial="dkEdge">
+      <a:bevelT w="8200" h="38100"/>
+    </dgm:sp3d>
+    <dgm:txPr/>
+    <dgm:style>
+      <a:lnRef idx="0">
+        <a:scrgbClr r="0" g="0" b="0"/>
+      </a:lnRef>
+      <a:fillRef idx="2">
+        <a:scrgbClr r="0" g="0" b="0"/>
+      </a:fillRef>
+      <a:effectRef idx="1">
+        <a:scrgbClr r="0" g="0" b="0"/>
+      </a:effectRef>
+      <a:fontRef idx="minor">
+        <a:schemeClr val="dk1"/>
+      </a:fontRef>
+    </dgm:style>
+  </dgm:styleLbl>
+  <dgm:styleLbl name="parChTrans2D1">
+    <dgm:scene3d>
+      <a:camera prst="orthographicFront"/>
+      <a:lightRig rig="threePt" dir="t"/>
+    </dgm:scene3d>
+    <dgm:sp3d/>
+    <dgm:txPr/>
+    <dgm:style>
+      <a:lnRef idx="1">
+        <a:scrgbClr r="0" g="0" b="0"/>
+      </a:lnRef>
+      <a:fillRef idx="2">
+        <a:scrgbClr r="0" g="0" b="0"/>
+      </a:fillRef>
+      <a:effectRef idx="1">
+        <a:scrgbClr r="0" g="0" b="0"/>
+      </a:effectRef>
+      <a:fontRef idx="minor">
+        <a:schemeClr val="dk1"/>
+      </a:fontRef>
+    </dgm:style>
+  </dgm:styleLbl>
+  <dgm:styleLbl name="parChTrans2D2">
+    <dgm:scene3d>
+      <a:camera prst="orthographicFront"/>
+      <a:lightRig rig="threePt" dir="t"/>
+    </dgm:scene3d>
+    <dgm:sp3d/>
+    <dgm:txPr/>
+    <dgm:style>
+      <a:lnRef idx="1">
+        <a:scrgbClr r="0" g="0" b="0"/>
+      </a:lnRef>
+      <a:fillRef idx="2">
+        <a:scrgbClr r="0" g="0" b="0"/>
+      </a:fillRef>
+      <a:effectRef idx="1">
+        <a:scrgbClr r="0" g="0" b="0"/>
+      </a:effectRef>
+      <a:fontRef idx="minor">
+        <a:schemeClr val="dk1"/>
+      </a:fontRef>
+    </dgm:style>
+  </dgm:styleLbl>
+  <dgm:styleLbl name="parChTrans2D3">
+    <dgm:scene3d>
+      <a:camera prst="orthographicFront"/>
+      <a:lightRig rig="threePt" dir="t"/>
+    </dgm:scene3d>
+    <dgm:sp3d/>
+    <dgm:txPr/>
+    <dgm:style>
+      <a:lnRef idx="1">
+        <a:scrgbClr r="0" g="0" b="0"/>
+      </a:lnRef>
+      <a:fillRef idx="2">
+        <a:scrgbClr r="0" g="0" b="0"/>
+      </a:fillRef>
+      <a:effectRef idx="1">
+        <a:scrgbClr r="0" g="0" b="0"/>
+      </a:effectRef>
+      <a:fontRef idx="minor">
+        <a:schemeClr val="dk1"/>
+      </a:fontRef>
+    </dgm:style>
+  </dgm:styleLbl>
+  <dgm:styleLbl name="parChTrans2D4">
+    <dgm:scene3d>
+      <a:camera prst="orthographicFront"/>
+      <a:lightRig rig="threePt" dir="t"/>
+    </dgm:scene3d>
+    <dgm:sp3d/>
+    <dgm:txPr/>
+    <dgm:style>
+      <a:lnRef idx="1">
+        <a:scrgbClr r="0" g="0" b="0"/>
+      </a:lnRef>
+      <a:fillRef idx="2">
+        <a:scrgbClr r="0" g="0" b="0"/>
+      </a:fillRef>
+      <a:effectRef idx="1">
+        <a:scrgbClr r="0" g="0" b="0"/>
+      </a:effectRef>
+      <a:fontRef idx="minor">
+        <a:schemeClr val="dk1"/>
+      </a:fontRef>
+    </dgm:style>
+  </dgm:styleLbl>
+  <dgm:styleLbl name="parChTrans1D1">
+    <dgm:scene3d>
+      <a:camera prst="orthographicFront"/>
+      <a:lightRig rig="threePt" dir="t"/>
+    </dgm:scene3d>
+    <dgm:sp3d/>
+    <dgm:txPr/>
+    <dgm:style>
+      <a:lnRef idx="2">
+        <a:scrgbClr r="0" g="0" b="0"/>
+      </a:lnRef>
+      <a:fillRef idx="0">
+        <a:scrgbClr r="0" g="0" b="0"/>
+      </a:fillRef>
+      <a:effectRef idx="0">
+        <a:scrgbClr r="0" g="0" b="0"/>
+      </a:effectRef>
+      <a:fontRef idx="minor"/>
+    </dgm:style>
+  </dgm:styleLbl>
+  <dgm:styleLbl name="parChTrans1D2">
+    <dgm:scene3d>
+      <a:camera prst="orthographicFront"/>
+      <a:lightRig rig="threePt" dir="t"/>
+    </dgm:scene3d>
+    <dgm:sp3d/>
+    <dgm:txPr/>
+    <dgm:style>
+      <a:lnRef idx="2">
+        <a:scrgbClr r="0" g="0" b="0"/>
+      </a:lnRef>
+      <a:fillRef idx="0">
+        <a:scrgbClr r="0" g="0" b="0"/>
+      </a:fillRef>
+      <a:effectRef idx="0">
+        <a:scrgbClr r="0" g="0" b="0"/>
+      </a:effectRef>
+      <a:fontRef idx="minor"/>
+    </dgm:style>
+  </dgm:styleLbl>
+  <dgm:styleLbl name="parChTrans1D3">
+    <dgm:scene3d>
+      <a:camera prst="orthographicFront"/>
+      <a:lightRig rig="threePt" dir="t"/>
+    </dgm:scene3d>
+    <dgm:sp3d/>
+    <dgm:txPr/>
+    <dgm:style>
+      <a:lnRef idx="2">
+        <a:scrgbClr r="0" g="0" b="0"/>
+      </a:lnRef>
+      <a:fillRef idx="0">
+        <a:scrgbClr r="0" g="0" b="0"/>
+      </a:fillRef>
+      <a:effectRef idx="0">
+        <a:scrgbClr r="0" g="0" b="0"/>
+      </a:effectRef>
+      <a:fontRef idx="minor"/>
+    </dgm:style>
+  </dgm:styleLbl>
+  <dgm:styleLbl name="parChTrans1D4">
+    <dgm:scene3d>
+      <a:camera prst="orthographicFront"/>
+      <a:lightRig rig="threePt" dir="t"/>
+    </dgm:scene3d>
+    <dgm:sp3d/>
+    <dgm:txPr/>
+    <dgm:style>
+      <a:lnRef idx="2">
+        <a:scrgbClr r="0" g="0" b="0"/>
+      </a:lnRef>
+      <a:fillRef idx="0">
+        <a:scrgbClr r="0" g="0" b="0"/>
+      </a:fillRef>
+      <a:effectRef idx="0">
+        <a:scrgbClr r="0" g="0" b="0"/>
+      </a:effectRef>
+      <a:fontRef idx="minor"/>
+    </dgm:style>
+  </dgm:styleLbl>
+  <dgm:styleLbl name="fgAcc1">
+    <dgm:scene3d>
+      <a:camera prst="orthographicFront"/>
+      <a:lightRig rig="threePt" dir="t"/>
+    </dgm:scene3d>
+    <dgm:sp3d/>
+    <dgm:txPr/>
+    <dgm:style>
+      <a:lnRef idx="1">
+        <a:scrgbClr r="0" g="0" b="0"/>
+      </a:lnRef>
+      <a:fillRef idx="1">
+        <a:scrgbClr r="0" g="0" b="0"/>
+      </a:fillRef>
+      <a:effectRef idx="0">
+        <a:scrgbClr r="0" g="0" b="0"/>
+      </a:effectRef>
+      <a:fontRef idx="minor"/>
+    </dgm:style>
+  </dgm:styleLbl>
+  <dgm:styleLbl name="conFgAcc1">
+    <dgm:scene3d>
+      <a:camera prst="orthographicFront"/>
+      <a:lightRig rig="threePt" dir="t"/>
+    </dgm:scene3d>
+    <dgm:sp3d/>
+    <dgm:txPr/>
+    <dgm:style>
+      <a:lnRef idx="1">
+        <a:scrgbClr r="0" g="0" b="0"/>
+      </a:lnRef>
+      <a:fillRef idx="1">
+        <a:scrgbClr r="0" g="0" b="0"/>
+      </a:fillRef>
+      <a:effectRef idx="0">
+        <a:scrgbClr r="0" g="0" b="0"/>
+      </a:effectRef>
+      <a:fontRef idx="minor"/>
+    </dgm:style>
+  </dgm:styleLbl>
+  <dgm:styleLbl name="alignAcc1">
+    <dgm:scene3d>
+      <a:camera prst="orthographicFront"/>
+      <a:lightRig rig="threePt" dir="t"/>
+    </dgm:scene3d>
+    <dgm:sp3d/>
+    <dgm:txPr/>
+    <dgm:style>
+      <a:lnRef idx="1">
+        <a:scrgbClr r="0" g="0" b="0"/>
+      </a:lnRef>
+      <a:fillRef idx="1">
+        <a:scrgbClr r="0" g="0" b="0"/>
+      </a:fillRef>
+      <a:effectRef idx="0">
+        <a:scrgbClr r="0" g="0" b="0"/>
+      </a:effectRef>
+      <a:fontRef idx="minor"/>
+    </dgm:style>
+  </dgm:styleLbl>
+  <dgm:styleLbl name="trAlignAcc1">
+    <dgm:scene3d>
+      <a:camera prst="orthographicFront"/>
+      <a:lightRig rig="threePt" dir="t"/>
+    </dgm:scene3d>
+    <dgm:sp3d/>
+    <dgm:txPr/>
+    <dgm:style>
+      <a:lnRef idx="1">
+        <a:scrgbClr r="0" g="0" b="0"/>
+      </a:lnRef>
+      <a:fillRef idx="1">
+        <a:scrgbClr r="0" g="0" b="0"/>
+      </a:fillRef>
+      <a:effectRef idx="0">
+        <a:scrgbClr r="0" g="0" b="0"/>
+      </a:effectRef>
+      <a:fontRef idx="minor"/>
+    </dgm:style>
+  </dgm:styleLbl>
+  <dgm:styleLbl name="bgAcc1">
+    <dgm:scene3d>
+      <a:camera prst="orthographicFront"/>
+      <a:lightRig rig="threePt" dir="t"/>
+    </dgm:scene3d>
+    <dgm:sp3d/>
+    <dgm:txPr/>
+    <dgm:style>
+      <a:lnRef idx="1">
+        <a:scrgbClr r="0" g="0" b="0"/>
+      </a:lnRef>
+      <a:fillRef idx="1">
+        <a:scrgbClr r="0" g="0" b="0"/>
+      </a:fillRef>
+      <a:effectRef idx="0">
+        <a:scrgbClr r="0" g="0" b="0"/>
+      </a:effectRef>
+      <a:fontRef idx="minor"/>
+    </dgm:style>
+  </dgm:styleLbl>
+  <dgm:styleLbl name="solidFgAcc1">
+    <dgm:scene3d>
+      <a:camera prst="orthographicFront"/>
+      <a:lightRig rig="threePt" dir="t"/>
+    </dgm:scene3d>
+    <dgm:sp3d/>
+    <dgm:txPr/>
+    <dgm:style>
+      <a:lnRef idx="1">
+        <a:scrgbClr r="0" g="0" b="0"/>
+      </a:lnRef>
+      <a:fillRef idx="2">
+        <a:scrgbClr r="0" g="0" b="0"/>
+      </a:fillRef>
+      <a:effectRef idx="0">
+        <a:scrgbClr r="0" g="0" b="0"/>
+      </a:effectRef>
+      <a:fontRef idx="minor"/>
+    </dgm:style>
+  </dgm:styleLbl>
+  <dgm:styleLbl name="solidAlignAcc1">
+    <dgm:scene3d>
+      <a:camera prst="orthographicFront"/>
+      <a:lightRig rig="threePt" dir="t"/>
+    </dgm:scene3d>
+    <dgm:sp3d/>
+    <dgm:txPr/>
+    <dgm:style>
+      <a:lnRef idx="1">
+        <a:scrgbClr r="0" g="0" b="0"/>
+      </a:lnRef>
+      <a:fillRef idx="1">
+        <a:scrgbClr r="0" g="0" b="0"/>
+      </a:fillRef>
+      <a:effectRef idx="0">
+        <a:scrgbClr r="0" g="0" b="0"/>
+      </a:effectRef>
+      <a:fontRef idx="minor"/>
+    </dgm:style>
+  </dgm:styleLbl>
+  <dgm:styleLbl name="solidBgAcc1">
+    <dgm:scene3d>
+      <a:camera prst="orthographicFront"/>
+      <a:lightRig rig="threePt" dir="t"/>
+    </dgm:scene3d>
+    <dgm:sp3d/>
+    <dgm:txPr/>
+    <dgm:style>
+      <a:lnRef idx="1">
+        <a:scrgbClr r="0" g="0" b="0"/>
+      </a:lnRef>
+      <a:fillRef idx="1">
+        <a:scrgbClr r="0" g="0" b="0"/>
+      </a:fillRef>
+      <a:effectRef idx="0">
+        <a:scrgbClr r="0" g="0" b="0"/>
+      </a:effectRef>
+      <a:fontRef idx="minor"/>
+    </dgm:style>
+  </dgm:styleLbl>
+  <dgm:styleLbl name="fgAccFollowNode1">
+    <dgm:scene3d>
+      <a:camera prst="orthographicFront"/>
+      <a:lightRig rig="threePt" dir="t"/>
+    </dgm:scene3d>
+    <dgm:sp3d/>
+    <dgm:txPr/>
+    <dgm:style>
+      <a:lnRef idx="1">
+        <a:scrgbClr r="0" g="0" b="0"/>
+      </a:lnRef>
+      <a:fillRef idx="1">
+        <a:scrgbClr r="0" g="0" b="0"/>
+      </a:fillRef>
+      <a:effectRef idx="0">
+        <a:scrgbClr r="0" g="0" b="0"/>
+      </a:effectRef>
+      <a:fontRef idx="minor"/>
+    </dgm:style>
+  </dgm:styleLbl>
+  <dgm:styleLbl name="alignAccFollowNode1">
+    <dgm:scene3d>
+      <a:camera prst="orthographicFront"/>
+      <a:lightRig rig="threePt" dir="t"/>
+    </dgm:scene3d>
+    <dgm:sp3d/>
+    <dgm:txPr/>
+    <dgm:style>
+      <a:lnRef idx="1">
+        <a:scrgbClr r="0" g="0" b="0"/>
+      </a:lnRef>
+      <a:fillRef idx="1">
+        <a:scrgbClr r="0" g="0" b="0"/>
+      </a:fillRef>
+      <a:effectRef idx="0">
+        <a:scrgbClr r="0" g="0" b="0"/>
+      </a:effectRef>
+      <a:fontRef idx="minor"/>
+    </dgm:style>
+  </dgm:styleLbl>
+  <dgm:styleLbl name="bgAccFollowNode1">
+    <dgm:scene3d>
+      <a:camera prst="orthographicFront"/>
+      <a:lightRig rig="threePt" dir="t"/>
+    </dgm:scene3d>
+    <dgm:sp3d/>
+    <dgm:txPr/>
+    <dgm:style>
+      <a:lnRef idx="1">
+        <a:scrgbClr r="0" g="0" b="0"/>
+      </a:lnRef>
+      <a:fillRef idx="1">
+        <a:scrgbClr r="0" g="0" b="0"/>
+      </a:fillRef>
+      <a:effectRef idx="0">
+        <a:scrgbClr r="0" g="0" b="0"/>
+      </a:effectRef>
+      <a:fontRef idx="minor"/>
+    </dgm:style>
+  </dgm:styleLbl>
+  <dgm:styleLbl name="fgAcc0">
+    <dgm:scene3d>
+      <a:camera prst="orthographicFront"/>
+      <a:lightRig rig="threePt" dir="t"/>
+    </dgm:scene3d>
+    <dgm:sp3d/>
+    <dgm:txPr/>
+    <dgm:style>
+      <a:lnRef idx="1">
+        <a:scrgbClr r="0" g="0" b="0"/>
+      </a:lnRef>
+      <a:fillRef idx="1">
+        <a:scrgbClr r="0" g="0" b="0"/>
+      </a:fillRef>
+      <a:effectRef idx="0">
+        <a:scrgbClr r="0" g="0" b="0"/>
+      </a:effectRef>
+      <a:fontRef idx="minor"/>
+    </dgm:style>
+  </dgm:styleLbl>
+  <dgm:styleLbl name="fgAcc2">
+    <dgm:scene3d>
+      <a:camera prst="orthographicFront"/>
+      <a:lightRig rig="threePt" dir="t"/>
+    </dgm:scene3d>
+    <dgm:sp3d/>
+    <dgm:txPr/>
+    <dgm:style>
+      <a:lnRef idx="1">
+        <a:scrgbClr r="0" g="0" b="0"/>
+      </a:lnRef>
+      <a:fillRef idx="1">
+        <a:scrgbClr r="0" g="0" b="0"/>
+      </a:fillRef>
+      <a:effectRef idx="0">
+        <a:scrgbClr r="0" g="0" b="0"/>
+      </a:effectRef>
+      <a:fontRef idx="minor"/>
+    </dgm:style>
+  </dgm:styleLbl>
+  <dgm:styleLbl name="fgAcc3">
+    <dgm:scene3d>
+      <a:camera prst="orthographicFront"/>
+      <a:lightRig rig="threePt" dir="t"/>
+    </dgm:scene3d>
+    <dgm:sp3d/>
+    <dgm:txPr/>
+    <dgm:style>
+      <a:lnRef idx="1">
+        <a:scrgbClr r="0" g="0" b="0"/>
+      </a:lnRef>
+      <a:fillRef idx="1">
+        <a:scrgbClr r="0" g="0" b="0"/>
+      </a:fillRef>
+      <a:effectRef idx="0">
+        <a:scrgbClr r="0" g="0" b="0"/>
+      </a:effectRef>
+      <a:fontRef idx="minor"/>
+    </dgm:style>
+  </dgm:styleLbl>
+  <dgm:styleLbl name="fgAcc4">
+    <dgm:scene3d>
+      <a:camera prst="orthographicFront"/>
+      <a:lightRig rig="threePt" dir="t"/>
+    </dgm:scene3d>
+    <dgm:sp3d/>
+    <dgm:txPr/>
+    <dgm:style>
+      <a:lnRef idx="1">
+        <a:scrgbClr r="0" g="0" b="0"/>
+      </a:lnRef>
+      <a:fillRef idx="1">
+        <a:scrgbClr r="0" g="0" b="0"/>
+      </a:fillRef>
+      <a:effectRef idx="0">
+        <a:scrgbClr r="0" g="0" b="0"/>
+      </a:effectRef>
+      <a:fontRef idx="minor"/>
+    </dgm:style>
+  </dgm:styleLbl>
+  <dgm:styleLbl name="bgShp">
+    <dgm:scene3d>
+      <a:camera prst="orthographicFront"/>
+      <a:lightRig rig="threePt" dir="t"/>
+    </dgm:scene3d>
+    <dgm:sp3d/>
+    <dgm:txPr/>
+    <dgm:style>
+      <a:lnRef idx="0">
+        <a:scrgbClr r="0" g="0" b="0"/>
+      </a:lnRef>
+      <a:fillRef idx="1">
+        <a:scrgbClr r="0" g="0" b="0"/>
+      </a:fillRef>
+      <a:effectRef idx="1">
+        <a:scrgbClr r="0" g="0" b="0"/>
+      </a:effectRef>
+      <a:fontRef idx="minor"/>
+    </dgm:style>
+  </dgm:styleLbl>
+  <dgm:styleLbl name="dkBgShp">
+    <dgm:scene3d>
+      <a:camera prst="orthographicFront"/>
+      <a:lightRig rig="threePt" dir="t"/>
+    </dgm:scene3d>
+    <dgm:sp3d/>
+    <dgm:txPr/>
+    <dgm:style>
+      <a:lnRef idx="0">
+        <a:scrgbClr r="0" g="0" b="0"/>
+      </a:lnRef>
+      <a:fillRef idx="1">
+        <a:scrgbClr r="0" g="0" b="0"/>
+      </a:fillRef>
+      <a:effectRef idx="1">
+        <a:scrgbClr r="0" g="0" b="0"/>
+      </a:effectRef>
+      <a:fontRef idx="minor"/>
+    </dgm:style>
+  </dgm:styleLbl>
+  <dgm:styleLbl name="trBgShp">
+    <dgm:scene3d>
+      <a:camera prst="orthographicFront"/>
+      <a:lightRig rig="threePt" dir="t"/>
+    </dgm:scene3d>
+    <dgm:sp3d/>
+    <dgm:txPr/>
+    <dgm:style>
+      <a:lnRef idx="0">
+        <a:scrgbClr r="0" g="0" b="0"/>
+      </a:lnRef>
+      <a:fillRef idx="1">
+        <a:scrgbClr r="0" g="0" b="0"/>
+      </a:fillRef>
+      <a:effectRef idx="0">
+        <a:scrgbClr r="0" g="0" b="0"/>
+      </a:effectRef>
+      <a:fontRef idx="minor"/>
+    </dgm:style>
+  </dgm:styleLbl>
+  <dgm:styleLbl name="fgShp">
+    <dgm:scene3d>
+      <a:camera prst="orthographicFront"/>
+      <a:lightRig rig="flat" dir="t"/>
+    </dgm:scene3d>
+    <dgm:sp3d prstMaterial="dkEdge">
+      <a:bevelT w="8200" h="38100"/>
+    </dgm:sp3d>
+    <dgm:txPr/>
+    <dgm:style>
+      <a:lnRef idx="1">
+        <a:scrgbClr r="0" g="0" b="0"/>
+      </a:lnRef>
+      <a:fillRef idx="2">
+        <a:scrgbClr r="0" g="0" b="0"/>
+      </a:fillRef>
+      <a:effectRef idx="1">
+        <a:scrgbClr r="0" g="0" b="0"/>
+      </a:effectRef>
+      <a:fontRef idx="minor"/>
+    </dgm:style>
+  </dgm:styleLbl>
+  <dgm:styleLbl name="revTx">
+    <dgm:scene3d>
+      <a:camera prst="orthographicFront"/>
+      <a:lightRig rig="threePt" dir="t"/>
+    </dgm:scene3d>
+    <dgm:sp3d/>
+    <dgm:txPr/>
+    <dgm:style>
+      <a:lnRef idx="0">
+        <a:scrgbClr r="0" g="0" b="0"/>
+      </a:lnRef>
+      <a:fillRef idx="0">
+        <a:scrgbClr r="0" g="0" b="0"/>
+      </a:fillRef>
+      <a:effectRef idx="0">
+        <a:scrgbClr r="0" g="0" b="0"/>
+      </a:effectRef>
+      <a:fontRef idx="minor"/>
+    </dgm:style>
+  </dgm:styleLbl>
+</dgm:styleDef>
 </file>
 
 <file path=ppt/handoutMasters/handoutMaster1.xml><?xml version="1.0" encoding="utf-8"?>
@@ -1666,7 +5519,7 @@
                 <a:ea typeface="맑은 고딕" panose="020B0503020000020004" pitchFamily="50" charset="-127"/>
               </a:rPr>
               <a:pPr eaLnBrk="1" hangingPunct="1"/>
-              <a:t>8</a:t>
+              <a:t>11</a:t>
             </a:fld>
             <a:endParaRPr lang="en-US" altLang="ko-KR" dirty="0" smtClean="0">
               <a:ea typeface="맑은 고딕" panose="020B0503020000020004" pitchFamily="50" charset="-127"/>
@@ -1912,7 +5765,7 @@
                 <a:ea typeface="맑은 고딕" panose="020B0503020000020004" pitchFamily="50" charset="-127"/>
               </a:rPr>
               <a:pPr eaLnBrk="1" hangingPunct="1"/>
-              <a:t>13</a:t>
+              <a:t>16</a:t>
             </a:fld>
             <a:endParaRPr lang="en-US" altLang="ko-KR" dirty="0" smtClean="0">
               <a:ea typeface="맑은 고딕" panose="020B0503020000020004" pitchFamily="50" charset="-127"/>
@@ -3720,14 +7573,14 @@
                 <a:latin typeface="맑은 고딕" panose="020B0503020000020004" pitchFamily="50" charset="-127"/>
                 <a:ea typeface="맑은 고딕" panose="020B0503020000020004" pitchFamily="50" charset="-127"/>
               </a:rPr>
-              <a:t>1.1. </a:t>
+              <a:t>4.3. </a:t>
             </a:r>
             <a:r>
               <a:rPr lang="en-US" altLang="ko-KR" sz="2000" b="1" dirty="0" err="1" smtClean="0">
                 <a:latin typeface="맑은 고딕" panose="020B0503020000020004" pitchFamily="50" charset="-127"/>
                 <a:ea typeface="맑은 고딕" panose="020B0503020000020004" pitchFamily="50" charset="-127"/>
               </a:rPr>
-              <a:t>NetworkAPI</a:t>
+              <a:t>GameServer</a:t>
             </a:r>
             <a:r>
               <a:rPr lang="en-US" altLang="ko-KR" sz="2000" b="1" dirty="0" smtClean="0">
@@ -3741,12 +7594,1301 @@
                 <a:latin typeface="맑은 고딕" panose="020B0503020000020004" pitchFamily="50" charset="-127"/>
                 <a:ea typeface="맑은 고딕" panose="020B0503020000020004" pitchFamily="50" charset="-127"/>
               </a:rPr>
-              <a:t>사용 예</a:t>
+              <a:t>구동</a:t>
             </a:r>
             <a:endParaRPr lang="ko-KR" altLang="en-US" sz="2000" b="1" dirty="0" smtClean="0">
               <a:latin typeface="맑은 고딕" panose="020B0503020000020004" pitchFamily="50" charset="-127"/>
               <a:ea typeface="맑은 고딕" panose="020B0503020000020004" pitchFamily="50" charset="-127"/>
             </a:endParaRPr>
+          </a:p>
+        </p:txBody>
+      </p:sp>
+    </p:spTree>
+    <p:extLst>
+      <p:ext uri="{BB962C8B-B14F-4D97-AF65-F5344CB8AC3E}">
+        <p14:creationId xmlns:p14="http://schemas.microsoft.com/office/powerpoint/2010/main" val="2772600692"/>
+      </p:ext>
+    </p:extLst>
+  </p:cSld>
+  <p:clrMapOvr>
+    <a:masterClrMapping/>
+  </p:clrMapOvr>
+  <p:timing>
+    <p:tnLst>
+      <p:par>
+        <p:cTn id="1" dur="indefinite" restart="never" nodeType="tmRoot"/>
+      </p:par>
+    </p:tnLst>
+  </p:timing>
+</p:sld>
+</file>
+
+<file path=ppt/slides/slide11.xml><?xml version="1.0" encoding="utf-8"?>
+<p:sld xmlns:a="http://schemas.openxmlformats.org/drawingml/2006/main" xmlns:r="http://schemas.openxmlformats.org/officeDocument/2006/relationships" xmlns:p="http://schemas.openxmlformats.org/presentationml/2006/main">
+  <p:cSld>
+    <p:spTree>
+      <p:nvGrpSpPr>
+        <p:cNvPr id="1" name=""/>
+        <p:cNvGrpSpPr/>
+        <p:nvPr/>
+      </p:nvGrpSpPr>
+      <p:grpSpPr>
+        <a:xfrm>
+          <a:off x="0" y="0"/>
+          <a:ext cx="0" cy="0"/>
+          <a:chOff x="0" y="0"/>
+          <a:chExt cx="0" cy="0"/>
+        </a:xfrm>
+      </p:grpSpPr>
+      <p:graphicFrame>
+        <p:nvGraphicFramePr>
+          <p:cNvPr id="9" name="표 8"/>
+          <p:cNvGraphicFramePr>
+            <a:graphicFrameLocks noGrp="1"/>
+          </p:cNvGraphicFramePr>
+          <p:nvPr>
+            <p:extLst/>
+          </p:nvPr>
+        </p:nvGraphicFramePr>
+        <p:xfrm>
+          <a:off x="1" y="33468"/>
+          <a:ext cx="9149227" cy="108012"/>
+        </p:xfrm>
+        <a:graphic>
+          <a:graphicData uri="http://schemas.openxmlformats.org/drawingml/2006/table">
+            <a:tbl>
+              <a:tblPr firstRow="1" bandRow="1">
+                <a:tableStyleId>{5C22544A-7EE6-4342-B048-85BDC9FD1C3A}</a:tableStyleId>
+              </a:tblPr>
+              <a:tblGrid>
+                <a:gridCol w="1650296"/>
+                <a:gridCol w="2460756"/>
+                <a:gridCol w="2726784"/>
+                <a:gridCol w="2311391"/>
+              </a:tblGrid>
+              <a:tr h="108012">
+                <a:tc>
+                  <a:txBody>
+                    <a:bodyPr/>
+                    <a:lstStyle/>
+                    <a:p>
+                      <a:pPr latinLnBrk="1"/>
+                      <a:endParaRPr lang="ko-KR" altLang="en-US" sz="200" dirty="0"/>
+                    </a:p>
+                  </a:txBody>
+                  <a:tcPr marL="84406" marR="84406" marT="34290" marB="34290">
+                    <a:lnL w="12700" cmpd="sng">
+                      <a:noFill/>
+                    </a:lnL>
+                    <a:lnR w="12700" cmpd="sng">
+                      <a:noFill/>
+                    </a:lnR>
+                    <a:lnT w="12700" cmpd="sng">
+                      <a:noFill/>
+                    </a:lnT>
+                    <a:lnB w="38100" cmpd="sng">
+                      <a:noFill/>
+                    </a:lnB>
+                    <a:lnTlToBr w="12700" cmpd="sng">
+                      <a:noFill/>
+                      <a:prstDash val="solid"/>
+                    </a:lnTlToBr>
+                    <a:lnBlToTr w="12700" cmpd="sng">
+                      <a:noFill/>
+                      <a:prstDash val="solid"/>
+                    </a:lnBlToTr>
+                    <a:solidFill>
+                      <a:srgbClr val="8DC63F"/>
+                    </a:solidFill>
+                  </a:tcPr>
+                </a:tc>
+                <a:tc>
+                  <a:txBody>
+                    <a:bodyPr/>
+                    <a:lstStyle/>
+                    <a:p>
+                      <a:pPr latinLnBrk="1"/>
+                      <a:endParaRPr lang="ko-KR" altLang="en-US" sz="200" dirty="0"/>
+                    </a:p>
+                  </a:txBody>
+                  <a:tcPr marL="84406" marR="84406" marT="34290" marB="34290">
+                    <a:lnL w="12700" cmpd="sng">
+                      <a:noFill/>
+                    </a:lnL>
+                    <a:lnR w="12700" cmpd="sng">
+                      <a:noFill/>
+                    </a:lnR>
+                    <a:lnT w="12700" cmpd="sng">
+                      <a:noFill/>
+                    </a:lnT>
+                    <a:lnB w="38100" cmpd="sng">
+                      <a:noFill/>
+                    </a:lnB>
+                    <a:lnTlToBr w="12700" cmpd="sng">
+                      <a:noFill/>
+                      <a:prstDash val="solid"/>
+                    </a:lnTlToBr>
+                    <a:lnBlToTr w="12700" cmpd="sng">
+                      <a:noFill/>
+                      <a:prstDash val="solid"/>
+                    </a:lnBlToTr>
+                    <a:solidFill>
+                      <a:srgbClr val="0071BC"/>
+                    </a:solidFill>
+                  </a:tcPr>
+                </a:tc>
+                <a:tc>
+                  <a:txBody>
+                    <a:bodyPr/>
+                    <a:lstStyle/>
+                    <a:p>
+                      <a:pPr latinLnBrk="1"/>
+                      <a:endParaRPr lang="ko-KR" altLang="en-US" sz="200" dirty="0"/>
+                    </a:p>
+                  </a:txBody>
+                  <a:tcPr marL="84406" marR="84406" marT="34290" marB="34290">
+                    <a:lnL w="12700" cmpd="sng">
+                      <a:noFill/>
+                    </a:lnL>
+                    <a:lnR w="12700" cmpd="sng">
+                      <a:noFill/>
+                    </a:lnR>
+                    <a:lnT w="12700" cmpd="sng">
+                      <a:noFill/>
+                    </a:lnT>
+                    <a:lnB w="38100" cmpd="sng">
+                      <a:noFill/>
+                    </a:lnB>
+                    <a:lnTlToBr w="12700" cmpd="sng">
+                      <a:noFill/>
+                      <a:prstDash val="solid"/>
+                    </a:lnTlToBr>
+                    <a:lnBlToTr w="12700" cmpd="sng">
+                      <a:noFill/>
+                      <a:prstDash val="solid"/>
+                    </a:lnBlToTr>
+                    <a:solidFill>
+                      <a:srgbClr val="008FD5"/>
+                    </a:solidFill>
+                  </a:tcPr>
+                </a:tc>
+                <a:tc>
+                  <a:txBody>
+                    <a:bodyPr/>
+                    <a:lstStyle/>
+                    <a:p>
+                      <a:pPr latinLnBrk="1"/>
+                      <a:endParaRPr lang="ko-KR" altLang="en-US" sz="200" dirty="0"/>
+                    </a:p>
+                  </a:txBody>
+                  <a:tcPr marL="84406" marR="84406" marT="34290" marB="34290">
+                    <a:lnL w="12700" cmpd="sng">
+                      <a:noFill/>
+                    </a:lnL>
+                    <a:lnR w="12700" cmpd="sng">
+                      <a:noFill/>
+                    </a:lnR>
+                    <a:lnT w="12700" cmpd="sng">
+                      <a:noFill/>
+                    </a:lnT>
+                    <a:lnB w="38100" cmpd="sng">
+                      <a:noFill/>
+                    </a:lnB>
+                    <a:lnTlToBr w="12700" cmpd="sng">
+                      <a:noFill/>
+                      <a:prstDash val="solid"/>
+                    </a:lnTlToBr>
+                    <a:lnBlToTr w="12700" cmpd="sng">
+                      <a:noFill/>
+                      <a:prstDash val="solid"/>
+                    </a:lnBlToTr>
+                    <a:solidFill>
+                      <a:srgbClr val="24AAE1"/>
+                    </a:solidFill>
+                  </a:tcPr>
+                </a:tc>
+              </a:tr>
+            </a:tbl>
+          </a:graphicData>
+        </a:graphic>
+      </p:graphicFrame>
+      <p:sp>
+        <p:nvSpPr>
+          <p:cNvPr id="8" name="제목 1"/>
+          <p:cNvSpPr txBox="1">
+            <a:spLocks/>
+          </p:cNvSpPr>
+          <p:nvPr/>
+        </p:nvSpPr>
+        <p:spPr>
+          <a:xfrm>
+            <a:off x="2943572" y="2267819"/>
+            <a:ext cx="5498944" cy="634082"/>
+          </a:xfrm>
+          <a:prstGeom prst="rect">
+            <a:avLst/>
+          </a:prstGeom>
+        </p:spPr>
+        <p:txBody>
+          <a:bodyPr>
+            <a:noAutofit/>
+          </a:bodyPr>
+          <a:lstStyle>
+            <a:lvl1pPr algn="ctr" rtl="0" eaLnBrk="0" fontAlgn="base" hangingPunct="0">
+              <a:spcBef>
+                <a:spcPct val="0"/>
+              </a:spcBef>
+              <a:spcAft>
+                <a:spcPct val="0"/>
+              </a:spcAft>
+              <a:defRPr sz="3700">
+                <a:solidFill>
+                  <a:schemeClr val="tx2"/>
+                </a:solidFill>
+                <a:latin typeface="+mj-lt"/>
+                <a:ea typeface="+mj-ea"/>
+                <a:cs typeface="+mj-cs"/>
+              </a:defRPr>
+            </a:lvl1pPr>
+            <a:lvl2pPr algn="ctr" rtl="0" eaLnBrk="0" fontAlgn="base" hangingPunct="0">
+              <a:spcBef>
+                <a:spcPct val="0"/>
+              </a:spcBef>
+              <a:spcAft>
+                <a:spcPct val="0"/>
+              </a:spcAft>
+              <a:defRPr sz="3700">
+                <a:solidFill>
+                  <a:schemeClr val="tx2"/>
+                </a:solidFill>
+                <a:latin typeface="Times New Roman" pitchFamily="18" charset="0"/>
+              </a:defRPr>
+            </a:lvl2pPr>
+            <a:lvl3pPr algn="ctr" rtl="0" eaLnBrk="0" fontAlgn="base" hangingPunct="0">
+              <a:spcBef>
+                <a:spcPct val="0"/>
+              </a:spcBef>
+              <a:spcAft>
+                <a:spcPct val="0"/>
+              </a:spcAft>
+              <a:defRPr sz="3700">
+                <a:solidFill>
+                  <a:schemeClr val="tx2"/>
+                </a:solidFill>
+                <a:latin typeface="Times New Roman" pitchFamily="18" charset="0"/>
+              </a:defRPr>
+            </a:lvl3pPr>
+            <a:lvl4pPr algn="ctr" rtl="0" eaLnBrk="0" fontAlgn="base" hangingPunct="0">
+              <a:spcBef>
+                <a:spcPct val="0"/>
+              </a:spcBef>
+              <a:spcAft>
+                <a:spcPct val="0"/>
+              </a:spcAft>
+              <a:defRPr sz="3700">
+                <a:solidFill>
+                  <a:schemeClr val="tx2"/>
+                </a:solidFill>
+                <a:latin typeface="Times New Roman" pitchFamily="18" charset="0"/>
+              </a:defRPr>
+            </a:lvl4pPr>
+            <a:lvl5pPr algn="ctr" rtl="0" eaLnBrk="0" fontAlgn="base" hangingPunct="0">
+              <a:spcBef>
+                <a:spcPct val="0"/>
+              </a:spcBef>
+              <a:spcAft>
+                <a:spcPct val="0"/>
+              </a:spcAft>
+              <a:defRPr sz="3700">
+                <a:solidFill>
+                  <a:schemeClr val="tx2"/>
+                </a:solidFill>
+                <a:latin typeface="Times New Roman" pitchFamily="18" charset="0"/>
+              </a:defRPr>
+            </a:lvl5pPr>
+            <a:lvl6pPr marL="389626" algn="ctr" rtl="0" fontAlgn="base">
+              <a:spcBef>
+                <a:spcPct val="0"/>
+              </a:spcBef>
+              <a:spcAft>
+                <a:spcPct val="0"/>
+              </a:spcAft>
+              <a:defRPr sz="3700">
+                <a:solidFill>
+                  <a:schemeClr val="tx2"/>
+                </a:solidFill>
+                <a:latin typeface="Times New Roman" pitchFamily="18" charset="0"/>
+              </a:defRPr>
+            </a:lvl6pPr>
+            <a:lvl7pPr marL="779252" algn="ctr" rtl="0" fontAlgn="base">
+              <a:spcBef>
+                <a:spcPct val="0"/>
+              </a:spcBef>
+              <a:spcAft>
+                <a:spcPct val="0"/>
+              </a:spcAft>
+              <a:defRPr sz="3700">
+                <a:solidFill>
+                  <a:schemeClr val="tx2"/>
+                </a:solidFill>
+                <a:latin typeface="Times New Roman" pitchFamily="18" charset="0"/>
+              </a:defRPr>
+            </a:lvl7pPr>
+            <a:lvl8pPr marL="1168878" algn="ctr" rtl="0" fontAlgn="base">
+              <a:spcBef>
+                <a:spcPct val="0"/>
+              </a:spcBef>
+              <a:spcAft>
+                <a:spcPct val="0"/>
+              </a:spcAft>
+              <a:defRPr sz="3700">
+                <a:solidFill>
+                  <a:schemeClr val="tx2"/>
+                </a:solidFill>
+                <a:latin typeface="Times New Roman" pitchFamily="18" charset="0"/>
+              </a:defRPr>
+            </a:lvl8pPr>
+            <a:lvl9pPr marL="1558503" algn="ctr" rtl="0" fontAlgn="base">
+              <a:spcBef>
+                <a:spcPct val="0"/>
+              </a:spcBef>
+              <a:spcAft>
+                <a:spcPct val="0"/>
+              </a:spcAft>
+              <a:defRPr sz="3700">
+                <a:solidFill>
+                  <a:schemeClr val="tx2"/>
+                </a:solidFill>
+                <a:latin typeface="Times New Roman" pitchFamily="18" charset="0"/>
+              </a:defRPr>
+            </a:lvl9pPr>
+          </a:lstStyle>
+          <a:p>
+            <a:pPr algn="l"/>
+            <a:r>
+              <a:rPr lang="ko-KR" altLang="en-US" sz="3600" b="1" kern="0" dirty="0" err="1" smtClean="0">
+                <a:latin typeface="맑은 고딕" pitchFamily="50" charset="-127"/>
+                <a:ea typeface="맑은 고딕" pitchFamily="50" charset="-127"/>
+              </a:rPr>
+              <a:t>컨텐츠</a:t>
+            </a:r>
+            <a:r>
+              <a:rPr lang="ko-KR" altLang="en-US" sz="3600" b="1" kern="0" dirty="0" smtClean="0">
+                <a:latin typeface="맑은 고딕" pitchFamily="50" charset="-127"/>
+                <a:ea typeface="맑은 고딕" pitchFamily="50" charset="-127"/>
+              </a:rPr>
+              <a:t> 구현</a:t>
+            </a:r>
+            <a:endParaRPr lang="ko-KR" altLang="en-US" sz="3600" b="1" kern="0" dirty="0">
+              <a:latin typeface="맑은 고딕" pitchFamily="50" charset="-127"/>
+              <a:ea typeface="맑은 고딕" pitchFamily="50" charset="-127"/>
+            </a:endParaRPr>
+          </a:p>
+        </p:txBody>
+      </p:sp>
+      <p:sp>
+        <p:nvSpPr>
+          <p:cNvPr id="10" name="제목 1"/>
+          <p:cNvSpPr txBox="1">
+            <a:spLocks/>
+          </p:cNvSpPr>
+          <p:nvPr/>
+        </p:nvSpPr>
+        <p:spPr>
+          <a:xfrm>
+            <a:off x="560512" y="1887823"/>
+            <a:ext cx="2880320" cy="634082"/>
+          </a:xfrm>
+          <a:prstGeom prst="rect">
+            <a:avLst/>
+          </a:prstGeom>
+        </p:spPr>
+        <p:txBody>
+          <a:bodyPr vert="horz" lIns="91440" tIns="45720" rIns="91440" bIns="45720" rtlCol="0" anchor="ctr">
+            <a:noAutofit/>
+            <a:scene3d>
+              <a:camera prst="orthographicFront">
+                <a:rot lat="0" lon="0" rev="0"/>
+              </a:camera>
+              <a:lightRig rig="contrasting" dir="t">
+                <a:rot lat="0" lon="0" rev="4500000"/>
+              </a:lightRig>
+            </a:scene3d>
+            <a:sp3d contourW="6350" prstMaterial="metal">
+              <a:bevelT w="127000" h="31750" prst="relaxedInset"/>
+              <a:contourClr>
+                <a:schemeClr val="accent1">
+                  <a:shade val="75000"/>
+                </a:schemeClr>
+              </a:contourClr>
+            </a:sp3d>
+          </a:bodyPr>
+          <a:lstStyle>
+            <a:lvl1pPr algn="ctr" defTabSz="914400" rtl="0" eaLnBrk="1" latinLnBrk="1" hangingPunct="1">
+              <a:spcBef>
+                <a:spcPct val="0"/>
+              </a:spcBef>
+              <a:buNone/>
+              <a:defRPr sz="4400" kern="1200">
+                <a:solidFill>
+                  <a:schemeClr val="tx1"/>
+                </a:solidFill>
+                <a:latin typeface="+mj-lt"/>
+                <a:ea typeface="+mj-ea"/>
+                <a:cs typeface="+mj-cs"/>
+              </a:defRPr>
+            </a:lvl1pPr>
+          </a:lstStyle>
+          <a:p>
+            <a:pPr algn="l"/>
+            <a:r>
+              <a:rPr lang="en-US" altLang="ko-KR" sz="13800" b="1" cap="all" dirty="0" smtClean="0">
+                <a:ln w="0"/>
+                <a:gradFill flip="none">
+                  <a:gsLst>
+                    <a:gs pos="0">
+                      <a:schemeClr val="accent1">
+                        <a:tint val="75000"/>
+                        <a:shade val="75000"/>
+                        <a:satMod val="170000"/>
+                      </a:schemeClr>
+                    </a:gs>
+                    <a:gs pos="49000">
+                      <a:schemeClr val="accent1">
+                        <a:tint val="88000"/>
+                        <a:shade val="65000"/>
+                        <a:satMod val="172000"/>
+                      </a:schemeClr>
+                    </a:gs>
+                    <a:gs pos="50000">
+                      <a:schemeClr val="accent1">
+                        <a:shade val="65000"/>
+                        <a:satMod val="130000"/>
+                      </a:schemeClr>
+                    </a:gs>
+                    <a:gs pos="92000">
+                      <a:schemeClr val="accent1">
+                        <a:shade val="50000"/>
+                        <a:satMod val="120000"/>
+                      </a:schemeClr>
+                    </a:gs>
+                    <a:gs pos="100000">
+                      <a:schemeClr val="accent1">
+                        <a:shade val="48000"/>
+                        <a:satMod val="120000"/>
+                      </a:schemeClr>
+                    </a:gs>
+                  </a:gsLst>
+                  <a:lin ang="5400000"/>
+                </a:gradFill>
+                <a:effectLst>
+                  <a:reflection blurRad="12700" stA="50000" endPos="50000" dist="5000" dir="5400000" sy="-100000" rotWithShape="0"/>
+                </a:effectLst>
+                <a:latin typeface="Arial Black" pitchFamily="34" charset="0"/>
+                <a:ea typeface="HY견고딕" pitchFamily="18" charset="-127"/>
+              </a:rPr>
+              <a:t>02</a:t>
+            </a:r>
+            <a:endParaRPr lang="ko-KR" altLang="en-US" sz="13800" b="1" cap="all" dirty="0">
+              <a:ln w="0"/>
+              <a:gradFill flip="none">
+                <a:gsLst>
+                  <a:gs pos="0">
+                    <a:schemeClr val="accent1">
+                      <a:tint val="75000"/>
+                      <a:shade val="75000"/>
+                      <a:satMod val="170000"/>
+                    </a:schemeClr>
+                  </a:gs>
+                  <a:gs pos="49000">
+                    <a:schemeClr val="accent1">
+                      <a:tint val="88000"/>
+                      <a:shade val="65000"/>
+                      <a:satMod val="172000"/>
+                    </a:schemeClr>
+                  </a:gs>
+                  <a:gs pos="50000">
+                    <a:schemeClr val="accent1">
+                      <a:shade val="65000"/>
+                      <a:satMod val="130000"/>
+                    </a:schemeClr>
+                  </a:gs>
+                  <a:gs pos="92000">
+                    <a:schemeClr val="accent1">
+                      <a:shade val="50000"/>
+                      <a:satMod val="120000"/>
+                    </a:schemeClr>
+                  </a:gs>
+                  <a:gs pos="100000">
+                    <a:schemeClr val="accent1">
+                      <a:shade val="48000"/>
+                      <a:satMod val="120000"/>
+                    </a:schemeClr>
+                  </a:gs>
+                </a:gsLst>
+                <a:lin ang="5400000"/>
+              </a:gradFill>
+              <a:effectLst>
+                <a:reflection blurRad="12700" stA="50000" endPos="50000" dist="5000" dir="5400000" sy="-100000" rotWithShape="0"/>
+              </a:effectLst>
+              <a:latin typeface="Arial Black" pitchFamily="34" charset="0"/>
+              <a:ea typeface="HY견고딕" pitchFamily="18" charset="-127"/>
+            </a:endParaRPr>
+          </a:p>
+        </p:txBody>
+      </p:sp>
+      <p:sp>
+        <p:nvSpPr>
+          <p:cNvPr id="13" name="제목 1"/>
+          <p:cNvSpPr txBox="1">
+            <a:spLocks/>
+          </p:cNvSpPr>
+          <p:nvPr/>
+        </p:nvSpPr>
+        <p:spPr>
+          <a:xfrm>
+            <a:off x="2936776" y="1844824"/>
+            <a:ext cx="5760640" cy="634082"/>
+          </a:xfrm>
+          <a:prstGeom prst="rect">
+            <a:avLst/>
+          </a:prstGeom>
+        </p:spPr>
+        <p:txBody>
+          <a:bodyPr vert="horz" lIns="91440" tIns="45720" rIns="91440" bIns="45720" rtlCol="0" anchor="ctr">
+            <a:noAutofit/>
+          </a:bodyPr>
+          <a:lstStyle>
+            <a:lvl1pPr algn="ctr" defTabSz="914400" rtl="0" eaLnBrk="1" latinLnBrk="1" hangingPunct="1">
+              <a:spcBef>
+                <a:spcPct val="0"/>
+              </a:spcBef>
+              <a:buNone/>
+              <a:defRPr sz="4400" kern="1200">
+                <a:solidFill>
+                  <a:schemeClr val="tx1"/>
+                </a:solidFill>
+                <a:latin typeface="+mj-lt"/>
+                <a:ea typeface="+mj-ea"/>
+                <a:cs typeface="+mj-cs"/>
+              </a:defRPr>
+            </a:lvl1pPr>
+          </a:lstStyle>
+          <a:p>
+            <a:pPr algn="l"/>
+            <a:r>
+              <a:rPr lang="en-US" altLang="ko-KR" sz="2400" dirty="0" smtClean="0">
+                <a:latin typeface="맑은 고딕" pitchFamily="50" charset="-127"/>
+                <a:ea typeface="맑은 고딕" pitchFamily="50" charset="-127"/>
+              </a:rPr>
+              <a:t>Contents Implementation</a:t>
+            </a:r>
+            <a:endParaRPr lang="ko-KR" altLang="en-US" sz="2400" dirty="0">
+              <a:latin typeface="맑은 고딕" pitchFamily="50" charset="-127"/>
+              <a:ea typeface="맑은 고딕" pitchFamily="50" charset="-127"/>
+            </a:endParaRPr>
+          </a:p>
+        </p:txBody>
+      </p:sp>
+    </p:spTree>
+    <p:extLst>
+      <p:ext uri="{BB962C8B-B14F-4D97-AF65-F5344CB8AC3E}">
+        <p14:creationId xmlns:p14="http://schemas.microsoft.com/office/powerpoint/2010/main" val="1750285800"/>
+      </p:ext>
+    </p:extLst>
+  </p:cSld>
+  <p:clrMapOvr>
+    <a:masterClrMapping/>
+  </p:clrMapOvr>
+  <p:timing>
+    <p:tnLst>
+      <p:par>
+        <p:cTn id="1" dur="indefinite" restart="never" nodeType="tmRoot"/>
+      </p:par>
+    </p:tnLst>
+  </p:timing>
+</p:sld>
+</file>
+
+<file path=ppt/slides/slide12.xml><?xml version="1.0" encoding="utf-8"?>
+<p:sld xmlns:a="http://schemas.openxmlformats.org/drawingml/2006/main" xmlns:r="http://schemas.openxmlformats.org/officeDocument/2006/relationships" xmlns:p="http://schemas.openxmlformats.org/presentationml/2006/main">
+  <p:cSld>
+    <p:spTree>
+      <p:nvGrpSpPr>
+        <p:cNvPr id="1" name=""/>
+        <p:cNvGrpSpPr/>
+        <p:nvPr/>
+      </p:nvGrpSpPr>
+      <p:grpSpPr>
+        <a:xfrm>
+          <a:off x="0" y="0"/>
+          <a:ext cx="0" cy="0"/>
+          <a:chOff x="0" y="0"/>
+          <a:chExt cx="0" cy="0"/>
+        </a:xfrm>
+      </p:grpSpPr>
+      <p:sp>
+        <p:nvSpPr>
+          <p:cNvPr id="9" name="위쪽 화살표 8"/>
+          <p:cNvSpPr/>
+          <p:nvPr/>
+        </p:nvSpPr>
+        <p:spPr bwMode="auto">
+          <a:xfrm rot="10800000">
+            <a:off x="5607138" y="2344213"/>
+            <a:ext cx="720096" cy="543414"/>
+          </a:xfrm>
+          <a:prstGeom prst="upArrow">
+            <a:avLst/>
+          </a:prstGeom>
+          <a:solidFill>
+            <a:schemeClr val="bg1"/>
+          </a:solidFill>
+          <a:ln w="12700" cap="flat" cmpd="sng" algn="ctr">
+            <a:solidFill>
+              <a:schemeClr val="tx1"/>
+            </a:solidFill>
+            <a:prstDash val="solid"/>
+            <a:round/>
+            <a:headEnd type="none" w="med" len="med"/>
+            <a:tailEnd type="none" w="med" len="med"/>
+          </a:ln>
+          <a:effectLst/>
+        </p:spPr>
+        <p:txBody>
+          <a:bodyPr vert="horz" wrap="none" lIns="77925" tIns="38963" rIns="77925" bIns="38963" numCol="1" rtlCol="0" anchor="ctr" anchorCtr="0" compatLnSpc="1">
+            <a:prstTxWarp prst="textNoShape">
+              <a:avLst/>
+            </a:prstTxWarp>
+          </a:bodyPr>
+          <a:lstStyle/>
+          <a:p>
+            <a:pPr algn="ctr"/>
+            <a:endParaRPr lang="ko-KR" altLang="en-US" sz="700" b="1" dirty="0" smtClean="0">
+              <a:latin typeface="맑은 고딕" panose="020B0503020000020004" pitchFamily="50" charset="-127"/>
+              <a:ea typeface="맑은 고딕" panose="020B0503020000020004" pitchFamily="50" charset="-127"/>
+            </a:endParaRPr>
+          </a:p>
+        </p:txBody>
+      </p:sp>
+      <p:sp>
+        <p:nvSpPr>
+          <p:cNvPr id="2" name="TextBox 1"/>
+          <p:cNvSpPr txBox="1"/>
+          <p:nvPr/>
+        </p:nvSpPr>
+        <p:spPr>
+          <a:xfrm>
+            <a:off x="431448" y="191376"/>
+            <a:ext cx="8191092" cy="400110"/>
+          </a:xfrm>
+          <a:prstGeom prst="rect">
+            <a:avLst/>
+          </a:prstGeom>
+          <a:noFill/>
+        </p:spPr>
+        <p:txBody>
+          <a:bodyPr wrap="square" rtlCol="0">
+            <a:spAutoFit/>
+          </a:bodyPr>
+          <a:lstStyle/>
+          <a:p>
+            <a:pPr algn="l"/>
+            <a:r>
+              <a:rPr lang="en-US" altLang="ko-KR" sz="2000" b="1" dirty="0" smtClean="0">
+                <a:latin typeface="맑은 고딕" panose="020B0503020000020004" pitchFamily="50" charset="-127"/>
+                <a:ea typeface="맑은 고딕" panose="020B0503020000020004" pitchFamily="50" charset="-127"/>
+              </a:rPr>
+              <a:t>1. Client API</a:t>
+            </a:r>
+            <a:endParaRPr lang="ko-KR" altLang="en-US" sz="2000" b="1" dirty="0" smtClean="0">
+              <a:latin typeface="맑은 고딕" panose="020B0503020000020004" pitchFamily="50" charset="-127"/>
+              <a:ea typeface="맑은 고딕" panose="020B0503020000020004" pitchFamily="50" charset="-127"/>
+            </a:endParaRPr>
+          </a:p>
+        </p:txBody>
+      </p:sp>
+      <p:sp>
+        <p:nvSpPr>
+          <p:cNvPr id="3" name="모서리가 둥근 직사각형 2"/>
+          <p:cNvSpPr/>
+          <p:nvPr/>
+        </p:nvSpPr>
+        <p:spPr bwMode="auto">
+          <a:xfrm>
+            <a:off x="3356838" y="3475212"/>
+            <a:ext cx="2340312" cy="990132"/>
+          </a:xfrm>
+          <a:prstGeom prst="roundRect">
+            <a:avLst/>
+          </a:prstGeom>
+          <a:solidFill>
+            <a:schemeClr val="bg1"/>
+          </a:solidFill>
+          <a:ln w="12700" cap="flat" cmpd="sng" algn="ctr">
+            <a:solidFill>
+              <a:schemeClr val="tx1"/>
+            </a:solidFill>
+            <a:prstDash val="solid"/>
+            <a:round/>
+            <a:headEnd type="none" w="med" len="med"/>
+            <a:tailEnd type="none" w="med" len="med"/>
+          </a:ln>
+          <a:effectLst/>
+        </p:spPr>
+        <p:txBody>
+          <a:bodyPr vert="horz" wrap="none" lIns="77925" tIns="38963" rIns="77925" bIns="38963" numCol="1" rtlCol="0" anchor="ctr" anchorCtr="0" compatLnSpc="1">
+            <a:prstTxWarp prst="textNoShape">
+              <a:avLst/>
+            </a:prstTxWarp>
+          </a:bodyPr>
+          <a:lstStyle/>
+          <a:p>
+            <a:pPr algn="ctr"/>
+            <a:r>
+              <a:rPr lang="en-US" altLang="ko-KR" sz="1600" b="1" dirty="0" smtClean="0">
+                <a:latin typeface="맑은 고딕" panose="020B0503020000020004" pitchFamily="50" charset="-127"/>
+                <a:ea typeface="맑은 고딕" panose="020B0503020000020004" pitchFamily="50" charset="-127"/>
+              </a:rPr>
+              <a:t>Unity</a:t>
+            </a:r>
+          </a:p>
+          <a:p>
+            <a:pPr algn="ctr"/>
+            <a:r>
+              <a:rPr lang="en-US" altLang="ko-KR" sz="1600" b="1" dirty="0" smtClean="0">
+                <a:latin typeface="맑은 고딕" panose="020B0503020000020004" pitchFamily="50" charset="-127"/>
+                <a:ea typeface="맑은 고딕" panose="020B0503020000020004" pitchFamily="50" charset="-127"/>
+              </a:rPr>
+              <a:t>Project</a:t>
+            </a:r>
+            <a:endParaRPr lang="ko-KR" altLang="en-US" sz="1600" b="1" dirty="0" smtClean="0">
+              <a:latin typeface="맑은 고딕" panose="020B0503020000020004" pitchFamily="50" charset="-127"/>
+              <a:ea typeface="맑은 고딕" panose="020B0503020000020004" pitchFamily="50" charset="-127"/>
+            </a:endParaRPr>
+          </a:p>
+        </p:txBody>
+      </p:sp>
+      <p:sp>
+        <p:nvSpPr>
+          <p:cNvPr id="4" name="모서리가 둥근 직사각형 3"/>
+          <p:cNvSpPr/>
+          <p:nvPr/>
+        </p:nvSpPr>
+        <p:spPr bwMode="auto">
+          <a:xfrm>
+            <a:off x="5877174" y="3475212"/>
+            <a:ext cx="2340312" cy="990132"/>
+          </a:xfrm>
+          <a:prstGeom prst="roundRect">
+            <a:avLst/>
+          </a:prstGeom>
+          <a:solidFill>
+            <a:schemeClr val="bg1"/>
+          </a:solidFill>
+          <a:ln w="12700" cap="flat" cmpd="sng" algn="ctr">
+            <a:solidFill>
+              <a:schemeClr val="tx1"/>
+            </a:solidFill>
+            <a:prstDash val="solid"/>
+            <a:round/>
+            <a:headEnd type="none" w="med" len="med"/>
+            <a:tailEnd type="none" w="med" len="med"/>
+          </a:ln>
+          <a:effectLst/>
+        </p:spPr>
+        <p:txBody>
+          <a:bodyPr vert="horz" wrap="none" lIns="77925" tIns="38963" rIns="77925" bIns="38963" numCol="1" rtlCol="0" anchor="ctr" anchorCtr="0" compatLnSpc="1">
+            <a:prstTxWarp prst="textNoShape">
+              <a:avLst/>
+            </a:prstTxWarp>
+          </a:bodyPr>
+          <a:lstStyle/>
+          <a:p>
+            <a:pPr algn="ctr"/>
+            <a:r>
+              <a:rPr lang="en-US" altLang="ko-KR" sz="1600" b="1" dirty="0" err="1" smtClean="0">
+                <a:latin typeface="맑은 고딕" panose="020B0503020000020004" pitchFamily="50" charset="-127"/>
+                <a:ea typeface="맑은 고딕" panose="020B0503020000020004" pitchFamily="50" charset="-127"/>
+              </a:rPr>
+              <a:t>WinForm</a:t>
+            </a:r>
+            <a:endParaRPr lang="en-US" altLang="ko-KR" sz="1600" b="1" dirty="0" smtClean="0">
+              <a:latin typeface="맑은 고딕" panose="020B0503020000020004" pitchFamily="50" charset="-127"/>
+              <a:ea typeface="맑은 고딕" panose="020B0503020000020004" pitchFamily="50" charset="-127"/>
+            </a:endParaRPr>
+          </a:p>
+          <a:p>
+            <a:pPr algn="ctr"/>
+            <a:r>
+              <a:rPr lang="en-US" altLang="ko-KR" sz="1600" b="1" dirty="0" smtClean="0">
+                <a:latin typeface="맑은 고딕" panose="020B0503020000020004" pitchFamily="50" charset="-127"/>
+                <a:ea typeface="맑은 고딕" panose="020B0503020000020004" pitchFamily="50" charset="-127"/>
+              </a:rPr>
+              <a:t>Project</a:t>
+            </a:r>
+            <a:endParaRPr lang="ko-KR" altLang="en-US" sz="1600" b="1" dirty="0" smtClean="0">
+              <a:latin typeface="맑은 고딕" panose="020B0503020000020004" pitchFamily="50" charset="-127"/>
+              <a:ea typeface="맑은 고딕" panose="020B0503020000020004" pitchFamily="50" charset="-127"/>
+            </a:endParaRPr>
+          </a:p>
+        </p:txBody>
+      </p:sp>
+      <p:sp>
+        <p:nvSpPr>
+          <p:cNvPr id="5" name="모서리가 둥근 직사각형 4"/>
+          <p:cNvSpPr/>
+          <p:nvPr/>
+        </p:nvSpPr>
+        <p:spPr bwMode="auto">
+          <a:xfrm>
+            <a:off x="3356838" y="2935140"/>
+            <a:ext cx="4860648" cy="450060"/>
+          </a:xfrm>
+          <a:prstGeom prst="roundRect">
+            <a:avLst>
+              <a:gd name="adj" fmla="val 6085"/>
+            </a:avLst>
+          </a:prstGeom>
+          <a:ln>
+            <a:headEnd type="none" w="med" len="med"/>
+            <a:tailEnd type="none" w="med" len="med"/>
+          </a:ln>
+        </p:spPr>
+        <p:style>
+          <a:lnRef idx="1">
+            <a:schemeClr val="accent3"/>
+          </a:lnRef>
+          <a:fillRef idx="2">
+            <a:schemeClr val="accent3"/>
+          </a:fillRef>
+          <a:effectRef idx="1">
+            <a:schemeClr val="accent3"/>
+          </a:effectRef>
+          <a:fontRef idx="minor">
+            <a:schemeClr val="dk1"/>
+          </a:fontRef>
+        </p:style>
+        <p:txBody>
+          <a:bodyPr vert="horz" wrap="none" lIns="77925" tIns="38963" rIns="77925" bIns="38963" numCol="1" rtlCol="0" anchor="ctr" anchorCtr="0" compatLnSpc="1">
+            <a:prstTxWarp prst="textNoShape">
+              <a:avLst/>
+            </a:prstTxWarp>
+          </a:bodyPr>
+          <a:lstStyle/>
+          <a:p>
+            <a:pPr algn="ctr"/>
+            <a:r>
+              <a:rPr lang="en-US" altLang="ko-KR" sz="1600" b="1" dirty="0" err="1" smtClean="0">
+                <a:latin typeface="맑은 고딕" panose="020B0503020000020004" pitchFamily="50" charset="-127"/>
+                <a:ea typeface="맑은 고딕" panose="020B0503020000020004" pitchFamily="50" charset="-127"/>
+              </a:rPr>
+              <a:t>NetworkAPI</a:t>
+            </a:r>
+            <a:endParaRPr lang="en-US" altLang="ko-KR" sz="1600" b="1" dirty="0">
+              <a:latin typeface="맑은 고딕" panose="020B0503020000020004" pitchFamily="50" charset="-127"/>
+              <a:ea typeface="맑은 고딕" panose="020B0503020000020004" pitchFamily="50" charset="-127"/>
+            </a:endParaRPr>
+          </a:p>
+        </p:txBody>
+      </p:sp>
+      <p:sp>
+        <p:nvSpPr>
+          <p:cNvPr id="6" name="모서리가 둥근 직사각형 5"/>
+          <p:cNvSpPr/>
+          <p:nvPr/>
+        </p:nvSpPr>
+        <p:spPr bwMode="auto">
+          <a:xfrm>
+            <a:off x="3671880" y="1581618"/>
+            <a:ext cx="1710228" cy="630084"/>
+          </a:xfrm>
+          <a:prstGeom prst="roundRect">
+            <a:avLst/>
+          </a:prstGeom>
+          <a:solidFill>
+            <a:schemeClr val="bg1"/>
+          </a:solidFill>
+          <a:ln w="12700" cap="flat" cmpd="sng" algn="ctr">
+            <a:solidFill>
+              <a:schemeClr val="tx1"/>
+            </a:solidFill>
+            <a:prstDash val="solid"/>
+            <a:round/>
+            <a:headEnd type="none" w="med" len="med"/>
+            <a:tailEnd type="none" w="med" len="med"/>
+          </a:ln>
+          <a:effectLst/>
+        </p:spPr>
+        <p:txBody>
+          <a:bodyPr vert="horz" wrap="none" lIns="77925" tIns="38963" rIns="77925" bIns="38963" numCol="1" rtlCol="0" anchor="ctr" anchorCtr="0" compatLnSpc="1">
+            <a:prstTxWarp prst="textNoShape">
+              <a:avLst/>
+            </a:prstTxWarp>
+          </a:bodyPr>
+          <a:lstStyle/>
+          <a:p>
+            <a:pPr algn="ctr"/>
+            <a:r>
+              <a:rPr lang="en-US" altLang="ko-KR" sz="1400" b="1" dirty="0" err="1" smtClean="0">
+                <a:latin typeface="맑은 고딕" panose="020B0503020000020004" pitchFamily="50" charset="-127"/>
+                <a:ea typeface="맑은 고딕" panose="020B0503020000020004" pitchFamily="50" charset="-127"/>
+              </a:rPr>
+              <a:t>AuthServer</a:t>
+            </a:r>
+            <a:endParaRPr lang="ko-KR" altLang="en-US" sz="1400" b="1" dirty="0" smtClean="0">
+              <a:latin typeface="맑은 고딕" panose="020B0503020000020004" pitchFamily="50" charset="-127"/>
+              <a:ea typeface="맑은 고딕" panose="020B0503020000020004" pitchFamily="50" charset="-127"/>
+            </a:endParaRPr>
+          </a:p>
+        </p:txBody>
+      </p:sp>
+      <p:sp>
+        <p:nvSpPr>
+          <p:cNvPr id="7" name="모서리가 둥근 직사각형 6"/>
+          <p:cNvSpPr/>
+          <p:nvPr/>
+        </p:nvSpPr>
+        <p:spPr bwMode="auto">
+          <a:xfrm>
+            <a:off x="6192216" y="1581618"/>
+            <a:ext cx="1710228" cy="630084"/>
+          </a:xfrm>
+          <a:prstGeom prst="roundRect">
+            <a:avLst/>
+          </a:prstGeom>
+          <a:solidFill>
+            <a:schemeClr val="bg1"/>
+          </a:solidFill>
+          <a:ln w="12700" cap="flat" cmpd="sng" algn="ctr">
+            <a:solidFill>
+              <a:schemeClr val="tx1"/>
+            </a:solidFill>
+            <a:prstDash val="solid"/>
+            <a:round/>
+            <a:headEnd type="none" w="med" len="med"/>
+            <a:tailEnd type="none" w="med" len="med"/>
+          </a:ln>
+          <a:effectLst/>
+        </p:spPr>
+        <p:txBody>
+          <a:bodyPr vert="horz" wrap="none" lIns="77925" tIns="38963" rIns="77925" bIns="38963" numCol="1" rtlCol="0" anchor="ctr" anchorCtr="0" compatLnSpc="1">
+            <a:prstTxWarp prst="textNoShape">
+              <a:avLst/>
+            </a:prstTxWarp>
+          </a:bodyPr>
+          <a:lstStyle/>
+          <a:p>
+            <a:pPr algn="ctr"/>
+            <a:r>
+              <a:rPr lang="en-US" altLang="ko-KR" sz="1400" b="1" dirty="0" err="1" smtClean="0">
+                <a:latin typeface="맑은 고딕" panose="020B0503020000020004" pitchFamily="50" charset="-127"/>
+                <a:ea typeface="맑은 고딕" panose="020B0503020000020004" pitchFamily="50" charset="-127"/>
+              </a:rPr>
+              <a:t>GameServer</a:t>
+            </a:r>
+            <a:endParaRPr lang="ko-KR" altLang="en-US" sz="1400" b="1" dirty="0" smtClean="0">
+              <a:latin typeface="맑은 고딕" panose="020B0503020000020004" pitchFamily="50" charset="-127"/>
+              <a:ea typeface="맑은 고딕" panose="020B0503020000020004" pitchFamily="50" charset="-127"/>
+            </a:endParaRPr>
+          </a:p>
+        </p:txBody>
+      </p:sp>
+      <p:sp>
+        <p:nvSpPr>
+          <p:cNvPr id="8" name="위쪽 화살표 7"/>
+          <p:cNvSpPr/>
+          <p:nvPr/>
+        </p:nvSpPr>
+        <p:spPr bwMode="auto">
+          <a:xfrm>
+            <a:off x="5337102" y="2211702"/>
+            <a:ext cx="720096" cy="543414"/>
+          </a:xfrm>
+          <a:prstGeom prst="upArrow">
+            <a:avLst/>
+          </a:prstGeom>
+          <a:solidFill>
+            <a:schemeClr val="bg1"/>
+          </a:solidFill>
+          <a:ln w="12700" cap="flat" cmpd="sng" algn="ctr">
+            <a:solidFill>
+              <a:schemeClr val="tx1"/>
+            </a:solidFill>
+            <a:prstDash val="solid"/>
+            <a:round/>
+            <a:headEnd type="none" w="med" len="med"/>
+            <a:tailEnd type="none" w="med" len="med"/>
+          </a:ln>
+          <a:effectLst/>
+        </p:spPr>
+        <p:txBody>
+          <a:bodyPr vert="horz" wrap="none" lIns="77925" tIns="38963" rIns="77925" bIns="38963" numCol="1" rtlCol="0" anchor="ctr" anchorCtr="0" compatLnSpc="1">
+            <a:prstTxWarp prst="textNoShape">
+              <a:avLst/>
+            </a:prstTxWarp>
+          </a:bodyPr>
+          <a:lstStyle/>
+          <a:p>
+            <a:pPr algn="ctr"/>
+            <a:endParaRPr lang="ko-KR" altLang="en-US" sz="700" b="1" dirty="0" smtClean="0">
+              <a:latin typeface="맑은 고딕" panose="020B0503020000020004" pitchFamily="50" charset="-127"/>
+              <a:ea typeface="맑은 고딕" panose="020B0503020000020004" pitchFamily="50" charset="-127"/>
+            </a:endParaRPr>
+          </a:p>
+        </p:txBody>
+      </p:sp>
+      <p:sp>
+        <p:nvSpPr>
+          <p:cNvPr id="11" name="직사각형 10"/>
+          <p:cNvSpPr/>
+          <p:nvPr/>
+        </p:nvSpPr>
+        <p:spPr>
+          <a:xfrm>
+            <a:off x="763724" y="768539"/>
+            <a:ext cx="7526549" cy="461665"/>
+          </a:xfrm>
+          <a:prstGeom prst="rect">
+            <a:avLst/>
+          </a:prstGeom>
+        </p:spPr>
+        <p:txBody>
+          <a:bodyPr wrap="none">
+            <a:spAutoFit/>
+          </a:bodyPr>
+          <a:lstStyle/>
+          <a:p>
+            <a:r>
+              <a:rPr lang="ko-KR" altLang="en-US" sz="2400" b="1" dirty="0" smtClean="0">
+                <a:solidFill>
+                  <a:schemeClr val="accent1"/>
+                </a:solidFill>
+                <a:latin typeface="맑은 고딕" panose="020B0503020000020004" pitchFamily="50" charset="-127"/>
+                <a:ea typeface="맑은 고딕" panose="020B0503020000020004" pitchFamily="50" charset="-127"/>
+              </a:rPr>
+              <a:t>간단히 서버통신을 구현할 </a:t>
+            </a:r>
+            <a:r>
+              <a:rPr lang="ko-KR" altLang="en-US" sz="2400" b="1" dirty="0">
+                <a:solidFill>
+                  <a:schemeClr val="accent1"/>
+                </a:solidFill>
+                <a:latin typeface="맑은 고딕" panose="020B0503020000020004" pitchFamily="50" charset="-127"/>
+                <a:ea typeface="맑은 고딕" panose="020B0503020000020004" pitchFamily="50" charset="-127"/>
+              </a:rPr>
+              <a:t>수 </a:t>
+            </a:r>
+            <a:r>
+              <a:rPr lang="ko-KR" altLang="en-US" sz="2400" b="1" dirty="0" smtClean="0">
+                <a:solidFill>
+                  <a:schemeClr val="accent1"/>
+                </a:solidFill>
+                <a:latin typeface="맑은 고딕" panose="020B0503020000020004" pitchFamily="50" charset="-127"/>
+                <a:ea typeface="맑은 고딕" panose="020B0503020000020004" pitchFamily="50" charset="-127"/>
+              </a:rPr>
+              <a:t>있는 </a:t>
+            </a:r>
+            <a:r>
+              <a:rPr lang="en-US" altLang="ko-KR" sz="2400" b="1" dirty="0" err="1" smtClean="0">
+                <a:solidFill>
+                  <a:schemeClr val="accent1"/>
+                </a:solidFill>
+                <a:latin typeface="맑은 고딕" panose="020B0503020000020004" pitchFamily="50" charset="-127"/>
+                <a:ea typeface="맑은 고딕" panose="020B0503020000020004" pitchFamily="50" charset="-127"/>
+              </a:rPr>
+              <a:t>NetworkAPI</a:t>
+            </a:r>
+            <a:r>
+              <a:rPr lang="en-US" altLang="ko-KR" sz="2400" b="1" dirty="0">
+                <a:solidFill>
+                  <a:schemeClr val="accent1"/>
+                </a:solidFill>
+                <a:latin typeface="맑은 고딕" panose="020B0503020000020004" pitchFamily="50" charset="-127"/>
+                <a:ea typeface="맑은 고딕" panose="020B0503020000020004" pitchFamily="50" charset="-127"/>
+              </a:rPr>
+              <a:t> </a:t>
+            </a:r>
+            <a:r>
+              <a:rPr lang="ko-KR" altLang="en-US" sz="2400" b="1" dirty="0" smtClean="0">
+                <a:solidFill>
+                  <a:schemeClr val="accent1"/>
+                </a:solidFill>
+                <a:latin typeface="맑은 고딕" panose="020B0503020000020004" pitchFamily="50" charset="-127"/>
+                <a:ea typeface="맑은 고딕" panose="020B0503020000020004" pitchFamily="50" charset="-127"/>
+              </a:rPr>
+              <a:t>모듈</a:t>
+            </a:r>
+            <a:endParaRPr lang="ko-KR" altLang="en-US" sz="2400" b="1" dirty="0">
+              <a:solidFill>
+                <a:schemeClr val="accent1"/>
+              </a:solidFill>
+              <a:latin typeface="맑은 고딕" panose="020B0503020000020004" pitchFamily="50" charset="-127"/>
+              <a:ea typeface="맑은 고딕" panose="020B0503020000020004" pitchFamily="50" charset="-127"/>
+            </a:endParaRPr>
+          </a:p>
+        </p:txBody>
+      </p:sp>
+      <p:sp>
+        <p:nvSpPr>
+          <p:cNvPr id="12" name="TextBox 11"/>
+          <p:cNvSpPr txBox="1"/>
+          <p:nvPr/>
+        </p:nvSpPr>
+        <p:spPr>
+          <a:xfrm>
+            <a:off x="506807" y="1771701"/>
+            <a:ext cx="2985049" cy="861774"/>
+          </a:xfrm>
+          <a:prstGeom prst="rect">
+            <a:avLst/>
+          </a:prstGeom>
+          <a:noFill/>
+        </p:spPr>
+        <p:txBody>
+          <a:bodyPr wrap="square" rtlCol="0">
+            <a:spAutoFit/>
+          </a:bodyPr>
+          <a:lstStyle/>
+          <a:p>
+            <a:pPr algn="l"/>
+            <a:r>
+              <a:rPr lang="ko-KR" altLang="en-US" dirty="0" smtClean="0"/>
+              <a:t>네트워킹</a:t>
+            </a:r>
+            <a:r>
+              <a:rPr lang="en-US" altLang="ko-KR" dirty="0" smtClean="0"/>
+              <a:t>, </a:t>
+            </a:r>
+            <a:r>
+              <a:rPr lang="ko-KR" altLang="en-US" dirty="0" smtClean="0"/>
+              <a:t>프로토콜을 전혀 신경 쓰지 않음</a:t>
+            </a:r>
+            <a:r>
+              <a:rPr lang="en-US" altLang="ko-KR" dirty="0" smtClean="0"/>
+              <a:t>.</a:t>
+            </a:r>
+          </a:p>
+          <a:p>
+            <a:pPr algn="l"/>
+            <a:endParaRPr lang="en-US" altLang="ko-KR" dirty="0" smtClean="0"/>
+          </a:p>
+          <a:p>
+            <a:pPr algn="l"/>
+            <a:r>
+              <a:rPr lang="ko-KR" altLang="en-US" dirty="0" smtClean="0"/>
+              <a:t>각 기능을 한번의 함수 호출만으로 손쉽게 사용</a:t>
+            </a:r>
+            <a:r>
+              <a:rPr lang="en-US" altLang="ko-KR" dirty="0" smtClean="0"/>
+              <a:t>.</a:t>
+            </a:r>
+          </a:p>
+          <a:p>
+            <a:pPr algn="l"/>
+            <a:endParaRPr lang="en-US" altLang="ko-KR" dirty="0"/>
+          </a:p>
+          <a:p>
+            <a:pPr algn="l"/>
+            <a:r>
+              <a:rPr lang="ko-KR" altLang="en-US" dirty="0" smtClean="0"/>
+              <a:t>서버와의 연결 끊김에 대한 자동적 연결복구</a:t>
+            </a:r>
+            <a:r>
+              <a:rPr lang="en-US" altLang="ko-KR" dirty="0" smtClean="0"/>
+              <a:t>.</a:t>
+            </a:r>
+          </a:p>
+        </p:txBody>
+      </p:sp>
+    </p:spTree>
+    <p:extLst>
+      <p:ext uri="{BB962C8B-B14F-4D97-AF65-F5344CB8AC3E}">
+        <p14:creationId xmlns:p14="http://schemas.microsoft.com/office/powerpoint/2010/main" val="2536441473"/>
+      </p:ext>
+    </p:extLst>
+  </p:cSld>
+  <p:clrMapOvr>
+    <a:masterClrMapping/>
+  </p:clrMapOvr>
+  <p:timing>
+    <p:tnLst>
+      <p:par>
+        <p:cTn id="1" dur="indefinite" restart="never" nodeType="tmRoot"/>
+      </p:par>
+    </p:tnLst>
+  </p:timing>
+</p:sld>
+</file>
+
+<file path=ppt/slides/slide13.xml><?xml version="1.0" encoding="utf-8"?>
+<p:sld xmlns:a="http://schemas.openxmlformats.org/drawingml/2006/main" xmlns:r="http://schemas.openxmlformats.org/officeDocument/2006/relationships" xmlns:p="http://schemas.openxmlformats.org/presentationml/2006/main">
+  <p:cSld>
+    <p:spTree>
+      <p:nvGrpSpPr>
+        <p:cNvPr id="1" name=""/>
+        <p:cNvGrpSpPr/>
+        <p:nvPr/>
+      </p:nvGrpSpPr>
+      <p:grpSpPr>
+        <a:xfrm>
+          <a:off x="0" y="0"/>
+          <a:ext cx="0" cy="0"/>
+          <a:chOff x="0" y="0"/>
+          <a:chExt cx="0" cy="0"/>
+        </a:xfrm>
+      </p:grpSpPr>
+      <p:sp>
+        <p:nvSpPr>
+          <p:cNvPr id="2" name="TextBox 1"/>
+          <p:cNvSpPr txBox="1"/>
+          <p:nvPr/>
+        </p:nvSpPr>
+        <p:spPr>
+          <a:xfrm>
+            <a:off x="431448" y="191376"/>
+            <a:ext cx="8191092" cy="400110"/>
+          </a:xfrm>
+          <a:prstGeom prst="rect">
+            <a:avLst/>
+          </a:prstGeom>
+          <a:noFill/>
+        </p:spPr>
+        <p:txBody>
+          <a:bodyPr wrap="square" rtlCol="0">
+            <a:spAutoFit/>
+          </a:bodyPr>
+          <a:lstStyle/>
+          <a:p>
+            <a:pPr algn="l"/>
+            <a:r>
+              <a:rPr lang="en-US" altLang="ko-KR" sz="2000" b="1" dirty="0" smtClean="0">
+                <a:latin typeface="맑은 고딕" panose="020B0503020000020004" pitchFamily="50" charset="-127"/>
+                <a:ea typeface="맑은 고딕" panose="020B0503020000020004" pitchFamily="50" charset="-127"/>
+              </a:rPr>
+              <a:t>1.1. </a:t>
+            </a:r>
+            <a:r>
+              <a:rPr lang="en-US" altLang="ko-KR" sz="2000" b="1" dirty="0" err="1" smtClean="0">
+                <a:latin typeface="맑은 고딕" panose="020B0503020000020004" pitchFamily="50" charset="-127"/>
+                <a:ea typeface="맑은 고딕" panose="020B0503020000020004" pitchFamily="50" charset="-127"/>
+              </a:rPr>
+              <a:t>NetworkAPI</a:t>
+            </a:r>
+            <a:r>
+              <a:rPr lang="en-US" altLang="ko-KR" sz="2000" b="1" dirty="0" smtClean="0">
+                <a:latin typeface="맑은 고딕" panose="020B0503020000020004" pitchFamily="50" charset="-127"/>
+                <a:ea typeface="맑은 고딕" panose="020B0503020000020004" pitchFamily="50" charset="-127"/>
+              </a:rPr>
+              <a:t> </a:t>
+            </a:r>
+            <a:r>
+              <a:rPr lang="ko-KR" altLang="en-US" sz="2000" b="1" dirty="0" smtClean="0">
+                <a:latin typeface="맑은 고딕" panose="020B0503020000020004" pitchFamily="50" charset="-127"/>
+                <a:ea typeface="맑은 고딕" panose="020B0503020000020004" pitchFamily="50" charset="-127"/>
+              </a:rPr>
+              <a:t>사용 예</a:t>
+            </a:r>
           </a:p>
         </p:txBody>
       </p:sp>
@@ -4860,7 +10002,7 @@
 </p:sld>
 </file>
 
-<file path=ppt/slides/slide11.xml><?xml version="1.0" encoding="utf-8"?>
+<file path=ppt/slides/slide14.xml><?xml version="1.0" encoding="utf-8"?>
 <p:sld xmlns:a="http://schemas.openxmlformats.org/drawingml/2006/main" xmlns:r="http://schemas.openxmlformats.org/officeDocument/2006/relationships" xmlns:p="http://schemas.openxmlformats.org/presentationml/2006/main">
   <p:cSld>
     <p:spTree>
@@ -4937,7 +10079,7 @@
 </p:sld>
 </file>
 
-<file path=ppt/slides/slide12.xml><?xml version="1.0" encoding="utf-8"?>
+<file path=ppt/slides/slide15.xml><?xml version="1.0" encoding="utf-8"?>
 <p:sld xmlns:a="http://schemas.openxmlformats.org/drawingml/2006/main" xmlns:r="http://schemas.openxmlformats.org/officeDocument/2006/relationships" xmlns:p="http://schemas.openxmlformats.org/presentationml/2006/main">
   <p:cSld>
     <p:spTree>
@@ -5018,7 +10160,7 @@
 </p:sld>
 </file>
 
-<file path=ppt/slides/slide13.xml><?xml version="1.0" encoding="utf-8"?>
+<file path=ppt/slides/slide16.xml><?xml version="1.0" encoding="utf-8"?>
 <p:sld xmlns:a="http://schemas.openxmlformats.org/drawingml/2006/main" xmlns:r="http://schemas.openxmlformats.org/officeDocument/2006/relationships" xmlns:p="http://schemas.openxmlformats.org/presentationml/2006/main">
   <p:cSld>
     <p:spTree>
@@ -5598,287 +10740,6 @@
 </p:sld>
 </file>
 
-<file path=ppt/slides/slide14.xml><?xml version="1.0" encoding="utf-8"?>
-<p:sld xmlns:a="http://schemas.openxmlformats.org/drawingml/2006/main" xmlns:r="http://schemas.openxmlformats.org/officeDocument/2006/relationships" xmlns:p="http://schemas.openxmlformats.org/presentationml/2006/main">
-  <p:cSld>
-    <p:spTree>
-      <p:nvGrpSpPr>
-        <p:cNvPr id="1" name=""/>
-        <p:cNvGrpSpPr/>
-        <p:nvPr/>
-      </p:nvGrpSpPr>
-      <p:grpSpPr>
-        <a:xfrm>
-          <a:off x="0" y="0"/>
-          <a:ext cx="0" cy="0"/>
-          <a:chOff x="0" y="0"/>
-          <a:chExt cx="0" cy="0"/>
-        </a:xfrm>
-      </p:grpSpPr>
-      <p:sp>
-        <p:nvSpPr>
-          <p:cNvPr id="2" name="TextBox 1"/>
-          <p:cNvSpPr txBox="1"/>
-          <p:nvPr/>
-        </p:nvSpPr>
-        <p:spPr>
-          <a:xfrm>
-            <a:off x="431448" y="191376"/>
-            <a:ext cx="8191092" cy="400110"/>
-          </a:xfrm>
-          <a:prstGeom prst="rect">
-            <a:avLst/>
-          </a:prstGeom>
-          <a:noFill/>
-        </p:spPr>
-        <p:txBody>
-          <a:bodyPr wrap="square" rtlCol="0">
-            <a:spAutoFit/>
-          </a:bodyPr>
-          <a:lstStyle/>
-          <a:p>
-            <a:pPr algn="l"/>
-            <a:r>
-              <a:rPr lang="en-US" altLang="ko-KR" sz="2000" b="1" dirty="0" smtClean="0">
-                <a:latin typeface="맑은 고딕" panose="020B0503020000020004" pitchFamily="50" charset="-127"/>
-                <a:ea typeface="맑은 고딕" panose="020B0503020000020004" pitchFamily="50" charset="-127"/>
-              </a:rPr>
-              <a:t>1. </a:t>
-            </a:r>
-            <a:r>
-              <a:rPr lang="ko-KR" altLang="en-US" sz="2000" b="1" dirty="0" smtClean="0">
-                <a:latin typeface="맑은 고딕" panose="020B0503020000020004" pitchFamily="50" charset="-127"/>
-                <a:ea typeface="맑은 고딕" panose="020B0503020000020004" pitchFamily="50" charset="-127"/>
-              </a:rPr>
-              <a:t>다운로드</a:t>
-            </a:r>
-          </a:p>
-        </p:txBody>
-      </p:sp>
-    </p:spTree>
-    <p:extLst>
-      <p:ext uri="{BB962C8B-B14F-4D97-AF65-F5344CB8AC3E}">
-        <p14:creationId xmlns:p14="http://schemas.microsoft.com/office/powerpoint/2010/main" val="3155257402"/>
-      </p:ext>
-    </p:extLst>
-  </p:cSld>
-  <p:clrMapOvr>
-    <a:masterClrMapping/>
-  </p:clrMapOvr>
-  <p:timing>
-    <p:tnLst>
-      <p:par>
-        <p:cTn id="1" dur="indefinite" restart="never" nodeType="tmRoot"/>
-      </p:par>
-    </p:tnLst>
-  </p:timing>
-</p:sld>
-</file>
-
-<file path=ppt/slides/slide15.xml><?xml version="1.0" encoding="utf-8"?>
-<p:sld xmlns:a="http://schemas.openxmlformats.org/drawingml/2006/main" xmlns:r="http://schemas.openxmlformats.org/officeDocument/2006/relationships" xmlns:p="http://schemas.openxmlformats.org/presentationml/2006/main">
-  <p:cSld>
-    <p:spTree>
-      <p:nvGrpSpPr>
-        <p:cNvPr id="1" name=""/>
-        <p:cNvGrpSpPr/>
-        <p:nvPr/>
-      </p:nvGrpSpPr>
-      <p:grpSpPr>
-        <a:xfrm>
-          <a:off x="0" y="0"/>
-          <a:ext cx="0" cy="0"/>
-          <a:chOff x="0" y="0"/>
-          <a:chExt cx="0" cy="0"/>
-        </a:xfrm>
-      </p:grpSpPr>
-      <p:sp>
-        <p:nvSpPr>
-          <p:cNvPr id="2" name="TextBox 1"/>
-          <p:cNvSpPr txBox="1"/>
-          <p:nvPr/>
-        </p:nvSpPr>
-        <p:spPr>
-          <a:xfrm>
-            <a:off x="431448" y="191376"/>
-            <a:ext cx="8191092" cy="400110"/>
-          </a:xfrm>
-          <a:prstGeom prst="rect">
-            <a:avLst/>
-          </a:prstGeom>
-          <a:noFill/>
-        </p:spPr>
-        <p:txBody>
-          <a:bodyPr wrap="square" rtlCol="0">
-            <a:spAutoFit/>
-          </a:bodyPr>
-          <a:lstStyle/>
-          <a:p>
-            <a:pPr algn="l"/>
-            <a:r>
-              <a:rPr lang="en-US" altLang="ko-KR" sz="2000" b="1" dirty="0" smtClean="0">
-                <a:latin typeface="맑은 고딕" panose="020B0503020000020004" pitchFamily="50" charset="-127"/>
-                <a:ea typeface="맑은 고딕" panose="020B0503020000020004" pitchFamily="50" charset="-127"/>
-              </a:rPr>
-              <a:t>2. </a:t>
-            </a:r>
-            <a:r>
-              <a:rPr lang="ko-KR" altLang="en-US" sz="2000" b="1" dirty="0" smtClean="0">
-                <a:latin typeface="맑은 고딕" panose="020B0503020000020004" pitchFamily="50" charset="-127"/>
-                <a:ea typeface="맑은 고딕" panose="020B0503020000020004" pitchFamily="50" charset="-127"/>
-              </a:rPr>
-              <a:t>인증 서버</a:t>
-            </a:r>
-            <a:r>
-              <a:rPr lang="en-US" altLang="ko-KR" sz="2000" b="1" dirty="0" smtClean="0">
-                <a:latin typeface="맑은 고딕" panose="020B0503020000020004" pitchFamily="50" charset="-127"/>
-                <a:ea typeface="맑은 고딕" panose="020B0503020000020004" pitchFamily="50" charset="-127"/>
-              </a:rPr>
-              <a:t>(</a:t>
-            </a:r>
-            <a:r>
-              <a:rPr lang="en-US" altLang="ko-KR" sz="2000" b="1" dirty="0" err="1" smtClean="0">
-                <a:latin typeface="맑은 고딕" panose="020B0503020000020004" pitchFamily="50" charset="-127"/>
-                <a:ea typeface="맑은 고딕" panose="020B0503020000020004" pitchFamily="50" charset="-127"/>
-              </a:rPr>
-              <a:t>AuthServer</a:t>
-            </a:r>
-            <a:r>
-              <a:rPr lang="en-US" altLang="ko-KR" sz="2000" b="1" dirty="0" smtClean="0">
-                <a:latin typeface="맑은 고딕" panose="020B0503020000020004" pitchFamily="50" charset="-127"/>
-                <a:ea typeface="맑은 고딕" panose="020B0503020000020004" pitchFamily="50" charset="-127"/>
-              </a:rPr>
-              <a:t>)</a:t>
-            </a:r>
-            <a:endParaRPr lang="ko-KR" altLang="en-US" sz="2000" b="1" dirty="0" smtClean="0">
-              <a:latin typeface="맑은 고딕" panose="020B0503020000020004" pitchFamily="50" charset="-127"/>
-              <a:ea typeface="맑은 고딕" panose="020B0503020000020004" pitchFamily="50" charset="-127"/>
-            </a:endParaRPr>
-          </a:p>
-        </p:txBody>
-      </p:sp>
-    </p:spTree>
-    <p:extLst>
-      <p:ext uri="{BB962C8B-B14F-4D97-AF65-F5344CB8AC3E}">
-        <p14:creationId xmlns:p14="http://schemas.microsoft.com/office/powerpoint/2010/main" val="2636235773"/>
-      </p:ext>
-    </p:extLst>
-  </p:cSld>
-  <p:clrMapOvr>
-    <a:masterClrMapping/>
-  </p:clrMapOvr>
-  <p:timing>
-    <p:tnLst>
-      <p:par>
-        <p:cTn id="1" dur="indefinite" restart="never" nodeType="tmRoot"/>
-      </p:par>
-    </p:tnLst>
-  </p:timing>
-</p:sld>
-</file>
-
-<file path=ppt/slides/slide16.xml><?xml version="1.0" encoding="utf-8"?>
-<p:sld xmlns:a="http://schemas.openxmlformats.org/drawingml/2006/main" xmlns:r="http://schemas.openxmlformats.org/officeDocument/2006/relationships" xmlns:p="http://schemas.openxmlformats.org/presentationml/2006/main">
-  <p:cSld>
-    <p:spTree>
-      <p:nvGrpSpPr>
-        <p:cNvPr id="1" name=""/>
-        <p:cNvGrpSpPr/>
-        <p:nvPr/>
-      </p:nvGrpSpPr>
-      <p:grpSpPr>
-        <a:xfrm>
-          <a:off x="0" y="0"/>
-          <a:ext cx="0" cy="0"/>
-          <a:chOff x="0" y="0"/>
-          <a:chExt cx="0" cy="0"/>
-        </a:xfrm>
-      </p:grpSpPr>
-      <p:sp>
-        <p:nvSpPr>
-          <p:cNvPr id="2" name="TextBox 1"/>
-          <p:cNvSpPr txBox="1"/>
-          <p:nvPr/>
-        </p:nvSpPr>
-        <p:spPr>
-          <a:xfrm>
-            <a:off x="431448" y="191376"/>
-            <a:ext cx="8191092" cy="400110"/>
-          </a:xfrm>
-          <a:prstGeom prst="rect">
-            <a:avLst/>
-          </a:prstGeom>
-          <a:noFill/>
-        </p:spPr>
-        <p:txBody>
-          <a:bodyPr wrap="square" rtlCol="0">
-            <a:spAutoFit/>
-          </a:bodyPr>
-          <a:lstStyle/>
-          <a:p>
-            <a:pPr algn="l"/>
-            <a:r>
-              <a:rPr lang="en-US" altLang="ko-KR" sz="2000" b="1" dirty="0" smtClean="0">
-                <a:latin typeface="맑은 고딕" panose="020B0503020000020004" pitchFamily="50" charset="-127"/>
-                <a:ea typeface="맑은 고딕" panose="020B0503020000020004" pitchFamily="50" charset="-127"/>
-              </a:rPr>
-              <a:t>3. </a:t>
-            </a:r>
-            <a:r>
-              <a:rPr lang="ko-KR" altLang="en-US" sz="2000" b="1" dirty="0" smtClean="0">
-                <a:latin typeface="맑은 고딕" panose="020B0503020000020004" pitchFamily="50" charset="-127"/>
-                <a:ea typeface="맑은 고딕" panose="020B0503020000020004" pitchFamily="50" charset="-127"/>
-              </a:rPr>
-              <a:t>게임 서버</a:t>
-            </a:r>
-            <a:r>
-              <a:rPr lang="en-US" altLang="ko-KR" sz="2000" b="1" dirty="0" smtClean="0">
-                <a:latin typeface="맑은 고딕" panose="020B0503020000020004" pitchFamily="50" charset="-127"/>
-                <a:ea typeface="맑은 고딕" panose="020B0503020000020004" pitchFamily="50" charset="-127"/>
-              </a:rPr>
-              <a:t>(</a:t>
-            </a:r>
-            <a:r>
-              <a:rPr lang="en-US" altLang="ko-KR" sz="2000" b="1" dirty="0" err="1" smtClean="0">
-                <a:latin typeface="맑은 고딕" panose="020B0503020000020004" pitchFamily="50" charset="-127"/>
-                <a:ea typeface="맑은 고딕" panose="020B0503020000020004" pitchFamily="50" charset="-127"/>
-              </a:rPr>
-              <a:t>GameServer</a:t>
-            </a:r>
-            <a:r>
-              <a:rPr lang="en-US" altLang="ko-KR" sz="2000" b="1" dirty="0" smtClean="0">
-                <a:latin typeface="맑은 고딕" panose="020B0503020000020004" pitchFamily="50" charset="-127"/>
-                <a:ea typeface="맑은 고딕" panose="020B0503020000020004" pitchFamily="50" charset="-127"/>
-              </a:rPr>
-              <a:t>)</a:t>
-            </a:r>
-            <a:endParaRPr lang="ko-KR" altLang="en-US" sz="2000" b="1" dirty="0" smtClean="0">
-              <a:latin typeface="맑은 고딕" panose="020B0503020000020004" pitchFamily="50" charset="-127"/>
-              <a:ea typeface="맑은 고딕" panose="020B0503020000020004" pitchFamily="50" charset="-127"/>
-            </a:endParaRPr>
-          </a:p>
-        </p:txBody>
-      </p:sp>
-    </p:spTree>
-    <p:extLst>
-      <p:ext uri="{BB962C8B-B14F-4D97-AF65-F5344CB8AC3E}">
-        <p14:creationId xmlns:p14="http://schemas.microsoft.com/office/powerpoint/2010/main" val="2695299849"/>
-      </p:ext>
-    </p:extLst>
-  </p:cSld>
-  <p:clrMapOvr>
-    <a:masterClrMapping/>
-  </p:clrMapOvr>
-  <p:timing>
-    <p:tnLst>
-      <p:par>
-        <p:cTn id="1" dur="indefinite" restart="never" nodeType="tmRoot"/>
-      </p:par>
-    </p:tnLst>
-  </p:timing>
-</p:sld>
-</file>
-
 <file path=ppt/slides/slide17.xml><?xml version="1.0" encoding="utf-8"?>
 <p:sld xmlns:a="http://schemas.openxmlformats.org/drawingml/2006/main" xmlns:r="http://schemas.openxmlformats.org/officeDocument/2006/relationships" xmlns:p="http://schemas.openxmlformats.org/presentationml/2006/main">
   <p:cSld>
@@ -5924,26 +10785,22 @@
                 <a:latin typeface="맑은 고딕" panose="020B0503020000020004" pitchFamily="50" charset="-127"/>
                 <a:ea typeface="맑은 고딕" panose="020B0503020000020004" pitchFamily="50" charset="-127"/>
               </a:rPr>
-              <a:t>4. </a:t>
-            </a:r>
-            <a:r>
-              <a:rPr lang="en-US" altLang="ko-KR" sz="2000" b="1" dirty="0" err="1" smtClean="0">
+              <a:t>1. </a:t>
+            </a:r>
+            <a:r>
+              <a:rPr lang="ko-KR" altLang="en-US" sz="2000" b="1" dirty="0" smtClean="0">
                 <a:latin typeface="맑은 고딕" panose="020B0503020000020004" pitchFamily="50" charset="-127"/>
                 <a:ea typeface="맑은 고딕" panose="020B0503020000020004" pitchFamily="50" charset="-127"/>
               </a:rPr>
-              <a:t>GameClient</a:t>
-            </a:r>
-            <a:endParaRPr lang="ko-KR" altLang="en-US" sz="2000" b="1" dirty="0" smtClean="0">
-              <a:latin typeface="맑은 고딕" panose="020B0503020000020004" pitchFamily="50" charset="-127"/>
-              <a:ea typeface="맑은 고딕" panose="020B0503020000020004" pitchFamily="50" charset="-127"/>
-            </a:endParaRPr>
+              <a:t>다운로드</a:t>
+            </a:r>
           </a:p>
         </p:txBody>
       </p:sp>
     </p:spTree>
     <p:extLst>
       <p:ext uri="{BB962C8B-B14F-4D97-AF65-F5344CB8AC3E}">
-        <p14:creationId xmlns:p14="http://schemas.microsoft.com/office/powerpoint/2010/main" val="907292139"/>
+        <p14:creationId xmlns:p14="http://schemas.microsoft.com/office/powerpoint/2010/main" val="3155257402"/>
       </p:ext>
     </p:extLst>
   </p:cSld>
@@ -5977,16 +10834,190 @@
           <a:chExt cx="0" cy="0"/>
         </a:xfrm>
       </p:grpSpPr>
+      <p:sp>
+        <p:nvSpPr>
+          <p:cNvPr id="2" name="TextBox 1"/>
+          <p:cNvSpPr txBox="1"/>
+          <p:nvPr/>
+        </p:nvSpPr>
+        <p:spPr>
+          <a:xfrm>
+            <a:off x="431448" y="191376"/>
+            <a:ext cx="8191092" cy="400110"/>
+          </a:xfrm>
+          <a:prstGeom prst="rect">
+            <a:avLst/>
+          </a:prstGeom>
+          <a:noFill/>
+        </p:spPr>
+        <p:txBody>
+          <a:bodyPr wrap="square" rtlCol="0">
+            <a:spAutoFit/>
+          </a:bodyPr>
+          <a:lstStyle/>
+          <a:p>
+            <a:pPr algn="l"/>
+            <a:r>
+              <a:rPr lang="en-US" altLang="ko-KR" sz="2000" b="1" dirty="0" smtClean="0">
+                <a:latin typeface="맑은 고딕" panose="020B0503020000020004" pitchFamily="50" charset="-127"/>
+                <a:ea typeface="맑은 고딕" panose="020B0503020000020004" pitchFamily="50" charset="-127"/>
+              </a:rPr>
+              <a:t>2. </a:t>
+            </a:r>
+            <a:r>
+              <a:rPr lang="ko-KR" altLang="en-US" sz="2000" b="1" dirty="0" smtClean="0">
+                <a:latin typeface="맑은 고딕" panose="020B0503020000020004" pitchFamily="50" charset="-127"/>
+                <a:ea typeface="맑은 고딕" panose="020B0503020000020004" pitchFamily="50" charset="-127"/>
+              </a:rPr>
+              <a:t>인증 서버</a:t>
+            </a:r>
+            <a:r>
+              <a:rPr lang="en-US" altLang="ko-KR" sz="2000" b="1" dirty="0" smtClean="0">
+                <a:latin typeface="맑은 고딕" panose="020B0503020000020004" pitchFamily="50" charset="-127"/>
+                <a:ea typeface="맑은 고딕" panose="020B0503020000020004" pitchFamily="50" charset="-127"/>
+              </a:rPr>
+              <a:t>(</a:t>
+            </a:r>
+            <a:r>
+              <a:rPr lang="en-US" altLang="ko-KR" sz="2000" b="1" dirty="0" err="1" smtClean="0">
+                <a:latin typeface="맑은 고딕" panose="020B0503020000020004" pitchFamily="50" charset="-127"/>
+                <a:ea typeface="맑은 고딕" panose="020B0503020000020004" pitchFamily="50" charset="-127"/>
+              </a:rPr>
+              <a:t>AuthServer</a:t>
+            </a:r>
+            <a:r>
+              <a:rPr lang="en-US" altLang="ko-KR" sz="2000" b="1" dirty="0" smtClean="0">
+                <a:latin typeface="맑은 고딕" panose="020B0503020000020004" pitchFamily="50" charset="-127"/>
+                <a:ea typeface="맑은 고딕" panose="020B0503020000020004" pitchFamily="50" charset="-127"/>
+              </a:rPr>
+              <a:t>)</a:t>
+            </a:r>
+            <a:endParaRPr lang="ko-KR" altLang="en-US" sz="2000" b="1" dirty="0" smtClean="0">
+              <a:latin typeface="맑은 고딕" panose="020B0503020000020004" pitchFamily="50" charset="-127"/>
+              <a:ea typeface="맑은 고딕" panose="020B0503020000020004" pitchFamily="50" charset="-127"/>
+            </a:endParaRPr>
+          </a:p>
+        </p:txBody>
+      </p:sp>
     </p:spTree>
     <p:extLst>
       <p:ext uri="{BB962C8B-B14F-4D97-AF65-F5344CB8AC3E}">
-        <p14:creationId xmlns:p14="http://schemas.microsoft.com/office/powerpoint/2010/main" val="1729585171"/>
+        <p14:creationId xmlns:p14="http://schemas.microsoft.com/office/powerpoint/2010/main" val="2636235773"/>
       </p:ext>
     </p:extLst>
   </p:cSld>
   <p:clrMapOvr>
     <a:masterClrMapping/>
   </p:clrMapOvr>
+  <p:timing>
+    <p:tnLst>
+      <p:par>
+        <p:cTn id="1" dur="indefinite" restart="never" nodeType="tmRoot"/>
+      </p:par>
+    </p:tnLst>
+  </p:timing>
+</p:sld>
+</file>
+
+<file path=ppt/slides/slide19.xml><?xml version="1.0" encoding="utf-8"?>
+<p:sld xmlns:a="http://schemas.openxmlformats.org/drawingml/2006/main" xmlns:r="http://schemas.openxmlformats.org/officeDocument/2006/relationships" xmlns:p="http://schemas.openxmlformats.org/presentationml/2006/main">
+  <p:cSld>
+    <p:spTree>
+      <p:nvGrpSpPr>
+        <p:cNvPr id="1" name=""/>
+        <p:cNvGrpSpPr/>
+        <p:nvPr/>
+      </p:nvGrpSpPr>
+      <p:grpSpPr>
+        <a:xfrm>
+          <a:off x="0" y="0"/>
+          <a:ext cx="0" cy="0"/>
+          <a:chOff x="0" y="0"/>
+          <a:chExt cx="0" cy="0"/>
+        </a:xfrm>
+      </p:grpSpPr>
+      <p:sp>
+        <p:nvSpPr>
+          <p:cNvPr id="2" name="TextBox 1"/>
+          <p:cNvSpPr txBox="1"/>
+          <p:nvPr/>
+        </p:nvSpPr>
+        <p:spPr>
+          <a:xfrm>
+            <a:off x="431448" y="191376"/>
+            <a:ext cx="8191092" cy="400110"/>
+          </a:xfrm>
+          <a:prstGeom prst="rect">
+            <a:avLst/>
+          </a:prstGeom>
+          <a:noFill/>
+        </p:spPr>
+        <p:txBody>
+          <a:bodyPr wrap="square" rtlCol="0">
+            <a:spAutoFit/>
+          </a:bodyPr>
+          <a:lstStyle/>
+          <a:p>
+            <a:pPr algn="l"/>
+            <a:r>
+              <a:rPr lang="en-US" altLang="ko-KR" sz="2000" b="1" dirty="0" smtClean="0">
+                <a:latin typeface="맑은 고딕" panose="020B0503020000020004" pitchFamily="50" charset="-127"/>
+                <a:ea typeface="맑은 고딕" panose="020B0503020000020004" pitchFamily="50" charset="-127"/>
+              </a:rPr>
+              <a:t>3. </a:t>
+            </a:r>
+            <a:r>
+              <a:rPr lang="ko-KR" altLang="en-US" sz="2000" b="1" dirty="0" smtClean="0">
+                <a:latin typeface="맑은 고딕" panose="020B0503020000020004" pitchFamily="50" charset="-127"/>
+                <a:ea typeface="맑은 고딕" panose="020B0503020000020004" pitchFamily="50" charset="-127"/>
+              </a:rPr>
+              <a:t>게임 서버</a:t>
+            </a:r>
+            <a:r>
+              <a:rPr lang="en-US" altLang="ko-KR" sz="2000" b="1" dirty="0" smtClean="0">
+                <a:latin typeface="맑은 고딕" panose="020B0503020000020004" pitchFamily="50" charset="-127"/>
+                <a:ea typeface="맑은 고딕" panose="020B0503020000020004" pitchFamily="50" charset="-127"/>
+              </a:rPr>
+              <a:t>(</a:t>
+            </a:r>
+            <a:r>
+              <a:rPr lang="en-US" altLang="ko-KR" sz="2000" b="1" dirty="0" err="1" smtClean="0">
+                <a:latin typeface="맑은 고딕" panose="020B0503020000020004" pitchFamily="50" charset="-127"/>
+                <a:ea typeface="맑은 고딕" panose="020B0503020000020004" pitchFamily="50" charset="-127"/>
+              </a:rPr>
+              <a:t>GameServer</a:t>
+            </a:r>
+            <a:r>
+              <a:rPr lang="en-US" altLang="ko-KR" sz="2000" b="1" dirty="0" smtClean="0">
+                <a:latin typeface="맑은 고딕" panose="020B0503020000020004" pitchFamily="50" charset="-127"/>
+                <a:ea typeface="맑은 고딕" panose="020B0503020000020004" pitchFamily="50" charset="-127"/>
+              </a:rPr>
+              <a:t>)</a:t>
+            </a:r>
+            <a:endParaRPr lang="ko-KR" altLang="en-US" sz="2000" b="1" dirty="0" smtClean="0">
+              <a:latin typeface="맑은 고딕" panose="020B0503020000020004" pitchFamily="50" charset="-127"/>
+              <a:ea typeface="맑은 고딕" panose="020B0503020000020004" pitchFamily="50" charset="-127"/>
+            </a:endParaRPr>
+          </a:p>
+        </p:txBody>
+      </p:sp>
+    </p:spTree>
+    <p:extLst>
+      <p:ext uri="{BB962C8B-B14F-4D97-AF65-F5344CB8AC3E}">
+        <p14:creationId xmlns:p14="http://schemas.microsoft.com/office/powerpoint/2010/main" val="2695299849"/>
+      </p:ext>
+    </p:extLst>
+  </p:cSld>
+  <p:clrMapOvr>
+    <a:masterClrMapping/>
+  </p:clrMapOvr>
+  <p:timing>
+    <p:tnLst>
+      <p:par>
+        <p:cTn id="1" dur="indefinite" restart="never" nodeType="tmRoot"/>
+      </p:par>
+    </p:tnLst>
+  </p:timing>
 </p:sld>
 </file>
 
@@ -6061,6 +11092,117 @@
       </p:par>
     </p:tnLst>
   </p:timing>
+</p:sld>
+</file>
+
+<file path=ppt/slides/slide20.xml><?xml version="1.0" encoding="utf-8"?>
+<p:sld xmlns:a="http://schemas.openxmlformats.org/drawingml/2006/main" xmlns:r="http://schemas.openxmlformats.org/officeDocument/2006/relationships" xmlns:p="http://schemas.openxmlformats.org/presentationml/2006/main">
+  <p:cSld>
+    <p:spTree>
+      <p:nvGrpSpPr>
+        <p:cNvPr id="1" name=""/>
+        <p:cNvGrpSpPr/>
+        <p:nvPr/>
+      </p:nvGrpSpPr>
+      <p:grpSpPr>
+        <a:xfrm>
+          <a:off x="0" y="0"/>
+          <a:ext cx="0" cy="0"/>
+          <a:chOff x="0" y="0"/>
+          <a:chExt cx="0" cy="0"/>
+        </a:xfrm>
+      </p:grpSpPr>
+      <p:sp>
+        <p:nvSpPr>
+          <p:cNvPr id="2" name="TextBox 1"/>
+          <p:cNvSpPr txBox="1"/>
+          <p:nvPr/>
+        </p:nvSpPr>
+        <p:spPr>
+          <a:xfrm>
+            <a:off x="431448" y="191376"/>
+            <a:ext cx="8191092" cy="400110"/>
+          </a:xfrm>
+          <a:prstGeom prst="rect">
+            <a:avLst/>
+          </a:prstGeom>
+          <a:noFill/>
+        </p:spPr>
+        <p:txBody>
+          <a:bodyPr wrap="square" rtlCol="0">
+            <a:spAutoFit/>
+          </a:bodyPr>
+          <a:lstStyle/>
+          <a:p>
+            <a:pPr algn="l"/>
+            <a:r>
+              <a:rPr lang="en-US" altLang="ko-KR" sz="2000" b="1" dirty="0" smtClean="0">
+                <a:latin typeface="맑은 고딕" panose="020B0503020000020004" pitchFamily="50" charset="-127"/>
+                <a:ea typeface="맑은 고딕" panose="020B0503020000020004" pitchFamily="50" charset="-127"/>
+              </a:rPr>
+              <a:t>4. </a:t>
+            </a:r>
+            <a:r>
+              <a:rPr lang="en-US" altLang="ko-KR" sz="2000" b="1" dirty="0" err="1" smtClean="0">
+                <a:latin typeface="맑은 고딕" panose="020B0503020000020004" pitchFamily="50" charset="-127"/>
+                <a:ea typeface="맑은 고딕" panose="020B0503020000020004" pitchFamily="50" charset="-127"/>
+              </a:rPr>
+              <a:t>GameClient</a:t>
+            </a:r>
+            <a:endParaRPr lang="ko-KR" altLang="en-US" sz="2000" b="1" dirty="0" smtClean="0">
+              <a:latin typeface="맑은 고딕" panose="020B0503020000020004" pitchFamily="50" charset="-127"/>
+              <a:ea typeface="맑은 고딕" panose="020B0503020000020004" pitchFamily="50" charset="-127"/>
+            </a:endParaRPr>
+          </a:p>
+        </p:txBody>
+      </p:sp>
+    </p:spTree>
+    <p:extLst>
+      <p:ext uri="{BB962C8B-B14F-4D97-AF65-F5344CB8AC3E}">
+        <p14:creationId xmlns:p14="http://schemas.microsoft.com/office/powerpoint/2010/main" val="907292139"/>
+      </p:ext>
+    </p:extLst>
+  </p:cSld>
+  <p:clrMapOvr>
+    <a:masterClrMapping/>
+  </p:clrMapOvr>
+  <p:timing>
+    <p:tnLst>
+      <p:par>
+        <p:cTn id="1" dur="indefinite" restart="never" nodeType="tmRoot"/>
+      </p:par>
+    </p:tnLst>
+  </p:timing>
+</p:sld>
+</file>
+
+<file path=ppt/slides/slide21.xml><?xml version="1.0" encoding="utf-8"?>
+<p:sld xmlns:a="http://schemas.openxmlformats.org/drawingml/2006/main" xmlns:r="http://schemas.openxmlformats.org/officeDocument/2006/relationships" xmlns:p="http://schemas.openxmlformats.org/presentationml/2006/main">
+  <p:cSld>
+    <p:spTree>
+      <p:nvGrpSpPr>
+        <p:cNvPr id="1" name=""/>
+        <p:cNvGrpSpPr/>
+        <p:nvPr/>
+      </p:nvGrpSpPr>
+      <p:grpSpPr>
+        <a:xfrm>
+          <a:off x="0" y="0"/>
+          <a:ext cx="0" cy="0"/>
+          <a:chOff x="0" y="0"/>
+          <a:chExt cx="0" cy="0"/>
+        </a:xfrm>
+      </p:grpSpPr>
+    </p:spTree>
+    <p:extLst>
+      <p:ext uri="{BB962C8B-B14F-4D97-AF65-F5344CB8AC3E}">
+        <p14:creationId xmlns:p14="http://schemas.microsoft.com/office/powerpoint/2010/main" val="1729585171"/>
+      </p:ext>
+    </p:extLst>
+  </p:cSld>
+  <p:clrMapOvr>
+    <a:masterClrMapping/>
+  </p:clrMapOvr>
 </p:sld>
 </file>
 
@@ -6701,6 +11843,161 @@
           </a:p>
         </p:txBody>
       </p:sp>
+      <p:sp>
+        <p:nvSpPr>
+          <p:cNvPr id="3" name="TextBox 2"/>
+          <p:cNvSpPr txBox="1"/>
+          <p:nvPr/>
+        </p:nvSpPr>
+        <p:spPr>
+          <a:xfrm>
+            <a:off x="701484" y="1061577"/>
+            <a:ext cx="1997663" cy="600164"/>
+          </a:xfrm>
+          <a:prstGeom prst="rect">
+            <a:avLst/>
+          </a:prstGeom>
+          <a:noFill/>
+        </p:spPr>
+        <p:txBody>
+          <a:bodyPr wrap="none" rtlCol="0">
+            <a:spAutoFit/>
+          </a:bodyPr>
+          <a:lstStyle/>
+          <a:p>
+            <a:r>
+              <a:rPr lang="ko-KR" altLang="en-US" sz="1100" dirty="0" smtClean="0">
+                <a:latin typeface="맑은 고딕" panose="020B0503020000020004" pitchFamily="50" charset="-127"/>
+                <a:ea typeface="맑은 고딕" panose="020B0503020000020004" pitchFamily="50" charset="-127"/>
+              </a:rPr>
+              <a:t>샘플 프로그램 다운로드 </a:t>
+            </a:r>
+            <a:r>
+              <a:rPr lang="en-US" altLang="ko-KR" sz="1100" dirty="0" smtClean="0">
+                <a:latin typeface="맑은 고딕" panose="020B0503020000020004" pitchFamily="50" charset="-127"/>
+                <a:ea typeface="맑은 고딕" panose="020B0503020000020004" pitchFamily="50" charset="-127"/>
+              </a:rPr>
+              <a:t>URL</a:t>
+            </a:r>
+          </a:p>
+          <a:p>
+            <a:endParaRPr lang="en-US" altLang="ko-KR" sz="1100" dirty="0" smtClean="0">
+              <a:latin typeface="맑은 고딕" panose="020B0503020000020004" pitchFamily="50" charset="-127"/>
+              <a:ea typeface="맑은 고딕" panose="020B0503020000020004" pitchFamily="50" charset="-127"/>
+            </a:endParaRPr>
+          </a:p>
+          <a:p>
+            <a:r>
+              <a:rPr lang="en-US" altLang="ko-KR" sz="1100" dirty="0" smtClean="0">
+                <a:latin typeface="맑은 고딕" panose="020B0503020000020004" pitchFamily="50" charset="-127"/>
+                <a:ea typeface="맑은 고딕" panose="020B0503020000020004" pitchFamily="50" charset="-127"/>
+                <a:hlinkClick r:id="rId2"/>
+              </a:rPr>
+              <a:t>https</a:t>
+            </a:r>
+            <a:r>
+              <a:rPr lang="en-US" altLang="ko-KR" sz="1100" dirty="0">
+                <a:latin typeface="맑은 고딕" panose="020B0503020000020004" pitchFamily="50" charset="-127"/>
+                <a:ea typeface="맑은 고딕" panose="020B0503020000020004" pitchFamily="50" charset="-127"/>
+                <a:hlinkClick r:id="rId2"/>
+              </a:rPr>
+              <a:t>://</a:t>
+            </a:r>
+            <a:r>
+              <a:rPr lang="en-US" altLang="ko-KR" sz="1100" dirty="0" smtClean="0">
+                <a:latin typeface="맑은 고딕" panose="020B0503020000020004" pitchFamily="50" charset="-127"/>
+                <a:ea typeface="맑은 고딕" panose="020B0503020000020004" pitchFamily="50" charset="-127"/>
+                <a:hlinkClick r:id="rId2"/>
+              </a:rPr>
+              <a:t>goo.gl/wLae6u</a:t>
+            </a:r>
+            <a:endParaRPr lang="ko-KR" altLang="en-US" sz="1100" dirty="0" smtClean="0">
+              <a:latin typeface="맑은 고딕" panose="020B0503020000020004" pitchFamily="50" charset="-127"/>
+              <a:ea typeface="맑은 고딕" panose="020B0503020000020004" pitchFamily="50" charset="-127"/>
+            </a:endParaRPr>
+          </a:p>
+        </p:txBody>
+      </p:sp>
+      <p:sp>
+        <p:nvSpPr>
+          <p:cNvPr id="4" name="TextBox 3"/>
+          <p:cNvSpPr txBox="1"/>
+          <p:nvPr/>
+        </p:nvSpPr>
+        <p:spPr>
+          <a:xfrm>
+            <a:off x="971520" y="2481738"/>
+            <a:ext cx="1252266" cy="707886"/>
+          </a:xfrm>
+          <a:prstGeom prst="rect">
+            <a:avLst/>
+          </a:prstGeom>
+          <a:noFill/>
+        </p:spPr>
+        <p:txBody>
+          <a:bodyPr wrap="none" rtlCol="0">
+            <a:spAutoFit/>
+          </a:bodyPr>
+          <a:lstStyle/>
+          <a:p>
+            <a:pPr algn="l"/>
+            <a:r>
+              <a:rPr lang="ko-KR" altLang="en-US" dirty="0" smtClean="0"/>
+              <a:t>개발환경</a:t>
+            </a:r>
+            <a:endParaRPr lang="en-US" altLang="ko-KR" dirty="0" smtClean="0"/>
+          </a:p>
+          <a:p>
+            <a:pPr algn="l"/>
+            <a:r>
+              <a:rPr lang="en-US" altLang="ko-KR" dirty="0" smtClean="0"/>
+              <a:t>Visual Studio 2015</a:t>
+            </a:r>
+          </a:p>
+          <a:p>
+            <a:pPr algn="l"/>
+            <a:r>
+              <a:rPr lang="en-US" altLang="ko-KR" dirty="0" smtClean="0"/>
+              <a:t>C# 6.0</a:t>
+            </a:r>
+          </a:p>
+          <a:p>
+            <a:pPr algn="l"/>
+            <a:r>
+              <a:rPr lang="en-US" altLang="ko-KR" dirty="0" err="1" smtClean="0"/>
+              <a:t>.Net</a:t>
+            </a:r>
+            <a:r>
+              <a:rPr lang="en-US" altLang="ko-KR" dirty="0" smtClean="0"/>
+              <a:t> Framework 4.5</a:t>
+            </a:r>
+          </a:p>
+        </p:txBody>
+      </p:sp>
+      <p:pic>
+        <p:nvPicPr>
+          <p:cNvPr id="6" name="그림 5"/>
+          <p:cNvPicPr>
+            <a:picLocks noChangeAspect="1"/>
+          </p:cNvPicPr>
+          <p:nvPr/>
+        </p:nvPicPr>
+        <p:blipFill>
+          <a:blip r:embed="rId3"/>
+          <a:stretch>
+            <a:fillRect/>
+          </a:stretch>
+        </p:blipFill>
+        <p:spPr>
+          <a:xfrm>
+            <a:off x="4391976" y="1061577"/>
+            <a:ext cx="3870954" cy="1509833"/>
+          </a:xfrm>
+          <a:prstGeom prst="rect">
+            <a:avLst/>
+          </a:prstGeom>
+        </p:spPr>
+      </p:pic>
     </p:spTree>
     <p:extLst>
       <p:ext uri="{BB962C8B-B14F-4D97-AF65-F5344CB8AC3E}">
@@ -6773,6 +12070,406 @@
                 <a:latin typeface="맑은 고딕" panose="020B0503020000020004" pitchFamily="50" charset="-127"/>
                 <a:ea typeface="맑은 고딕" panose="020B0503020000020004" pitchFamily="50" charset="-127"/>
               </a:rPr>
+              <a:t>폴더 구성</a:t>
+            </a:r>
+            <a:endParaRPr lang="ko-KR" altLang="en-US" sz="2000" b="1" dirty="0" smtClean="0">
+              <a:latin typeface="맑은 고딕" panose="020B0503020000020004" pitchFamily="50" charset="-127"/>
+              <a:ea typeface="맑은 고딕" panose="020B0503020000020004" pitchFamily="50" charset="-127"/>
+            </a:endParaRPr>
+          </a:p>
+        </p:txBody>
+      </p:sp>
+      <p:graphicFrame>
+        <p:nvGraphicFramePr>
+          <p:cNvPr id="5" name="표 4"/>
+          <p:cNvGraphicFramePr>
+            <a:graphicFrameLocks noGrp="1"/>
+          </p:cNvGraphicFramePr>
+          <p:nvPr>
+            <p:extLst>
+              <p:ext uri="{D42A27DB-BD31-4B8C-83A1-F6EECF244321}">
+                <p14:modId xmlns:p14="http://schemas.microsoft.com/office/powerpoint/2010/main" val="3118562082"/>
+              </p:ext>
+            </p:extLst>
+          </p:nvPr>
+        </p:nvGraphicFramePr>
+        <p:xfrm>
+          <a:off x="701484" y="1311582"/>
+          <a:ext cx="7561008" cy="2225040"/>
+        </p:xfrm>
+        <a:graphic>
+          <a:graphicData uri="http://schemas.openxmlformats.org/drawingml/2006/table">
+            <a:tbl>
+              <a:tblPr firstRow="1" bandRow="1">
+                <a:tableStyleId>{5C22544A-7EE6-4342-B048-85BDC9FD1C3A}</a:tableStyleId>
+              </a:tblPr>
+              <a:tblGrid>
+                <a:gridCol w="2250300"/>
+                <a:gridCol w="1800240"/>
+                <a:gridCol w="3510468"/>
+              </a:tblGrid>
+              <a:tr h="370840">
+                <a:tc>
+                  <a:txBody>
+                    <a:bodyPr/>
+                    <a:lstStyle/>
+                    <a:p>
+                      <a:pPr algn="ctr" latinLnBrk="1"/>
+                      <a:r>
+                        <a:rPr lang="ko-KR" altLang="en-US" dirty="0" smtClean="0"/>
+                        <a:t>구분</a:t>
+                      </a:r>
+                      <a:endParaRPr lang="ko-KR" altLang="en-US" dirty="0"/>
+                    </a:p>
+                  </a:txBody>
+                  <a:tcPr anchor="ctr"/>
+                </a:tc>
+                <a:tc>
+                  <a:txBody>
+                    <a:bodyPr/>
+                    <a:lstStyle/>
+                    <a:p>
+                      <a:pPr algn="ctr" latinLnBrk="1"/>
+                      <a:r>
+                        <a:rPr lang="ko-KR" altLang="en-US" dirty="0" smtClean="0"/>
+                        <a:t>폴더 명</a:t>
+                      </a:r>
+                      <a:endParaRPr lang="ko-KR" altLang="en-US" dirty="0"/>
+                    </a:p>
+                  </a:txBody>
+                  <a:tcPr anchor="ctr"/>
+                </a:tc>
+                <a:tc>
+                  <a:txBody>
+                    <a:bodyPr/>
+                    <a:lstStyle/>
+                    <a:p>
+                      <a:pPr algn="ctr" latinLnBrk="1"/>
+                      <a:r>
+                        <a:rPr lang="ko-KR" altLang="en-US" dirty="0" smtClean="0"/>
+                        <a:t>설명</a:t>
+                      </a:r>
+                      <a:endParaRPr lang="ko-KR" altLang="en-US" dirty="0"/>
+                    </a:p>
+                  </a:txBody>
+                  <a:tcPr anchor="ctr"/>
+                </a:tc>
+              </a:tr>
+              <a:tr h="370840">
+                <a:tc>
+                  <a:txBody>
+                    <a:bodyPr/>
+                    <a:lstStyle/>
+                    <a:p>
+                      <a:pPr algn="ctr" latinLnBrk="1"/>
+                      <a:r>
+                        <a:rPr lang="en-US" altLang="ko-KR" sz="1200" dirty="0" smtClean="0"/>
+                        <a:t>Database</a:t>
+                      </a:r>
+                      <a:endParaRPr lang="ko-KR" altLang="en-US" sz="1200" dirty="0"/>
+                    </a:p>
+                  </a:txBody>
+                  <a:tcPr anchor="ctr"/>
+                </a:tc>
+                <a:tc>
+                  <a:txBody>
+                    <a:bodyPr/>
+                    <a:lstStyle/>
+                    <a:p>
+                      <a:pPr algn="ctr" latinLnBrk="1"/>
+                      <a:r>
+                        <a:rPr lang="en-US" altLang="ko-KR" sz="1200" dirty="0" err="1" smtClean="0"/>
+                        <a:t>MySql</a:t>
+                      </a:r>
+                      <a:endParaRPr lang="ko-KR" altLang="en-US" sz="1200" dirty="0"/>
+                    </a:p>
+                  </a:txBody>
+                  <a:tcPr anchor="ctr"/>
+                </a:tc>
+                <a:tc>
+                  <a:txBody>
+                    <a:bodyPr/>
+                    <a:lstStyle/>
+                    <a:p>
+                      <a:pPr latinLnBrk="1"/>
+                      <a:r>
+                        <a:rPr lang="ko-KR" altLang="en-US" sz="1200" dirty="0" smtClean="0"/>
+                        <a:t>계정정보 및 게임 데이터 관리용 데이터베이스</a:t>
+                      </a:r>
+                      <a:endParaRPr lang="ko-KR" altLang="en-US" sz="1200" dirty="0"/>
+                    </a:p>
+                  </a:txBody>
+                  <a:tcPr anchor="ctr"/>
+                </a:tc>
+              </a:tr>
+              <a:tr h="370840">
+                <a:tc rowSpan="3">
+                  <a:txBody>
+                    <a:bodyPr/>
+                    <a:lstStyle/>
+                    <a:p>
+                      <a:pPr algn="ctr" latinLnBrk="1"/>
+                      <a:r>
+                        <a:rPr lang="en-US" altLang="ko-KR" sz="1200" dirty="0" smtClean="0"/>
+                        <a:t>Server Program</a:t>
+                      </a:r>
+                      <a:endParaRPr lang="ko-KR" altLang="en-US" sz="1200" dirty="0"/>
+                    </a:p>
+                  </a:txBody>
+                  <a:tcPr anchor="ctr"/>
+                </a:tc>
+                <a:tc>
+                  <a:txBody>
+                    <a:bodyPr/>
+                    <a:lstStyle/>
+                    <a:p>
+                      <a:pPr algn="ctr" latinLnBrk="1"/>
+                      <a:r>
+                        <a:rPr lang="en-US" altLang="ko-KR" sz="1200" dirty="0" err="1" smtClean="0"/>
+                        <a:t>AuthServer</a:t>
+                      </a:r>
+                      <a:endParaRPr lang="ko-KR" altLang="en-US" sz="1200" dirty="0"/>
+                    </a:p>
+                  </a:txBody>
+                  <a:tcPr anchor="ctr"/>
+                </a:tc>
+                <a:tc>
+                  <a:txBody>
+                    <a:bodyPr/>
+                    <a:lstStyle/>
+                    <a:p>
+                      <a:pPr latinLnBrk="1"/>
+                      <a:r>
+                        <a:rPr lang="ko-KR" altLang="en-US" sz="1200" dirty="0" smtClean="0"/>
+                        <a:t>계정인증용 서버</a:t>
+                      </a:r>
+                      <a:endParaRPr lang="ko-KR" altLang="en-US" sz="1200" dirty="0"/>
+                    </a:p>
+                  </a:txBody>
+                  <a:tcPr anchor="ctr"/>
+                </a:tc>
+              </a:tr>
+              <a:tr h="370840">
+                <a:tc vMerge="1">
+                  <a:txBody>
+                    <a:bodyPr/>
+                    <a:lstStyle/>
+                    <a:p>
+                      <a:pPr latinLnBrk="1"/>
+                      <a:endParaRPr lang="ko-KR" altLang="en-US" dirty="0"/>
+                    </a:p>
+                  </a:txBody>
+                  <a:tcPr/>
+                </a:tc>
+                <a:tc>
+                  <a:txBody>
+                    <a:bodyPr/>
+                    <a:lstStyle/>
+                    <a:p>
+                      <a:pPr algn="ctr" latinLnBrk="1"/>
+                      <a:r>
+                        <a:rPr lang="en-US" altLang="ko-KR" sz="1200" dirty="0" err="1" smtClean="0"/>
+                        <a:t>GameServer</a:t>
+                      </a:r>
+                      <a:endParaRPr lang="ko-KR" altLang="en-US" sz="1200" dirty="0"/>
+                    </a:p>
+                  </a:txBody>
+                  <a:tcPr anchor="ctr"/>
+                </a:tc>
+                <a:tc>
+                  <a:txBody>
+                    <a:bodyPr/>
+                    <a:lstStyle/>
+                    <a:p>
+                      <a:pPr latinLnBrk="1"/>
+                      <a:r>
+                        <a:rPr lang="ko-KR" altLang="en-US" sz="1200" dirty="0" smtClean="0"/>
+                        <a:t>실제 게임플레이를 처리하는 서버</a:t>
+                      </a:r>
+                      <a:endParaRPr lang="ko-KR" altLang="en-US" sz="1200" dirty="0"/>
+                    </a:p>
+                  </a:txBody>
+                  <a:tcPr anchor="ctr"/>
+                </a:tc>
+              </a:tr>
+              <a:tr h="370840">
+                <a:tc vMerge="1">
+                  <a:txBody>
+                    <a:bodyPr/>
+                    <a:lstStyle/>
+                    <a:p>
+                      <a:pPr latinLnBrk="1"/>
+                      <a:endParaRPr lang="ko-KR" altLang="en-US" dirty="0"/>
+                    </a:p>
+                  </a:txBody>
+                  <a:tcPr/>
+                </a:tc>
+                <a:tc>
+                  <a:txBody>
+                    <a:bodyPr/>
+                    <a:lstStyle/>
+                    <a:p>
+                      <a:pPr algn="ctr" latinLnBrk="1"/>
+                      <a:r>
+                        <a:rPr lang="en-US" altLang="ko-KR" sz="1200" dirty="0" err="1" smtClean="0"/>
+                        <a:t>GameData</a:t>
+                      </a:r>
+                      <a:endParaRPr lang="ko-KR" altLang="en-US" sz="1200" dirty="0"/>
+                    </a:p>
+                  </a:txBody>
+                  <a:tcPr anchor="ctr"/>
+                </a:tc>
+                <a:tc>
+                  <a:txBody>
+                    <a:bodyPr/>
+                    <a:lstStyle/>
+                    <a:p>
+                      <a:pPr latinLnBrk="1"/>
+                      <a:r>
+                        <a:rPr lang="en-US" altLang="ko-KR" sz="1200" dirty="0" err="1" smtClean="0"/>
+                        <a:t>GameServer</a:t>
+                      </a:r>
+                      <a:r>
+                        <a:rPr lang="ko-KR" altLang="en-US" sz="1200" dirty="0" smtClean="0"/>
+                        <a:t>가 사용하는 기획데이터 엑셀파일</a:t>
+                      </a:r>
+                      <a:endParaRPr lang="ko-KR" altLang="en-US" sz="1200" dirty="0"/>
+                    </a:p>
+                  </a:txBody>
+                  <a:tcPr anchor="ctr"/>
+                </a:tc>
+              </a:tr>
+              <a:tr h="370840">
+                <a:tc>
+                  <a:txBody>
+                    <a:bodyPr/>
+                    <a:lstStyle/>
+                    <a:p>
+                      <a:pPr algn="ctr" latinLnBrk="1"/>
+                      <a:r>
+                        <a:rPr lang="en-US" altLang="ko-KR" sz="1200" dirty="0" smtClean="0"/>
+                        <a:t>Test</a:t>
+                      </a:r>
+                      <a:r>
+                        <a:rPr lang="en-US" altLang="ko-KR" sz="1200" baseline="0" dirty="0" smtClean="0"/>
+                        <a:t> Client Program</a:t>
+                      </a:r>
+                      <a:endParaRPr lang="ko-KR" altLang="en-US" sz="1200" dirty="0"/>
+                    </a:p>
+                  </a:txBody>
+                  <a:tcPr anchor="ctr"/>
+                </a:tc>
+                <a:tc>
+                  <a:txBody>
+                    <a:bodyPr/>
+                    <a:lstStyle/>
+                    <a:p>
+                      <a:pPr algn="ctr" latinLnBrk="1"/>
+                      <a:r>
+                        <a:rPr lang="en-US" altLang="ko-KR" sz="1200" dirty="0" err="1" smtClean="0"/>
+                        <a:t>GameClient</a:t>
+                      </a:r>
+                      <a:endParaRPr lang="ko-KR" altLang="en-US" sz="1200" dirty="0"/>
+                    </a:p>
+                  </a:txBody>
+                  <a:tcPr anchor="ctr"/>
+                </a:tc>
+                <a:tc>
+                  <a:txBody>
+                    <a:bodyPr/>
+                    <a:lstStyle/>
+                    <a:p>
+                      <a:pPr latinLnBrk="1"/>
+                      <a:r>
+                        <a:rPr lang="en-US" altLang="ko-KR" sz="1200" dirty="0" err="1" smtClean="0"/>
+                        <a:t>WinForm</a:t>
+                      </a:r>
+                      <a:r>
+                        <a:rPr lang="ko-KR" altLang="en-US" sz="1200" dirty="0" smtClean="0"/>
+                        <a:t>으로 만들어진 테스트용 프로그램</a:t>
+                      </a:r>
+                      <a:endParaRPr lang="ko-KR" altLang="en-US" sz="1200" dirty="0"/>
+                    </a:p>
+                  </a:txBody>
+                  <a:tcPr anchor="ctr"/>
+                </a:tc>
+              </a:tr>
+            </a:tbl>
+          </a:graphicData>
+        </a:graphic>
+      </p:graphicFrame>
+    </p:spTree>
+    <p:extLst>
+      <p:ext uri="{BB962C8B-B14F-4D97-AF65-F5344CB8AC3E}">
+        <p14:creationId xmlns:p14="http://schemas.microsoft.com/office/powerpoint/2010/main" val="2806524311"/>
+      </p:ext>
+    </p:extLst>
+  </p:cSld>
+  <p:clrMapOvr>
+    <a:masterClrMapping/>
+  </p:clrMapOvr>
+  <p:timing>
+    <p:tnLst>
+      <p:par>
+        <p:cTn id="1" dur="indefinite" restart="never" nodeType="tmRoot"/>
+      </p:par>
+    </p:tnLst>
+  </p:timing>
+</p:sld>
+</file>
+
+<file path=ppt/slides/slide6.xml><?xml version="1.0" encoding="utf-8"?>
+<p:sld xmlns:a="http://schemas.openxmlformats.org/drawingml/2006/main" xmlns:r="http://schemas.openxmlformats.org/officeDocument/2006/relationships" xmlns:p="http://schemas.openxmlformats.org/presentationml/2006/main">
+  <p:cSld>
+    <p:spTree>
+      <p:nvGrpSpPr>
+        <p:cNvPr id="1" name=""/>
+        <p:cNvGrpSpPr/>
+        <p:nvPr/>
+      </p:nvGrpSpPr>
+      <p:grpSpPr>
+        <a:xfrm>
+          <a:off x="0" y="0"/>
+          <a:ext cx="0" cy="0"/>
+          <a:chOff x="0" y="0"/>
+          <a:chExt cx="0" cy="0"/>
+        </a:xfrm>
+      </p:grpSpPr>
+      <p:sp>
+        <p:nvSpPr>
+          <p:cNvPr id="2" name="TextBox 1"/>
+          <p:cNvSpPr txBox="1"/>
+          <p:nvPr/>
+        </p:nvSpPr>
+        <p:spPr>
+          <a:xfrm>
+            <a:off x="431448" y="191376"/>
+            <a:ext cx="8191092" cy="400110"/>
+          </a:xfrm>
+          <a:prstGeom prst="rect">
+            <a:avLst/>
+          </a:prstGeom>
+          <a:noFill/>
+        </p:spPr>
+        <p:txBody>
+          <a:bodyPr wrap="square" rtlCol="0">
+            <a:spAutoFit/>
+          </a:bodyPr>
+          <a:lstStyle/>
+          <a:p>
+            <a:pPr algn="l"/>
+            <a:r>
+              <a:rPr lang="en-US" altLang="ko-KR" sz="2000" b="1" dirty="0" smtClean="0">
+                <a:latin typeface="맑은 고딕" panose="020B0503020000020004" pitchFamily="50" charset="-127"/>
+                <a:ea typeface="맑은 고딕" panose="020B0503020000020004" pitchFamily="50" charset="-127"/>
+              </a:rPr>
+              <a:t>3. </a:t>
+            </a:r>
+            <a:r>
+              <a:rPr lang="ko-KR" altLang="en-US" sz="2000" b="1" dirty="0" smtClean="0">
+                <a:latin typeface="맑은 고딕" panose="020B0503020000020004" pitchFamily="50" charset="-127"/>
+                <a:ea typeface="맑은 고딕" panose="020B0503020000020004" pitchFamily="50" charset="-127"/>
+              </a:rPr>
               <a:t>시스템구성</a:t>
             </a:r>
           </a:p>
@@ -6882,6 +12579,13 @@
                 <a:ea typeface="맑은 고딕" panose="020B0503020000020004" pitchFamily="50" charset="-127"/>
               </a:rPr>
               <a:t>GameServer</a:t>
+            </a:r>
+            <a:r>
+              <a:rPr lang="en-US" altLang="ko-KR" sz="1400" b="1" dirty="0" smtClean="0">
+                <a:latin typeface="맑은 고딕" panose="020B0503020000020004" pitchFamily="50" charset="-127"/>
+                <a:ea typeface="맑은 고딕" panose="020B0503020000020004" pitchFamily="50" charset="-127"/>
+              </a:rPr>
+              <a:t> 0</a:t>
             </a:r>
             <a:endParaRPr lang="ko-KR" altLang="en-US" sz="1400" b="1" dirty="0" smtClean="0">
               <a:latin typeface="맑은 고딕" panose="020B0503020000020004" pitchFamily="50" charset="-127"/>
@@ -7399,53 +13103,16 @@
           <a:effectLst/>
         </p:spPr>
       </p:cxnSp>
-    </p:spTree>
-    <p:extLst>
-      <p:ext uri="{BB962C8B-B14F-4D97-AF65-F5344CB8AC3E}">
-        <p14:creationId xmlns:p14="http://schemas.microsoft.com/office/powerpoint/2010/main" val="689576886"/>
-      </p:ext>
-    </p:extLst>
-  </p:cSld>
-  <p:clrMapOvr>
-    <a:masterClrMapping/>
-  </p:clrMapOvr>
-  <p:timing>
-    <p:tnLst>
-      <p:par>
-        <p:cTn id="1" dur="indefinite" restart="never" nodeType="tmRoot"/>
-      </p:par>
-    </p:tnLst>
-  </p:timing>
-</p:sld>
-</file>
-
-<file path=ppt/slides/slide6.xml><?xml version="1.0" encoding="utf-8"?>
-<p:sld xmlns:a="http://schemas.openxmlformats.org/drawingml/2006/main" xmlns:r="http://schemas.openxmlformats.org/officeDocument/2006/relationships" xmlns:p="http://schemas.openxmlformats.org/presentationml/2006/main">
-  <p:cSld>
-    <p:spTree>
-      <p:nvGrpSpPr>
-        <p:cNvPr id="1" name=""/>
-        <p:cNvGrpSpPr/>
-        <p:nvPr/>
-      </p:nvGrpSpPr>
-      <p:grpSpPr>
-        <a:xfrm>
-          <a:off x="0" y="0"/>
-          <a:ext cx="0" cy="0"/>
-          <a:chOff x="0" y="0"/>
-          <a:chExt cx="0" cy="0"/>
-        </a:xfrm>
-      </p:grpSpPr>
       <p:sp>
         <p:nvSpPr>
-          <p:cNvPr id="2" name="TextBox 1"/>
+          <p:cNvPr id="15" name="TextBox 14"/>
           <p:cNvSpPr txBox="1"/>
           <p:nvPr/>
         </p:nvSpPr>
         <p:spPr>
           <a:xfrm>
-            <a:off x="431448" y="191376"/>
-            <a:ext cx="8191092" cy="400110"/>
+            <a:off x="6727536" y="2347670"/>
+            <a:ext cx="360048" cy="369332"/>
           </a:xfrm>
           <a:prstGeom prst="rect">
             <a:avLst/>
@@ -7460,26 +13127,17 @@
           <a:p>
             <a:pPr algn="l"/>
             <a:r>
-              <a:rPr lang="en-US" altLang="ko-KR" sz="2000" b="1" dirty="0" smtClean="0">
-                <a:latin typeface="맑은 고딕" panose="020B0503020000020004" pitchFamily="50" charset="-127"/>
-                <a:ea typeface="맑은 고딕" panose="020B0503020000020004" pitchFamily="50" charset="-127"/>
-              </a:rPr>
-              <a:t>3. DB </a:t>
-            </a:r>
-            <a:r>
-              <a:rPr lang="ko-KR" altLang="en-US" sz="2000" b="1" dirty="0" smtClean="0">
-                <a:latin typeface="맑은 고딕" panose="020B0503020000020004" pitchFamily="50" charset="-127"/>
-                <a:ea typeface="맑은 고딕" panose="020B0503020000020004" pitchFamily="50" charset="-127"/>
-              </a:rPr>
-              <a:t>구동</a:t>
-            </a:r>
+              <a:rPr lang="en-US" altLang="ko-KR" sz="1800" b="1" dirty="0" smtClean="0"/>
+              <a:t>…</a:t>
+            </a:r>
+            <a:endParaRPr lang="ko-KR" altLang="en-US" sz="1800" b="1" dirty="0" smtClean="0"/>
           </a:p>
         </p:txBody>
       </p:sp>
     </p:spTree>
     <p:extLst>
       <p:ext uri="{BB962C8B-B14F-4D97-AF65-F5344CB8AC3E}">
-        <p14:creationId xmlns:p14="http://schemas.microsoft.com/office/powerpoint/2010/main" val="2678364695"/>
+        <p14:creationId xmlns:p14="http://schemas.microsoft.com/office/powerpoint/2010/main" val="689576886"/>
       </p:ext>
     </p:extLst>
   </p:cSld>
@@ -7550,13 +13208,97 @@
               </a:rPr>
               <a:t>서버 구동</a:t>
             </a:r>
+            <a:endParaRPr lang="ko-KR" altLang="en-US" sz="2000" b="1" dirty="0" smtClean="0">
+              <a:latin typeface="맑은 고딕" panose="020B0503020000020004" pitchFamily="50" charset="-127"/>
+              <a:ea typeface="맑은 고딕" panose="020B0503020000020004" pitchFamily="50" charset="-127"/>
+            </a:endParaRPr>
+          </a:p>
+        </p:txBody>
+      </p:sp>
+      <p:graphicFrame>
+        <p:nvGraphicFramePr>
+          <p:cNvPr id="3" name="다이어그램 2"/>
+          <p:cNvGraphicFramePr/>
+          <p:nvPr>
+            <p:extLst>
+              <p:ext uri="{D42A27DB-BD31-4B8C-83A1-F6EECF244321}">
+                <p14:modId xmlns:p14="http://schemas.microsoft.com/office/powerpoint/2010/main" val="1862470664"/>
+              </p:ext>
+            </p:extLst>
+          </p:nvPr>
+        </p:nvGraphicFramePr>
+        <p:xfrm>
+          <a:off x="1691616" y="1761642"/>
+          <a:ext cx="4770636" cy="2430324"/>
+        </p:xfrm>
+        <a:graphic>
+          <a:graphicData uri="http://schemas.openxmlformats.org/drawingml/2006/diagram">
+            <dgm:relIds xmlns:dgm="http://schemas.openxmlformats.org/drawingml/2006/diagram" xmlns:r="http://schemas.openxmlformats.org/officeDocument/2006/relationships" r:dm="rId2" r:lo="rId3" r:qs="rId4" r:cs="rId5"/>
+          </a:graphicData>
+        </a:graphic>
+      </p:graphicFrame>
+      <p:sp>
+        <p:nvSpPr>
+          <p:cNvPr id="6" name="TextBox 5"/>
+          <p:cNvSpPr txBox="1"/>
+          <p:nvPr/>
+        </p:nvSpPr>
+        <p:spPr>
+          <a:xfrm>
+            <a:off x="1871640" y="989576"/>
+            <a:ext cx="3690492" cy="276999"/>
+          </a:xfrm>
+          <a:prstGeom prst="rect">
+            <a:avLst/>
+          </a:prstGeom>
+          <a:noFill/>
+        </p:spPr>
+        <p:txBody>
+          <a:bodyPr wrap="square" rtlCol="0">
+            <a:spAutoFit/>
+          </a:bodyPr>
+          <a:lstStyle/>
+          <a:p>
+            <a:pPr algn="l"/>
+            <a:r>
+              <a:rPr lang="ko-KR" altLang="en-US" sz="1200" dirty="0" smtClean="0">
+                <a:latin typeface="맑은 고딕" panose="020B0503020000020004" pitchFamily="50" charset="-127"/>
+                <a:ea typeface="맑은 고딕" panose="020B0503020000020004" pitchFamily="50" charset="-127"/>
+              </a:rPr>
+              <a:t>서버 구동은 다음 </a:t>
+            </a:r>
+            <a:r>
+              <a:rPr lang="en-US" altLang="ko-KR" sz="1200" dirty="0" smtClean="0">
+                <a:latin typeface="맑은 고딕" panose="020B0503020000020004" pitchFamily="50" charset="-127"/>
+                <a:ea typeface="맑은 고딕" panose="020B0503020000020004" pitchFamily="50" charset="-127"/>
+              </a:rPr>
+              <a:t>3 </a:t>
+            </a:r>
+            <a:r>
+              <a:rPr lang="ko-KR" altLang="en-US" sz="1200" dirty="0" smtClean="0">
+                <a:latin typeface="맑은 고딕" panose="020B0503020000020004" pitchFamily="50" charset="-127"/>
+                <a:ea typeface="맑은 고딕" panose="020B0503020000020004" pitchFamily="50" charset="-127"/>
+              </a:rPr>
+              <a:t>단계로 이루어집니다</a:t>
+            </a:r>
+            <a:r>
+              <a:rPr lang="en-US" altLang="ko-KR" sz="1200" dirty="0">
+                <a:latin typeface="맑은 고딕" panose="020B0503020000020004" pitchFamily="50" charset="-127"/>
+                <a:ea typeface="맑은 고딕" panose="020B0503020000020004" pitchFamily="50" charset="-127"/>
+              </a:rPr>
+              <a:t>.</a:t>
+            </a:r>
+            <a:endParaRPr lang="ko-KR" altLang="en-US" sz="1200" dirty="0" smtClean="0">
+              <a:latin typeface="맑은 고딕" panose="020B0503020000020004" pitchFamily="50" charset="-127"/>
+              <a:ea typeface="맑은 고딕" panose="020B0503020000020004" pitchFamily="50" charset="-127"/>
+            </a:endParaRPr>
           </a:p>
         </p:txBody>
       </p:sp>
     </p:spTree>
     <p:extLst>
       <p:ext uri="{BB962C8B-B14F-4D97-AF65-F5344CB8AC3E}">
-        <p14:creationId xmlns:p14="http://schemas.microsoft.com/office/powerpoint/2010/main" val="1179423455"/>
+        <p14:creationId xmlns:p14="http://schemas.microsoft.com/office/powerpoint/2010/main" val="60701891"/>
       </p:ext>
     </p:extLst>
   </p:cSld>
@@ -7590,560 +13332,554 @@
           <a:chExt cx="0" cy="0"/>
         </a:xfrm>
       </p:grpSpPr>
-      <p:graphicFrame>
-        <p:nvGraphicFramePr>
-          <p:cNvPr id="9" name="표 8"/>
-          <p:cNvGraphicFramePr>
-            <a:graphicFrameLocks noGrp="1"/>
-          </p:cNvGraphicFramePr>
-          <p:nvPr>
-            <p:extLst/>
-          </p:nvPr>
-        </p:nvGraphicFramePr>
-        <p:xfrm>
-          <a:off x="1" y="33468"/>
-          <a:ext cx="9149227" cy="108012"/>
-        </p:xfrm>
-        <a:graphic>
-          <a:graphicData uri="http://schemas.openxmlformats.org/drawingml/2006/table">
-            <a:tbl>
-              <a:tblPr firstRow="1" bandRow="1">
-                <a:tableStyleId>{5C22544A-7EE6-4342-B048-85BDC9FD1C3A}</a:tableStyleId>
-              </a:tblPr>
-              <a:tblGrid>
-                <a:gridCol w="1650296"/>
-                <a:gridCol w="2460756"/>
-                <a:gridCol w="2726784"/>
-                <a:gridCol w="2311391"/>
-              </a:tblGrid>
-              <a:tr h="108012">
-                <a:tc>
-                  <a:txBody>
-                    <a:bodyPr/>
-                    <a:lstStyle/>
-                    <a:p>
-                      <a:pPr latinLnBrk="1"/>
-                      <a:endParaRPr lang="ko-KR" altLang="en-US" sz="200" dirty="0"/>
-                    </a:p>
-                  </a:txBody>
-                  <a:tcPr marL="84406" marR="84406" marT="34290" marB="34290">
-                    <a:lnL w="12700" cmpd="sng">
-                      <a:noFill/>
-                    </a:lnL>
-                    <a:lnR w="12700" cmpd="sng">
-                      <a:noFill/>
-                    </a:lnR>
-                    <a:lnT w="12700" cmpd="sng">
-                      <a:noFill/>
-                    </a:lnT>
-                    <a:lnB w="38100" cmpd="sng">
-                      <a:noFill/>
-                    </a:lnB>
-                    <a:lnTlToBr w="12700" cmpd="sng">
-                      <a:noFill/>
-                      <a:prstDash val="solid"/>
-                    </a:lnTlToBr>
-                    <a:lnBlToTr w="12700" cmpd="sng">
-                      <a:noFill/>
-                      <a:prstDash val="solid"/>
-                    </a:lnBlToTr>
-                    <a:solidFill>
-                      <a:srgbClr val="8DC63F"/>
-                    </a:solidFill>
-                  </a:tcPr>
-                </a:tc>
-                <a:tc>
-                  <a:txBody>
-                    <a:bodyPr/>
-                    <a:lstStyle/>
-                    <a:p>
-                      <a:pPr latinLnBrk="1"/>
-                      <a:endParaRPr lang="ko-KR" altLang="en-US" sz="200" dirty="0"/>
-                    </a:p>
-                  </a:txBody>
-                  <a:tcPr marL="84406" marR="84406" marT="34290" marB="34290">
-                    <a:lnL w="12700" cmpd="sng">
-                      <a:noFill/>
-                    </a:lnL>
-                    <a:lnR w="12700" cmpd="sng">
-                      <a:noFill/>
-                    </a:lnR>
-                    <a:lnT w="12700" cmpd="sng">
-                      <a:noFill/>
-                    </a:lnT>
-                    <a:lnB w="38100" cmpd="sng">
-                      <a:noFill/>
-                    </a:lnB>
-                    <a:lnTlToBr w="12700" cmpd="sng">
-                      <a:noFill/>
-                      <a:prstDash val="solid"/>
-                    </a:lnTlToBr>
-                    <a:lnBlToTr w="12700" cmpd="sng">
-                      <a:noFill/>
-                      <a:prstDash val="solid"/>
-                    </a:lnBlToTr>
-                    <a:solidFill>
-                      <a:srgbClr val="0071BC"/>
-                    </a:solidFill>
-                  </a:tcPr>
-                </a:tc>
-                <a:tc>
-                  <a:txBody>
-                    <a:bodyPr/>
-                    <a:lstStyle/>
-                    <a:p>
-                      <a:pPr latinLnBrk="1"/>
-                      <a:endParaRPr lang="ko-KR" altLang="en-US" sz="200" dirty="0"/>
-                    </a:p>
-                  </a:txBody>
-                  <a:tcPr marL="84406" marR="84406" marT="34290" marB="34290">
-                    <a:lnL w="12700" cmpd="sng">
-                      <a:noFill/>
-                    </a:lnL>
-                    <a:lnR w="12700" cmpd="sng">
-                      <a:noFill/>
-                    </a:lnR>
-                    <a:lnT w="12700" cmpd="sng">
-                      <a:noFill/>
-                    </a:lnT>
-                    <a:lnB w="38100" cmpd="sng">
-                      <a:noFill/>
-                    </a:lnB>
-                    <a:lnTlToBr w="12700" cmpd="sng">
-                      <a:noFill/>
-                      <a:prstDash val="solid"/>
-                    </a:lnTlToBr>
-                    <a:lnBlToTr w="12700" cmpd="sng">
-                      <a:noFill/>
-                      <a:prstDash val="solid"/>
-                    </a:lnBlToTr>
-                    <a:solidFill>
-                      <a:srgbClr val="008FD5"/>
-                    </a:solidFill>
-                  </a:tcPr>
-                </a:tc>
-                <a:tc>
-                  <a:txBody>
-                    <a:bodyPr/>
-                    <a:lstStyle/>
-                    <a:p>
-                      <a:pPr latinLnBrk="1"/>
-                      <a:endParaRPr lang="ko-KR" altLang="en-US" sz="200" dirty="0"/>
-                    </a:p>
-                  </a:txBody>
-                  <a:tcPr marL="84406" marR="84406" marT="34290" marB="34290">
-                    <a:lnL w="12700" cmpd="sng">
-                      <a:noFill/>
-                    </a:lnL>
-                    <a:lnR w="12700" cmpd="sng">
-                      <a:noFill/>
-                    </a:lnR>
-                    <a:lnT w="12700" cmpd="sng">
-                      <a:noFill/>
-                    </a:lnT>
-                    <a:lnB w="38100" cmpd="sng">
-                      <a:noFill/>
-                    </a:lnB>
-                    <a:lnTlToBr w="12700" cmpd="sng">
-                      <a:noFill/>
-                      <a:prstDash val="solid"/>
-                    </a:lnTlToBr>
-                    <a:lnBlToTr w="12700" cmpd="sng">
-                      <a:noFill/>
-                      <a:prstDash val="solid"/>
-                    </a:lnBlToTr>
-                    <a:solidFill>
-                      <a:srgbClr val="24AAE1"/>
-                    </a:solidFill>
-                  </a:tcPr>
-                </a:tc>
-              </a:tr>
-            </a:tbl>
-          </a:graphicData>
-        </a:graphic>
-      </p:graphicFrame>
       <p:sp>
         <p:nvSpPr>
-          <p:cNvPr id="8" name="제목 1"/>
-          <p:cNvSpPr txBox="1">
-            <a:spLocks/>
-          </p:cNvSpPr>
+          <p:cNvPr id="2" name="TextBox 1"/>
+          <p:cNvSpPr txBox="1"/>
           <p:nvPr/>
         </p:nvSpPr>
         <p:spPr>
           <a:xfrm>
-            <a:off x="2943572" y="2267819"/>
-            <a:ext cx="5498944" cy="634082"/>
+            <a:off x="431448" y="191376"/>
+            <a:ext cx="8191092" cy="400110"/>
+          </a:xfrm>
+          <a:prstGeom prst="rect">
+            <a:avLst/>
+          </a:prstGeom>
+          <a:noFill/>
+        </p:spPr>
+        <p:txBody>
+          <a:bodyPr wrap="square" rtlCol="0">
+            <a:spAutoFit/>
+          </a:bodyPr>
+          <a:lstStyle/>
+          <a:p>
+            <a:pPr algn="l"/>
+            <a:r>
+              <a:rPr lang="en-US" altLang="ko-KR" sz="2000" b="1" dirty="0" smtClean="0">
+                <a:latin typeface="맑은 고딕" panose="020B0503020000020004" pitchFamily="50" charset="-127"/>
+                <a:ea typeface="맑은 고딕" panose="020B0503020000020004" pitchFamily="50" charset="-127"/>
+              </a:rPr>
+              <a:t>4.1. </a:t>
+            </a:r>
+            <a:r>
+              <a:rPr lang="en-US" altLang="ko-KR" sz="2000" b="1" dirty="0" err="1" smtClean="0">
+                <a:latin typeface="맑은 고딕" panose="020B0503020000020004" pitchFamily="50" charset="-127"/>
+                <a:ea typeface="맑은 고딕" panose="020B0503020000020004" pitchFamily="50" charset="-127"/>
+              </a:rPr>
+              <a:t>MySql</a:t>
+            </a:r>
+            <a:r>
+              <a:rPr lang="en-US" altLang="ko-KR" sz="2000" b="1" dirty="0" smtClean="0">
+                <a:latin typeface="맑은 고딕" panose="020B0503020000020004" pitchFamily="50" charset="-127"/>
+                <a:ea typeface="맑은 고딕" panose="020B0503020000020004" pitchFamily="50" charset="-127"/>
+              </a:rPr>
+              <a:t> </a:t>
+            </a:r>
+            <a:r>
+              <a:rPr lang="en-US" altLang="ko-KR" sz="2000" b="1" dirty="0" smtClean="0">
+                <a:latin typeface="맑은 고딕" panose="020B0503020000020004" pitchFamily="50" charset="-127"/>
+                <a:ea typeface="맑은 고딕" panose="020B0503020000020004" pitchFamily="50" charset="-127"/>
+              </a:rPr>
+              <a:t>Database </a:t>
+            </a:r>
+            <a:r>
+              <a:rPr lang="ko-KR" altLang="en-US" sz="2000" b="1" dirty="0" smtClean="0">
+                <a:latin typeface="맑은 고딕" panose="020B0503020000020004" pitchFamily="50" charset="-127"/>
+                <a:ea typeface="맑은 고딕" panose="020B0503020000020004" pitchFamily="50" charset="-127"/>
+              </a:rPr>
+              <a:t>구동</a:t>
+            </a:r>
+            <a:endParaRPr lang="ko-KR" altLang="en-US" sz="2000" b="1" dirty="0" smtClean="0">
+              <a:latin typeface="맑은 고딕" panose="020B0503020000020004" pitchFamily="50" charset="-127"/>
+              <a:ea typeface="맑은 고딕" panose="020B0503020000020004" pitchFamily="50" charset="-127"/>
+            </a:endParaRPr>
+          </a:p>
+        </p:txBody>
+      </p:sp>
+      <p:pic>
+        <p:nvPicPr>
+          <p:cNvPr id="4" name="그림 3"/>
+          <p:cNvPicPr>
+            <a:picLocks noChangeAspect="1"/>
+          </p:cNvPicPr>
+          <p:nvPr/>
+        </p:nvPicPr>
+        <p:blipFill>
+          <a:blip r:embed="rId2"/>
+          <a:stretch>
+            <a:fillRect/>
+          </a:stretch>
+        </p:blipFill>
+        <p:spPr>
+          <a:xfrm>
+            <a:off x="1241556" y="1479526"/>
+            <a:ext cx="1771650" cy="2876550"/>
           </a:xfrm>
           <a:prstGeom prst="rect">
             <a:avLst/>
           </a:prstGeom>
         </p:spPr>
+      </p:pic>
+      <p:sp>
+        <p:nvSpPr>
+          <p:cNvPr id="5" name="직사각형 4"/>
+          <p:cNvSpPr/>
+          <p:nvPr/>
+        </p:nvSpPr>
+        <p:spPr bwMode="auto">
+          <a:xfrm>
+            <a:off x="1241556" y="1479526"/>
+            <a:ext cx="1800240" cy="270036"/>
+          </a:xfrm>
+          <a:prstGeom prst="rect">
+            <a:avLst/>
+          </a:prstGeom>
+          <a:noFill/>
+          <a:ln w="19050" cap="flat" cmpd="sng" algn="ctr">
+            <a:solidFill>
+              <a:srgbClr val="FF0000"/>
+            </a:solidFill>
+            <a:prstDash val="dash"/>
+            <a:round/>
+            <a:headEnd type="none" w="med" len="med"/>
+            <a:tailEnd type="none" w="med" len="med"/>
+          </a:ln>
+          <a:effectLst/>
+        </p:spPr>
         <p:txBody>
-          <a:bodyPr>
-            <a:noAutofit/>
+          <a:bodyPr vert="horz" wrap="none" lIns="77925" tIns="38963" rIns="77925" bIns="38963" numCol="1" rtlCol="0" anchor="ctr" anchorCtr="0" compatLnSpc="1">
+            <a:prstTxWarp prst="textNoShape">
+              <a:avLst/>
+            </a:prstTxWarp>
           </a:bodyPr>
-          <a:lstStyle>
-            <a:lvl1pPr algn="ctr" rtl="0" eaLnBrk="0" fontAlgn="base" hangingPunct="0">
-              <a:spcBef>
-                <a:spcPct val="0"/>
-              </a:spcBef>
-              <a:spcAft>
-                <a:spcPct val="0"/>
-              </a:spcAft>
-              <a:defRPr sz="3700">
-                <a:solidFill>
-                  <a:schemeClr val="tx2"/>
-                </a:solidFill>
-                <a:latin typeface="+mj-lt"/>
-                <a:ea typeface="+mj-ea"/>
-                <a:cs typeface="+mj-cs"/>
-              </a:defRPr>
-            </a:lvl1pPr>
-            <a:lvl2pPr algn="ctr" rtl="0" eaLnBrk="0" fontAlgn="base" hangingPunct="0">
-              <a:spcBef>
-                <a:spcPct val="0"/>
-              </a:spcBef>
-              <a:spcAft>
-                <a:spcPct val="0"/>
-              </a:spcAft>
-              <a:defRPr sz="3700">
-                <a:solidFill>
-                  <a:schemeClr val="tx2"/>
-                </a:solidFill>
-                <a:latin typeface="Times New Roman" pitchFamily="18" charset="0"/>
-              </a:defRPr>
-            </a:lvl2pPr>
-            <a:lvl3pPr algn="ctr" rtl="0" eaLnBrk="0" fontAlgn="base" hangingPunct="0">
-              <a:spcBef>
-                <a:spcPct val="0"/>
-              </a:spcBef>
-              <a:spcAft>
-                <a:spcPct val="0"/>
-              </a:spcAft>
-              <a:defRPr sz="3700">
-                <a:solidFill>
-                  <a:schemeClr val="tx2"/>
-                </a:solidFill>
-                <a:latin typeface="Times New Roman" pitchFamily="18" charset="0"/>
-              </a:defRPr>
-            </a:lvl3pPr>
-            <a:lvl4pPr algn="ctr" rtl="0" eaLnBrk="0" fontAlgn="base" hangingPunct="0">
-              <a:spcBef>
-                <a:spcPct val="0"/>
-              </a:spcBef>
-              <a:spcAft>
-                <a:spcPct val="0"/>
-              </a:spcAft>
-              <a:defRPr sz="3700">
-                <a:solidFill>
-                  <a:schemeClr val="tx2"/>
-                </a:solidFill>
-                <a:latin typeface="Times New Roman" pitchFamily="18" charset="0"/>
-              </a:defRPr>
-            </a:lvl4pPr>
-            <a:lvl5pPr algn="ctr" rtl="0" eaLnBrk="0" fontAlgn="base" hangingPunct="0">
-              <a:spcBef>
-                <a:spcPct val="0"/>
-              </a:spcBef>
-              <a:spcAft>
-                <a:spcPct val="0"/>
-              </a:spcAft>
-              <a:defRPr sz="3700">
-                <a:solidFill>
-                  <a:schemeClr val="tx2"/>
-                </a:solidFill>
-                <a:latin typeface="Times New Roman" pitchFamily="18" charset="0"/>
-              </a:defRPr>
-            </a:lvl5pPr>
-            <a:lvl6pPr marL="389626" algn="ctr" rtl="0" fontAlgn="base">
-              <a:spcBef>
-                <a:spcPct val="0"/>
-              </a:spcBef>
-              <a:spcAft>
-                <a:spcPct val="0"/>
-              </a:spcAft>
-              <a:defRPr sz="3700">
-                <a:solidFill>
-                  <a:schemeClr val="tx2"/>
-                </a:solidFill>
-                <a:latin typeface="Times New Roman" pitchFamily="18" charset="0"/>
-              </a:defRPr>
-            </a:lvl6pPr>
-            <a:lvl7pPr marL="779252" algn="ctr" rtl="0" fontAlgn="base">
-              <a:spcBef>
-                <a:spcPct val="0"/>
-              </a:spcBef>
-              <a:spcAft>
-                <a:spcPct val="0"/>
-              </a:spcAft>
-              <a:defRPr sz="3700">
-                <a:solidFill>
-                  <a:schemeClr val="tx2"/>
-                </a:solidFill>
-                <a:latin typeface="Times New Roman" pitchFamily="18" charset="0"/>
-              </a:defRPr>
-            </a:lvl7pPr>
-            <a:lvl8pPr marL="1168878" algn="ctr" rtl="0" fontAlgn="base">
-              <a:spcBef>
-                <a:spcPct val="0"/>
-              </a:spcBef>
-              <a:spcAft>
-                <a:spcPct val="0"/>
-              </a:spcAft>
-              <a:defRPr sz="3700">
-                <a:solidFill>
-                  <a:schemeClr val="tx2"/>
-                </a:solidFill>
-                <a:latin typeface="Times New Roman" pitchFamily="18" charset="0"/>
-              </a:defRPr>
-            </a:lvl8pPr>
-            <a:lvl9pPr marL="1558503" algn="ctr" rtl="0" fontAlgn="base">
-              <a:spcBef>
-                <a:spcPct val="0"/>
-              </a:spcBef>
-              <a:spcAft>
-                <a:spcPct val="0"/>
-              </a:spcAft>
-              <a:defRPr sz="3700">
-                <a:solidFill>
-                  <a:schemeClr val="tx2"/>
-                </a:solidFill>
-                <a:latin typeface="Times New Roman" pitchFamily="18" charset="0"/>
-              </a:defRPr>
-            </a:lvl9pPr>
-          </a:lstStyle>
+          <a:lstStyle/>
           <a:p>
-            <a:pPr algn="l"/>
-            <a:r>
-              <a:rPr lang="ko-KR" altLang="en-US" sz="3600" b="1" kern="0" dirty="0" err="1" smtClean="0">
-                <a:latin typeface="맑은 고딕" pitchFamily="50" charset="-127"/>
-                <a:ea typeface="맑은 고딕" pitchFamily="50" charset="-127"/>
-              </a:rPr>
-              <a:t>컨텐츠</a:t>
-            </a:r>
-            <a:r>
-              <a:rPr lang="ko-KR" altLang="en-US" sz="3600" b="1" kern="0" dirty="0" smtClean="0">
-                <a:latin typeface="맑은 고딕" pitchFamily="50" charset="-127"/>
-                <a:ea typeface="맑은 고딕" pitchFamily="50" charset="-127"/>
-              </a:rPr>
-              <a:t> 구현</a:t>
-            </a:r>
-            <a:endParaRPr lang="ko-KR" altLang="en-US" sz="3600" b="1" kern="0" dirty="0">
-              <a:latin typeface="맑은 고딕" pitchFamily="50" charset="-127"/>
-              <a:ea typeface="맑은 고딕" pitchFamily="50" charset="-127"/>
+            <a:pPr algn="ctr"/>
+            <a:endParaRPr lang="ko-KR" altLang="en-US" sz="700" b="1" dirty="0" smtClean="0">
+              <a:latin typeface="맑은 고딕" panose="020B0503020000020004" pitchFamily="50" charset="-127"/>
+              <a:ea typeface="맑은 고딕" panose="020B0503020000020004" pitchFamily="50" charset="-127"/>
             </a:endParaRPr>
           </a:p>
         </p:txBody>
       </p:sp>
       <p:sp>
         <p:nvSpPr>
-          <p:cNvPr id="10" name="제목 1"/>
-          <p:cNvSpPr txBox="1">
-            <a:spLocks/>
-          </p:cNvSpPr>
+          <p:cNvPr id="6" name="직사각형 5"/>
+          <p:cNvSpPr/>
           <p:nvPr/>
         </p:nvSpPr>
-        <p:spPr>
+        <p:spPr bwMode="auto">
           <a:xfrm>
-            <a:off x="560512" y="1887823"/>
-            <a:ext cx="2880320" cy="634082"/>
+            <a:off x="1378703" y="3649241"/>
+            <a:ext cx="1213033" cy="260609"/>
           </a:xfrm>
           <a:prstGeom prst="rect">
             <a:avLst/>
           </a:prstGeom>
+          <a:noFill/>
+          <a:ln w="19050" cap="flat" cmpd="sng" algn="ctr">
+            <a:solidFill>
+              <a:srgbClr val="FF0000"/>
+            </a:solidFill>
+            <a:prstDash val="dash"/>
+            <a:round/>
+            <a:headEnd type="none" w="med" len="med"/>
+            <a:tailEnd type="none" w="med" len="med"/>
+          </a:ln>
+          <a:effectLst/>
         </p:spPr>
         <p:txBody>
-          <a:bodyPr vert="horz" lIns="91440" tIns="45720" rIns="91440" bIns="45720" rtlCol="0" anchor="ctr">
-            <a:noAutofit/>
-            <a:scene3d>
-              <a:camera prst="orthographicFront">
-                <a:rot lat="0" lon="0" rev="0"/>
-              </a:camera>
-              <a:lightRig rig="contrasting" dir="t">
-                <a:rot lat="0" lon="0" rev="4500000"/>
-              </a:lightRig>
-            </a:scene3d>
-            <a:sp3d contourW="6350" prstMaterial="metal">
-              <a:bevelT w="127000" h="31750" prst="relaxedInset"/>
-              <a:contourClr>
-                <a:schemeClr val="accent1">
-                  <a:shade val="75000"/>
-                </a:schemeClr>
-              </a:contourClr>
-            </a:sp3d>
+          <a:bodyPr vert="horz" wrap="none" lIns="77925" tIns="38963" rIns="77925" bIns="38963" numCol="1" rtlCol="0" anchor="ctr" anchorCtr="0" compatLnSpc="1">
+            <a:prstTxWarp prst="textNoShape">
+              <a:avLst/>
+            </a:prstTxWarp>
           </a:bodyPr>
-          <a:lstStyle>
-            <a:lvl1pPr algn="ctr" defTabSz="914400" rtl="0" eaLnBrk="1" latinLnBrk="1" hangingPunct="1">
-              <a:spcBef>
-                <a:spcPct val="0"/>
-              </a:spcBef>
-              <a:buNone/>
-              <a:defRPr sz="4400" kern="1200">
-                <a:solidFill>
-                  <a:schemeClr val="tx1"/>
-                </a:solidFill>
-                <a:latin typeface="+mj-lt"/>
-                <a:ea typeface="+mj-ea"/>
-                <a:cs typeface="+mj-cs"/>
-              </a:defRPr>
-            </a:lvl1pPr>
-          </a:lstStyle>
+          <a:lstStyle/>
           <a:p>
-            <a:pPr algn="l"/>
-            <a:r>
-              <a:rPr lang="en-US" altLang="ko-KR" sz="13800" b="1" cap="all" dirty="0" smtClean="0">
-                <a:ln w="0"/>
-                <a:gradFill flip="none">
-                  <a:gsLst>
-                    <a:gs pos="0">
-                      <a:schemeClr val="accent1">
-                        <a:tint val="75000"/>
-                        <a:shade val="75000"/>
-                        <a:satMod val="170000"/>
-                      </a:schemeClr>
-                    </a:gs>
-                    <a:gs pos="49000">
-                      <a:schemeClr val="accent1">
-                        <a:tint val="88000"/>
-                        <a:shade val="65000"/>
-                        <a:satMod val="172000"/>
-                      </a:schemeClr>
-                    </a:gs>
-                    <a:gs pos="50000">
-                      <a:schemeClr val="accent1">
-                        <a:shade val="65000"/>
-                        <a:satMod val="130000"/>
-                      </a:schemeClr>
-                    </a:gs>
-                    <a:gs pos="92000">
-                      <a:schemeClr val="accent1">
-                        <a:shade val="50000"/>
-                        <a:satMod val="120000"/>
-                      </a:schemeClr>
-                    </a:gs>
-                    <a:gs pos="100000">
-                      <a:schemeClr val="accent1">
-                        <a:shade val="48000"/>
-                        <a:satMod val="120000"/>
-                      </a:schemeClr>
-                    </a:gs>
-                  </a:gsLst>
-                  <a:lin ang="5400000"/>
-                </a:gradFill>
-                <a:effectLst>
-                  <a:reflection blurRad="12700" stA="50000" endPos="50000" dist="5000" dir="5400000" sy="-100000" rotWithShape="0"/>
-                </a:effectLst>
-                <a:latin typeface="Arial Black" pitchFamily="34" charset="0"/>
-                <a:ea typeface="HY견고딕" pitchFamily="18" charset="-127"/>
-              </a:rPr>
-              <a:t>02</a:t>
-            </a:r>
-            <a:endParaRPr lang="ko-KR" altLang="en-US" sz="13800" b="1" cap="all" dirty="0">
-              <a:ln w="0"/>
-              <a:gradFill flip="none">
-                <a:gsLst>
-                  <a:gs pos="0">
-                    <a:schemeClr val="accent1">
-                      <a:tint val="75000"/>
-                      <a:shade val="75000"/>
-                      <a:satMod val="170000"/>
-                    </a:schemeClr>
-                  </a:gs>
-                  <a:gs pos="49000">
-                    <a:schemeClr val="accent1">
-                      <a:tint val="88000"/>
-                      <a:shade val="65000"/>
-                      <a:satMod val="172000"/>
-                    </a:schemeClr>
-                  </a:gs>
-                  <a:gs pos="50000">
-                    <a:schemeClr val="accent1">
-                      <a:shade val="65000"/>
-                      <a:satMod val="130000"/>
-                    </a:schemeClr>
-                  </a:gs>
-                  <a:gs pos="92000">
-                    <a:schemeClr val="accent1">
-                      <a:shade val="50000"/>
-                      <a:satMod val="120000"/>
-                    </a:schemeClr>
-                  </a:gs>
-                  <a:gs pos="100000">
-                    <a:schemeClr val="accent1">
-                      <a:shade val="48000"/>
-                      <a:satMod val="120000"/>
-                    </a:schemeClr>
-                  </a:gs>
-                </a:gsLst>
-                <a:lin ang="5400000"/>
-              </a:gradFill>
-              <a:effectLst>
-                <a:reflection blurRad="12700" stA="50000" endPos="50000" dist="5000" dir="5400000" sy="-100000" rotWithShape="0"/>
-              </a:effectLst>
-              <a:latin typeface="Arial Black" pitchFamily="34" charset="0"/>
-              <a:ea typeface="HY견고딕" pitchFamily="18" charset="-127"/>
+            <a:pPr algn="ctr"/>
+            <a:endParaRPr lang="ko-KR" altLang="en-US" sz="700" b="1" dirty="0" smtClean="0">
+              <a:latin typeface="맑은 고딕" panose="020B0503020000020004" pitchFamily="50" charset="-127"/>
+              <a:ea typeface="맑은 고딕" panose="020B0503020000020004" pitchFamily="50" charset="-127"/>
             </a:endParaRPr>
           </a:p>
         </p:txBody>
       </p:sp>
       <p:sp>
         <p:nvSpPr>
-          <p:cNvPr id="13" name="제목 1"/>
-          <p:cNvSpPr txBox="1">
-            <a:spLocks/>
-          </p:cNvSpPr>
+          <p:cNvPr id="8" name="TextBox 7"/>
+          <p:cNvSpPr txBox="1"/>
           <p:nvPr/>
         </p:nvSpPr>
         <p:spPr>
           <a:xfrm>
-            <a:off x="2936776" y="1844824"/>
-            <a:ext cx="5760640" cy="634082"/>
+            <a:off x="611472" y="926128"/>
+            <a:ext cx="3430747" cy="261610"/>
+          </a:xfrm>
+          <a:prstGeom prst="rect">
+            <a:avLst/>
+          </a:prstGeom>
+          <a:noFill/>
+        </p:spPr>
+        <p:txBody>
+          <a:bodyPr wrap="none" rtlCol="0">
+            <a:spAutoFit/>
+          </a:bodyPr>
+          <a:lstStyle/>
+          <a:p>
+            <a:pPr algn="l"/>
+            <a:r>
+              <a:rPr lang="ko-KR" altLang="en-US" sz="1100" dirty="0" smtClean="0">
+                <a:solidFill>
+                  <a:schemeClr val="tx2">
+                    <a:lumMod val="60000"/>
+                    <a:lumOff val="40000"/>
+                  </a:schemeClr>
+                </a:solidFill>
+                <a:latin typeface="맑은 고딕" panose="020B0503020000020004" pitchFamily="50" charset="-127"/>
+                <a:ea typeface="맑은 고딕" panose="020B0503020000020004" pitchFamily="50" charset="-127"/>
+              </a:rPr>
+              <a:t>① </a:t>
+            </a:r>
+            <a:r>
+              <a:rPr lang="en-US" altLang="ko-KR" sz="1100" dirty="0" err="1" smtClean="0">
+                <a:solidFill>
+                  <a:schemeClr val="tx2">
+                    <a:lumMod val="60000"/>
+                    <a:lumOff val="40000"/>
+                  </a:schemeClr>
+                </a:solidFill>
+                <a:latin typeface="맑은 고딕" panose="020B0503020000020004" pitchFamily="50" charset="-127"/>
+                <a:ea typeface="맑은 고딕" panose="020B0503020000020004" pitchFamily="50" charset="-127"/>
+              </a:rPr>
+              <a:t>MySql</a:t>
+            </a:r>
+            <a:r>
+              <a:rPr lang="en-US" altLang="ko-KR" sz="1100" dirty="0" smtClean="0">
+                <a:solidFill>
+                  <a:schemeClr val="tx2">
+                    <a:lumMod val="60000"/>
+                    <a:lumOff val="40000"/>
+                  </a:schemeClr>
+                </a:solidFill>
+                <a:latin typeface="맑은 고딕" panose="020B0503020000020004" pitchFamily="50" charset="-127"/>
+                <a:ea typeface="맑은 고딕" panose="020B0503020000020004" pitchFamily="50" charset="-127"/>
+              </a:rPr>
+              <a:t> </a:t>
+            </a:r>
+            <a:r>
+              <a:rPr lang="ko-KR" altLang="en-US" sz="1100" dirty="0" smtClean="0">
+                <a:solidFill>
+                  <a:schemeClr val="tx2">
+                    <a:lumMod val="60000"/>
+                    <a:lumOff val="40000"/>
+                  </a:schemeClr>
+                </a:solidFill>
+                <a:latin typeface="맑은 고딕" panose="020B0503020000020004" pitchFamily="50" charset="-127"/>
+                <a:ea typeface="맑은 고딕" panose="020B0503020000020004" pitchFamily="50" charset="-127"/>
+              </a:rPr>
+              <a:t>폴더에서 </a:t>
+            </a:r>
+            <a:r>
+              <a:rPr lang="en-US" altLang="ko-KR" sz="1100" dirty="0" smtClean="0">
+                <a:solidFill>
+                  <a:schemeClr val="tx2">
+                    <a:lumMod val="60000"/>
+                    <a:lumOff val="40000"/>
+                  </a:schemeClr>
+                </a:solidFill>
+                <a:latin typeface="맑은 고딕" panose="020B0503020000020004" pitchFamily="50" charset="-127"/>
+                <a:ea typeface="맑은 고딕" panose="020B0503020000020004" pitchFamily="50" charset="-127"/>
+              </a:rPr>
+              <a:t>mysql_start.cmd </a:t>
+            </a:r>
+            <a:r>
+              <a:rPr lang="ko-KR" altLang="en-US" sz="1100" dirty="0" smtClean="0">
+                <a:solidFill>
+                  <a:schemeClr val="tx2">
+                    <a:lumMod val="60000"/>
+                    <a:lumOff val="40000"/>
+                  </a:schemeClr>
+                </a:solidFill>
+                <a:latin typeface="맑은 고딕" panose="020B0503020000020004" pitchFamily="50" charset="-127"/>
+                <a:ea typeface="맑은 고딕" panose="020B0503020000020004" pitchFamily="50" charset="-127"/>
+              </a:rPr>
+              <a:t>를 실행합니다</a:t>
+            </a:r>
+            <a:r>
+              <a:rPr lang="en-US" altLang="ko-KR" sz="1100" dirty="0" smtClean="0">
+                <a:solidFill>
+                  <a:schemeClr val="tx2">
+                    <a:lumMod val="60000"/>
+                    <a:lumOff val="40000"/>
+                  </a:schemeClr>
+                </a:solidFill>
+                <a:latin typeface="맑은 고딕" panose="020B0503020000020004" pitchFamily="50" charset="-127"/>
+                <a:ea typeface="맑은 고딕" panose="020B0503020000020004" pitchFamily="50" charset="-127"/>
+              </a:rPr>
+              <a:t>.</a:t>
+            </a:r>
+            <a:endParaRPr lang="ko-KR" altLang="en-US" sz="1100" dirty="0" smtClean="0">
+              <a:solidFill>
+                <a:schemeClr val="tx2">
+                  <a:lumMod val="60000"/>
+                  <a:lumOff val="40000"/>
+                </a:schemeClr>
+              </a:solidFill>
+              <a:latin typeface="맑은 고딕" panose="020B0503020000020004" pitchFamily="50" charset="-127"/>
+              <a:ea typeface="맑은 고딕" panose="020B0503020000020004" pitchFamily="50" charset="-127"/>
+            </a:endParaRPr>
+          </a:p>
+        </p:txBody>
+      </p:sp>
+      <p:pic>
+        <p:nvPicPr>
+          <p:cNvPr id="10" name="그림 9"/>
+          <p:cNvPicPr>
+            <a:picLocks noChangeAspect="1"/>
+          </p:cNvPicPr>
+          <p:nvPr/>
+        </p:nvPicPr>
+        <p:blipFill>
+          <a:blip r:embed="rId3"/>
+          <a:stretch>
+            <a:fillRect/>
+          </a:stretch>
+        </p:blipFill>
+        <p:spPr>
+          <a:xfrm>
+            <a:off x="4700844" y="1543484"/>
+            <a:ext cx="3737779" cy="2808799"/>
           </a:xfrm>
           <a:prstGeom prst="rect">
             <a:avLst/>
           </a:prstGeom>
         </p:spPr>
+      </p:pic>
+      <p:sp>
+        <p:nvSpPr>
+          <p:cNvPr id="11" name="TextBox 10"/>
+          <p:cNvSpPr txBox="1"/>
+          <p:nvPr/>
+        </p:nvSpPr>
+        <p:spPr>
+          <a:xfrm>
+            <a:off x="4516929" y="926128"/>
+            <a:ext cx="4105611" cy="430887"/>
+          </a:xfrm>
+          <a:prstGeom prst="rect">
+            <a:avLst/>
+          </a:prstGeom>
+          <a:noFill/>
+        </p:spPr>
         <p:txBody>
-          <a:bodyPr vert="horz" lIns="91440" tIns="45720" rIns="91440" bIns="45720" rtlCol="0" anchor="ctr">
-            <a:noAutofit/>
+          <a:bodyPr wrap="none" rtlCol="0">
+            <a:spAutoFit/>
           </a:bodyPr>
-          <a:lstStyle>
-            <a:lvl1pPr algn="ctr" defTabSz="914400" rtl="0" eaLnBrk="1" latinLnBrk="1" hangingPunct="1">
-              <a:spcBef>
-                <a:spcPct val="0"/>
-              </a:spcBef>
-              <a:buNone/>
-              <a:defRPr sz="4400" kern="1200">
-                <a:solidFill>
-                  <a:schemeClr val="tx1"/>
-                </a:solidFill>
-                <a:latin typeface="+mj-lt"/>
-                <a:ea typeface="+mj-ea"/>
-                <a:cs typeface="+mj-cs"/>
-              </a:defRPr>
-            </a:lvl1pPr>
-          </a:lstStyle>
+          <a:lstStyle/>
           <a:p>
             <a:pPr algn="l"/>
             <a:r>
-              <a:rPr lang="en-US" altLang="ko-KR" sz="2400" dirty="0" smtClean="0">
-                <a:latin typeface="맑은 고딕" pitchFamily="50" charset="-127"/>
-                <a:ea typeface="맑은 고딕" pitchFamily="50" charset="-127"/>
-              </a:rPr>
-              <a:t>Contents Implementation</a:t>
-            </a:r>
-            <a:endParaRPr lang="ko-KR" altLang="en-US" sz="2400" dirty="0">
-              <a:latin typeface="맑은 고딕" pitchFamily="50" charset="-127"/>
-              <a:ea typeface="맑은 고딕" pitchFamily="50" charset="-127"/>
+              <a:rPr lang="ko-KR" altLang="en-US" sz="1100" dirty="0" smtClean="0">
+                <a:solidFill>
+                  <a:schemeClr val="tx2">
+                    <a:lumMod val="60000"/>
+                    <a:lumOff val="40000"/>
+                  </a:schemeClr>
+                </a:solidFill>
+                <a:latin typeface="맑은 고딕" panose="020B0503020000020004" pitchFamily="50" charset="-127"/>
+                <a:ea typeface="맑은 고딕" panose="020B0503020000020004" pitchFamily="50" charset="-127"/>
+              </a:rPr>
+              <a:t>② </a:t>
+            </a:r>
+            <a:r>
+              <a:rPr lang="en-US" altLang="ko-KR" sz="1100" dirty="0" smtClean="0">
+                <a:solidFill>
+                  <a:schemeClr val="tx2">
+                    <a:lumMod val="60000"/>
+                    <a:lumOff val="40000"/>
+                  </a:schemeClr>
+                </a:solidFill>
+                <a:latin typeface="맑은 고딕" panose="020B0503020000020004" pitchFamily="50" charset="-127"/>
+                <a:ea typeface="맑은 고딕" panose="020B0503020000020004" pitchFamily="50" charset="-127"/>
+              </a:rPr>
+              <a:t>Console </a:t>
+            </a:r>
+            <a:r>
+              <a:rPr lang="ko-KR" altLang="en-US" sz="1100" dirty="0" smtClean="0">
+                <a:solidFill>
+                  <a:schemeClr val="tx2">
+                    <a:lumMod val="60000"/>
+                    <a:lumOff val="40000"/>
+                  </a:schemeClr>
+                </a:solidFill>
+                <a:latin typeface="맑은 고딕" panose="020B0503020000020004" pitchFamily="50" charset="-127"/>
+                <a:ea typeface="맑은 고딕" panose="020B0503020000020004" pitchFamily="50" charset="-127"/>
+              </a:rPr>
+              <a:t>창이 실행됩니다</a:t>
+            </a:r>
+            <a:r>
+              <a:rPr lang="en-US" altLang="ko-KR" sz="1100" dirty="0" smtClean="0">
+                <a:solidFill>
+                  <a:schemeClr val="tx2">
+                    <a:lumMod val="60000"/>
+                    <a:lumOff val="40000"/>
+                  </a:schemeClr>
+                </a:solidFill>
+                <a:latin typeface="맑은 고딕" panose="020B0503020000020004" pitchFamily="50" charset="-127"/>
+                <a:ea typeface="맑은 고딕" panose="020B0503020000020004" pitchFamily="50" charset="-127"/>
+              </a:rPr>
+              <a:t>.</a:t>
+            </a:r>
+            <a:br>
+              <a:rPr lang="en-US" altLang="ko-KR" sz="1100" dirty="0" smtClean="0">
+                <a:solidFill>
+                  <a:schemeClr val="tx2">
+                    <a:lumMod val="60000"/>
+                    <a:lumOff val="40000"/>
+                  </a:schemeClr>
+                </a:solidFill>
+                <a:latin typeface="맑은 고딕" panose="020B0503020000020004" pitchFamily="50" charset="-127"/>
+                <a:ea typeface="맑은 고딕" panose="020B0503020000020004" pitchFamily="50" charset="-127"/>
+              </a:rPr>
+            </a:br>
+            <a:r>
+              <a:rPr lang="en-US" altLang="ko-KR" sz="1100" dirty="0" smtClean="0">
+                <a:solidFill>
+                  <a:schemeClr val="tx2">
+                    <a:lumMod val="60000"/>
+                    <a:lumOff val="40000"/>
+                  </a:schemeClr>
+                </a:solidFill>
+                <a:latin typeface="맑은 고딕" panose="020B0503020000020004" pitchFamily="50" charset="-127"/>
+                <a:ea typeface="맑은 고딕" panose="020B0503020000020004" pitchFamily="50" charset="-127"/>
+              </a:rPr>
+              <a:t>    (</a:t>
+            </a:r>
+            <a:r>
+              <a:rPr lang="ko-KR" altLang="en-US" sz="1100" dirty="0" smtClean="0">
+                <a:solidFill>
+                  <a:schemeClr val="tx2">
+                    <a:lumMod val="60000"/>
+                    <a:lumOff val="40000"/>
+                  </a:schemeClr>
+                </a:solidFill>
+                <a:latin typeface="맑은 고딕" panose="020B0503020000020004" pitchFamily="50" charset="-127"/>
+                <a:ea typeface="맑은 고딕" panose="020B0503020000020004" pitchFamily="50" charset="-127"/>
+              </a:rPr>
+              <a:t>실행된 </a:t>
+            </a:r>
+            <a:r>
+              <a:rPr lang="en-US" altLang="ko-KR" sz="1100" dirty="0" smtClean="0">
+                <a:solidFill>
+                  <a:schemeClr val="tx2">
+                    <a:lumMod val="60000"/>
+                    <a:lumOff val="40000"/>
+                  </a:schemeClr>
+                </a:solidFill>
+                <a:latin typeface="맑은 고딕" panose="020B0503020000020004" pitchFamily="50" charset="-127"/>
+                <a:ea typeface="맑은 고딕" panose="020B0503020000020004" pitchFamily="50" charset="-127"/>
+              </a:rPr>
+              <a:t>Console </a:t>
+            </a:r>
+            <a:r>
+              <a:rPr lang="ko-KR" altLang="en-US" sz="1100" dirty="0" smtClean="0">
+                <a:solidFill>
+                  <a:schemeClr val="tx2">
+                    <a:lumMod val="60000"/>
+                    <a:lumOff val="40000"/>
+                  </a:schemeClr>
+                </a:solidFill>
+                <a:latin typeface="맑은 고딕" panose="020B0503020000020004" pitchFamily="50" charset="-127"/>
+                <a:ea typeface="맑은 고딕" panose="020B0503020000020004" pitchFamily="50" charset="-127"/>
+              </a:rPr>
+              <a:t>창을 종료하면 </a:t>
+            </a:r>
+            <a:r>
+              <a:rPr lang="en-US" altLang="ko-KR" sz="1100" dirty="0" err="1" smtClean="0">
+                <a:solidFill>
+                  <a:schemeClr val="tx2">
+                    <a:lumMod val="60000"/>
+                    <a:lumOff val="40000"/>
+                  </a:schemeClr>
+                </a:solidFill>
+                <a:latin typeface="맑은 고딕" panose="020B0503020000020004" pitchFamily="50" charset="-127"/>
+                <a:ea typeface="맑은 고딕" panose="020B0503020000020004" pitchFamily="50" charset="-127"/>
+              </a:rPr>
+              <a:t>MySql</a:t>
+            </a:r>
+            <a:r>
+              <a:rPr lang="ko-KR" altLang="en-US" sz="1100" dirty="0" smtClean="0">
+                <a:solidFill>
+                  <a:schemeClr val="tx2">
+                    <a:lumMod val="60000"/>
+                    <a:lumOff val="40000"/>
+                  </a:schemeClr>
+                </a:solidFill>
+                <a:latin typeface="맑은 고딕" panose="020B0503020000020004" pitchFamily="50" charset="-127"/>
+                <a:ea typeface="맑은 고딕" panose="020B0503020000020004" pitchFamily="50" charset="-127"/>
+              </a:rPr>
+              <a:t>도 함께 종료됩니다</a:t>
+            </a:r>
+            <a:r>
+              <a:rPr lang="en-US" altLang="ko-KR" sz="1100" dirty="0" smtClean="0">
+                <a:solidFill>
+                  <a:schemeClr val="tx2">
+                    <a:lumMod val="60000"/>
+                    <a:lumOff val="40000"/>
+                  </a:schemeClr>
+                </a:solidFill>
+                <a:latin typeface="맑은 고딕" panose="020B0503020000020004" pitchFamily="50" charset="-127"/>
+                <a:ea typeface="맑은 고딕" panose="020B0503020000020004" pitchFamily="50" charset="-127"/>
+              </a:rPr>
+              <a:t>.)</a:t>
+            </a:r>
+            <a:endParaRPr lang="ko-KR" altLang="en-US" sz="1100" dirty="0" smtClean="0">
+              <a:solidFill>
+                <a:schemeClr val="tx2">
+                  <a:lumMod val="60000"/>
+                  <a:lumOff val="40000"/>
+                </a:schemeClr>
+              </a:solidFill>
+              <a:latin typeface="맑은 고딕" panose="020B0503020000020004" pitchFamily="50" charset="-127"/>
+              <a:ea typeface="맑은 고딕" panose="020B0503020000020004" pitchFamily="50" charset="-127"/>
             </a:endParaRPr>
           </a:p>
         </p:txBody>
       </p:sp>
+      <p:cxnSp>
+        <p:nvCxnSpPr>
+          <p:cNvPr id="13" name="직선 연결선 12"/>
+          <p:cNvCxnSpPr/>
+          <p:nvPr/>
+        </p:nvCxnSpPr>
+        <p:spPr bwMode="auto">
+          <a:xfrm>
+            <a:off x="4271736" y="926128"/>
+            <a:ext cx="0" cy="3535874"/>
+          </a:xfrm>
+          <a:prstGeom prst="line">
+            <a:avLst/>
+          </a:prstGeom>
+          <a:solidFill>
+            <a:srgbClr val="FFFFFF"/>
+          </a:solidFill>
+          <a:ln w="9525" cap="flat" cmpd="sng" algn="ctr">
+            <a:solidFill>
+              <a:schemeClr val="tx1"/>
+            </a:solidFill>
+            <a:prstDash val="lgDash"/>
+            <a:round/>
+            <a:headEnd type="none" w="med" len="med"/>
+            <a:tailEnd type="none"/>
+          </a:ln>
+          <a:effectLst/>
+        </p:spPr>
+      </p:cxnSp>
     </p:spTree>
     <p:extLst>
       <p:ext uri="{BB962C8B-B14F-4D97-AF65-F5344CB8AC3E}">
-        <p14:creationId xmlns:p14="http://schemas.microsoft.com/office/powerpoint/2010/main" val="1750285800"/>
+        <p14:creationId xmlns:p14="http://schemas.microsoft.com/office/powerpoint/2010/main" val="2678364695"/>
       </p:ext>
     </p:extLst>
   </p:cSld>
@@ -8179,50 +13915,6 @@
       </p:grpSpPr>
       <p:sp>
         <p:nvSpPr>
-          <p:cNvPr id="9" name="위쪽 화살표 8"/>
-          <p:cNvSpPr/>
-          <p:nvPr/>
-        </p:nvSpPr>
-        <p:spPr bwMode="auto">
-          <a:xfrm rot="10800000">
-            <a:off x="5607138" y="2344213"/>
-            <a:ext cx="720096" cy="543414"/>
-          </a:xfrm>
-          <a:prstGeom prst="upArrow">
-            <a:avLst/>
-          </a:prstGeom>
-          <a:solidFill>
-            <a:schemeClr val="bg1"/>
-          </a:solidFill>
-          <a:ln w="12700" cap="flat" cmpd="sng" algn="ctr">
-            <a:solidFill>
-              <a:schemeClr val="tx1"/>
-            </a:solidFill>
-            <a:prstDash val="solid"/>
-            <a:round/>
-            <a:headEnd type="none" w="med" len="med"/>
-            <a:tailEnd type="none" w="med" len="med"/>
-          </a:ln>
-          <a:effectLst/>
-        </p:spPr>
-        <p:txBody>
-          <a:bodyPr vert="horz" wrap="none" lIns="77925" tIns="38963" rIns="77925" bIns="38963" numCol="1" rtlCol="0" anchor="ctr" anchorCtr="0" compatLnSpc="1">
-            <a:prstTxWarp prst="textNoShape">
-              <a:avLst/>
-            </a:prstTxWarp>
-          </a:bodyPr>
-          <a:lstStyle/>
-          <a:p>
-            <a:pPr algn="ctr"/>
-            <a:endParaRPr lang="ko-KR" altLang="en-US" sz="700" b="1" dirty="0" smtClean="0">
-              <a:latin typeface="맑은 고딕" panose="020B0503020000020004" pitchFamily="50" charset="-127"/>
-              <a:ea typeface="맑은 고딕" panose="020B0503020000020004" pitchFamily="50" charset="-127"/>
-            </a:endParaRPr>
-          </a:p>
-        </p:txBody>
-      </p:sp>
-      <p:sp>
-        <p:nvSpPr>
           <p:cNvPr id="2" name="TextBox 1"/>
           <p:cNvSpPr txBox="1"/>
           <p:nvPr/>
@@ -8249,7 +13941,28 @@
                 <a:latin typeface="맑은 고딕" panose="020B0503020000020004" pitchFamily="50" charset="-127"/>
                 <a:ea typeface="맑은 고딕" panose="020B0503020000020004" pitchFamily="50" charset="-127"/>
               </a:rPr>
-              <a:t>1. Client API</a:t>
+              <a:t>4.2. </a:t>
+            </a:r>
+            <a:r>
+              <a:rPr lang="en-US" altLang="ko-KR" sz="2000" b="1" dirty="0" err="1" smtClean="0">
+                <a:latin typeface="맑은 고딕" panose="020B0503020000020004" pitchFamily="50" charset="-127"/>
+                <a:ea typeface="맑은 고딕" panose="020B0503020000020004" pitchFamily="50" charset="-127"/>
+              </a:rPr>
+              <a:t>AuthServer</a:t>
+            </a:r>
+            <a:r>
+              <a:rPr lang="en-US" altLang="ko-KR" sz="2000" b="1" dirty="0" smtClean="0">
+                <a:latin typeface="맑은 고딕" panose="020B0503020000020004" pitchFamily="50" charset="-127"/>
+                <a:ea typeface="맑은 고딕" panose="020B0503020000020004" pitchFamily="50" charset="-127"/>
+              </a:rPr>
+              <a:t> </a:t>
+            </a:r>
+            <a:r>
+              <a:rPr lang="ko-KR" altLang="en-US" sz="2000" b="1" dirty="0" smtClean="0">
+                <a:latin typeface="맑은 고딕" panose="020B0503020000020004" pitchFamily="50" charset="-127"/>
+                <a:ea typeface="맑은 고딕" panose="020B0503020000020004" pitchFamily="50" charset="-127"/>
+              </a:rPr>
+              <a:t>구동</a:t>
             </a:r>
             <a:endParaRPr lang="ko-KR" altLang="en-US" sz="2000" b="1" dirty="0" smtClean="0">
               <a:latin typeface="맑은 고딕" panose="020B0503020000020004" pitchFamily="50" charset="-127"/>
@@ -8258,508 +13971,10 @@
           </a:p>
         </p:txBody>
       </p:sp>
-      <p:sp>
-        <p:nvSpPr>
-          <p:cNvPr id="3" name="모서리가 둥근 직사각형 2"/>
-          <p:cNvSpPr/>
-          <p:nvPr/>
-        </p:nvSpPr>
-        <p:spPr bwMode="auto">
-          <a:xfrm>
-            <a:off x="3356838" y="3475212"/>
-            <a:ext cx="2340312" cy="990132"/>
-          </a:xfrm>
-          <a:prstGeom prst="roundRect">
-            <a:avLst/>
-          </a:prstGeom>
-          <a:solidFill>
-            <a:schemeClr val="bg1"/>
-          </a:solidFill>
-          <a:ln w="12700" cap="flat" cmpd="sng" algn="ctr">
-            <a:solidFill>
-              <a:schemeClr val="tx1"/>
-            </a:solidFill>
-            <a:prstDash val="solid"/>
-            <a:round/>
-            <a:headEnd type="none" w="med" len="med"/>
-            <a:tailEnd type="none" w="med" len="med"/>
-          </a:ln>
-          <a:effectLst/>
-        </p:spPr>
-        <p:txBody>
-          <a:bodyPr vert="horz" wrap="none" lIns="77925" tIns="38963" rIns="77925" bIns="38963" numCol="1" rtlCol="0" anchor="ctr" anchorCtr="0" compatLnSpc="1">
-            <a:prstTxWarp prst="textNoShape">
-              <a:avLst/>
-            </a:prstTxWarp>
-          </a:bodyPr>
-          <a:lstStyle/>
-          <a:p>
-            <a:pPr algn="ctr"/>
-            <a:r>
-              <a:rPr lang="en-US" altLang="ko-KR" sz="1600" b="1" dirty="0" smtClean="0">
-                <a:latin typeface="맑은 고딕" panose="020B0503020000020004" pitchFamily="50" charset="-127"/>
-                <a:ea typeface="맑은 고딕" panose="020B0503020000020004" pitchFamily="50" charset="-127"/>
-              </a:rPr>
-              <a:t>Unity</a:t>
-            </a:r>
-          </a:p>
-          <a:p>
-            <a:pPr algn="ctr"/>
-            <a:r>
-              <a:rPr lang="en-US" altLang="ko-KR" sz="1600" b="1" dirty="0" smtClean="0">
-                <a:latin typeface="맑은 고딕" panose="020B0503020000020004" pitchFamily="50" charset="-127"/>
-                <a:ea typeface="맑은 고딕" panose="020B0503020000020004" pitchFamily="50" charset="-127"/>
-              </a:rPr>
-              <a:t>Project</a:t>
-            </a:r>
-            <a:endParaRPr lang="ko-KR" altLang="en-US" sz="1600" b="1" dirty="0" smtClean="0">
-              <a:latin typeface="맑은 고딕" panose="020B0503020000020004" pitchFamily="50" charset="-127"/>
-              <a:ea typeface="맑은 고딕" panose="020B0503020000020004" pitchFamily="50" charset="-127"/>
-            </a:endParaRPr>
-          </a:p>
-        </p:txBody>
-      </p:sp>
-      <p:sp>
-        <p:nvSpPr>
-          <p:cNvPr id="4" name="모서리가 둥근 직사각형 3"/>
-          <p:cNvSpPr/>
-          <p:nvPr/>
-        </p:nvSpPr>
-        <p:spPr bwMode="auto">
-          <a:xfrm>
-            <a:off x="5877174" y="3475212"/>
-            <a:ext cx="2340312" cy="990132"/>
-          </a:xfrm>
-          <a:prstGeom prst="roundRect">
-            <a:avLst/>
-          </a:prstGeom>
-          <a:solidFill>
-            <a:schemeClr val="bg1"/>
-          </a:solidFill>
-          <a:ln w="12700" cap="flat" cmpd="sng" algn="ctr">
-            <a:solidFill>
-              <a:schemeClr val="tx1"/>
-            </a:solidFill>
-            <a:prstDash val="solid"/>
-            <a:round/>
-            <a:headEnd type="none" w="med" len="med"/>
-            <a:tailEnd type="none" w="med" len="med"/>
-          </a:ln>
-          <a:effectLst/>
-        </p:spPr>
-        <p:txBody>
-          <a:bodyPr vert="horz" wrap="none" lIns="77925" tIns="38963" rIns="77925" bIns="38963" numCol="1" rtlCol="0" anchor="ctr" anchorCtr="0" compatLnSpc="1">
-            <a:prstTxWarp prst="textNoShape">
-              <a:avLst/>
-            </a:prstTxWarp>
-          </a:bodyPr>
-          <a:lstStyle/>
-          <a:p>
-            <a:pPr algn="ctr"/>
-            <a:r>
-              <a:rPr lang="en-US" altLang="ko-KR" sz="1600" b="1" dirty="0" err="1" smtClean="0">
-                <a:latin typeface="맑은 고딕" panose="020B0503020000020004" pitchFamily="50" charset="-127"/>
-                <a:ea typeface="맑은 고딕" panose="020B0503020000020004" pitchFamily="50" charset="-127"/>
-              </a:rPr>
-              <a:t>WinForm</a:t>
-            </a:r>
-            <a:endParaRPr lang="en-US" altLang="ko-KR" sz="1600" b="1" dirty="0" smtClean="0">
-              <a:latin typeface="맑은 고딕" panose="020B0503020000020004" pitchFamily="50" charset="-127"/>
-              <a:ea typeface="맑은 고딕" panose="020B0503020000020004" pitchFamily="50" charset="-127"/>
-            </a:endParaRPr>
-          </a:p>
-          <a:p>
-            <a:pPr algn="ctr"/>
-            <a:r>
-              <a:rPr lang="en-US" altLang="ko-KR" sz="1600" b="1" dirty="0" smtClean="0">
-                <a:latin typeface="맑은 고딕" panose="020B0503020000020004" pitchFamily="50" charset="-127"/>
-                <a:ea typeface="맑은 고딕" panose="020B0503020000020004" pitchFamily="50" charset="-127"/>
-              </a:rPr>
-              <a:t>Project</a:t>
-            </a:r>
-            <a:endParaRPr lang="ko-KR" altLang="en-US" sz="1600" b="1" dirty="0" smtClean="0">
-              <a:latin typeface="맑은 고딕" panose="020B0503020000020004" pitchFamily="50" charset="-127"/>
-              <a:ea typeface="맑은 고딕" panose="020B0503020000020004" pitchFamily="50" charset="-127"/>
-            </a:endParaRPr>
-          </a:p>
-        </p:txBody>
-      </p:sp>
-      <p:sp>
-        <p:nvSpPr>
-          <p:cNvPr id="5" name="모서리가 둥근 직사각형 4"/>
-          <p:cNvSpPr/>
-          <p:nvPr/>
-        </p:nvSpPr>
-        <p:spPr bwMode="auto">
-          <a:xfrm>
-            <a:off x="3356838" y="2935140"/>
-            <a:ext cx="4860648" cy="450060"/>
-          </a:xfrm>
-          <a:prstGeom prst="roundRect">
-            <a:avLst>
-              <a:gd name="adj" fmla="val 6085"/>
-            </a:avLst>
-          </a:prstGeom>
-          <a:ln>
-            <a:headEnd type="none" w="med" len="med"/>
-            <a:tailEnd type="none" w="med" len="med"/>
-          </a:ln>
-        </p:spPr>
-        <p:style>
-          <a:lnRef idx="1">
-            <a:schemeClr val="accent3"/>
-          </a:lnRef>
-          <a:fillRef idx="2">
-            <a:schemeClr val="accent3"/>
-          </a:fillRef>
-          <a:effectRef idx="1">
-            <a:schemeClr val="accent3"/>
-          </a:effectRef>
-          <a:fontRef idx="minor">
-            <a:schemeClr val="dk1"/>
-          </a:fontRef>
-        </p:style>
-        <p:txBody>
-          <a:bodyPr vert="horz" wrap="none" lIns="77925" tIns="38963" rIns="77925" bIns="38963" numCol="1" rtlCol="0" anchor="ctr" anchorCtr="0" compatLnSpc="1">
-            <a:prstTxWarp prst="textNoShape">
-              <a:avLst/>
-            </a:prstTxWarp>
-          </a:bodyPr>
-          <a:lstStyle/>
-          <a:p>
-            <a:pPr algn="ctr"/>
-            <a:r>
-              <a:rPr lang="en-US" altLang="ko-KR" sz="1600" b="1" dirty="0" err="1" smtClean="0">
-                <a:latin typeface="맑은 고딕" panose="020B0503020000020004" pitchFamily="50" charset="-127"/>
-                <a:ea typeface="맑은 고딕" panose="020B0503020000020004" pitchFamily="50" charset="-127"/>
-              </a:rPr>
-              <a:t>NetworkAPI</a:t>
-            </a:r>
-            <a:endParaRPr lang="en-US" altLang="ko-KR" sz="1600" b="1" dirty="0">
-              <a:latin typeface="맑은 고딕" panose="020B0503020000020004" pitchFamily="50" charset="-127"/>
-              <a:ea typeface="맑은 고딕" panose="020B0503020000020004" pitchFamily="50" charset="-127"/>
-            </a:endParaRPr>
-          </a:p>
-        </p:txBody>
-      </p:sp>
-      <p:sp>
-        <p:nvSpPr>
-          <p:cNvPr id="6" name="모서리가 둥근 직사각형 5"/>
-          <p:cNvSpPr/>
-          <p:nvPr/>
-        </p:nvSpPr>
-        <p:spPr bwMode="auto">
-          <a:xfrm>
-            <a:off x="3671880" y="1581618"/>
-            <a:ext cx="1710228" cy="630084"/>
-          </a:xfrm>
-          <a:prstGeom prst="roundRect">
-            <a:avLst/>
-          </a:prstGeom>
-          <a:solidFill>
-            <a:schemeClr val="bg1"/>
-          </a:solidFill>
-          <a:ln w="12700" cap="flat" cmpd="sng" algn="ctr">
-            <a:solidFill>
-              <a:schemeClr val="tx1"/>
-            </a:solidFill>
-            <a:prstDash val="solid"/>
-            <a:round/>
-            <a:headEnd type="none" w="med" len="med"/>
-            <a:tailEnd type="none" w="med" len="med"/>
-          </a:ln>
-          <a:effectLst/>
-        </p:spPr>
-        <p:txBody>
-          <a:bodyPr vert="horz" wrap="none" lIns="77925" tIns="38963" rIns="77925" bIns="38963" numCol="1" rtlCol="0" anchor="ctr" anchorCtr="0" compatLnSpc="1">
-            <a:prstTxWarp prst="textNoShape">
-              <a:avLst/>
-            </a:prstTxWarp>
-          </a:bodyPr>
-          <a:lstStyle/>
-          <a:p>
-            <a:pPr algn="ctr"/>
-            <a:r>
-              <a:rPr lang="en-US" altLang="ko-KR" sz="1400" b="1" dirty="0" err="1" smtClean="0">
-                <a:latin typeface="맑은 고딕" panose="020B0503020000020004" pitchFamily="50" charset="-127"/>
-                <a:ea typeface="맑은 고딕" panose="020B0503020000020004" pitchFamily="50" charset="-127"/>
-              </a:rPr>
-              <a:t>AuthServer</a:t>
-            </a:r>
-            <a:endParaRPr lang="ko-KR" altLang="en-US" sz="1400" b="1" dirty="0" smtClean="0">
-              <a:latin typeface="맑은 고딕" panose="020B0503020000020004" pitchFamily="50" charset="-127"/>
-              <a:ea typeface="맑은 고딕" panose="020B0503020000020004" pitchFamily="50" charset="-127"/>
-            </a:endParaRPr>
-          </a:p>
-        </p:txBody>
-      </p:sp>
-      <p:sp>
-        <p:nvSpPr>
-          <p:cNvPr id="7" name="모서리가 둥근 직사각형 6"/>
-          <p:cNvSpPr/>
-          <p:nvPr/>
-        </p:nvSpPr>
-        <p:spPr bwMode="auto">
-          <a:xfrm>
-            <a:off x="6192216" y="1581618"/>
-            <a:ext cx="1710228" cy="630084"/>
-          </a:xfrm>
-          <a:prstGeom prst="roundRect">
-            <a:avLst/>
-          </a:prstGeom>
-          <a:solidFill>
-            <a:schemeClr val="bg1"/>
-          </a:solidFill>
-          <a:ln w="12700" cap="flat" cmpd="sng" algn="ctr">
-            <a:solidFill>
-              <a:schemeClr val="tx1"/>
-            </a:solidFill>
-            <a:prstDash val="solid"/>
-            <a:round/>
-            <a:headEnd type="none" w="med" len="med"/>
-            <a:tailEnd type="none" w="med" len="med"/>
-          </a:ln>
-          <a:effectLst/>
-        </p:spPr>
-        <p:txBody>
-          <a:bodyPr vert="horz" wrap="none" lIns="77925" tIns="38963" rIns="77925" bIns="38963" numCol="1" rtlCol="0" anchor="ctr" anchorCtr="0" compatLnSpc="1">
-            <a:prstTxWarp prst="textNoShape">
-              <a:avLst/>
-            </a:prstTxWarp>
-          </a:bodyPr>
-          <a:lstStyle/>
-          <a:p>
-            <a:pPr algn="ctr"/>
-            <a:r>
-              <a:rPr lang="en-US" altLang="ko-KR" sz="1400" b="1" dirty="0" err="1" smtClean="0">
-                <a:latin typeface="맑은 고딕" panose="020B0503020000020004" pitchFamily="50" charset="-127"/>
-                <a:ea typeface="맑은 고딕" panose="020B0503020000020004" pitchFamily="50" charset="-127"/>
-              </a:rPr>
-              <a:t>GameServer</a:t>
-            </a:r>
-            <a:endParaRPr lang="ko-KR" altLang="en-US" sz="1400" b="1" dirty="0" smtClean="0">
-              <a:latin typeface="맑은 고딕" panose="020B0503020000020004" pitchFamily="50" charset="-127"/>
-              <a:ea typeface="맑은 고딕" panose="020B0503020000020004" pitchFamily="50" charset="-127"/>
-            </a:endParaRPr>
-          </a:p>
-        </p:txBody>
-      </p:sp>
-      <p:sp>
-        <p:nvSpPr>
-          <p:cNvPr id="8" name="위쪽 화살표 7"/>
-          <p:cNvSpPr/>
-          <p:nvPr/>
-        </p:nvSpPr>
-        <p:spPr bwMode="auto">
-          <a:xfrm>
-            <a:off x="5337102" y="2211702"/>
-            <a:ext cx="720096" cy="543414"/>
-          </a:xfrm>
-          <a:prstGeom prst="upArrow">
-            <a:avLst/>
-          </a:prstGeom>
-          <a:solidFill>
-            <a:schemeClr val="bg1"/>
-          </a:solidFill>
-          <a:ln w="12700" cap="flat" cmpd="sng" algn="ctr">
-            <a:solidFill>
-              <a:schemeClr val="tx1"/>
-            </a:solidFill>
-            <a:prstDash val="solid"/>
-            <a:round/>
-            <a:headEnd type="none" w="med" len="med"/>
-            <a:tailEnd type="none" w="med" len="med"/>
-          </a:ln>
-          <a:effectLst/>
-        </p:spPr>
-        <p:txBody>
-          <a:bodyPr vert="horz" wrap="none" lIns="77925" tIns="38963" rIns="77925" bIns="38963" numCol="1" rtlCol="0" anchor="ctr" anchorCtr="0" compatLnSpc="1">
-            <a:prstTxWarp prst="textNoShape">
-              <a:avLst/>
-            </a:prstTxWarp>
-          </a:bodyPr>
-          <a:lstStyle/>
-          <a:p>
-            <a:pPr algn="ctr"/>
-            <a:endParaRPr lang="ko-KR" altLang="en-US" sz="700" b="1" dirty="0" smtClean="0">
-              <a:latin typeface="맑은 고딕" panose="020B0503020000020004" pitchFamily="50" charset="-127"/>
-              <a:ea typeface="맑은 고딕" panose="020B0503020000020004" pitchFamily="50" charset="-127"/>
-            </a:endParaRPr>
-          </a:p>
-        </p:txBody>
-      </p:sp>
-      <p:sp>
-        <p:nvSpPr>
-          <p:cNvPr id="11" name="직사각형 10"/>
-          <p:cNvSpPr/>
-          <p:nvPr/>
-        </p:nvSpPr>
-        <p:spPr>
-          <a:xfrm>
-            <a:off x="763724" y="768539"/>
-            <a:ext cx="7526549" cy="461665"/>
-          </a:xfrm>
-          <a:prstGeom prst="rect">
-            <a:avLst/>
-          </a:prstGeom>
-        </p:spPr>
-        <p:txBody>
-          <a:bodyPr wrap="none">
-            <a:spAutoFit/>
-          </a:bodyPr>
-          <a:lstStyle/>
-          <a:p>
-            <a:r>
-              <a:rPr lang="ko-KR" altLang="en-US" sz="2400" b="1" dirty="0" smtClean="0">
-                <a:solidFill>
-                  <a:schemeClr val="accent1"/>
-                </a:solidFill>
-                <a:latin typeface="맑은 고딕" panose="020B0503020000020004" pitchFamily="50" charset="-127"/>
-                <a:ea typeface="맑은 고딕" panose="020B0503020000020004" pitchFamily="50" charset="-127"/>
-              </a:rPr>
-              <a:t>간단히 서버통신을 구현할 </a:t>
-            </a:r>
-            <a:r>
-              <a:rPr lang="ko-KR" altLang="en-US" sz="2400" b="1" dirty="0">
-                <a:solidFill>
-                  <a:schemeClr val="accent1"/>
-                </a:solidFill>
-                <a:latin typeface="맑은 고딕" panose="020B0503020000020004" pitchFamily="50" charset="-127"/>
-                <a:ea typeface="맑은 고딕" panose="020B0503020000020004" pitchFamily="50" charset="-127"/>
-              </a:rPr>
-              <a:t>수 </a:t>
-            </a:r>
-            <a:r>
-              <a:rPr lang="ko-KR" altLang="en-US" sz="2400" b="1" dirty="0" smtClean="0">
-                <a:solidFill>
-                  <a:schemeClr val="accent1"/>
-                </a:solidFill>
-                <a:latin typeface="맑은 고딕" panose="020B0503020000020004" pitchFamily="50" charset="-127"/>
-                <a:ea typeface="맑은 고딕" panose="020B0503020000020004" pitchFamily="50" charset="-127"/>
-              </a:rPr>
-              <a:t>있는 </a:t>
-            </a:r>
-            <a:r>
-              <a:rPr lang="en-US" altLang="ko-KR" sz="2400" b="1" dirty="0" err="1" smtClean="0">
-                <a:solidFill>
-                  <a:schemeClr val="accent1"/>
-                </a:solidFill>
-                <a:latin typeface="맑은 고딕" panose="020B0503020000020004" pitchFamily="50" charset="-127"/>
-                <a:ea typeface="맑은 고딕" panose="020B0503020000020004" pitchFamily="50" charset="-127"/>
-              </a:rPr>
-              <a:t>NetworkAPI</a:t>
-            </a:r>
-            <a:r>
-              <a:rPr lang="en-US" altLang="ko-KR" sz="2400" b="1" dirty="0">
-                <a:solidFill>
-                  <a:schemeClr val="accent1"/>
-                </a:solidFill>
-                <a:latin typeface="맑은 고딕" panose="020B0503020000020004" pitchFamily="50" charset="-127"/>
-                <a:ea typeface="맑은 고딕" panose="020B0503020000020004" pitchFamily="50" charset="-127"/>
-              </a:rPr>
-              <a:t> </a:t>
-            </a:r>
-            <a:r>
-              <a:rPr lang="ko-KR" altLang="en-US" sz="2400" b="1" dirty="0" smtClean="0">
-                <a:solidFill>
-                  <a:schemeClr val="accent1"/>
-                </a:solidFill>
-                <a:latin typeface="맑은 고딕" panose="020B0503020000020004" pitchFamily="50" charset="-127"/>
-                <a:ea typeface="맑은 고딕" panose="020B0503020000020004" pitchFamily="50" charset="-127"/>
-              </a:rPr>
-              <a:t>모듈</a:t>
-            </a:r>
-            <a:endParaRPr lang="ko-KR" altLang="en-US" sz="2400" b="1" dirty="0">
-              <a:solidFill>
-                <a:schemeClr val="accent1"/>
-              </a:solidFill>
-              <a:latin typeface="맑은 고딕" panose="020B0503020000020004" pitchFamily="50" charset="-127"/>
-              <a:ea typeface="맑은 고딕" panose="020B0503020000020004" pitchFamily="50" charset="-127"/>
-            </a:endParaRPr>
-          </a:p>
-        </p:txBody>
-      </p:sp>
-      <p:sp>
-        <p:nvSpPr>
-          <p:cNvPr id="12" name="TextBox 11"/>
-          <p:cNvSpPr txBox="1"/>
-          <p:nvPr/>
-        </p:nvSpPr>
-        <p:spPr>
-          <a:xfrm>
-            <a:off x="506807" y="1771701"/>
-            <a:ext cx="2985049" cy="861774"/>
-          </a:xfrm>
-          <a:prstGeom prst="rect">
-            <a:avLst/>
-          </a:prstGeom>
-          <a:noFill/>
-        </p:spPr>
-        <p:txBody>
-          <a:bodyPr wrap="square" rtlCol="0">
-            <a:spAutoFit/>
-          </a:bodyPr>
-          <a:lstStyle/>
-          <a:p>
-            <a:pPr algn="l"/>
-            <a:r>
-              <a:rPr lang="ko-KR" altLang="en-US" dirty="0" smtClean="0"/>
-              <a:t>네트워킹</a:t>
-            </a:r>
-            <a:r>
-              <a:rPr lang="en-US" altLang="ko-KR" dirty="0" smtClean="0"/>
-              <a:t>, </a:t>
-            </a:r>
-            <a:r>
-              <a:rPr lang="ko-KR" altLang="en-US" dirty="0" smtClean="0"/>
-              <a:t>프로토콜을 전혀 신경 </a:t>
-            </a:r>
-            <a:r>
-              <a:rPr lang="ko-KR" altLang="en-US" dirty="0" smtClean="0"/>
-              <a:t>쓰지 않음</a:t>
-            </a:r>
-            <a:r>
-              <a:rPr lang="en-US" altLang="ko-KR" dirty="0" smtClean="0"/>
-              <a:t>.</a:t>
-            </a:r>
-            <a:endParaRPr lang="en-US" altLang="ko-KR" dirty="0" smtClean="0"/>
-          </a:p>
-          <a:p>
-            <a:pPr algn="l"/>
-            <a:endParaRPr lang="en-US" altLang="ko-KR" dirty="0" smtClean="0"/>
-          </a:p>
-          <a:p>
-            <a:pPr algn="l"/>
-            <a:r>
-              <a:rPr lang="ko-KR" altLang="en-US" dirty="0" smtClean="0"/>
-              <a:t>각 기능을 한번의 함수 호출만으로 손쉽게 사용</a:t>
-            </a:r>
-            <a:r>
-              <a:rPr lang="en-US" altLang="ko-KR" dirty="0" smtClean="0"/>
-              <a:t>.</a:t>
-            </a:r>
-          </a:p>
-          <a:p>
-            <a:pPr algn="l"/>
-            <a:endParaRPr lang="en-US" altLang="ko-KR" dirty="0"/>
-          </a:p>
-          <a:p>
-            <a:pPr algn="l"/>
-            <a:r>
-              <a:rPr lang="ko-KR" altLang="en-US" dirty="0" smtClean="0"/>
-              <a:t>서버와의 연결 끊김에 대한 자동적 연결복구</a:t>
-            </a:r>
-            <a:r>
-              <a:rPr lang="en-US" altLang="ko-KR" dirty="0" smtClean="0"/>
-              <a:t>.</a:t>
-            </a:r>
-          </a:p>
-        </p:txBody>
-      </p:sp>
     </p:spTree>
     <p:extLst>
       <p:ext uri="{BB962C8B-B14F-4D97-AF65-F5344CB8AC3E}">
-        <p14:creationId xmlns:p14="http://schemas.microsoft.com/office/powerpoint/2010/main" val="2536441473"/>
+        <p14:creationId xmlns:p14="http://schemas.microsoft.com/office/powerpoint/2010/main" val="1179423455"/>
       </p:ext>
     </p:extLst>
   </p:cSld>

--- a/RPGGame_Docs/AegisNetwork_RPGServer.pptx
+++ b/RPGGame_Docs/AegisNetwork_RPGServer.pptx
@@ -1167,6 +1167,14 @@
         </dgm:presLayoutVars>
       </dgm:prSet>
       <dgm:spPr/>
+      <dgm:t>
+        <a:bodyPr/>
+        <a:lstStyle/>
+        <a:p>
+          <a:pPr latinLnBrk="1"/>
+          <a:endParaRPr lang="ko-KR" altLang="en-US"/>
+        </a:p>
+      </dgm:t>
     </dgm:pt>
     <dgm:pt modelId="{7A03AA10-D726-4767-A6E0-3E41FEDBAADD}" type="pres">
       <dgm:prSet presAssocID="{D304D034-0BBC-4A2D-9F8F-E19BC5D1E6A2}" presName="dummyMaxCanvas" presStyleCnt="0">
@@ -1197,6 +1205,14 @@
         </dgm:presLayoutVars>
       </dgm:prSet>
       <dgm:spPr/>
+      <dgm:t>
+        <a:bodyPr/>
+        <a:lstStyle/>
+        <a:p>
+          <a:pPr latinLnBrk="1"/>
+          <a:endParaRPr lang="ko-KR" altLang="en-US"/>
+        </a:p>
+      </dgm:t>
     </dgm:pt>
     <dgm:pt modelId="{CC2334A3-339E-4E0B-A216-449C03D7CB66}" type="pres">
       <dgm:prSet presAssocID="{D304D034-0BBC-4A2D-9F8F-E19BC5D1E6A2}" presName="ThreeNodes_3" presStyleLbl="node1" presStyleIdx="2" presStyleCnt="3">
@@ -1205,6 +1221,14 @@
         </dgm:presLayoutVars>
       </dgm:prSet>
       <dgm:spPr/>
+      <dgm:t>
+        <a:bodyPr/>
+        <a:lstStyle/>
+        <a:p>
+          <a:pPr latinLnBrk="1"/>
+          <a:endParaRPr lang="ko-KR" altLang="en-US"/>
+        </a:p>
+      </dgm:t>
     </dgm:pt>
     <dgm:pt modelId="{4DC3E367-48DD-4C45-949D-ACEE8763A11E}" type="pres">
       <dgm:prSet presAssocID="{D304D034-0BBC-4A2D-9F8F-E19BC5D1E6A2}" presName="ThreeConn_1-2" presStyleLbl="fgAccFollowNode1" presStyleIdx="0" presStyleCnt="2">
@@ -1213,6 +1237,14 @@
         </dgm:presLayoutVars>
       </dgm:prSet>
       <dgm:spPr/>
+      <dgm:t>
+        <a:bodyPr/>
+        <a:lstStyle/>
+        <a:p>
+          <a:pPr latinLnBrk="1"/>
+          <a:endParaRPr lang="ko-KR" altLang="en-US"/>
+        </a:p>
+      </dgm:t>
     </dgm:pt>
     <dgm:pt modelId="{128667F9-EF43-4EB4-8988-BEAFB215594E}" type="pres">
       <dgm:prSet presAssocID="{D304D034-0BBC-4A2D-9F8F-E19BC5D1E6A2}" presName="ThreeConn_2-3" presStyleLbl="fgAccFollowNode1" presStyleIdx="1" presStyleCnt="2">
@@ -1221,6 +1253,14 @@
         </dgm:presLayoutVars>
       </dgm:prSet>
       <dgm:spPr/>
+      <dgm:t>
+        <a:bodyPr/>
+        <a:lstStyle/>
+        <a:p>
+          <a:pPr latinLnBrk="1"/>
+          <a:endParaRPr lang="ko-KR" altLang="en-US"/>
+        </a:p>
+      </dgm:t>
     </dgm:pt>
     <dgm:pt modelId="{90EA958F-2AC1-41EA-B177-E3B78E95EE13}" type="pres">
       <dgm:prSet presAssocID="{D304D034-0BBC-4A2D-9F8F-E19BC5D1E6A2}" presName="ThreeNodes_1_text" presStyleLbl="node1" presStyleIdx="2" presStyleCnt="3">
@@ -1245,6 +1285,14 @@
         </dgm:presLayoutVars>
       </dgm:prSet>
       <dgm:spPr/>
+      <dgm:t>
+        <a:bodyPr/>
+        <a:lstStyle/>
+        <a:p>
+          <a:pPr latinLnBrk="1"/>
+          <a:endParaRPr lang="ko-KR" altLang="en-US"/>
+        </a:p>
+      </dgm:t>
     </dgm:pt>
     <dgm:pt modelId="{8AEE8565-0A3B-4DD3-BF98-D95BB5E91FD5}" type="pres">
       <dgm:prSet presAssocID="{D304D034-0BBC-4A2D-9F8F-E19BC5D1E6A2}" presName="ThreeNodes_3_text" presStyleLbl="node1" presStyleIdx="2" presStyleCnt="3">
@@ -1253,6 +1301,14 @@
         </dgm:presLayoutVars>
       </dgm:prSet>
       <dgm:spPr/>
+      <dgm:t>
+        <a:bodyPr/>
+        <a:lstStyle/>
+        <a:p>
+          <a:pPr latinLnBrk="1"/>
+          <a:endParaRPr lang="ko-KR" altLang="en-US"/>
+        </a:p>
+      </dgm:t>
     </dgm:pt>
   </dgm:ptLst>
   <dgm:cxnLst>
@@ -7545,6 +7601,54 @@
           <a:chExt cx="0" cy="0"/>
         </a:xfrm>
       </p:grpSpPr>
+      <p:pic>
+        <p:nvPicPr>
+          <p:cNvPr id="14" name="그림 13"/>
+          <p:cNvPicPr>
+            <a:picLocks noChangeAspect="1"/>
+          </p:cNvPicPr>
+          <p:nvPr/>
+        </p:nvPicPr>
+        <p:blipFill>
+          <a:blip r:embed="rId2"/>
+          <a:stretch>
+            <a:fillRect/>
+          </a:stretch>
+        </p:blipFill>
+        <p:spPr>
+          <a:xfrm>
+            <a:off x="4840434" y="1539737"/>
+            <a:ext cx="3780504" cy="2516704"/>
+          </a:xfrm>
+          <a:prstGeom prst="rect">
+            <a:avLst/>
+          </a:prstGeom>
+        </p:spPr>
+      </p:pic>
+      <p:pic>
+        <p:nvPicPr>
+          <p:cNvPr id="13" name="그림 12"/>
+          <p:cNvPicPr>
+            <a:picLocks noChangeAspect="1"/>
+          </p:cNvPicPr>
+          <p:nvPr/>
+        </p:nvPicPr>
+        <p:blipFill>
+          <a:blip r:embed="rId3"/>
+          <a:stretch>
+            <a:fillRect/>
+          </a:stretch>
+        </p:blipFill>
+        <p:spPr>
+          <a:xfrm>
+            <a:off x="1151544" y="1467657"/>
+            <a:ext cx="2019300" cy="1857375"/>
+          </a:xfrm>
+          <a:prstGeom prst="rect">
+            <a:avLst/>
+          </a:prstGeom>
+        </p:spPr>
+      </p:pic>
       <p:sp>
         <p:nvSpPr>
           <p:cNvPr id="2" name="TextBox 1"/>
@@ -7596,7 +7700,430 @@
               </a:rPr>
               <a:t>구동</a:t>
             </a:r>
-            <a:endParaRPr lang="ko-KR" altLang="en-US" sz="2000" b="1" dirty="0" smtClean="0">
+          </a:p>
+        </p:txBody>
+      </p:sp>
+      <p:sp>
+        <p:nvSpPr>
+          <p:cNvPr id="4" name="직사각형 3"/>
+          <p:cNvSpPr/>
+          <p:nvPr/>
+        </p:nvSpPr>
+        <p:spPr bwMode="auto">
+          <a:xfrm>
+            <a:off x="1151544" y="1479526"/>
+            <a:ext cx="2076450" cy="270036"/>
+          </a:xfrm>
+          <a:prstGeom prst="rect">
+            <a:avLst/>
+          </a:prstGeom>
+          <a:noFill/>
+          <a:ln w="19050" cap="flat" cmpd="sng" algn="ctr">
+            <a:solidFill>
+              <a:srgbClr val="FF0000"/>
+            </a:solidFill>
+            <a:prstDash val="dash"/>
+            <a:round/>
+            <a:headEnd type="none" w="med" len="med"/>
+            <a:tailEnd type="none" w="med" len="med"/>
+          </a:ln>
+          <a:effectLst/>
+        </p:spPr>
+        <p:txBody>
+          <a:bodyPr vert="horz" wrap="none" lIns="77925" tIns="38963" rIns="77925" bIns="38963" numCol="1" rtlCol="0" anchor="ctr" anchorCtr="0" compatLnSpc="1">
+            <a:prstTxWarp prst="textNoShape">
+              <a:avLst/>
+            </a:prstTxWarp>
+          </a:bodyPr>
+          <a:lstStyle/>
+          <a:p>
+            <a:pPr algn="ctr"/>
+            <a:endParaRPr lang="ko-KR" altLang="en-US" sz="700" b="1" dirty="0" smtClean="0">
+              <a:latin typeface="맑은 고딕" panose="020B0503020000020004" pitchFamily="50" charset="-127"/>
+              <a:ea typeface="맑은 고딕" panose="020B0503020000020004" pitchFamily="50" charset="-127"/>
+            </a:endParaRPr>
+          </a:p>
+        </p:txBody>
+      </p:sp>
+      <p:sp>
+        <p:nvSpPr>
+          <p:cNvPr id="5" name="직사각형 4"/>
+          <p:cNvSpPr/>
+          <p:nvPr/>
+        </p:nvSpPr>
+        <p:spPr bwMode="auto">
+          <a:xfrm>
+            <a:off x="1195811" y="2669816"/>
+            <a:ext cx="1207177" cy="256547"/>
+          </a:xfrm>
+          <a:prstGeom prst="rect">
+            <a:avLst/>
+          </a:prstGeom>
+          <a:noFill/>
+          <a:ln w="19050" cap="flat" cmpd="sng" algn="ctr">
+            <a:solidFill>
+              <a:srgbClr val="FF0000"/>
+            </a:solidFill>
+            <a:prstDash val="dash"/>
+            <a:round/>
+            <a:headEnd type="none" w="med" len="med"/>
+            <a:tailEnd type="none" w="med" len="med"/>
+          </a:ln>
+          <a:effectLst/>
+        </p:spPr>
+        <p:txBody>
+          <a:bodyPr vert="horz" wrap="none" lIns="77925" tIns="38963" rIns="77925" bIns="38963" numCol="1" rtlCol="0" anchor="ctr" anchorCtr="0" compatLnSpc="1">
+            <a:prstTxWarp prst="textNoShape">
+              <a:avLst/>
+            </a:prstTxWarp>
+          </a:bodyPr>
+          <a:lstStyle/>
+          <a:p>
+            <a:pPr algn="ctr"/>
+            <a:endParaRPr lang="ko-KR" altLang="en-US" sz="700" b="1" dirty="0" smtClean="0">
+              <a:latin typeface="맑은 고딕" panose="020B0503020000020004" pitchFamily="50" charset="-127"/>
+              <a:ea typeface="맑은 고딕" panose="020B0503020000020004" pitchFamily="50" charset="-127"/>
+            </a:endParaRPr>
+          </a:p>
+        </p:txBody>
+      </p:sp>
+      <p:sp>
+        <p:nvSpPr>
+          <p:cNvPr id="6" name="TextBox 5"/>
+          <p:cNvSpPr txBox="1"/>
+          <p:nvPr/>
+        </p:nvSpPr>
+        <p:spPr>
+          <a:xfrm>
+            <a:off x="611472" y="926128"/>
+            <a:ext cx="3748142" cy="261610"/>
+          </a:xfrm>
+          <a:prstGeom prst="rect">
+            <a:avLst/>
+          </a:prstGeom>
+          <a:noFill/>
+        </p:spPr>
+        <p:txBody>
+          <a:bodyPr wrap="none" rtlCol="0">
+            <a:spAutoFit/>
+          </a:bodyPr>
+          <a:lstStyle/>
+          <a:p>
+            <a:pPr algn="l"/>
+            <a:r>
+              <a:rPr lang="ko-KR" altLang="en-US" sz="1100" dirty="0" smtClean="0">
+                <a:solidFill>
+                  <a:schemeClr val="tx2">
+                    <a:lumMod val="60000"/>
+                    <a:lumOff val="40000"/>
+                  </a:schemeClr>
+                </a:solidFill>
+                <a:latin typeface="맑은 고딕" panose="020B0503020000020004" pitchFamily="50" charset="-127"/>
+                <a:ea typeface="맑은 고딕" panose="020B0503020000020004" pitchFamily="50" charset="-127"/>
+              </a:rPr>
+              <a:t>① </a:t>
+            </a:r>
+            <a:r>
+              <a:rPr lang="en-US" altLang="ko-KR" sz="1100" dirty="0" err="1" smtClean="0">
+                <a:solidFill>
+                  <a:schemeClr val="tx2">
+                    <a:lumMod val="60000"/>
+                    <a:lumOff val="40000"/>
+                  </a:schemeClr>
+                </a:solidFill>
+                <a:latin typeface="맑은 고딕" panose="020B0503020000020004" pitchFamily="50" charset="-127"/>
+                <a:ea typeface="맑은 고딕" panose="020B0503020000020004" pitchFamily="50" charset="-127"/>
+              </a:rPr>
+              <a:t>GameServer</a:t>
+            </a:r>
+            <a:r>
+              <a:rPr lang="en-US" altLang="ko-KR" sz="1100" dirty="0" smtClean="0">
+                <a:solidFill>
+                  <a:schemeClr val="tx2">
+                    <a:lumMod val="60000"/>
+                    <a:lumOff val="40000"/>
+                  </a:schemeClr>
+                </a:solidFill>
+                <a:latin typeface="맑은 고딕" panose="020B0503020000020004" pitchFamily="50" charset="-127"/>
+                <a:ea typeface="맑은 고딕" panose="020B0503020000020004" pitchFamily="50" charset="-127"/>
+              </a:rPr>
+              <a:t> </a:t>
+            </a:r>
+            <a:r>
+              <a:rPr lang="ko-KR" altLang="en-US" sz="1100" dirty="0" smtClean="0">
+                <a:solidFill>
+                  <a:schemeClr val="tx2">
+                    <a:lumMod val="60000"/>
+                    <a:lumOff val="40000"/>
+                  </a:schemeClr>
+                </a:solidFill>
+                <a:latin typeface="맑은 고딕" panose="020B0503020000020004" pitchFamily="50" charset="-127"/>
+                <a:ea typeface="맑은 고딕" panose="020B0503020000020004" pitchFamily="50" charset="-127"/>
+              </a:rPr>
+              <a:t>폴더에서 </a:t>
+            </a:r>
+            <a:r>
+              <a:rPr lang="en-US" altLang="ko-KR" sz="1100" smtClean="0">
+                <a:solidFill>
+                  <a:schemeClr val="tx2">
+                    <a:lumMod val="60000"/>
+                    <a:lumOff val="40000"/>
+                  </a:schemeClr>
+                </a:solidFill>
+                <a:latin typeface="맑은 고딕" panose="020B0503020000020004" pitchFamily="50" charset="-127"/>
+                <a:ea typeface="맑은 고딕" panose="020B0503020000020004" pitchFamily="50" charset="-127"/>
+              </a:rPr>
+              <a:t>GameServer.exe</a:t>
+            </a:r>
+            <a:r>
+              <a:rPr lang="ko-KR" altLang="en-US" sz="1100" dirty="0" smtClean="0">
+                <a:solidFill>
+                  <a:schemeClr val="tx2">
+                    <a:lumMod val="60000"/>
+                    <a:lumOff val="40000"/>
+                  </a:schemeClr>
+                </a:solidFill>
+                <a:latin typeface="맑은 고딕" panose="020B0503020000020004" pitchFamily="50" charset="-127"/>
+                <a:ea typeface="맑은 고딕" panose="020B0503020000020004" pitchFamily="50" charset="-127"/>
+              </a:rPr>
+              <a:t>를 실행합니다</a:t>
+            </a:r>
+            <a:r>
+              <a:rPr lang="en-US" altLang="ko-KR" sz="1100" dirty="0" smtClean="0">
+                <a:solidFill>
+                  <a:schemeClr val="tx2">
+                    <a:lumMod val="60000"/>
+                    <a:lumOff val="40000"/>
+                  </a:schemeClr>
+                </a:solidFill>
+                <a:latin typeface="맑은 고딕" panose="020B0503020000020004" pitchFamily="50" charset="-127"/>
+                <a:ea typeface="맑은 고딕" panose="020B0503020000020004" pitchFamily="50" charset="-127"/>
+              </a:rPr>
+              <a:t>.</a:t>
+            </a:r>
+            <a:endParaRPr lang="ko-KR" altLang="en-US" sz="1100" dirty="0" smtClean="0">
+              <a:solidFill>
+                <a:schemeClr val="tx2">
+                  <a:lumMod val="60000"/>
+                  <a:lumOff val="40000"/>
+                </a:schemeClr>
+              </a:solidFill>
+              <a:latin typeface="맑은 고딕" panose="020B0503020000020004" pitchFamily="50" charset="-127"/>
+              <a:ea typeface="맑은 고딕" panose="020B0503020000020004" pitchFamily="50" charset="-127"/>
+            </a:endParaRPr>
+          </a:p>
+        </p:txBody>
+      </p:sp>
+      <p:sp>
+        <p:nvSpPr>
+          <p:cNvPr id="7" name="TextBox 6"/>
+          <p:cNvSpPr txBox="1"/>
+          <p:nvPr/>
+        </p:nvSpPr>
+        <p:spPr>
+          <a:xfrm>
+            <a:off x="4516929" y="926128"/>
+            <a:ext cx="4104009" cy="261610"/>
+          </a:xfrm>
+          <a:prstGeom prst="rect">
+            <a:avLst/>
+          </a:prstGeom>
+          <a:noFill/>
+        </p:spPr>
+        <p:txBody>
+          <a:bodyPr wrap="none" rtlCol="0">
+            <a:spAutoFit/>
+          </a:bodyPr>
+          <a:lstStyle/>
+          <a:p>
+            <a:pPr algn="l"/>
+            <a:r>
+              <a:rPr lang="ko-KR" altLang="en-US" sz="1100" dirty="0" smtClean="0">
+                <a:solidFill>
+                  <a:schemeClr val="tx2">
+                    <a:lumMod val="60000"/>
+                    <a:lumOff val="40000"/>
+                  </a:schemeClr>
+                </a:solidFill>
+                <a:latin typeface="맑은 고딕" panose="020B0503020000020004" pitchFamily="50" charset="-127"/>
+                <a:ea typeface="맑은 고딕" panose="020B0503020000020004" pitchFamily="50" charset="-127"/>
+              </a:rPr>
+              <a:t>② </a:t>
+            </a:r>
+            <a:r>
+              <a:rPr lang="ko-KR" altLang="en-US" sz="1100" dirty="0" smtClean="0">
+                <a:solidFill>
+                  <a:schemeClr val="tx2">
+                    <a:lumMod val="60000"/>
+                    <a:lumOff val="40000"/>
+                  </a:schemeClr>
+                </a:solidFill>
+                <a:latin typeface="맑은 고딕" panose="020B0503020000020004" pitchFamily="50" charset="-127"/>
+                <a:ea typeface="맑은 고딕" panose="020B0503020000020004" pitchFamily="50" charset="-127"/>
+              </a:rPr>
+              <a:t>다이얼로그 창에서 </a:t>
+            </a:r>
+            <a:r>
+              <a:rPr lang="en-US" altLang="ko-KR" sz="1100" dirty="0" smtClean="0">
+                <a:solidFill>
+                  <a:schemeClr val="tx2">
+                    <a:lumMod val="60000"/>
+                    <a:lumOff val="40000"/>
+                  </a:schemeClr>
+                </a:solidFill>
+                <a:latin typeface="맑은 고딕" panose="020B0503020000020004" pitchFamily="50" charset="-127"/>
+                <a:ea typeface="맑은 고딕" panose="020B0503020000020004" pitchFamily="50" charset="-127"/>
+              </a:rPr>
+              <a:t>Start </a:t>
+            </a:r>
+            <a:r>
+              <a:rPr lang="ko-KR" altLang="en-US" sz="1100" dirty="0" smtClean="0">
+                <a:solidFill>
+                  <a:schemeClr val="tx2">
+                    <a:lumMod val="60000"/>
+                    <a:lumOff val="40000"/>
+                  </a:schemeClr>
+                </a:solidFill>
+                <a:latin typeface="맑은 고딕" panose="020B0503020000020004" pitchFamily="50" charset="-127"/>
+                <a:ea typeface="맑은 고딕" panose="020B0503020000020004" pitchFamily="50" charset="-127"/>
+              </a:rPr>
+              <a:t>버튼을 누르면 서버가 구동됩니다</a:t>
+            </a:r>
+            <a:r>
+              <a:rPr lang="en-US" altLang="ko-KR" sz="1100" dirty="0" smtClean="0">
+                <a:solidFill>
+                  <a:schemeClr val="tx2">
+                    <a:lumMod val="60000"/>
+                    <a:lumOff val="40000"/>
+                  </a:schemeClr>
+                </a:solidFill>
+                <a:latin typeface="맑은 고딕" panose="020B0503020000020004" pitchFamily="50" charset="-127"/>
+                <a:ea typeface="맑은 고딕" panose="020B0503020000020004" pitchFamily="50" charset="-127"/>
+              </a:rPr>
+              <a:t>.</a:t>
+            </a:r>
+            <a:endParaRPr lang="ko-KR" altLang="en-US" sz="1100" dirty="0" smtClean="0">
+              <a:solidFill>
+                <a:schemeClr val="tx2">
+                  <a:lumMod val="60000"/>
+                  <a:lumOff val="40000"/>
+                </a:schemeClr>
+              </a:solidFill>
+              <a:latin typeface="맑은 고딕" panose="020B0503020000020004" pitchFamily="50" charset="-127"/>
+              <a:ea typeface="맑은 고딕" panose="020B0503020000020004" pitchFamily="50" charset="-127"/>
+            </a:endParaRPr>
+          </a:p>
+        </p:txBody>
+      </p:sp>
+      <p:cxnSp>
+        <p:nvCxnSpPr>
+          <p:cNvPr id="8" name="직선 연결선 7"/>
+          <p:cNvCxnSpPr/>
+          <p:nvPr/>
+        </p:nvCxnSpPr>
+        <p:spPr bwMode="auto">
+          <a:xfrm>
+            <a:off x="4271736" y="926128"/>
+            <a:ext cx="0" cy="3535874"/>
+          </a:xfrm>
+          <a:prstGeom prst="line">
+            <a:avLst/>
+          </a:prstGeom>
+          <a:solidFill>
+            <a:srgbClr val="FFFFFF"/>
+          </a:solidFill>
+          <a:ln w="9525" cap="flat" cmpd="sng" algn="ctr">
+            <a:solidFill>
+              <a:schemeClr val="tx1"/>
+            </a:solidFill>
+            <a:prstDash val="lgDash"/>
+            <a:round/>
+            <a:headEnd type="none" w="med" len="med"/>
+            <a:tailEnd type="none"/>
+          </a:ln>
+          <a:effectLst/>
+        </p:spPr>
+      </p:cxnSp>
+      <p:sp>
+        <p:nvSpPr>
+          <p:cNvPr id="9" name="오른쪽 화살표 8"/>
+          <p:cNvSpPr/>
+          <p:nvPr/>
+        </p:nvSpPr>
+        <p:spPr bwMode="auto">
+          <a:xfrm>
+            <a:off x="4031928" y="1941666"/>
+            <a:ext cx="575013" cy="1530204"/>
+          </a:xfrm>
+          <a:prstGeom prst="rightArrow">
+            <a:avLst/>
+          </a:prstGeom>
+          <a:solidFill>
+            <a:schemeClr val="bg1"/>
+          </a:solidFill>
+          <a:ln w="12700" cap="flat" cmpd="sng" algn="ctr">
+            <a:solidFill>
+              <a:schemeClr val="tx1"/>
+            </a:solidFill>
+            <a:prstDash val="solid"/>
+            <a:round/>
+            <a:headEnd type="none" w="med" len="med"/>
+            <a:tailEnd type="none" w="med" len="med"/>
+          </a:ln>
+          <a:effectLst/>
+        </p:spPr>
+        <p:txBody>
+          <a:bodyPr vert="horz" wrap="none" lIns="77925" tIns="38963" rIns="77925" bIns="38963" numCol="1" rtlCol="0" anchor="ctr" anchorCtr="0" compatLnSpc="1">
+            <a:prstTxWarp prst="textNoShape">
+              <a:avLst/>
+            </a:prstTxWarp>
+          </a:bodyPr>
+          <a:lstStyle/>
+          <a:p>
+            <a:pPr algn="ctr"/>
+            <a:endParaRPr lang="ko-KR" altLang="en-US" sz="700" b="1" dirty="0" smtClean="0">
+              <a:latin typeface="맑은 고딕" panose="020B0503020000020004" pitchFamily="50" charset="-127"/>
+              <a:ea typeface="맑은 고딕" panose="020B0503020000020004" pitchFamily="50" charset="-127"/>
+            </a:endParaRPr>
+          </a:p>
+        </p:txBody>
+      </p:sp>
+      <p:sp>
+        <p:nvSpPr>
+          <p:cNvPr id="11" name="직사각형 10"/>
+          <p:cNvSpPr/>
+          <p:nvPr/>
+        </p:nvSpPr>
+        <p:spPr bwMode="auto">
+          <a:xfrm>
+            <a:off x="4862700" y="1736863"/>
+            <a:ext cx="630084" cy="369329"/>
+          </a:xfrm>
+          <a:prstGeom prst="rect">
+            <a:avLst/>
+          </a:prstGeom>
+          <a:noFill/>
+          <a:ln w="19050" cap="flat" cmpd="sng" algn="ctr">
+            <a:solidFill>
+              <a:srgbClr val="FF0000"/>
+            </a:solidFill>
+            <a:prstDash val="dash"/>
+            <a:round/>
+            <a:headEnd type="none" w="med" len="med"/>
+            <a:tailEnd type="none" w="med" len="med"/>
+          </a:ln>
+          <a:effectLst/>
+        </p:spPr>
+        <p:txBody>
+          <a:bodyPr vert="horz" wrap="none" lIns="77925" tIns="38963" rIns="77925" bIns="38963" numCol="1" rtlCol="0" anchor="ctr" anchorCtr="0" compatLnSpc="1">
+            <a:prstTxWarp prst="textNoShape">
+              <a:avLst/>
+            </a:prstTxWarp>
+          </a:bodyPr>
+          <a:lstStyle/>
+          <a:p>
+            <a:pPr algn="ctr"/>
+            <a:endParaRPr lang="ko-KR" altLang="en-US" sz="700" b="1" dirty="0" smtClean="0">
               <a:latin typeface="맑은 고딕" panose="020B0503020000020004" pitchFamily="50" charset="-127"/>
               <a:ea typeface="맑은 고딕" panose="020B0503020000020004" pitchFamily="50" charset="-127"/>
             </a:endParaRPr>
@@ -12072,10 +12599,6 @@
               </a:rPr>
               <a:t>폴더 구성</a:t>
             </a:r>
-            <a:endParaRPr lang="ko-KR" altLang="en-US" sz="2000" b="1" dirty="0" smtClean="0">
-              <a:latin typeface="맑은 고딕" panose="020B0503020000020004" pitchFamily="50" charset="-127"/>
-              <a:ea typeface="맑은 고딕" panose="020B0503020000020004" pitchFamily="50" charset="-127"/>
-            </a:endParaRPr>
           </a:p>
         </p:txBody>
       </p:sp>
@@ -13208,10 +13731,6 @@
               </a:rPr>
               <a:t>서버 구동</a:t>
             </a:r>
-            <a:endParaRPr lang="ko-KR" altLang="en-US" sz="2000" b="1" dirty="0" smtClean="0">
-              <a:latin typeface="맑은 고딕" panose="020B0503020000020004" pitchFamily="50" charset="-127"/>
-              <a:ea typeface="맑은 고딕" panose="020B0503020000020004" pitchFamily="50" charset="-127"/>
-            </a:endParaRPr>
           </a:p>
         </p:txBody>
       </p:sp>
@@ -13374,14 +13893,7 @@
                 <a:latin typeface="맑은 고딕" panose="020B0503020000020004" pitchFamily="50" charset="-127"/>
                 <a:ea typeface="맑은 고딕" panose="020B0503020000020004" pitchFamily="50" charset="-127"/>
               </a:rPr>
-              <a:t> </a:t>
-            </a:r>
-            <a:r>
-              <a:rPr lang="en-US" altLang="ko-KR" sz="2000" b="1" dirty="0" smtClean="0">
-                <a:latin typeface="맑은 고딕" panose="020B0503020000020004" pitchFamily="50" charset="-127"/>
-                <a:ea typeface="맑은 고딕" panose="020B0503020000020004" pitchFamily="50" charset="-127"/>
-              </a:rPr>
-              <a:t>Database </a:t>
+              <a:t> Database </a:t>
             </a:r>
             <a:r>
               <a:rPr lang="ko-KR" altLang="en-US" sz="2000" b="1" dirty="0" smtClean="0">
@@ -13390,10 +13902,6 @@
               </a:rPr>
               <a:t>구동</a:t>
             </a:r>
-            <a:endParaRPr lang="ko-KR" altLang="en-US" sz="2000" b="1" dirty="0" smtClean="0">
-              <a:latin typeface="맑은 고딕" panose="020B0503020000020004" pitchFamily="50" charset="-127"/>
-              <a:ea typeface="맑은 고딕" panose="020B0503020000020004" pitchFamily="50" charset="-127"/>
-            </a:endParaRPr>
           </a:p>
         </p:txBody>
       </p:sp>
@@ -13876,6 +14384,50 @@
           <a:effectLst/>
         </p:spPr>
       </p:cxnSp>
+      <p:sp>
+        <p:nvSpPr>
+          <p:cNvPr id="3" name="오른쪽 화살표 2"/>
+          <p:cNvSpPr/>
+          <p:nvPr/>
+        </p:nvSpPr>
+        <p:spPr bwMode="auto">
+          <a:xfrm>
+            <a:off x="4031928" y="1941666"/>
+            <a:ext cx="575013" cy="1530204"/>
+          </a:xfrm>
+          <a:prstGeom prst="rightArrow">
+            <a:avLst/>
+          </a:prstGeom>
+          <a:solidFill>
+            <a:schemeClr val="bg1"/>
+          </a:solidFill>
+          <a:ln w="12700" cap="flat" cmpd="sng" algn="ctr">
+            <a:solidFill>
+              <a:schemeClr val="tx1"/>
+            </a:solidFill>
+            <a:prstDash val="solid"/>
+            <a:round/>
+            <a:headEnd type="none" w="med" len="med"/>
+            <a:tailEnd type="none" w="med" len="med"/>
+          </a:ln>
+          <a:effectLst/>
+        </p:spPr>
+        <p:txBody>
+          <a:bodyPr vert="horz" wrap="none" lIns="77925" tIns="38963" rIns="77925" bIns="38963" numCol="1" rtlCol="0" anchor="ctr" anchorCtr="0" compatLnSpc="1">
+            <a:prstTxWarp prst="textNoShape">
+              <a:avLst/>
+            </a:prstTxWarp>
+          </a:bodyPr>
+          <a:lstStyle/>
+          <a:p>
+            <a:pPr algn="ctr"/>
+            <a:endParaRPr lang="ko-KR" altLang="en-US" sz="700" b="1" dirty="0" smtClean="0">
+              <a:latin typeface="맑은 고딕" panose="020B0503020000020004" pitchFamily="50" charset="-127"/>
+              <a:ea typeface="맑은 고딕" panose="020B0503020000020004" pitchFamily="50" charset="-127"/>
+            </a:endParaRPr>
+          </a:p>
+        </p:txBody>
+      </p:sp>
     </p:spTree>
     <p:extLst>
       <p:ext uri="{BB962C8B-B14F-4D97-AF65-F5344CB8AC3E}">
@@ -13913,6 +14465,30 @@
           <a:chExt cx="0" cy="0"/>
         </a:xfrm>
       </p:grpSpPr>
+      <p:pic>
+        <p:nvPicPr>
+          <p:cNvPr id="18" name="그림 17"/>
+          <p:cNvPicPr>
+            <a:picLocks noChangeAspect="1"/>
+          </p:cNvPicPr>
+          <p:nvPr/>
+        </p:nvPicPr>
+        <p:blipFill>
+          <a:blip r:embed="rId2"/>
+          <a:stretch>
+            <a:fillRect/>
+          </a:stretch>
+        </p:blipFill>
+        <p:spPr>
+          <a:xfrm>
+            <a:off x="1151544" y="1479526"/>
+            <a:ext cx="2047875" cy="1838325"/>
+          </a:xfrm>
+          <a:prstGeom prst="rect">
+            <a:avLst/>
+          </a:prstGeom>
+        </p:spPr>
+      </p:pic>
       <p:sp>
         <p:nvSpPr>
           <p:cNvPr id="2" name="TextBox 1"/>
@@ -13964,7 +14540,454 @@
               </a:rPr>
               <a:t>구동</a:t>
             </a:r>
-            <a:endParaRPr lang="ko-KR" altLang="en-US" sz="2000" b="1" dirty="0" smtClean="0">
+          </a:p>
+        </p:txBody>
+      </p:sp>
+      <p:sp>
+        <p:nvSpPr>
+          <p:cNvPr id="4" name="직사각형 3"/>
+          <p:cNvSpPr/>
+          <p:nvPr/>
+        </p:nvSpPr>
+        <p:spPr bwMode="auto">
+          <a:xfrm>
+            <a:off x="1151544" y="1479526"/>
+            <a:ext cx="2076450" cy="270036"/>
+          </a:xfrm>
+          <a:prstGeom prst="rect">
+            <a:avLst/>
+          </a:prstGeom>
+          <a:noFill/>
+          <a:ln w="19050" cap="flat" cmpd="sng" algn="ctr">
+            <a:solidFill>
+              <a:srgbClr val="FF0000"/>
+            </a:solidFill>
+            <a:prstDash val="dash"/>
+            <a:round/>
+            <a:headEnd type="none" w="med" len="med"/>
+            <a:tailEnd type="none" w="med" len="med"/>
+          </a:ln>
+          <a:effectLst/>
+        </p:spPr>
+        <p:txBody>
+          <a:bodyPr vert="horz" wrap="none" lIns="77925" tIns="38963" rIns="77925" bIns="38963" numCol="1" rtlCol="0" anchor="ctr" anchorCtr="0" compatLnSpc="1">
+            <a:prstTxWarp prst="textNoShape">
+              <a:avLst/>
+            </a:prstTxWarp>
+          </a:bodyPr>
+          <a:lstStyle/>
+          <a:p>
+            <a:pPr algn="ctr"/>
+            <a:endParaRPr lang="ko-KR" altLang="en-US" sz="700" b="1" dirty="0" smtClean="0">
+              <a:latin typeface="맑은 고딕" panose="020B0503020000020004" pitchFamily="50" charset="-127"/>
+              <a:ea typeface="맑은 고딕" panose="020B0503020000020004" pitchFamily="50" charset="-127"/>
+            </a:endParaRPr>
+          </a:p>
+        </p:txBody>
+      </p:sp>
+      <p:sp>
+        <p:nvSpPr>
+          <p:cNvPr id="5" name="직사각형 4"/>
+          <p:cNvSpPr/>
+          <p:nvPr/>
+        </p:nvSpPr>
+        <p:spPr bwMode="auto">
+          <a:xfrm>
+            <a:off x="1267386" y="2247864"/>
+            <a:ext cx="1207177" cy="256547"/>
+          </a:xfrm>
+          <a:prstGeom prst="rect">
+            <a:avLst/>
+          </a:prstGeom>
+          <a:noFill/>
+          <a:ln w="19050" cap="flat" cmpd="sng" algn="ctr">
+            <a:solidFill>
+              <a:srgbClr val="FF0000"/>
+            </a:solidFill>
+            <a:prstDash val="dash"/>
+            <a:round/>
+            <a:headEnd type="none" w="med" len="med"/>
+            <a:tailEnd type="none" w="med" len="med"/>
+          </a:ln>
+          <a:effectLst/>
+        </p:spPr>
+        <p:txBody>
+          <a:bodyPr vert="horz" wrap="none" lIns="77925" tIns="38963" rIns="77925" bIns="38963" numCol="1" rtlCol="0" anchor="ctr" anchorCtr="0" compatLnSpc="1">
+            <a:prstTxWarp prst="textNoShape">
+              <a:avLst/>
+            </a:prstTxWarp>
+          </a:bodyPr>
+          <a:lstStyle/>
+          <a:p>
+            <a:pPr algn="ctr"/>
+            <a:endParaRPr lang="ko-KR" altLang="en-US" sz="700" b="1" dirty="0" smtClean="0">
+              <a:latin typeface="맑은 고딕" panose="020B0503020000020004" pitchFamily="50" charset="-127"/>
+              <a:ea typeface="맑은 고딕" panose="020B0503020000020004" pitchFamily="50" charset="-127"/>
+            </a:endParaRPr>
+          </a:p>
+        </p:txBody>
+      </p:sp>
+      <p:sp>
+        <p:nvSpPr>
+          <p:cNvPr id="6" name="TextBox 5"/>
+          <p:cNvSpPr txBox="1"/>
+          <p:nvPr/>
+        </p:nvSpPr>
+        <p:spPr>
+          <a:xfrm>
+            <a:off x="611472" y="926128"/>
+            <a:ext cx="3583032" cy="261610"/>
+          </a:xfrm>
+          <a:prstGeom prst="rect">
+            <a:avLst/>
+          </a:prstGeom>
+          <a:noFill/>
+        </p:spPr>
+        <p:txBody>
+          <a:bodyPr wrap="none" rtlCol="0">
+            <a:spAutoFit/>
+          </a:bodyPr>
+          <a:lstStyle/>
+          <a:p>
+            <a:pPr algn="l"/>
+            <a:r>
+              <a:rPr lang="ko-KR" altLang="en-US" sz="1100" dirty="0" smtClean="0">
+                <a:solidFill>
+                  <a:schemeClr val="tx2">
+                    <a:lumMod val="60000"/>
+                    <a:lumOff val="40000"/>
+                  </a:schemeClr>
+                </a:solidFill>
+                <a:latin typeface="맑은 고딕" panose="020B0503020000020004" pitchFamily="50" charset="-127"/>
+                <a:ea typeface="맑은 고딕" panose="020B0503020000020004" pitchFamily="50" charset="-127"/>
+              </a:rPr>
+              <a:t>① </a:t>
+            </a:r>
+            <a:r>
+              <a:rPr lang="en-US" altLang="ko-KR" sz="1100" dirty="0" err="1" smtClean="0">
+                <a:solidFill>
+                  <a:schemeClr val="tx2">
+                    <a:lumMod val="60000"/>
+                    <a:lumOff val="40000"/>
+                  </a:schemeClr>
+                </a:solidFill>
+                <a:latin typeface="맑은 고딕" panose="020B0503020000020004" pitchFamily="50" charset="-127"/>
+                <a:ea typeface="맑은 고딕" panose="020B0503020000020004" pitchFamily="50" charset="-127"/>
+              </a:rPr>
+              <a:t>AuthServer</a:t>
+            </a:r>
+            <a:r>
+              <a:rPr lang="en-US" altLang="ko-KR" sz="1100" dirty="0">
+                <a:solidFill>
+                  <a:schemeClr val="tx2">
+                    <a:lumMod val="60000"/>
+                    <a:lumOff val="40000"/>
+                  </a:schemeClr>
+                </a:solidFill>
+                <a:latin typeface="맑은 고딕" panose="020B0503020000020004" pitchFamily="50" charset="-127"/>
+                <a:ea typeface="맑은 고딕" panose="020B0503020000020004" pitchFamily="50" charset="-127"/>
+              </a:rPr>
+              <a:t> </a:t>
+            </a:r>
+            <a:r>
+              <a:rPr lang="ko-KR" altLang="en-US" sz="1100" dirty="0" smtClean="0">
+                <a:solidFill>
+                  <a:schemeClr val="tx2">
+                    <a:lumMod val="60000"/>
+                    <a:lumOff val="40000"/>
+                  </a:schemeClr>
+                </a:solidFill>
+                <a:latin typeface="맑은 고딕" panose="020B0503020000020004" pitchFamily="50" charset="-127"/>
+                <a:ea typeface="맑은 고딕" panose="020B0503020000020004" pitchFamily="50" charset="-127"/>
+              </a:rPr>
+              <a:t>폴더에서 </a:t>
+            </a:r>
+            <a:r>
+              <a:rPr lang="en-US" altLang="ko-KR" sz="1100" dirty="0" smtClean="0">
+                <a:solidFill>
+                  <a:schemeClr val="tx2">
+                    <a:lumMod val="60000"/>
+                    <a:lumOff val="40000"/>
+                  </a:schemeClr>
+                </a:solidFill>
+                <a:latin typeface="맑은 고딕" panose="020B0503020000020004" pitchFamily="50" charset="-127"/>
+                <a:ea typeface="맑은 고딕" panose="020B0503020000020004" pitchFamily="50" charset="-127"/>
+              </a:rPr>
+              <a:t>AuthServer.exe</a:t>
+            </a:r>
+            <a:r>
+              <a:rPr lang="ko-KR" altLang="en-US" sz="1100" dirty="0" smtClean="0">
+                <a:solidFill>
+                  <a:schemeClr val="tx2">
+                    <a:lumMod val="60000"/>
+                    <a:lumOff val="40000"/>
+                  </a:schemeClr>
+                </a:solidFill>
+                <a:latin typeface="맑은 고딕" panose="020B0503020000020004" pitchFamily="50" charset="-127"/>
+                <a:ea typeface="맑은 고딕" panose="020B0503020000020004" pitchFamily="50" charset="-127"/>
+              </a:rPr>
+              <a:t>를 실행합니다</a:t>
+            </a:r>
+            <a:r>
+              <a:rPr lang="en-US" altLang="ko-KR" sz="1100" dirty="0" smtClean="0">
+                <a:solidFill>
+                  <a:schemeClr val="tx2">
+                    <a:lumMod val="60000"/>
+                    <a:lumOff val="40000"/>
+                  </a:schemeClr>
+                </a:solidFill>
+                <a:latin typeface="맑은 고딕" panose="020B0503020000020004" pitchFamily="50" charset="-127"/>
+                <a:ea typeface="맑은 고딕" panose="020B0503020000020004" pitchFamily="50" charset="-127"/>
+              </a:rPr>
+              <a:t>.</a:t>
+            </a:r>
+            <a:endParaRPr lang="ko-KR" altLang="en-US" sz="1100" dirty="0" smtClean="0">
+              <a:solidFill>
+                <a:schemeClr val="tx2">
+                  <a:lumMod val="60000"/>
+                  <a:lumOff val="40000"/>
+                </a:schemeClr>
+              </a:solidFill>
+              <a:latin typeface="맑은 고딕" panose="020B0503020000020004" pitchFamily="50" charset="-127"/>
+              <a:ea typeface="맑은 고딕" panose="020B0503020000020004" pitchFamily="50" charset="-127"/>
+            </a:endParaRPr>
+          </a:p>
+        </p:txBody>
+      </p:sp>
+      <p:sp>
+        <p:nvSpPr>
+          <p:cNvPr id="8" name="TextBox 7"/>
+          <p:cNvSpPr txBox="1"/>
+          <p:nvPr/>
+        </p:nvSpPr>
+        <p:spPr>
+          <a:xfrm>
+            <a:off x="4516929" y="926128"/>
+            <a:ext cx="4104009" cy="261610"/>
+          </a:xfrm>
+          <a:prstGeom prst="rect">
+            <a:avLst/>
+          </a:prstGeom>
+          <a:noFill/>
+        </p:spPr>
+        <p:txBody>
+          <a:bodyPr wrap="none" rtlCol="0">
+            <a:spAutoFit/>
+          </a:bodyPr>
+          <a:lstStyle/>
+          <a:p>
+            <a:pPr algn="l"/>
+            <a:r>
+              <a:rPr lang="ko-KR" altLang="en-US" sz="1100" dirty="0" smtClean="0">
+                <a:solidFill>
+                  <a:schemeClr val="tx2">
+                    <a:lumMod val="60000"/>
+                    <a:lumOff val="40000"/>
+                  </a:schemeClr>
+                </a:solidFill>
+                <a:latin typeface="맑은 고딕" panose="020B0503020000020004" pitchFamily="50" charset="-127"/>
+                <a:ea typeface="맑은 고딕" panose="020B0503020000020004" pitchFamily="50" charset="-127"/>
+              </a:rPr>
+              <a:t>② </a:t>
+            </a:r>
+            <a:r>
+              <a:rPr lang="ko-KR" altLang="en-US" sz="1100" dirty="0" smtClean="0">
+                <a:solidFill>
+                  <a:schemeClr val="tx2">
+                    <a:lumMod val="60000"/>
+                    <a:lumOff val="40000"/>
+                  </a:schemeClr>
+                </a:solidFill>
+                <a:latin typeface="맑은 고딕" panose="020B0503020000020004" pitchFamily="50" charset="-127"/>
+                <a:ea typeface="맑은 고딕" panose="020B0503020000020004" pitchFamily="50" charset="-127"/>
+              </a:rPr>
+              <a:t>다이얼로그 창에서 </a:t>
+            </a:r>
+            <a:r>
+              <a:rPr lang="en-US" altLang="ko-KR" sz="1100" dirty="0" smtClean="0">
+                <a:solidFill>
+                  <a:schemeClr val="tx2">
+                    <a:lumMod val="60000"/>
+                    <a:lumOff val="40000"/>
+                  </a:schemeClr>
+                </a:solidFill>
+                <a:latin typeface="맑은 고딕" panose="020B0503020000020004" pitchFamily="50" charset="-127"/>
+                <a:ea typeface="맑은 고딕" panose="020B0503020000020004" pitchFamily="50" charset="-127"/>
+              </a:rPr>
+              <a:t>Start </a:t>
+            </a:r>
+            <a:r>
+              <a:rPr lang="ko-KR" altLang="en-US" sz="1100" dirty="0" smtClean="0">
+                <a:solidFill>
+                  <a:schemeClr val="tx2">
+                    <a:lumMod val="60000"/>
+                    <a:lumOff val="40000"/>
+                  </a:schemeClr>
+                </a:solidFill>
+                <a:latin typeface="맑은 고딕" panose="020B0503020000020004" pitchFamily="50" charset="-127"/>
+                <a:ea typeface="맑은 고딕" panose="020B0503020000020004" pitchFamily="50" charset="-127"/>
+              </a:rPr>
+              <a:t>버튼을 누르면 서버가 구동됩니다</a:t>
+            </a:r>
+            <a:r>
+              <a:rPr lang="en-US" altLang="ko-KR" sz="1100" dirty="0" smtClean="0">
+                <a:solidFill>
+                  <a:schemeClr val="tx2">
+                    <a:lumMod val="60000"/>
+                    <a:lumOff val="40000"/>
+                  </a:schemeClr>
+                </a:solidFill>
+                <a:latin typeface="맑은 고딕" panose="020B0503020000020004" pitchFamily="50" charset="-127"/>
+                <a:ea typeface="맑은 고딕" panose="020B0503020000020004" pitchFamily="50" charset="-127"/>
+              </a:rPr>
+              <a:t>.</a:t>
+            </a:r>
+            <a:endParaRPr lang="ko-KR" altLang="en-US" sz="1100" dirty="0" smtClean="0">
+              <a:solidFill>
+                <a:schemeClr val="tx2">
+                  <a:lumMod val="60000"/>
+                  <a:lumOff val="40000"/>
+                </a:schemeClr>
+              </a:solidFill>
+              <a:latin typeface="맑은 고딕" panose="020B0503020000020004" pitchFamily="50" charset="-127"/>
+              <a:ea typeface="맑은 고딕" panose="020B0503020000020004" pitchFamily="50" charset="-127"/>
+            </a:endParaRPr>
+          </a:p>
+        </p:txBody>
+      </p:sp>
+      <p:cxnSp>
+        <p:nvCxnSpPr>
+          <p:cNvPr id="9" name="직선 연결선 8"/>
+          <p:cNvCxnSpPr/>
+          <p:nvPr/>
+        </p:nvCxnSpPr>
+        <p:spPr bwMode="auto">
+          <a:xfrm>
+            <a:off x="4271736" y="926128"/>
+            <a:ext cx="0" cy="3535874"/>
+          </a:xfrm>
+          <a:prstGeom prst="line">
+            <a:avLst/>
+          </a:prstGeom>
+          <a:solidFill>
+            <a:srgbClr val="FFFFFF"/>
+          </a:solidFill>
+          <a:ln w="9525" cap="flat" cmpd="sng" algn="ctr">
+            <a:solidFill>
+              <a:schemeClr val="tx1"/>
+            </a:solidFill>
+            <a:prstDash val="lgDash"/>
+            <a:round/>
+            <a:headEnd type="none" w="med" len="med"/>
+            <a:tailEnd type="none"/>
+          </a:ln>
+          <a:effectLst/>
+        </p:spPr>
+      </p:cxnSp>
+      <p:sp>
+        <p:nvSpPr>
+          <p:cNvPr id="10" name="오른쪽 화살표 9"/>
+          <p:cNvSpPr/>
+          <p:nvPr/>
+        </p:nvSpPr>
+        <p:spPr bwMode="auto">
+          <a:xfrm>
+            <a:off x="4031928" y="1941666"/>
+            <a:ext cx="575013" cy="1530204"/>
+          </a:xfrm>
+          <a:prstGeom prst="rightArrow">
+            <a:avLst/>
+          </a:prstGeom>
+          <a:solidFill>
+            <a:schemeClr val="bg1"/>
+          </a:solidFill>
+          <a:ln w="12700" cap="flat" cmpd="sng" algn="ctr">
+            <a:solidFill>
+              <a:schemeClr val="tx1"/>
+            </a:solidFill>
+            <a:prstDash val="solid"/>
+            <a:round/>
+            <a:headEnd type="none" w="med" len="med"/>
+            <a:tailEnd type="none" w="med" len="med"/>
+          </a:ln>
+          <a:effectLst/>
+        </p:spPr>
+        <p:txBody>
+          <a:bodyPr vert="horz" wrap="none" lIns="77925" tIns="38963" rIns="77925" bIns="38963" numCol="1" rtlCol="0" anchor="ctr" anchorCtr="0" compatLnSpc="1">
+            <a:prstTxWarp prst="textNoShape">
+              <a:avLst/>
+            </a:prstTxWarp>
+          </a:bodyPr>
+          <a:lstStyle/>
+          <a:p>
+            <a:pPr algn="ctr"/>
+            <a:endParaRPr lang="ko-KR" altLang="en-US" sz="700" b="1" dirty="0" smtClean="0">
+              <a:latin typeface="맑은 고딕" panose="020B0503020000020004" pitchFamily="50" charset="-127"/>
+              <a:ea typeface="맑은 고딕" panose="020B0503020000020004" pitchFamily="50" charset="-127"/>
+            </a:endParaRPr>
+          </a:p>
+        </p:txBody>
+      </p:sp>
+      <p:pic>
+        <p:nvPicPr>
+          <p:cNvPr id="14" name="그림 13"/>
+          <p:cNvPicPr>
+            <a:picLocks noChangeAspect="1"/>
+          </p:cNvPicPr>
+          <p:nvPr/>
+        </p:nvPicPr>
+        <p:blipFill>
+          <a:blip r:embed="rId3"/>
+          <a:stretch>
+            <a:fillRect/>
+          </a:stretch>
+        </p:blipFill>
+        <p:spPr>
+          <a:xfrm>
+            <a:off x="5112072" y="1691657"/>
+            <a:ext cx="3072771" cy="2469413"/>
+          </a:xfrm>
+          <a:prstGeom prst="rect">
+            <a:avLst/>
+          </a:prstGeom>
+        </p:spPr>
+      </p:pic>
+      <p:sp>
+        <p:nvSpPr>
+          <p:cNvPr id="15" name="직사각형 14"/>
+          <p:cNvSpPr/>
+          <p:nvPr/>
+        </p:nvSpPr>
+        <p:spPr bwMode="auto">
+          <a:xfrm>
+            <a:off x="5148234" y="1892982"/>
+            <a:ext cx="688647" cy="408732"/>
+          </a:xfrm>
+          <a:prstGeom prst="rect">
+            <a:avLst/>
+          </a:prstGeom>
+          <a:noFill/>
+          <a:ln w="19050" cap="flat" cmpd="sng" algn="ctr">
+            <a:solidFill>
+              <a:srgbClr val="FF0000"/>
+            </a:solidFill>
+            <a:prstDash val="dash"/>
+            <a:round/>
+            <a:headEnd type="none" w="med" len="med"/>
+            <a:tailEnd type="none" w="med" len="med"/>
+          </a:ln>
+          <a:effectLst/>
+        </p:spPr>
+        <p:txBody>
+          <a:bodyPr vert="horz" wrap="none" lIns="77925" tIns="38963" rIns="77925" bIns="38963" numCol="1" rtlCol="0" anchor="ctr" anchorCtr="0" compatLnSpc="1">
+            <a:prstTxWarp prst="textNoShape">
+              <a:avLst/>
+            </a:prstTxWarp>
+          </a:bodyPr>
+          <a:lstStyle/>
+          <a:p>
+            <a:pPr algn="ctr"/>
+            <a:endParaRPr lang="ko-KR" altLang="en-US" sz="700" b="1" dirty="0" smtClean="0">
               <a:latin typeface="맑은 고딕" panose="020B0503020000020004" pitchFamily="50" charset="-127"/>
               <a:ea typeface="맑은 고딕" panose="020B0503020000020004" pitchFamily="50" charset="-127"/>
             </a:endParaRPr>
